--- a/GREmLN_MCP_Server_Presentation.pptx
+++ b/GREmLN_MCP_Server_Presentation.pptx
@@ -4383,8 +4383,8 @@
         </p:nvSpPr>
         <p:spPr>
           <a:xfrm>
-            <a:off x="548640" y="1554480"/>
-            <a:ext cx="137160" cy="1005840"/>
+            <a:off x="548640" y="1463040"/>
+            <a:ext cx="137160" cy="822960"/>
           </a:xfrm>
           <a:prstGeom prst="rect">
             <a:avLst/>
@@ -4426,7 +4426,7 @@
         </p:nvSpPr>
         <p:spPr>
           <a:xfrm>
-            <a:off x="914400" y="1554480"/>
+            <a:off x="914400" y="1463040"/>
             <a:ext cx="3657600" cy="548640"/>
           </a:xfrm>
           <a:prstGeom prst="rect">
@@ -4461,7 +4461,7 @@
         </p:nvSpPr>
         <p:spPr>
           <a:xfrm>
-            <a:off x="914400" y="2057400"/>
+            <a:off x="914400" y="1874520"/>
             <a:ext cx="10058400" cy="457200"/>
           </a:xfrm>
           <a:prstGeom prst="rect">
@@ -4496,8 +4496,8 @@
         </p:nvSpPr>
         <p:spPr>
           <a:xfrm>
-            <a:off x="548640" y="2788920"/>
-            <a:ext cx="137160" cy="1005840"/>
+            <a:off x="548640" y="2423160"/>
+            <a:ext cx="137160" cy="822960"/>
           </a:xfrm>
           <a:prstGeom prst="rect">
             <a:avLst/>
@@ -4539,7 +4539,7 @@
         </p:nvSpPr>
         <p:spPr>
           <a:xfrm>
-            <a:off x="914400" y="2788920"/>
+            <a:off x="914400" y="2423160"/>
             <a:ext cx="3657600" cy="548640"/>
           </a:xfrm>
           <a:prstGeom prst="rect">
@@ -4574,7 +4574,7 @@
         </p:nvSpPr>
         <p:spPr>
           <a:xfrm>
-            <a:off x="914400" y="3291840"/>
+            <a:off x="914400" y="2834640"/>
             <a:ext cx="10058400" cy="457200"/>
           </a:xfrm>
           <a:prstGeom prst="rect">
@@ -4609,8 +4609,8 @@
         </p:nvSpPr>
         <p:spPr>
           <a:xfrm>
-            <a:off x="548640" y="4023360"/>
-            <a:ext cx="137160" cy="1005840"/>
+            <a:off x="548640" y="3383280"/>
+            <a:ext cx="137160" cy="822960"/>
           </a:xfrm>
           <a:prstGeom prst="rect">
             <a:avLst/>
@@ -4652,7 +4652,7 @@
         </p:nvSpPr>
         <p:spPr>
           <a:xfrm>
-            <a:off x="914400" y="4023360"/>
+            <a:off x="914400" y="3383280"/>
             <a:ext cx="3657600" cy="548640"/>
           </a:xfrm>
           <a:prstGeom prst="rect">
@@ -4687,7 +4687,7 @@
         </p:nvSpPr>
         <p:spPr>
           <a:xfrm>
-            <a:off x="914400" y="4526280"/>
+            <a:off x="914400" y="3794760"/>
             <a:ext cx="10058400" cy="457200"/>
           </a:xfrm>
           <a:prstGeom prst="rect">
@@ -4722,8 +4722,8 @@
         </p:nvSpPr>
         <p:spPr>
           <a:xfrm>
-            <a:off x="548640" y="5257800"/>
-            <a:ext cx="137160" cy="1005840"/>
+            <a:off x="548640" y="4343400"/>
+            <a:ext cx="137160" cy="822960"/>
           </a:xfrm>
           <a:prstGeom prst="rect">
             <a:avLst/>
@@ -4765,7 +4765,7 @@
         </p:nvSpPr>
         <p:spPr>
           <a:xfrm>
-            <a:off x="914400" y="5257800"/>
+            <a:off x="914400" y="4343400"/>
             <a:ext cx="3657600" cy="548640"/>
           </a:xfrm>
           <a:prstGeom prst="rect">
@@ -4800,7 +4800,7 @@
         </p:nvSpPr>
         <p:spPr>
           <a:xfrm>
-            <a:off x="914400" y="5760720"/>
+            <a:off x="914400" y="4754880"/>
             <a:ext cx="10058400" cy="457200"/>
           </a:xfrm>
           <a:prstGeom prst="rect">
@@ -4835,7 +4835,7 @@
         </p:nvSpPr>
         <p:spPr>
           <a:xfrm>
-            <a:off x="2743200" y="5486400"/>
+            <a:off x="2743200" y="5303520"/>
             <a:ext cx="6705295" cy="914400"/>
           </a:xfrm>
           <a:prstGeom prst="roundRect">
@@ -4878,7 +4878,7 @@
         </p:nvSpPr>
         <p:spPr>
           <a:xfrm>
-            <a:off x="2743200" y="5715000"/>
+            <a:off x="2743200" y="5532120"/>
             <a:ext cx="6705295" cy="548640"/>
           </a:xfrm>
           <a:prstGeom prst="rect">

--- a/GREmLN_MCP_Server_Presentation.pptx
+++ b/GREmLN_MCP_Server_Presentation.pptx
@@ -17,6 +17,7 @@
     <p:sldId id="265" r:id="rId16"/>
     <p:sldId id="266" r:id="rId17"/>
     <p:sldId id="267" r:id="rId18"/>
+    <p:sldId id="268" r:id="rId19"/>
   </p:sldIdLst>
   <p:sldSz cx="12191695" cy="6858000" type="screen4x3"/>
   <p:notesSz cx="6858000" cy="9144000"/>
@@ -3515,7 +3516,7 @@
               </a:defRPr>
             </a:pPr>
             <a:r>
-              <a:t>Seamless Integration</a:t>
+              <a:t>Performance</a:t>
             </a:r>
           </a:p>
         </p:txBody>
@@ -3528,16 +3529,14 @@
         </p:nvSpPr>
         <p:spPr>
           <a:xfrm>
-            <a:off x="457200" y="2286000"/>
-            <a:ext cx="2286000" cy="1097280"/>
+            <a:off x="548640" y="1645920"/>
+            <a:ext cx="2651760" cy="3200400"/>
           </a:xfrm>
           <a:prstGeom prst="roundRect">
-            <a:avLst>
-              <a:gd name="adj" fmla="val 15000"/>
-            </a:avLst>
-          </a:prstGeom>
-          <a:solidFill>
-            <a:srgbClr val="2D3A4A"/>
+            <a:avLst/>
+          </a:prstGeom>
+          <a:solidFill>
+            <a:srgbClr val="F5F7FA"/>
           </a:solidFill>
           <a:ln>
             <a:noFill/>
@@ -3558,42 +3557,138 @@
           </a:fontRef>
         </p:style>
         <p:txBody>
-          <a:bodyPr rtlCol="0" anchor="ctr" wrap="square"/>
+          <a:bodyPr rtlCol="0" anchor="ctr"/>
+          <a:lstStyle/>
+          <a:p>
+            <a:pPr algn="ctr"/>
+          </a:p>
+        </p:txBody>
+      </p:sp>
+      <p:sp>
+        <p:nvSpPr>
+          <p:cNvPr id="7" name="TextBox 6"/>
+          <p:cNvSpPr txBox="1"/>
+          <p:nvPr/>
+        </p:nvSpPr>
+        <p:spPr>
+          <a:xfrm>
+            <a:off x="548640" y="1828800"/>
+            <a:ext cx="2651760" cy="1097280"/>
+          </a:xfrm>
+          <a:prstGeom prst="rect">
+            <a:avLst/>
+          </a:prstGeom>
+          <a:noFill/>
+        </p:spPr>
+        <p:txBody>
+          <a:bodyPr wrap="none">
+            <a:spAutoFit/>
+          </a:bodyPr>
           <a:lstStyle/>
           <a:p>
             <a:pPr algn="ctr">
-              <a:defRPr sz="1600" b="1">
-                <a:solidFill>
-                  <a:srgbClr val="FFFFFF"/>
-                </a:solidFill>
-              </a:defRPr>
-            </a:pPr>
-            <a:r>
-              <a:t>Researcher</a:t>
+              <a:defRPr sz="4800" b="1">
+                <a:solidFill>
+                  <a:srgbClr val="009B9E"/>
+                </a:solidFill>
+              </a:defRPr>
+            </a:pPr>
+            <a:r>
+              <a:t>&lt; 3 sec</a:t>
+            </a:r>
+          </a:p>
+        </p:txBody>
+      </p:sp>
+      <p:sp>
+        <p:nvSpPr>
+          <p:cNvPr id="8" name="TextBox 7"/>
+          <p:cNvSpPr txBox="1"/>
+          <p:nvPr/>
+        </p:nvSpPr>
+        <p:spPr>
+          <a:xfrm>
+            <a:off x="548640" y="2926080"/>
+            <a:ext cx="2651760" cy="457200"/>
+          </a:xfrm>
+          <a:prstGeom prst="rect">
+            <a:avLst/>
+          </a:prstGeom>
+          <a:noFill/>
+        </p:spPr>
+        <p:txBody>
+          <a:bodyPr wrap="none">
+            <a:spAutoFit/>
+          </a:bodyPr>
+          <a:lstStyle/>
+          <a:p>
+            <a:pPr algn="ctr">
+              <a:defRPr sz="2000" b="1">
+                <a:solidFill>
+                  <a:srgbClr val="2D3A4A"/>
+                </a:solidFill>
+              </a:defRPr>
+            </a:pPr>
+            <a:r>
+              <a:t>Full Analysis</a:t>
+            </a:r>
+          </a:p>
+        </p:txBody>
+      </p:sp>
+      <p:sp>
+        <p:nvSpPr>
+          <p:cNvPr id="9" name="TextBox 8"/>
+          <p:cNvSpPr txBox="1"/>
+          <p:nvPr/>
+        </p:nvSpPr>
+        <p:spPr>
+          <a:xfrm>
+            <a:off x="731520" y="3474720"/>
+            <a:ext cx="2286000" cy="1097280"/>
+          </a:xfrm>
+          <a:prstGeom prst="rect">
+            <a:avLst/>
+          </a:prstGeom>
+          <a:noFill/>
+        </p:spPr>
+        <p:txBody>
+          <a:bodyPr wrap="square">
+            <a:spAutoFit/>
+          </a:bodyPr>
+          <a:lstStyle/>
+          <a:p>
+            <a:pPr algn="ctr">
+              <a:defRPr sz="1400">
+                <a:solidFill>
+                  <a:srgbClr val="647487"/>
+                </a:solidFill>
+              </a:defRPr>
+            </a:pPr>
+            <a:r>
+              <a:t>GPU-accelerated</a:t>
             </a:r>
             <a:br/>
             <a:r>
-              <a:t>(Natural Language)</a:t>
-            </a:r>
-          </a:p>
-        </p:txBody>
-      </p:sp>
-      <p:sp>
-        <p:nvSpPr>
-          <p:cNvPr id="7" name="Right Arrow 6"/>
+              <a:t>perturbation prediction</a:t>
+            </a:r>
+          </a:p>
+        </p:txBody>
+      </p:sp>
+      <p:sp>
+        <p:nvSpPr>
+          <p:cNvPr id="10" name="Rounded Rectangle 9"/>
           <p:cNvSpPr/>
           <p:nvPr/>
         </p:nvSpPr>
         <p:spPr>
           <a:xfrm>
-            <a:off x="2834640" y="2743200"/>
-            <a:ext cx="457200" cy="274320"/>
-          </a:xfrm>
-          <a:prstGeom prst="rightArrow">
-            <a:avLst/>
-          </a:prstGeom>
-          <a:solidFill>
-            <a:srgbClr val="647487"/>
+            <a:off x="3474720" y="1645920"/>
+            <a:ext cx="2651760" cy="3200400"/>
+          </a:xfrm>
+          <a:prstGeom prst="roundRect">
+            <a:avLst/>
+          </a:prstGeom>
+          <a:solidFill>
+            <a:srgbClr val="F5F7FA"/>
           </a:solidFill>
           <a:ln>
             <a:noFill/>
@@ -3623,22 +3718,129 @@
       </p:sp>
       <p:sp>
         <p:nvSpPr>
-          <p:cNvPr id="8" name="Rounded Rectangle 7"/>
+          <p:cNvPr id="11" name="TextBox 10"/>
+          <p:cNvSpPr txBox="1"/>
+          <p:nvPr/>
+        </p:nvSpPr>
+        <p:spPr>
+          <a:xfrm>
+            <a:off x="3474720" y="1828800"/>
+            <a:ext cx="2651760" cy="1097280"/>
+          </a:xfrm>
+          <a:prstGeom prst="rect">
+            <a:avLst/>
+          </a:prstGeom>
+          <a:noFill/>
+        </p:spPr>
+        <p:txBody>
+          <a:bodyPr wrap="none">
+            <a:spAutoFit/>
+          </a:bodyPr>
+          <a:lstStyle/>
+          <a:p>
+            <a:pPr algn="ctr">
+              <a:defRPr sz="4800" b="1">
+                <a:solidFill>
+                  <a:srgbClr val="009B9E"/>
+                </a:solidFill>
+              </a:defRPr>
+            </a:pPr>
+            <a:r>
+              <a:t>19,247</a:t>
+            </a:r>
+          </a:p>
+        </p:txBody>
+      </p:sp>
+      <p:sp>
+        <p:nvSpPr>
+          <p:cNvPr id="12" name="TextBox 11"/>
+          <p:cNvSpPr txBox="1"/>
+          <p:nvPr/>
+        </p:nvSpPr>
+        <p:spPr>
+          <a:xfrm>
+            <a:off x="3474720" y="2926080"/>
+            <a:ext cx="2651760" cy="457200"/>
+          </a:xfrm>
+          <a:prstGeom prst="rect">
+            <a:avLst/>
+          </a:prstGeom>
+          <a:noFill/>
+        </p:spPr>
+        <p:txBody>
+          <a:bodyPr wrap="none">
+            <a:spAutoFit/>
+          </a:bodyPr>
+          <a:lstStyle/>
+          <a:p>
+            <a:pPr algn="ctr">
+              <a:defRPr sz="2000" b="1">
+                <a:solidFill>
+                  <a:srgbClr val="2D3A4A"/>
+                </a:solidFill>
+              </a:defRPr>
+            </a:pPr>
+            <a:r>
+              <a:t>Genes</a:t>
+            </a:r>
+          </a:p>
+        </p:txBody>
+      </p:sp>
+      <p:sp>
+        <p:nvSpPr>
+          <p:cNvPr id="13" name="TextBox 12"/>
+          <p:cNvSpPr txBox="1"/>
+          <p:nvPr/>
+        </p:nvSpPr>
+        <p:spPr>
+          <a:xfrm>
+            <a:off x="3657600" y="3474720"/>
+            <a:ext cx="2286000" cy="1097280"/>
+          </a:xfrm>
+          <a:prstGeom prst="rect">
+            <a:avLst/>
+          </a:prstGeom>
+          <a:noFill/>
+        </p:spPr>
+        <p:txBody>
+          <a:bodyPr wrap="square">
+            <a:spAutoFit/>
+          </a:bodyPr>
+          <a:lstStyle/>
+          <a:p>
+            <a:pPr algn="ctr">
+              <a:defRPr sz="1400">
+                <a:solidFill>
+                  <a:srgbClr val="647487"/>
+                </a:solidFill>
+              </a:defRPr>
+            </a:pPr>
+            <a:r>
+              <a:t>Complete coverage in</a:t>
+            </a:r>
+            <a:br/>
+            <a:r>
+              <a:t>embedding space</a:t>
+            </a:r>
+          </a:p>
+        </p:txBody>
+      </p:sp>
+      <p:sp>
+        <p:nvSpPr>
+          <p:cNvPr id="14" name="Rounded Rectangle 13"/>
           <p:cNvSpPr/>
           <p:nvPr/>
         </p:nvSpPr>
         <p:spPr>
           <a:xfrm>
-            <a:off x="3383280" y="2286000"/>
-            <a:ext cx="2286000" cy="1097280"/>
+            <a:off x="6400800" y="1645920"/>
+            <a:ext cx="2651760" cy="3200400"/>
           </a:xfrm>
           <a:prstGeom prst="roundRect">
-            <a:avLst>
-              <a:gd name="adj" fmla="val 15000"/>
-            </a:avLst>
-          </a:prstGeom>
-          <a:solidFill>
-            <a:srgbClr val="1A568C"/>
+            <a:avLst/>
+          </a:prstGeom>
+          <a:solidFill>
+            <a:srgbClr val="F5F7FA"/>
           </a:solidFill>
           <a:ln>
             <a:noFill/>
@@ -3659,42 +3861,138 @@
           </a:fontRef>
         </p:style>
         <p:txBody>
-          <a:bodyPr rtlCol="0" anchor="ctr" wrap="square"/>
+          <a:bodyPr rtlCol="0" anchor="ctr"/>
+          <a:lstStyle/>
+          <a:p>
+            <a:pPr algn="ctr"/>
+          </a:p>
+        </p:txBody>
+      </p:sp>
+      <p:sp>
+        <p:nvSpPr>
+          <p:cNvPr id="15" name="TextBox 14"/>
+          <p:cNvSpPr txBox="1"/>
+          <p:nvPr/>
+        </p:nvSpPr>
+        <p:spPr>
+          <a:xfrm>
+            <a:off x="6400800" y="1828800"/>
+            <a:ext cx="2651760" cy="1097280"/>
+          </a:xfrm>
+          <a:prstGeom prst="rect">
+            <a:avLst/>
+          </a:prstGeom>
+          <a:noFill/>
+        </p:spPr>
+        <p:txBody>
+          <a:bodyPr wrap="none">
+            <a:spAutoFit/>
+          </a:bodyPr>
           <a:lstStyle/>
           <a:p>
             <a:pPr algn="ctr">
-              <a:defRPr sz="1600" b="1">
-                <a:solidFill>
-                  <a:srgbClr val="FFFFFF"/>
-                </a:solidFill>
-              </a:defRPr>
-            </a:pPr>
-            <a:r>
-              <a:t>Claude AI</a:t>
+              <a:defRPr sz="4800" b="1">
+                <a:solidFill>
+                  <a:srgbClr val="009B9E"/>
+                </a:solidFill>
+              </a:defRPr>
+            </a:pPr>
+            <a:r>
+              <a:t>11M</a:t>
+            </a:r>
+          </a:p>
+        </p:txBody>
+      </p:sp>
+      <p:sp>
+        <p:nvSpPr>
+          <p:cNvPr id="16" name="TextBox 15"/>
+          <p:cNvSpPr txBox="1"/>
+          <p:nvPr/>
+        </p:nvSpPr>
+        <p:spPr>
+          <a:xfrm>
+            <a:off x="6400800" y="2926080"/>
+            <a:ext cx="2651760" cy="457200"/>
+          </a:xfrm>
+          <a:prstGeom prst="rect">
+            <a:avLst/>
+          </a:prstGeom>
+          <a:noFill/>
+        </p:spPr>
+        <p:txBody>
+          <a:bodyPr wrap="none">
+            <a:spAutoFit/>
+          </a:bodyPr>
+          <a:lstStyle/>
+          <a:p>
+            <a:pPr algn="ctr">
+              <a:defRPr sz="2000" b="1">
+                <a:solidFill>
+                  <a:srgbClr val="2D3A4A"/>
+                </a:solidFill>
+              </a:defRPr>
+            </a:pPr>
+            <a:r>
+              <a:t>Cells Trained</a:t>
+            </a:r>
+          </a:p>
+        </p:txBody>
+      </p:sp>
+      <p:sp>
+        <p:nvSpPr>
+          <p:cNvPr id="17" name="TextBox 16"/>
+          <p:cNvSpPr txBox="1"/>
+          <p:nvPr/>
+        </p:nvSpPr>
+        <p:spPr>
+          <a:xfrm>
+            <a:off x="6583680" y="3474720"/>
+            <a:ext cx="2286000" cy="1097280"/>
+          </a:xfrm>
+          <a:prstGeom prst="rect">
+            <a:avLst/>
+          </a:prstGeom>
+          <a:noFill/>
+        </p:spPr>
+        <p:txBody>
+          <a:bodyPr wrap="square">
+            <a:spAutoFit/>
+          </a:bodyPr>
+          <a:lstStyle/>
+          <a:p>
+            <a:pPr algn="ctr">
+              <a:defRPr sz="1400">
+                <a:solidFill>
+                  <a:srgbClr val="647487"/>
+                </a:solidFill>
+              </a:defRPr>
+            </a:pPr>
+            <a:r>
+              <a:t>Deep learning on</a:t>
             </a:r>
             <a:br/>
             <a:r>
-              <a:t>(MCP Client)</a:t>
-            </a:r>
-          </a:p>
-        </p:txBody>
-      </p:sp>
-      <p:sp>
-        <p:nvSpPr>
-          <p:cNvPr id="9" name="Right Arrow 8"/>
+              <a:t>massive single-cell data</a:t>
+            </a:r>
+          </a:p>
+        </p:txBody>
+      </p:sp>
+      <p:sp>
+        <p:nvSpPr>
+          <p:cNvPr id="18" name="Rounded Rectangle 17"/>
           <p:cNvSpPr/>
           <p:nvPr/>
         </p:nvSpPr>
         <p:spPr>
           <a:xfrm>
-            <a:off x="5760720" y="2743200"/>
-            <a:ext cx="457200" cy="274320"/>
-          </a:xfrm>
-          <a:prstGeom prst="rightArrow">
-            <a:avLst/>
-          </a:prstGeom>
-          <a:solidFill>
-            <a:srgbClr val="647487"/>
+            <a:off x="9326880" y="1645920"/>
+            <a:ext cx="2651760" cy="3200400"/>
+          </a:xfrm>
+          <a:prstGeom prst="roundRect">
+            <a:avLst/>
+          </a:prstGeom>
+          <a:solidFill>
+            <a:srgbClr val="F5F7FA"/>
           </a:solidFill>
           <a:ln>
             <a:noFill/>
@@ -3724,22 +4022,129 @@
       </p:sp>
       <p:sp>
         <p:nvSpPr>
-          <p:cNvPr id="10" name="Rounded Rectangle 9"/>
+          <p:cNvPr id="19" name="TextBox 18"/>
+          <p:cNvSpPr txBox="1"/>
+          <p:nvPr/>
+        </p:nvSpPr>
+        <p:spPr>
+          <a:xfrm>
+            <a:off x="9326880" y="1828800"/>
+            <a:ext cx="2651760" cy="1097280"/>
+          </a:xfrm>
+          <a:prstGeom prst="rect">
+            <a:avLst/>
+          </a:prstGeom>
+          <a:noFill/>
+        </p:spPr>
+        <p:txBody>
+          <a:bodyPr wrap="none">
+            <a:spAutoFit/>
+          </a:bodyPr>
+          <a:lstStyle/>
+          <a:p>
+            <a:pPr algn="ctr">
+              <a:defRPr sz="4800" b="1">
+                <a:solidFill>
+                  <a:srgbClr val="009B9E"/>
+                </a:solidFill>
+              </a:defRPr>
+            </a:pPr>
+            <a:r>
+              <a:t>10</a:t>
+            </a:r>
+          </a:p>
+        </p:txBody>
+      </p:sp>
+      <p:sp>
+        <p:nvSpPr>
+          <p:cNvPr id="20" name="TextBox 19"/>
+          <p:cNvSpPr txBox="1"/>
+          <p:nvPr/>
+        </p:nvSpPr>
+        <p:spPr>
+          <a:xfrm>
+            <a:off x="9326880" y="2926080"/>
+            <a:ext cx="2651760" cy="457200"/>
+          </a:xfrm>
+          <a:prstGeom prst="rect">
+            <a:avLst/>
+          </a:prstGeom>
+          <a:noFill/>
+        </p:spPr>
+        <p:txBody>
+          <a:bodyPr wrap="none">
+            <a:spAutoFit/>
+          </a:bodyPr>
+          <a:lstStyle/>
+          <a:p>
+            <a:pPr algn="ctr">
+              <a:defRPr sz="2000" b="1">
+                <a:solidFill>
+                  <a:srgbClr val="2D3A4A"/>
+                </a:solidFill>
+              </a:defRPr>
+            </a:pPr>
+            <a:r>
+              <a:t>Cell Types</a:t>
+            </a:r>
+          </a:p>
+        </p:txBody>
+      </p:sp>
+      <p:sp>
+        <p:nvSpPr>
+          <p:cNvPr id="21" name="TextBox 20"/>
+          <p:cNvSpPr txBox="1"/>
+          <p:nvPr/>
+        </p:nvSpPr>
+        <p:spPr>
+          <a:xfrm>
+            <a:off x="9509760" y="3474720"/>
+            <a:ext cx="2286000" cy="1097280"/>
+          </a:xfrm>
+          <a:prstGeom prst="rect">
+            <a:avLst/>
+          </a:prstGeom>
+          <a:noFill/>
+        </p:spPr>
+        <p:txBody>
+          <a:bodyPr wrap="square">
+            <a:spAutoFit/>
+          </a:bodyPr>
+          <a:lstStyle/>
+          <a:p>
+            <a:pPr algn="ctr">
+              <a:defRPr sz="1400">
+                <a:solidFill>
+                  <a:srgbClr val="647487"/>
+                </a:solidFill>
+              </a:defRPr>
+            </a:pPr>
+            <a:r>
+              <a:t>Immune &amp; cancer-relevant</a:t>
+            </a:r>
+            <a:br/>
+            <a:r>
+              <a:t>networks</a:t>
+            </a:r>
+          </a:p>
+        </p:txBody>
+      </p:sp>
+      <p:sp>
+        <p:nvSpPr>
+          <p:cNvPr id="22" name="Rounded Rectangle 21"/>
           <p:cNvSpPr/>
           <p:nvPr/>
         </p:nvSpPr>
         <p:spPr>
           <a:xfrm>
-            <a:off x="6309360" y="2286000"/>
-            <a:ext cx="2286000" cy="1097280"/>
+            <a:off x="548640" y="5120640"/>
+            <a:ext cx="11094415" cy="914400"/>
           </a:xfrm>
           <a:prstGeom prst="roundRect">
-            <a:avLst>
-              <a:gd name="adj" fmla="val 15000"/>
-            </a:avLst>
-          </a:prstGeom>
-          <a:solidFill>
-            <a:srgbClr val="009B9E"/>
+            <a:avLst/>
+          </a:prstGeom>
+          <a:solidFill>
+            <a:srgbClr val="1A568C"/>
           </a:solidFill>
           <a:ln>
             <a:noFill/>
@@ -3760,62 +4165,6 @@
           </a:fontRef>
         </p:style>
         <p:txBody>
-          <a:bodyPr rtlCol="0" anchor="ctr" wrap="square"/>
-          <a:lstStyle/>
-          <a:p>
-            <a:pPr algn="ctr">
-              <a:defRPr sz="1600" b="1">
-                <a:solidFill>
-                  <a:srgbClr val="FFFFFF"/>
-                </a:solidFill>
-              </a:defRPr>
-            </a:pPr>
-            <a:r>
-              <a:t>GREmLN</a:t>
-            </a:r>
-            <a:br/>
-            <a:r>
-              <a:t>(MCP Server)</a:t>
-            </a:r>
-          </a:p>
-        </p:txBody>
-      </p:sp>
-      <p:sp>
-        <p:nvSpPr>
-          <p:cNvPr id="11" name="Right Arrow 10"/>
-          <p:cNvSpPr/>
-          <p:nvPr/>
-        </p:nvSpPr>
-        <p:spPr>
-          <a:xfrm>
-            <a:off x="8686800" y="2743200"/>
-            <a:ext cx="457200" cy="274320"/>
-          </a:xfrm>
-          <a:prstGeom prst="rightArrow">
-            <a:avLst/>
-          </a:prstGeom>
-          <a:solidFill>
-            <a:srgbClr val="647487"/>
-          </a:solidFill>
-          <a:ln>
-            <a:noFill/>
-          </a:ln>
-        </p:spPr>
-        <p:style>
-          <a:lnRef idx="1">
-            <a:schemeClr val="accent1"/>
-          </a:lnRef>
-          <a:fillRef idx="3">
-            <a:schemeClr val="accent1"/>
-          </a:fillRef>
-          <a:effectRef idx="2">
-            <a:schemeClr val="accent1"/>
-          </a:effectRef>
-          <a:fontRef idx="minor">
-            <a:schemeClr val="lt1"/>
-          </a:fontRef>
-        </p:style>
-        <p:txBody>
           <a:bodyPr rtlCol="0" anchor="ctr"/>
           <a:lstStyle/>
           <a:p>
@@ -3825,115 +4174,14 @@
       </p:sp>
       <p:sp>
         <p:nvSpPr>
-          <p:cNvPr id="12" name="Rounded Rectangle 11"/>
-          <p:cNvSpPr/>
-          <p:nvPr/>
-        </p:nvSpPr>
-        <p:spPr>
-          <a:xfrm>
-            <a:off x="9235440" y="2286000"/>
-            <a:ext cx="2286000" cy="1097280"/>
-          </a:xfrm>
-          <a:prstGeom prst="roundRect">
-            <a:avLst>
-              <a:gd name="adj" fmla="val 15000"/>
-            </a:avLst>
-          </a:prstGeom>
-          <a:solidFill>
-            <a:srgbClr val="2EA06A"/>
-          </a:solidFill>
-          <a:ln>
-            <a:noFill/>
-          </a:ln>
-        </p:spPr>
-        <p:style>
-          <a:lnRef idx="1">
-            <a:schemeClr val="accent1"/>
-          </a:lnRef>
-          <a:fillRef idx="3">
-            <a:schemeClr val="accent1"/>
-          </a:fillRef>
-          <a:effectRef idx="2">
-            <a:schemeClr val="accent1"/>
-          </a:effectRef>
-          <a:fontRef idx="minor">
-            <a:schemeClr val="lt1"/>
-          </a:fontRef>
-        </p:style>
-        <p:txBody>
-          <a:bodyPr rtlCol="0" anchor="ctr" wrap="square"/>
-          <a:lstStyle/>
-          <a:p>
-            <a:pPr algn="ctr">
-              <a:defRPr sz="1600" b="1">
-                <a:solidFill>
-                  <a:srgbClr val="FFFFFF"/>
-                </a:solidFill>
-              </a:defRPr>
-            </a:pPr>
-            <a:r>
-              <a:t>Predictions</a:t>
-            </a:r>
-            <a:br/>
-            <a:r>
-              <a:t>&amp; Insights</a:t>
-            </a:r>
-          </a:p>
-        </p:txBody>
-      </p:sp>
-      <p:sp>
-        <p:nvSpPr>
-          <p:cNvPr id="13" name="Oval 12"/>
-          <p:cNvSpPr/>
-          <p:nvPr/>
-        </p:nvSpPr>
-        <p:spPr>
-          <a:xfrm>
-            <a:off x="2286000" y="3931920"/>
-            <a:ext cx="320040" cy="320040"/>
-          </a:xfrm>
-          <a:prstGeom prst="ellipse">
-            <a:avLst/>
-          </a:prstGeom>
-          <a:solidFill>
-            <a:srgbClr val="2EA06A"/>
-          </a:solidFill>
-          <a:ln>
-            <a:noFill/>
-          </a:ln>
-        </p:spPr>
-        <p:style>
-          <a:lnRef idx="1">
-            <a:schemeClr val="accent1"/>
-          </a:lnRef>
-          <a:fillRef idx="3">
-            <a:schemeClr val="accent1"/>
-          </a:fillRef>
-          <a:effectRef idx="2">
-            <a:schemeClr val="accent1"/>
-          </a:effectRef>
-          <a:fontRef idx="minor">
-            <a:schemeClr val="lt1"/>
-          </a:fontRef>
-        </p:style>
-        <p:txBody>
-          <a:bodyPr rtlCol="0" anchor="ctr"/>
-          <a:lstStyle/>
-          <a:p>
-            <a:pPr algn="ctr"/>
-          </a:p>
-        </p:txBody>
-      </p:sp>
-      <p:sp>
-        <p:nvSpPr>
-          <p:cNvPr id="14" name="TextBox 13"/>
+          <p:cNvPr id="23" name="TextBox 22"/>
           <p:cNvSpPr txBox="1"/>
           <p:nvPr/>
         </p:nvSpPr>
         <p:spPr>
           <a:xfrm>
-            <a:off x="2743200" y="3931920"/>
-            <a:ext cx="7315200" cy="457200"/>
+            <a:off x="548640" y="5349240"/>
+            <a:ext cx="11094415" cy="548640"/>
           </a:xfrm>
           <a:prstGeom prst="rect">
             <a:avLst/>
@@ -3946,249 +4194,15 @@
           </a:bodyPr>
           <a:lstStyle/>
           <a:p>
-            <a:pPr>
+            <a:pPr algn="ctr">
               <a:defRPr sz="2000">
                 <a:solidFill>
-                  <a:srgbClr val="2D3A4A"/>
-                </a:solidFill>
-              </a:defRPr>
-            </a:pPr>
-            <a:r>
-              <a:t>Model Context Protocol (MCP) standard</a:t>
-            </a:r>
-          </a:p>
-        </p:txBody>
-      </p:sp>
-      <p:sp>
-        <p:nvSpPr>
-          <p:cNvPr id="15" name="Oval 14"/>
-          <p:cNvSpPr/>
-          <p:nvPr/>
-        </p:nvSpPr>
-        <p:spPr>
-          <a:xfrm>
-            <a:off x="2286000" y="4572000"/>
-            <a:ext cx="320040" cy="320040"/>
-          </a:xfrm>
-          <a:prstGeom prst="ellipse">
-            <a:avLst/>
-          </a:prstGeom>
-          <a:solidFill>
-            <a:srgbClr val="2EA06A"/>
-          </a:solidFill>
-          <a:ln>
-            <a:noFill/>
-          </a:ln>
-        </p:spPr>
-        <p:style>
-          <a:lnRef idx="1">
-            <a:schemeClr val="accent1"/>
-          </a:lnRef>
-          <a:fillRef idx="3">
-            <a:schemeClr val="accent1"/>
-          </a:fillRef>
-          <a:effectRef idx="2">
-            <a:schemeClr val="accent1"/>
-          </a:effectRef>
-          <a:fontRef idx="minor">
-            <a:schemeClr val="lt1"/>
-          </a:fontRef>
-        </p:style>
-        <p:txBody>
-          <a:bodyPr rtlCol="0" anchor="ctr"/>
-          <a:lstStyle/>
-          <a:p>
-            <a:pPr algn="ctr"/>
-          </a:p>
-        </p:txBody>
-      </p:sp>
-      <p:sp>
-        <p:nvSpPr>
-          <p:cNvPr id="16" name="TextBox 15"/>
-          <p:cNvSpPr txBox="1"/>
-          <p:nvPr/>
-        </p:nvSpPr>
-        <p:spPr>
-          <a:xfrm>
-            <a:off x="2743200" y="4572000"/>
-            <a:ext cx="7315200" cy="457200"/>
-          </a:xfrm>
-          <a:prstGeom prst="rect">
-            <a:avLst/>
-          </a:prstGeom>
-          <a:noFill/>
-        </p:spPr>
-        <p:txBody>
-          <a:bodyPr wrap="none">
-            <a:spAutoFit/>
-          </a:bodyPr>
-          <a:lstStyle/>
-          <a:p>
-            <a:pPr>
-              <a:defRPr sz="2000">
-                <a:solidFill>
-                  <a:srgbClr val="2D3A4A"/>
-                </a:solidFill>
-              </a:defRPr>
-            </a:pPr>
-            <a:r>
-              <a:t>Natural language interface - no coding required</a:t>
-            </a:r>
-          </a:p>
-        </p:txBody>
-      </p:sp>
-      <p:sp>
-        <p:nvSpPr>
-          <p:cNvPr id="17" name="Oval 16"/>
-          <p:cNvSpPr/>
-          <p:nvPr/>
-        </p:nvSpPr>
-        <p:spPr>
-          <a:xfrm>
-            <a:off x="2286000" y="5212079"/>
-            <a:ext cx="320040" cy="320040"/>
-          </a:xfrm>
-          <a:prstGeom prst="ellipse">
-            <a:avLst/>
-          </a:prstGeom>
-          <a:solidFill>
-            <a:srgbClr val="2EA06A"/>
-          </a:solidFill>
-          <a:ln>
-            <a:noFill/>
-          </a:ln>
-        </p:spPr>
-        <p:style>
-          <a:lnRef idx="1">
-            <a:schemeClr val="accent1"/>
-          </a:lnRef>
-          <a:fillRef idx="3">
-            <a:schemeClr val="accent1"/>
-          </a:fillRef>
-          <a:effectRef idx="2">
-            <a:schemeClr val="accent1"/>
-          </a:effectRef>
-          <a:fontRef idx="minor">
-            <a:schemeClr val="lt1"/>
-          </a:fontRef>
-        </p:style>
-        <p:txBody>
-          <a:bodyPr rtlCol="0" anchor="ctr"/>
-          <a:lstStyle/>
-          <a:p>
-            <a:pPr algn="ctr"/>
-          </a:p>
-        </p:txBody>
-      </p:sp>
-      <p:sp>
-        <p:nvSpPr>
-          <p:cNvPr id="18" name="TextBox 17"/>
-          <p:cNvSpPr txBox="1"/>
-          <p:nvPr/>
-        </p:nvSpPr>
-        <p:spPr>
-          <a:xfrm>
-            <a:off x="2743200" y="5212079"/>
-            <a:ext cx="7315200" cy="457200"/>
-          </a:xfrm>
-          <a:prstGeom prst="rect">
-            <a:avLst/>
-          </a:prstGeom>
-          <a:noFill/>
-        </p:spPr>
-        <p:txBody>
-          <a:bodyPr wrap="none">
-            <a:spAutoFit/>
-          </a:bodyPr>
-          <a:lstStyle/>
-          <a:p>
-            <a:pPr>
-              <a:defRPr sz="2000">
-                <a:solidFill>
-                  <a:srgbClr val="2D3A4A"/>
-                </a:solidFill>
-              </a:defRPr>
-            </a:pPr>
-            <a:r>
-              <a:t>Extensible tool framework for custom analyses</a:t>
-            </a:r>
-          </a:p>
-        </p:txBody>
-      </p:sp>
-      <p:sp>
-        <p:nvSpPr>
-          <p:cNvPr id="19" name="Oval 18"/>
-          <p:cNvSpPr/>
-          <p:nvPr/>
-        </p:nvSpPr>
-        <p:spPr>
-          <a:xfrm>
-            <a:off x="2286000" y="5852159"/>
-            <a:ext cx="320040" cy="320040"/>
-          </a:xfrm>
-          <a:prstGeom prst="ellipse">
-            <a:avLst/>
-          </a:prstGeom>
-          <a:solidFill>
-            <a:srgbClr val="2EA06A"/>
-          </a:solidFill>
-          <a:ln>
-            <a:noFill/>
-          </a:ln>
-        </p:spPr>
-        <p:style>
-          <a:lnRef idx="1">
-            <a:schemeClr val="accent1"/>
-          </a:lnRef>
-          <a:fillRef idx="3">
-            <a:schemeClr val="accent1"/>
-          </a:fillRef>
-          <a:effectRef idx="2">
-            <a:schemeClr val="accent1"/>
-          </a:effectRef>
-          <a:fontRef idx="minor">
-            <a:schemeClr val="lt1"/>
-          </a:fontRef>
-        </p:style>
-        <p:txBody>
-          <a:bodyPr rtlCol="0" anchor="ctr"/>
-          <a:lstStyle/>
-          <a:p>
-            <a:pPr algn="ctr"/>
-          </a:p>
-        </p:txBody>
-      </p:sp>
-      <p:sp>
-        <p:nvSpPr>
-          <p:cNvPr id="20" name="TextBox 19"/>
-          <p:cNvSpPr txBox="1"/>
-          <p:nvPr/>
-        </p:nvSpPr>
-        <p:spPr>
-          <a:xfrm>
-            <a:off x="2743200" y="5852159"/>
-            <a:ext cx="7315200" cy="457200"/>
-          </a:xfrm>
-          <a:prstGeom prst="rect">
-            <a:avLst/>
-          </a:prstGeom>
-          <a:noFill/>
-        </p:spPr>
-        <p:txBody>
-          <a:bodyPr wrap="none">
-            <a:spAutoFit/>
-          </a:bodyPr>
-          <a:lstStyle/>
-          <a:p>
-            <a:pPr>
-              <a:defRPr sz="2000">
-                <a:solidFill>
-                  <a:srgbClr val="2D3A4A"/>
-                </a:solidFill>
-              </a:defRPr>
-            </a:pPr>
-            <a:r>
-              <a:t>Claude Desktop and Claude Code compatible</a:t>
+                  <a:srgbClr val="FFFFFF"/>
+                </a:solidFill>
+              </a:defRPr>
+            </a:pPr>
+            <a:r>
+              <a:t>Caching and lazy loading ensure fast repeated queries</a:t>
             </a:r>
           </a:p>
         </p:txBody>
@@ -4370,27 +4384,29 @@
               </a:defRPr>
             </a:pPr>
             <a:r>
-              <a:t>Why GREmLN?</a:t>
-            </a:r>
-          </a:p>
-        </p:txBody>
-      </p:sp>
-      <p:sp>
-        <p:nvSpPr>
-          <p:cNvPr id="6" name="Rectangle 5"/>
+              <a:t>Seamless Integration</a:t>
+            </a:r>
+          </a:p>
+        </p:txBody>
+      </p:sp>
+      <p:sp>
+        <p:nvSpPr>
+          <p:cNvPr id="6" name="Rounded Rectangle 5"/>
           <p:cNvSpPr/>
           <p:nvPr/>
         </p:nvSpPr>
         <p:spPr>
           <a:xfrm>
-            <a:off x="548640" y="1463040"/>
-            <a:ext cx="137160" cy="822960"/>
-          </a:xfrm>
-          <a:prstGeom prst="rect">
-            <a:avLst/>
-          </a:prstGeom>
-          <a:solidFill>
-            <a:srgbClr val="009B9E"/>
+            <a:off x="457200" y="2286000"/>
+            <a:ext cx="2286000" cy="1097280"/>
+          </a:xfrm>
+          <a:prstGeom prst="roundRect">
+            <a:avLst>
+              <a:gd name="adj" fmla="val 15000"/>
+            </a:avLst>
+          </a:prstGeom>
+          <a:solidFill>
+            <a:srgbClr val="2D3A4A"/>
           </a:solidFill>
           <a:ln>
             <a:noFill/>
@@ -4411,99 +4427,42 @@
           </a:fontRef>
         </p:style>
         <p:txBody>
-          <a:bodyPr rtlCol="0" anchor="ctr"/>
-          <a:lstStyle/>
-          <a:p>
-            <a:pPr algn="ctr"/>
-          </a:p>
-        </p:txBody>
-      </p:sp>
-      <p:sp>
-        <p:nvSpPr>
-          <p:cNvPr id="7" name="TextBox 6"/>
-          <p:cNvSpPr txBox="1"/>
-          <p:nvPr/>
-        </p:nvSpPr>
-        <p:spPr>
-          <a:xfrm>
-            <a:off x="914400" y="1463040"/>
-            <a:ext cx="3657600" cy="548640"/>
-          </a:xfrm>
-          <a:prstGeom prst="rect">
-            <a:avLst/>
-          </a:prstGeom>
-          <a:noFill/>
-        </p:spPr>
-        <p:txBody>
-          <a:bodyPr wrap="none">
-            <a:spAutoFit/>
-          </a:bodyPr>
-          <a:lstStyle/>
-          <a:p>
-            <a:pPr>
-              <a:defRPr sz="2400" b="1">
-                <a:solidFill>
-                  <a:srgbClr val="009B9E"/>
-                </a:solidFill>
-              </a:defRPr>
-            </a:pPr>
-            <a:r>
-              <a:t>Accelerate Discovery</a:t>
-            </a:r>
-          </a:p>
-        </p:txBody>
-      </p:sp>
-      <p:sp>
-        <p:nvSpPr>
-          <p:cNvPr id="8" name="TextBox 7"/>
-          <p:cNvSpPr txBox="1"/>
-          <p:nvPr/>
-        </p:nvSpPr>
-        <p:spPr>
-          <a:xfrm>
-            <a:off x="914400" y="1874520"/>
-            <a:ext cx="10058400" cy="457200"/>
-          </a:xfrm>
-          <a:prstGeom prst="rect">
-            <a:avLst/>
-          </a:prstGeom>
-          <a:noFill/>
-        </p:spPr>
-        <p:txBody>
-          <a:bodyPr wrap="none">
-            <a:spAutoFit/>
-          </a:bodyPr>
-          <a:lstStyle/>
-          <a:p>
-            <a:pPr>
-              <a:defRPr sz="1800">
-                <a:solidFill>
-                  <a:srgbClr val="2D3A4A"/>
-                </a:solidFill>
-              </a:defRPr>
-            </a:pPr>
-            <a:r>
-              <a:t>Predict perturbation effects in seconds, not weeks</a:t>
-            </a:r>
-          </a:p>
-        </p:txBody>
-      </p:sp>
-      <p:sp>
-        <p:nvSpPr>
-          <p:cNvPr id="9" name="Rectangle 8"/>
+          <a:bodyPr rtlCol="0" anchor="ctr" wrap="square"/>
+          <a:lstStyle/>
+          <a:p>
+            <a:pPr algn="ctr">
+              <a:defRPr sz="1600" b="1">
+                <a:solidFill>
+                  <a:srgbClr val="FFFFFF"/>
+                </a:solidFill>
+              </a:defRPr>
+            </a:pPr>
+            <a:r>
+              <a:t>Researcher</a:t>
+            </a:r>
+            <a:br/>
+            <a:r>
+              <a:t>(Natural Language)</a:t>
+            </a:r>
+          </a:p>
+        </p:txBody>
+      </p:sp>
+      <p:sp>
+        <p:nvSpPr>
+          <p:cNvPr id="7" name="Right Arrow 6"/>
           <p:cNvSpPr/>
           <p:nvPr/>
         </p:nvSpPr>
         <p:spPr>
           <a:xfrm>
-            <a:off x="548640" y="2423160"/>
-            <a:ext cx="137160" cy="822960"/>
-          </a:xfrm>
-          <a:prstGeom prst="rect">
-            <a:avLst/>
-          </a:prstGeom>
-          <a:solidFill>
-            <a:srgbClr val="1A568C"/>
+            <a:off x="2834640" y="2743200"/>
+            <a:ext cx="457200" cy="274320"/>
+          </a:xfrm>
+          <a:prstGeom prst="rightArrow">
+            <a:avLst/>
+          </a:prstGeom>
+          <a:solidFill>
+            <a:srgbClr val="647487"/>
           </a:solidFill>
           <a:ln>
             <a:noFill/>
@@ -4533,90 +4492,22 @@
       </p:sp>
       <p:sp>
         <p:nvSpPr>
-          <p:cNvPr id="10" name="TextBox 9"/>
-          <p:cNvSpPr txBox="1"/>
-          <p:nvPr/>
-        </p:nvSpPr>
-        <p:spPr>
-          <a:xfrm>
-            <a:off x="914400" y="2423160"/>
-            <a:ext cx="3657600" cy="548640"/>
-          </a:xfrm>
-          <a:prstGeom prst="rect">
-            <a:avLst/>
-          </a:prstGeom>
-          <a:noFill/>
-        </p:spPr>
-        <p:txBody>
-          <a:bodyPr wrap="none">
-            <a:spAutoFit/>
-          </a:bodyPr>
-          <a:lstStyle/>
-          <a:p>
-            <a:pPr>
-              <a:defRPr sz="2400" b="1">
-                <a:solidFill>
-                  <a:srgbClr val="1A568C"/>
-                </a:solidFill>
-              </a:defRPr>
-            </a:pPr>
-            <a:r>
-              <a:t>Reduce Costs</a:t>
-            </a:r>
-          </a:p>
-        </p:txBody>
-      </p:sp>
-      <p:sp>
-        <p:nvSpPr>
-          <p:cNvPr id="11" name="TextBox 10"/>
-          <p:cNvSpPr txBox="1"/>
-          <p:nvPr/>
-        </p:nvSpPr>
-        <p:spPr>
-          <a:xfrm>
-            <a:off x="914400" y="2834640"/>
-            <a:ext cx="10058400" cy="457200"/>
-          </a:xfrm>
-          <a:prstGeom prst="rect">
-            <a:avLst/>
-          </a:prstGeom>
-          <a:noFill/>
-        </p:spPr>
-        <p:txBody>
-          <a:bodyPr wrap="none">
-            <a:spAutoFit/>
-          </a:bodyPr>
-          <a:lstStyle/>
-          <a:p>
-            <a:pPr>
-              <a:defRPr sz="1800">
-                <a:solidFill>
-                  <a:srgbClr val="2D3A4A"/>
-                </a:solidFill>
-              </a:defRPr>
-            </a:pPr>
-            <a:r>
-              <a:t>Prioritize experiments before wet lab validation</a:t>
-            </a:r>
-          </a:p>
-        </p:txBody>
-      </p:sp>
-      <p:sp>
-        <p:nvSpPr>
-          <p:cNvPr id="12" name="Rectangle 11"/>
+          <p:cNvPr id="8" name="Rounded Rectangle 7"/>
           <p:cNvSpPr/>
           <p:nvPr/>
         </p:nvSpPr>
         <p:spPr>
           <a:xfrm>
-            <a:off x="548640" y="3383280"/>
-            <a:ext cx="137160" cy="822960"/>
-          </a:xfrm>
-          <a:prstGeom prst="rect">
-            <a:avLst/>
-          </a:prstGeom>
-          <a:solidFill>
-            <a:srgbClr val="2EA06A"/>
+            <a:off x="3383280" y="2286000"/>
+            <a:ext cx="2286000" cy="1097280"/>
+          </a:xfrm>
+          <a:prstGeom prst="roundRect">
+            <a:avLst>
+              <a:gd name="adj" fmla="val 15000"/>
+            </a:avLst>
+          </a:prstGeom>
+          <a:solidFill>
+            <a:srgbClr val="1A568C"/>
           </a:solidFill>
           <a:ln>
             <a:noFill/>
@@ -4637,99 +4528,42 @@
           </a:fontRef>
         </p:style>
         <p:txBody>
-          <a:bodyPr rtlCol="0" anchor="ctr"/>
-          <a:lstStyle/>
-          <a:p>
-            <a:pPr algn="ctr"/>
-          </a:p>
-        </p:txBody>
-      </p:sp>
-      <p:sp>
-        <p:nvSpPr>
-          <p:cNvPr id="13" name="TextBox 12"/>
-          <p:cNvSpPr txBox="1"/>
-          <p:nvPr/>
-        </p:nvSpPr>
-        <p:spPr>
-          <a:xfrm>
-            <a:off x="914400" y="3383280"/>
-            <a:ext cx="3657600" cy="548640"/>
-          </a:xfrm>
-          <a:prstGeom prst="rect">
-            <a:avLst/>
-          </a:prstGeom>
-          <a:noFill/>
-        </p:spPr>
-        <p:txBody>
-          <a:bodyPr wrap="none">
-            <a:spAutoFit/>
-          </a:bodyPr>
-          <a:lstStyle/>
-          <a:p>
-            <a:pPr>
-              <a:defRPr sz="2400" b="1">
-                <a:solidFill>
-                  <a:srgbClr val="2EA06A"/>
-                </a:solidFill>
-              </a:defRPr>
-            </a:pPr>
-            <a:r>
-              <a:t>Increase Confidence</a:t>
-            </a:r>
-          </a:p>
-        </p:txBody>
-      </p:sp>
-      <p:sp>
-        <p:nvSpPr>
-          <p:cNvPr id="14" name="TextBox 13"/>
-          <p:cNvSpPr txBox="1"/>
-          <p:nvPr/>
-        </p:nvSpPr>
-        <p:spPr>
-          <a:xfrm>
-            <a:off x="914400" y="3794760"/>
-            <a:ext cx="10058400" cy="457200"/>
-          </a:xfrm>
-          <a:prstGeom prst="rect">
-            <a:avLst/>
-          </a:prstGeom>
-          <a:noFill/>
-        </p:spPr>
-        <p:txBody>
-          <a:bodyPr wrap="none">
-            <a:spAutoFit/>
-          </a:bodyPr>
-          <a:lstStyle/>
-          <a:p>
-            <a:pPr>
-              <a:defRPr sz="1800">
-                <a:solidFill>
-                  <a:srgbClr val="2D3A4A"/>
-                </a:solidFill>
-              </a:defRPr>
-            </a:pPr>
-            <a:r>
-              <a:t>AI + network analysis for robust predictions</a:t>
-            </a:r>
-          </a:p>
-        </p:txBody>
-      </p:sp>
-      <p:sp>
-        <p:nvSpPr>
-          <p:cNvPr id="15" name="Rectangle 14"/>
+          <a:bodyPr rtlCol="0" anchor="ctr" wrap="square"/>
+          <a:lstStyle/>
+          <a:p>
+            <a:pPr algn="ctr">
+              <a:defRPr sz="1600" b="1">
+                <a:solidFill>
+                  <a:srgbClr val="FFFFFF"/>
+                </a:solidFill>
+              </a:defRPr>
+            </a:pPr>
+            <a:r>
+              <a:t>Claude AI</a:t>
+            </a:r>
+            <a:br/>
+            <a:r>
+              <a:t>(MCP Client)</a:t>
+            </a:r>
+          </a:p>
+        </p:txBody>
+      </p:sp>
+      <p:sp>
+        <p:nvSpPr>
+          <p:cNvPr id="9" name="Right Arrow 8"/>
           <p:cNvSpPr/>
           <p:nvPr/>
         </p:nvSpPr>
         <p:spPr>
           <a:xfrm>
-            <a:off x="548640" y="4343400"/>
-            <a:ext cx="137160" cy="822960"/>
-          </a:xfrm>
-          <a:prstGeom prst="rect">
-            <a:avLst/>
-          </a:prstGeom>
-          <a:solidFill>
-            <a:srgbClr val="E86C2C"/>
+            <a:off x="5760720" y="2743200"/>
+            <a:ext cx="457200" cy="274320"/>
+          </a:xfrm>
+          <a:prstGeom prst="rightArrow">
+            <a:avLst/>
+          </a:prstGeom>
+          <a:solidFill>
+            <a:srgbClr val="647487"/>
           </a:solidFill>
           <a:ln>
             <a:noFill/>
@@ -4759,87 +4593,19 @@
       </p:sp>
       <p:sp>
         <p:nvSpPr>
-          <p:cNvPr id="16" name="TextBox 15"/>
-          <p:cNvSpPr txBox="1"/>
-          <p:nvPr/>
-        </p:nvSpPr>
-        <p:spPr>
-          <a:xfrm>
-            <a:off x="914400" y="4343400"/>
-            <a:ext cx="3657600" cy="548640"/>
-          </a:xfrm>
-          <a:prstGeom prst="rect">
-            <a:avLst/>
-          </a:prstGeom>
-          <a:noFill/>
-        </p:spPr>
-        <p:txBody>
-          <a:bodyPr wrap="none">
-            <a:spAutoFit/>
-          </a:bodyPr>
-          <a:lstStyle/>
-          <a:p>
-            <a:pPr>
-              <a:defRPr sz="2400" b="1">
-                <a:solidFill>
-                  <a:srgbClr val="E86C2C"/>
-                </a:solidFill>
-              </a:defRPr>
-            </a:pPr>
-            <a:r>
-              <a:t>Enable Innovation</a:t>
-            </a:r>
-          </a:p>
-        </p:txBody>
-      </p:sp>
-      <p:sp>
-        <p:nvSpPr>
-          <p:cNvPr id="17" name="TextBox 16"/>
-          <p:cNvSpPr txBox="1"/>
-          <p:nvPr/>
-        </p:nvSpPr>
-        <p:spPr>
-          <a:xfrm>
-            <a:off x="914400" y="4754880"/>
-            <a:ext cx="10058400" cy="457200"/>
-          </a:xfrm>
-          <a:prstGeom prst="rect">
-            <a:avLst/>
-          </a:prstGeom>
-          <a:noFill/>
-        </p:spPr>
-        <p:txBody>
-          <a:bodyPr wrap="none">
-            <a:spAutoFit/>
-          </a:bodyPr>
-          <a:lstStyle/>
-          <a:p>
-            <a:pPr>
-              <a:defRPr sz="1800">
-                <a:solidFill>
-                  <a:srgbClr val="2D3A4A"/>
-                </a:solidFill>
-              </a:defRPr>
-            </a:pPr>
-            <a:r>
-              <a:t>Natural language interface democratizes access</a:t>
-            </a:r>
-          </a:p>
-        </p:txBody>
-      </p:sp>
-      <p:sp>
-        <p:nvSpPr>
-          <p:cNvPr id="18" name="Rounded Rectangle 17"/>
+          <p:cNvPr id="10" name="Rounded Rectangle 9"/>
           <p:cNvSpPr/>
           <p:nvPr/>
         </p:nvSpPr>
         <p:spPr>
           <a:xfrm>
-            <a:off x="2743200" y="5303520"/>
-            <a:ext cx="6705295" cy="914400"/>
+            <a:off x="6309360" y="2286000"/>
+            <a:ext cx="2286000" cy="1097280"/>
           </a:xfrm>
           <a:prstGeom prst="roundRect">
-            <a:avLst/>
+            <a:avLst>
+              <a:gd name="adj" fmla="val 15000"/>
+            </a:avLst>
           </a:prstGeom>
           <a:solidFill>
             <a:srgbClr val="009B9E"/>
@@ -4863,6 +4629,62 @@
           </a:fontRef>
         </p:style>
         <p:txBody>
+          <a:bodyPr rtlCol="0" anchor="ctr" wrap="square"/>
+          <a:lstStyle/>
+          <a:p>
+            <a:pPr algn="ctr">
+              <a:defRPr sz="1600" b="1">
+                <a:solidFill>
+                  <a:srgbClr val="FFFFFF"/>
+                </a:solidFill>
+              </a:defRPr>
+            </a:pPr>
+            <a:r>
+              <a:t>GREmLN</a:t>
+            </a:r>
+            <a:br/>
+            <a:r>
+              <a:t>(MCP Server)</a:t>
+            </a:r>
+          </a:p>
+        </p:txBody>
+      </p:sp>
+      <p:sp>
+        <p:nvSpPr>
+          <p:cNvPr id="11" name="Right Arrow 10"/>
+          <p:cNvSpPr/>
+          <p:nvPr/>
+        </p:nvSpPr>
+        <p:spPr>
+          <a:xfrm>
+            <a:off x="8686800" y="2743200"/>
+            <a:ext cx="457200" cy="274320"/>
+          </a:xfrm>
+          <a:prstGeom prst="rightArrow">
+            <a:avLst/>
+          </a:prstGeom>
+          <a:solidFill>
+            <a:srgbClr val="647487"/>
+          </a:solidFill>
+          <a:ln>
+            <a:noFill/>
+          </a:ln>
+        </p:spPr>
+        <p:style>
+          <a:lnRef idx="1">
+            <a:schemeClr val="accent1"/>
+          </a:lnRef>
+          <a:fillRef idx="3">
+            <a:schemeClr val="accent1"/>
+          </a:fillRef>
+          <a:effectRef idx="2">
+            <a:schemeClr val="accent1"/>
+          </a:effectRef>
+          <a:fontRef idx="minor">
+            <a:schemeClr val="lt1"/>
+          </a:fontRef>
+        </p:style>
+        <p:txBody>
           <a:bodyPr rtlCol="0" anchor="ctr"/>
           <a:lstStyle/>
           <a:p>
@@ -4872,14 +4694,115 @@
       </p:sp>
       <p:sp>
         <p:nvSpPr>
-          <p:cNvPr id="19" name="TextBox 18"/>
+          <p:cNvPr id="12" name="Rounded Rectangle 11"/>
+          <p:cNvSpPr/>
+          <p:nvPr/>
+        </p:nvSpPr>
+        <p:spPr>
+          <a:xfrm>
+            <a:off x="9235440" y="2286000"/>
+            <a:ext cx="2286000" cy="1097280"/>
+          </a:xfrm>
+          <a:prstGeom prst="roundRect">
+            <a:avLst>
+              <a:gd name="adj" fmla="val 15000"/>
+            </a:avLst>
+          </a:prstGeom>
+          <a:solidFill>
+            <a:srgbClr val="2EA06A"/>
+          </a:solidFill>
+          <a:ln>
+            <a:noFill/>
+          </a:ln>
+        </p:spPr>
+        <p:style>
+          <a:lnRef idx="1">
+            <a:schemeClr val="accent1"/>
+          </a:lnRef>
+          <a:fillRef idx="3">
+            <a:schemeClr val="accent1"/>
+          </a:fillRef>
+          <a:effectRef idx="2">
+            <a:schemeClr val="accent1"/>
+          </a:effectRef>
+          <a:fontRef idx="minor">
+            <a:schemeClr val="lt1"/>
+          </a:fontRef>
+        </p:style>
+        <p:txBody>
+          <a:bodyPr rtlCol="0" anchor="ctr" wrap="square"/>
+          <a:lstStyle/>
+          <a:p>
+            <a:pPr algn="ctr">
+              <a:defRPr sz="1600" b="1">
+                <a:solidFill>
+                  <a:srgbClr val="FFFFFF"/>
+                </a:solidFill>
+              </a:defRPr>
+            </a:pPr>
+            <a:r>
+              <a:t>Predictions</a:t>
+            </a:r>
+            <a:br/>
+            <a:r>
+              <a:t>&amp; Insights</a:t>
+            </a:r>
+          </a:p>
+        </p:txBody>
+      </p:sp>
+      <p:sp>
+        <p:nvSpPr>
+          <p:cNvPr id="13" name="Oval 12"/>
+          <p:cNvSpPr/>
+          <p:nvPr/>
+        </p:nvSpPr>
+        <p:spPr>
+          <a:xfrm>
+            <a:off x="2286000" y="3931920"/>
+            <a:ext cx="320040" cy="320040"/>
+          </a:xfrm>
+          <a:prstGeom prst="ellipse">
+            <a:avLst/>
+          </a:prstGeom>
+          <a:solidFill>
+            <a:srgbClr val="2EA06A"/>
+          </a:solidFill>
+          <a:ln>
+            <a:noFill/>
+          </a:ln>
+        </p:spPr>
+        <p:style>
+          <a:lnRef idx="1">
+            <a:schemeClr val="accent1"/>
+          </a:lnRef>
+          <a:fillRef idx="3">
+            <a:schemeClr val="accent1"/>
+          </a:fillRef>
+          <a:effectRef idx="2">
+            <a:schemeClr val="accent1"/>
+          </a:effectRef>
+          <a:fontRef idx="minor">
+            <a:schemeClr val="lt1"/>
+          </a:fontRef>
+        </p:style>
+        <p:txBody>
+          <a:bodyPr rtlCol="0" anchor="ctr"/>
+          <a:lstStyle/>
+          <a:p>
+            <a:pPr algn="ctr"/>
+          </a:p>
+        </p:txBody>
+      </p:sp>
+      <p:sp>
+        <p:nvSpPr>
+          <p:cNvPr id="14" name="TextBox 13"/>
           <p:cNvSpPr txBox="1"/>
           <p:nvPr/>
         </p:nvSpPr>
         <p:spPr>
           <a:xfrm>
-            <a:off x="2743200" y="5532120"/>
-            <a:ext cx="6705295" cy="548640"/>
+            <a:off x="2743200" y="3931920"/>
+            <a:ext cx="7315200" cy="457200"/>
           </a:xfrm>
           <a:prstGeom prst="rect">
             <a:avLst/>
@@ -4892,15 +4815,249 @@
           </a:bodyPr>
           <a:lstStyle/>
           <a:p>
-            <a:pPr algn="ctr">
-              <a:defRPr sz="2200" b="1">
-                <a:solidFill>
-                  <a:srgbClr val="FFFFFF"/>
-                </a:solidFill>
-              </a:defRPr>
-            </a:pPr>
-            <a:r>
-              <a:t>Ready to transform your drug discovery pipeline?</a:t>
+            <a:pPr>
+              <a:defRPr sz="2000">
+                <a:solidFill>
+                  <a:srgbClr val="2D3A4A"/>
+                </a:solidFill>
+              </a:defRPr>
+            </a:pPr>
+            <a:r>
+              <a:t>Model Context Protocol (MCP) standard</a:t>
+            </a:r>
+          </a:p>
+        </p:txBody>
+      </p:sp>
+      <p:sp>
+        <p:nvSpPr>
+          <p:cNvPr id="15" name="Oval 14"/>
+          <p:cNvSpPr/>
+          <p:nvPr/>
+        </p:nvSpPr>
+        <p:spPr>
+          <a:xfrm>
+            <a:off x="2286000" y="4572000"/>
+            <a:ext cx="320040" cy="320040"/>
+          </a:xfrm>
+          <a:prstGeom prst="ellipse">
+            <a:avLst/>
+          </a:prstGeom>
+          <a:solidFill>
+            <a:srgbClr val="2EA06A"/>
+          </a:solidFill>
+          <a:ln>
+            <a:noFill/>
+          </a:ln>
+        </p:spPr>
+        <p:style>
+          <a:lnRef idx="1">
+            <a:schemeClr val="accent1"/>
+          </a:lnRef>
+          <a:fillRef idx="3">
+            <a:schemeClr val="accent1"/>
+          </a:fillRef>
+          <a:effectRef idx="2">
+            <a:schemeClr val="accent1"/>
+          </a:effectRef>
+          <a:fontRef idx="minor">
+            <a:schemeClr val="lt1"/>
+          </a:fontRef>
+        </p:style>
+        <p:txBody>
+          <a:bodyPr rtlCol="0" anchor="ctr"/>
+          <a:lstStyle/>
+          <a:p>
+            <a:pPr algn="ctr"/>
+          </a:p>
+        </p:txBody>
+      </p:sp>
+      <p:sp>
+        <p:nvSpPr>
+          <p:cNvPr id="16" name="TextBox 15"/>
+          <p:cNvSpPr txBox="1"/>
+          <p:nvPr/>
+        </p:nvSpPr>
+        <p:spPr>
+          <a:xfrm>
+            <a:off x="2743200" y="4572000"/>
+            <a:ext cx="7315200" cy="457200"/>
+          </a:xfrm>
+          <a:prstGeom prst="rect">
+            <a:avLst/>
+          </a:prstGeom>
+          <a:noFill/>
+        </p:spPr>
+        <p:txBody>
+          <a:bodyPr wrap="none">
+            <a:spAutoFit/>
+          </a:bodyPr>
+          <a:lstStyle/>
+          <a:p>
+            <a:pPr>
+              <a:defRPr sz="2000">
+                <a:solidFill>
+                  <a:srgbClr val="2D3A4A"/>
+                </a:solidFill>
+              </a:defRPr>
+            </a:pPr>
+            <a:r>
+              <a:t>Natural language interface - no coding required</a:t>
+            </a:r>
+          </a:p>
+        </p:txBody>
+      </p:sp>
+      <p:sp>
+        <p:nvSpPr>
+          <p:cNvPr id="17" name="Oval 16"/>
+          <p:cNvSpPr/>
+          <p:nvPr/>
+        </p:nvSpPr>
+        <p:spPr>
+          <a:xfrm>
+            <a:off x="2286000" y="5212079"/>
+            <a:ext cx="320040" cy="320040"/>
+          </a:xfrm>
+          <a:prstGeom prst="ellipse">
+            <a:avLst/>
+          </a:prstGeom>
+          <a:solidFill>
+            <a:srgbClr val="2EA06A"/>
+          </a:solidFill>
+          <a:ln>
+            <a:noFill/>
+          </a:ln>
+        </p:spPr>
+        <p:style>
+          <a:lnRef idx="1">
+            <a:schemeClr val="accent1"/>
+          </a:lnRef>
+          <a:fillRef idx="3">
+            <a:schemeClr val="accent1"/>
+          </a:fillRef>
+          <a:effectRef idx="2">
+            <a:schemeClr val="accent1"/>
+          </a:effectRef>
+          <a:fontRef idx="minor">
+            <a:schemeClr val="lt1"/>
+          </a:fontRef>
+        </p:style>
+        <p:txBody>
+          <a:bodyPr rtlCol="0" anchor="ctr"/>
+          <a:lstStyle/>
+          <a:p>
+            <a:pPr algn="ctr"/>
+          </a:p>
+        </p:txBody>
+      </p:sp>
+      <p:sp>
+        <p:nvSpPr>
+          <p:cNvPr id="18" name="TextBox 17"/>
+          <p:cNvSpPr txBox="1"/>
+          <p:nvPr/>
+        </p:nvSpPr>
+        <p:spPr>
+          <a:xfrm>
+            <a:off x="2743200" y="5212079"/>
+            <a:ext cx="7315200" cy="457200"/>
+          </a:xfrm>
+          <a:prstGeom prst="rect">
+            <a:avLst/>
+          </a:prstGeom>
+          <a:noFill/>
+        </p:spPr>
+        <p:txBody>
+          <a:bodyPr wrap="none">
+            <a:spAutoFit/>
+          </a:bodyPr>
+          <a:lstStyle/>
+          <a:p>
+            <a:pPr>
+              <a:defRPr sz="2000">
+                <a:solidFill>
+                  <a:srgbClr val="2D3A4A"/>
+                </a:solidFill>
+              </a:defRPr>
+            </a:pPr>
+            <a:r>
+              <a:t>Extensible tool framework for custom analyses</a:t>
+            </a:r>
+          </a:p>
+        </p:txBody>
+      </p:sp>
+      <p:sp>
+        <p:nvSpPr>
+          <p:cNvPr id="19" name="Oval 18"/>
+          <p:cNvSpPr/>
+          <p:nvPr/>
+        </p:nvSpPr>
+        <p:spPr>
+          <a:xfrm>
+            <a:off x="2286000" y="5852159"/>
+            <a:ext cx="320040" cy="320040"/>
+          </a:xfrm>
+          <a:prstGeom prst="ellipse">
+            <a:avLst/>
+          </a:prstGeom>
+          <a:solidFill>
+            <a:srgbClr val="2EA06A"/>
+          </a:solidFill>
+          <a:ln>
+            <a:noFill/>
+          </a:ln>
+        </p:spPr>
+        <p:style>
+          <a:lnRef idx="1">
+            <a:schemeClr val="accent1"/>
+          </a:lnRef>
+          <a:fillRef idx="3">
+            <a:schemeClr val="accent1"/>
+          </a:fillRef>
+          <a:effectRef idx="2">
+            <a:schemeClr val="accent1"/>
+          </a:effectRef>
+          <a:fontRef idx="minor">
+            <a:schemeClr val="lt1"/>
+          </a:fontRef>
+        </p:style>
+        <p:txBody>
+          <a:bodyPr rtlCol="0" anchor="ctr"/>
+          <a:lstStyle/>
+          <a:p>
+            <a:pPr algn="ctr"/>
+          </a:p>
+        </p:txBody>
+      </p:sp>
+      <p:sp>
+        <p:nvSpPr>
+          <p:cNvPr id="20" name="TextBox 19"/>
+          <p:cNvSpPr txBox="1"/>
+          <p:nvPr/>
+        </p:nvSpPr>
+        <p:spPr>
+          <a:xfrm>
+            <a:off x="2743200" y="5852159"/>
+            <a:ext cx="7315200" cy="457200"/>
+          </a:xfrm>
+          <a:prstGeom prst="rect">
+            <a:avLst/>
+          </a:prstGeom>
+          <a:noFill/>
+        </p:spPr>
+        <p:txBody>
+          <a:bodyPr wrap="none">
+            <a:spAutoFit/>
+          </a:bodyPr>
+          <a:lstStyle/>
+          <a:p>
+            <a:pPr>
+              <a:defRPr sz="2000">
+                <a:solidFill>
+                  <a:srgbClr val="2D3A4A"/>
+                </a:solidFill>
+              </a:defRPr>
+            </a:pPr>
+            <a:r>
+              <a:t>Claude Desktop and Claude Code compatible</a:t>
             </a:r>
           </a:p>
         </p:txBody>
@@ -4938,6 +5095,718 @@
             <a:avLst/>
           </a:prstGeom>
           <a:solidFill>
+            <a:srgbClr val="FFFFFF"/>
+          </a:solidFill>
+          <a:ln>
+            <a:noFill/>
+          </a:ln>
+        </p:spPr>
+        <p:style>
+          <a:lnRef idx="1">
+            <a:schemeClr val="accent1"/>
+          </a:lnRef>
+          <a:fillRef idx="3">
+            <a:schemeClr val="accent1"/>
+          </a:fillRef>
+          <a:effectRef idx="2">
+            <a:schemeClr val="accent1"/>
+          </a:effectRef>
+          <a:fontRef idx="minor">
+            <a:schemeClr val="lt1"/>
+          </a:fontRef>
+        </p:style>
+        <p:txBody>
+          <a:bodyPr rtlCol="0" anchor="ctr"/>
+          <a:lstStyle/>
+          <a:p>
+            <a:pPr algn="ctr"/>
+          </a:p>
+        </p:txBody>
+      </p:sp>
+      <p:sp>
+        <p:nvSpPr>
+          <p:cNvPr id="3" name="Rectangle 2"/>
+          <p:cNvSpPr/>
+          <p:nvPr/>
+        </p:nvSpPr>
+        <p:spPr>
+          <a:xfrm>
+            <a:off x="0" y="0"/>
+            <a:ext cx="12191695" cy="73152"/>
+          </a:xfrm>
+          <a:prstGeom prst="rect">
+            <a:avLst/>
+          </a:prstGeom>
+          <a:solidFill>
+            <a:srgbClr val="009B9E"/>
+          </a:solidFill>
+          <a:ln>
+            <a:noFill/>
+          </a:ln>
+        </p:spPr>
+        <p:style>
+          <a:lnRef idx="1">
+            <a:schemeClr val="accent1"/>
+          </a:lnRef>
+          <a:fillRef idx="3">
+            <a:schemeClr val="accent1"/>
+          </a:fillRef>
+          <a:effectRef idx="2">
+            <a:schemeClr val="accent1"/>
+          </a:effectRef>
+          <a:fontRef idx="minor">
+            <a:schemeClr val="lt1"/>
+          </a:fontRef>
+        </p:style>
+        <p:txBody>
+          <a:bodyPr rtlCol="0" anchor="ctr"/>
+          <a:lstStyle/>
+          <a:p>
+            <a:pPr algn="ctr"/>
+          </a:p>
+        </p:txBody>
+      </p:sp>
+      <p:sp>
+        <p:nvSpPr>
+          <p:cNvPr id="4" name="Rectangle 3"/>
+          <p:cNvSpPr/>
+          <p:nvPr/>
+        </p:nvSpPr>
+        <p:spPr>
+          <a:xfrm>
+            <a:off x="0" y="0"/>
+            <a:ext cx="12191695" cy="1280160"/>
+          </a:xfrm>
+          <a:prstGeom prst="rect">
+            <a:avLst/>
+          </a:prstGeom>
+          <a:solidFill>
+            <a:srgbClr val="0D2B4A"/>
+          </a:solidFill>
+          <a:ln>
+            <a:noFill/>
+          </a:ln>
+        </p:spPr>
+        <p:style>
+          <a:lnRef idx="1">
+            <a:schemeClr val="accent1"/>
+          </a:lnRef>
+          <a:fillRef idx="3">
+            <a:schemeClr val="accent1"/>
+          </a:fillRef>
+          <a:effectRef idx="2">
+            <a:schemeClr val="accent1"/>
+          </a:effectRef>
+          <a:fontRef idx="minor">
+            <a:schemeClr val="lt1"/>
+          </a:fontRef>
+        </p:style>
+        <p:txBody>
+          <a:bodyPr rtlCol="0" anchor="ctr"/>
+          <a:lstStyle/>
+          <a:p>
+            <a:pPr algn="ctr"/>
+          </a:p>
+        </p:txBody>
+      </p:sp>
+      <p:sp>
+        <p:nvSpPr>
+          <p:cNvPr id="5" name="TextBox 4"/>
+          <p:cNvSpPr txBox="1"/>
+          <p:nvPr/>
+        </p:nvSpPr>
+        <p:spPr>
+          <a:xfrm>
+            <a:off x="548640" y="365760"/>
+            <a:ext cx="11094415" cy="822960"/>
+          </a:xfrm>
+          <a:prstGeom prst="rect">
+            <a:avLst/>
+          </a:prstGeom>
+          <a:noFill/>
+        </p:spPr>
+        <p:txBody>
+          <a:bodyPr wrap="none">
+            <a:spAutoFit/>
+          </a:bodyPr>
+          <a:lstStyle/>
+          <a:p>
+            <a:pPr>
+              <a:defRPr sz="3600" b="1">
+                <a:solidFill>
+                  <a:srgbClr val="FFFFFF"/>
+                </a:solidFill>
+              </a:defRPr>
+            </a:pPr>
+            <a:r>
+              <a:t>Why GREmLN?</a:t>
+            </a:r>
+          </a:p>
+        </p:txBody>
+      </p:sp>
+      <p:sp>
+        <p:nvSpPr>
+          <p:cNvPr id="6" name="Rectangle 5"/>
+          <p:cNvSpPr/>
+          <p:nvPr/>
+        </p:nvSpPr>
+        <p:spPr>
+          <a:xfrm>
+            <a:off x="548640" y="1463040"/>
+            <a:ext cx="137160" cy="822960"/>
+          </a:xfrm>
+          <a:prstGeom prst="rect">
+            <a:avLst/>
+          </a:prstGeom>
+          <a:solidFill>
+            <a:srgbClr val="009B9E"/>
+          </a:solidFill>
+          <a:ln>
+            <a:noFill/>
+          </a:ln>
+        </p:spPr>
+        <p:style>
+          <a:lnRef idx="1">
+            <a:schemeClr val="accent1"/>
+          </a:lnRef>
+          <a:fillRef idx="3">
+            <a:schemeClr val="accent1"/>
+          </a:fillRef>
+          <a:effectRef idx="2">
+            <a:schemeClr val="accent1"/>
+          </a:effectRef>
+          <a:fontRef idx="minor">
+            <a:schemeClr val="lt1"/>
+          </a:fontRef>
+        </p:style>
+        <p:txBody>
+          <a:bodyPr rtlCol="0" anchor="ctr"/>
+          <a:lstStyle/>
+          <a:p>
+            <a:pPr algn="ctr"/>
+          </a:p>
+        </p:txBody>
+      </p:sp>
+      <p:sp>
+        <p:nvSpPr>
+          <p:cNvPr id="7" name="TextBox 6"/>
+          <p:cNvSpPr txBox="1"/>
+          <p:nvPr/>
+        </p:nvSpPr>
+        <p:spPr>
+          <a:xfrm>
+            <a:off x="914400" y="1463040"/>
+            <a:ext cx="3657600" cy="548640"/>
+          </a:xfrm>
+          <a:prstGeom prst="rect">
+            <a:avLst/>
+          </a:prstGeom>
+          <a:noFill/>
+        </p:spPr>
+        <p:txBody>
+          <a:bodyPr wrap="none">
+            <a:spAutoFit/>
+          </a:bodyPr>
+          <a:lstStyle/>
+          <a:p>
+            <a:pPr>
+              <a:defRPr sz="2400" b="1">
+                <a:solidFill>
+                  <a:srgbClr val="009B9E"/>
+                </a:solidFill>
+              </a:defRPr>
+            </a:pPr>
+            <a:r>
+              <a:t>Accelerate Discovery</a:t>
+            </a:r>
+          </a:p>
+        </p:txBody>
+      </p:sp>
+      <p:sp>
+        <p:nvSpPr>
+          <p:cNvPr id="8" name="TextBox 7"/>
+          <p:cNvSpPr txBox="1"/>
+          <p:nvPr/>
+        </p:nvSpPr>
+        <p:spPr>
+          <a:xfrm>
+            <a:off x="914400" y="1874520"/>
+            <a:ext cx="10058400" cy="457200"/>
+          </a:xfrm>
+          <a:prstGeom prst="rect">
+            <a:avLst/>
+          </a:prstGeom>
+          <a:noFill/>
+        </p:spPr>
+        <p:txBody>
+          <a:bodyPr wrap="none">
+            <a:spAutoFit/>
+          </a:bodyPr>
+          <a:lstStyle/>
+          <a:p>
+            <a:pPr>
+              <a:defRPr sz="1800">
+                <a:solidFill>
+                  <a:srgbClr val="2D3A4A"/>
+                </a:solidFill>
+              </a:defRPr>
+            </a:pPr>
+            <a:r>
+              <a:t>Predict perturbation effects in seconds, not weeks</a:t>
+            </a:r>
+          </a:p>
+        </p:txBody>
+      </p:sp>
+      <p:sp>
+        <p:nvSpPr>
+          <p:cNvPr id="9" name="Rectangle 8"/>
+          <p:cNvSpPr/>
+          <p:nvPr/>
+        </p:nvSpPr>
+        <p:spPr>
+          <a:xfrm>
+            <a:off x="548640" y="2423160"/>
+            <a:ext cx="137160" cy="822960"/>
+          </a:xfrm>
+          <a:prstGeom prst="rect">
+            <a:avLst/>
+          </a:prstGeom>
+          <a:solidFill>
+            <a:srgbClr val="1A568C"/>
+          </a:solidFill>
+          <a:ln>
+            <a:noFill/>
+          </a:ln>
+        </p:spPr>
+        <p:style>
+          <a:lnRef idx="1">
+            <a:schemeClr val="accent1"/>
+          </a:lnRef>
+          <a:fillRef idx="3">
+            <a:schemeClr val="accent1"/>
+          </a:fillRef>
+          <a:effectRef idx="2">
+            <a:schemeClr val="accent1"/>
+          </a:effectRef>
+          <a:fontRef idx="minor">
+            <a:schemeClr val="lt1"/>
+          </a:fontRef>
+        </p:style>
+        <p:txBody>
+          <a:bodyPr rtlCol="0" anchor="ctr"/>
+          <a:lstStyle/>
+          <a:p>
+            <a:pPr algn="ctr"/>
+          </a:p>
+        </p:txBody>
+      </p:sp>
+      <p:sp>
+        <p:nvSpPr>
+          <p:cNvPr id="10" name="TextBox 9"/>
+          <p:cNvSpPr txBox="1"/>
+          <p:nvPr/>
+        </p:nvSpPr>
+        <p:spPr>
+          <a:xfrm>
+            <a:off x="914400" y="2423160"/>
+            <a:ext cx="3657600" cy="548640"/>
+          </a:xfrm>
+          <a:prstGeom prst="rect">
+            <a:avLst/>
+          </a:prstGeom>
+          <a:noFill/>
+        </p:spPr>
+        <p:txBody>
+          <a:bodyPr wrap="none">
+            <a:spAutoFit/>
+          </a:bodyPr>
+          <a:lstStyle/>
+          <a:p>
+            <a:pPr>
+              <a:defRPr sz="2400" b="1">
+                <a:solidFill>
+                  <a:srgbClr val="1A568C"/>
+                </a:solidFill>
+              </a:defRPr>
+            </a:pPr>
+            <a:r>
+              <a:t>Reduce Costs</a:t>
+            </a:r>
+          </a:p>
+        </p:txBody>
+      </p:sp>
+      <p:sp>
+        <p:nvSpPr>
+          <p:cNvPr id="11" name="TextBox 10"/>
+          <p:cNvSpPr txBox="1"/>
+          <p:nvPr/>
+        </p:nvSpPr>
+        <p:spPr>
+          <a:xfrm>
+            <a:off x="914400" y="2834640"/>
+            <a:ext cx="10058400" cy="457200"/>
+          </a:xfrm>
+          <a:prstGeom prst="rect">
+            <a:avLst/>
+          </a:prstGeom>
+          <a:noFill/>
+        </p:spPr>
+        <p:txBody>
+          <a:bodyPr wrap="none">
+            <a:spAutoFit/>
+          </a:bodyPr>
+          <a:lstStyle/>
+          <a:p>
+            <a:pPr>
+              <a:defRPr sz="1800">
+                <a:solidFill>
+                  <a:srgbClr val="2D3A4A"/>
+                </a:solidFill>
+              </a:defRPr>
+            </a:pPr>
+            <a:r>
+              <a:t>Prioritize experiments before wet lab validation</a:t>
+            </a:r>
+          </a:p>
+        </p:txBody>
+      </p:sp>
+      <p:sp>
+        <p:nvSpPr>
+          <p:cNvPr id="12" name="Rectangle 11"/>
+          <p:cNvSpPr/>
+          <p:nvPr/>
+        </p:nvSpPr>
+        <p:spPr>
+          <a:xfrm>
+            <a:off x="548640" y="3383280"/>
+            <a:ext cx="137160" cy="822960"/>
+          </a:xfrm>
+          <a:prstGeom prst="rect">
+            <a:avLst/>
+          </a:prstGeom>
+          <a:solidFill>
+            <a:srgbClr val="2EA06A"/>
+          </a:solidFill>
+          <a:ln>
+            <a:noFill/>
+          </a:ln>
+        </p:spPr>
+        <p:style>
+          <a:lnRef idx="1">
+            <a:schemeClr val="accent1"/>
+          </a:lnRef>
+          <a:fillRef idx="3">
+            <a:schemeClr val="accent1"/>
+          </a:fillRef>
+          <a:effectRef idx="2">
+            <a:schemeClr val="accent1"/>
+          </a:effectRef>
+          <a:fontRef idx="minor">
+            <a:schemeClr val="lt1"/>
+          </a:fontRef>
+        </p:style>
+        <p:txBody>
+          <a:bodyPr rtlCol="0" anchor="ctr"/>
+          <a:lstStyle/>
+          <a:p>
+            <a:pPr algn="ctr"/>
+          </a:p>
+        </p:txBody>
+      </p:sp>
+      <p:sp>
+        <p:nvSpPr>
+          <p:cNvPr id="13" name="TextBox 12"/>
+          <p:cNvSpPr txBox="1"/>
+          <p:nvPr/>
+        </p:nvSpPr>
+        <p:spPr>
+          <a:xfrm>
+            <a:off x="914400" y="3383280"/>
+            <a:ext cx="3657600" cy="548640"/>
+          </a:xfrm>
+          <a:prstGeom prst="rect">
+            <a:avLst/>
+          </a:prstGeom>
+          <a:noFill/>
+        </p:spPr>
+        <p:txBody>
+          <a:bodyPr wrap="none">
+            <a:spAutoFit/>
+          </a:bodyPr>
+          <a:lstStyle/>
+          <a:p>
+            <a:pPr>
+              <a:defRPr sz="2400" b="1">
+                <a:solidFill>
+                  <a:srgbClr val="2EA06A"/>
+                </a:solidFill>
+              </a:defRPr>
+            </a:pPr>
+            <a:r>
+              <a:t>Increase Confidence</a:t>
+            </a:r>
+          </a:p>
+        </p:txBody>
+      </p:sp>
+      <p:sp>
+        <p:nvSpPr>
+          <p:cNvPr id="14" name="TextBox 13"/>
+          <p:cNvSpPr txBox="1"/>
+          <p:nvPr/>
+        </p:nvSpPr>
+        <p:spPr>
+          <a:xfrm>
+            <a:off x="914400" y="3794760"/>
+            <a:ext cx="10058400" cy="457200"/>
+          </a:xfrm>
+          <a:prstGeom prst="rect">
+            <a:avLst/>
+          </a:prstGeom>
+          <a:noFill/>
+        </p:spPr>
+        <p:txBody>
+          <a:bodyPr wrap="none">
+            <a:spAutoFit/>
+          </a:bodyPr>
+          <a:lstStyle/>
+          <a:p>
+            <a:pPr>
+              <a:defRPr sz="1800">
+                <a:solidFill>
+                  <a:srgbClr val="2D3A4A"/>
+                </a:solidFill>
+              </a:defRPr>
+            </a:pPr>
+            <a:r>
+              <a:t>AI + network analysis for robust predictions</a:t>
+            </a:r>
+          </a:p>
+        </p:txBody>
+      </p:sp>
+      <p:sp>
+        <p:nvSpPr>
+          <p:cNvPr id="15" name="Rectangle 14"/>
+          <p:cNvSpPr/>
+          <p:nvPr/>
+        </p:nvSpPr>
+        <p:spPr>
+          <a:xfrm>
+            <a:off x="548640" y="4343400"/>
+            <a:ext cx="137160" cy="822960"/>
+          </a:xfrm>
+          <a:prstGeom prst="rect">
+            <a:avLst/>
+          </a:prstGeom>
+          <a:solidFill>
+            <a:srgbClr val="E86C2C"/>
+          </a:solidFill>
+          <a:ln>
+            <a:noFill/>
+          </a:ln>
+        </p:spPr>
+        <p:style>
+          <a:lnRef idx="1">
+            <a:schemeClr val="accent1"/>
+          </a:lnRef>
+          <a:fillRef idx="3">
+            <a:schemeClr val="accent1"/>
+          </a:fillRef>
+          <a:effectRef idx="2">
+            <a:schemeClr val="accent1"/>
+          </a:effectRef>
+          <a:fontRef idx="minor">
+            <a:schemeClr val="lt1"/>
+          </a:fontRef>
+        </p:style>
+        <p:txBody>
+          <a:bodyPr rtlCol="0" anchor="ctr"/>
+          <a:lstStyle/>
+          <a:p>
+            <a:pPr algn="ctr"/>
+          </a:p>
+        </p:txBody>
+      </p:sp>
+      <p:sp>
+        <p:nvSpPr>
+          <p:cNvPr id="16" name="TextBox 15"/>
+          <p:cNvSpPr txBox="1"/>
+          <p:nvPr/>
+        </p:nvSpPr>
+        <p:spPr>
+          <a:xfrm>
+            <a:off x="914400" y="4343400"/>
+            <a:ext cx="3657600" cy="548640"/>
+          </a:xfrm>
+          <a:prstGeom prst="rect">
+            <a:avLst/>
+          </a:prstGeom>
+          <a:noFill/>
+        </p:spPr>
+        <p:txBody>
+          <a:bodyPr wrap="none">
+            <a:spAutoFit/>
+          </a:bodyPr>
+          <a:lstStyle/>
+          <a:p>
+            <a:pPr>
+              <a:defRPr sz="2400" b="1">
+                <a:solidFill>
+                  <a:srgbClr val="E86C2C"/>
+                </a:solidFill>
+              </a:defRPr>
+            </a:pPr>
+            <a:r>
+              <a:t>Enable Innovation</a:t>
+            </a:r>
+          </a:p>
+        </p:txBody>
+      </p:sp>
+      <p:sp>
+        <p:nvSpPr>
+          <p:cNvPr id="17" name="TextBox 16"/>
+          <p:cNvSpPr txBox="1"/>
+          <p:nvPr/>
+        </p:nvSpPr>
+        <p:spPr>
+          <a:xfrm>
+            <a:off x="914400" y="4754880"/>
+            <a:ext cx="10058400" cy="457200"/>
+          </a:xfrm>
+          <a:prstGeom prst="rect">
+            <a:avLst/>
+          </a:prstGeom>
+          <a:noFill/>
+        </p:spPr>
+        <p:txBody>
+          <a:bodyPr wrap="none">
+            <a:spAutoFit/>
+          </a:bodyPr>
+          <a:lstStyle/>
+          <a:p>
+            <a:pPr>
+              <a:defRPr sz="1800">
+                <a:solidFill>
+                  <a:srgbClr val="2D3A4A"/>
+                </a:solidFill>
+              </a:defRPr>
+            </a:pPr>
+            <a:r>
+              <a:t>Natural language interface democratizes access</a:t>
+            </a:r>
+          </a:p>
+        </p:txBody>
+      </p:sp>
+      <p:sp>
+        <p:nvSpPr>
+          <p:cNvPr id="18" name="Rounded Rectangle 17"/>
+          <p:cNvSpPr/>
+          <p:nvPr/>
+        </p:nvSpPr>
+        <p:spPr>
+          <a:xfrm>
+            <a:off x="2743200" y="5303520"/>
+            <a:ext cx="6705295" cy="914400"/>
+          </a:xfrm>
+          <a:prstGeom prst="roundRect">
+            <a:avLst/>
+          </a:prstGeom>
+          <a:solidFill>
+            <a:srgbClr val="009B9E"/>
+          </a:solidFill>
+          <a:ln>
+            <a:noFill/>
+          </a:ln>
+        </p:spPr>
+        <p:style>
+          <a:lnRef idx="1">
+            <a:schemeClr val="accent1"/>
+          </a:lnRef>
+          <a:fillRef idx="3">
+            <a:schemeClr val="accent1"/>
+          </a:fillRef>
+          <a:effectRef idx="2">
+            <a:schemeClr val="accent1"/>
+          </a:effectRef>
+          <a:fontRef idx="minor">
+            <a:schemeClr val="lt1"/>
+          </a:fontRef>
+        </p:style>
+        <p:txBody>
+          <a:bodyPr rtlCol="0" anchor="ctr"/>
+          <a:lstStyle/>
+          <a:p>
+            <a:pPr algn="ctr"/>
+          </a:p>
+        </p:txBody>
+      </p:sp>
+      <p:sp>
+        <p:nvSpPr>
+          <p:cNvPr id="19" name="TextBox 18"/>
+          <p:cNvSpPr txBox="1"/>
+          <p:nvPr/>
+        </p:nvSpPr>
+        <p:spPr>
+          <a:xfrm>
+            <a:off x="2743200" y="5532120"/>
+            <a:ext cx="6705295" cy="548640"/>
+          </a:xfrm>
+          <a:prstGeom prst="rect">
+            <a:avLst/>
+          </a:prstGeom>
+          <a:noFill/>
+        </p:spPr>
+        <p:txBody>
+          <a:bodyPr wrap="none">
+            <a:spAutoFit/>
+          </a:bodyPr>
+          <a:lstStyle/>
+          <a:p>
+            <a:pPr algn="ctr">
+              <a:defRPr sz="2200" b="1">
+                <a:solidFill>
+                  <a:srgbClr val="FFFFFF"/>
+                </a:solidFill>
+              </a:defRPr>
+            </a:pPr>
+            <a:r>
+              <a:t>Ready to transform your drug discovery pipeline?</a:t>
+            </a:r>
+          </a:p>
+        </p:txBody>
+      </p:sp>
+    </p:spTree>
+  </p:cSld>
+  <p:clrMapOvr>
+    <a:masterClrMapping/>
+  </p:clrMapOvr>
+</p:sld>
+</file>
+
+<file path=ppt/slides/slide13.xml><?xml version="1.0" encoding="utf-8"?>
+<p:sld xmlns:a="http://schemas.openxmlformats.org/drawingml/2006/main" xmlns:p="http://schemas.openxmlformats.org/presentationml/2006/main" xmlns:r="http://schemas.openxmlformats.org/officeDocument/2006/relationships">
+  <p:cSld>
+    <p:spTree>
+      <p:nvGrpSpPr>
+        <p:cNvPr id="1" name=""/>
+        <p:cNvGrpSpPr/>
+        <p:nvPr/>
+      </p:nvGrpSpPr>
+      <p:grpSpPr/>
+      <p:sp>
+        <p:nvSpPr>
+          <p:cNvPr id="2" name="Rectangle 1"/>
+          <p:cNvSpPr/>
+          <p:nvPr/>
+        </p:nvSpPr>
+        <p:spPr>
+          <a:xfrm>
+            <a:off x="0" y="0"/>
+            <a:ext cx="12191695" cy="6858000"/>
+          </a:xfrm>
+          <a:prstGeom prst="rect">
+            <a:avLst/>
+          </a:prstGeom>
+          <a:solidFill>
             <a:srgbClr val="0D2B4A"/>
           </a:solidFill>
           <a:ln>
@@ -7357,7 +8226,7 @@
               </a:defRPr>
             </a:pPr>
             <a:r>
-              <a:t>10 Cell Type Networks</a:t>
+              <a:t>Perturbation Analysis Algorithm</a:t>
             </a:r>
           </a:p>
         </p:txBody>
@@ -7370,11 +8239,13 @@
         </p:nvSpPr>
         <p:spPr>
           <a:xfrm>
-            <a:off x="548640" y="1645920"/>
-            <a:ext cx="2011680" cy="1828800"/>
+            <a:off x="457200" y="1463040"/>
+            <a:ext cx="731520" cy="731520"/>
           </a:xfrm>
           <a:prstGeom prst="roundRect">
-            <a:avLst/>
+            <a:avLst>
+              <a:gd name="adj" fmla="val 15000"/>
+            </a:avLst>
           </a:prstGeom>
           <a:solidFill>
             <a:srgbClr val="009B9E"/>
@@ -7398,10 +8269,19 @@
           </a:fontRef>
         </p:style>
         <p:txBody>
-          <a:bodyPr rtlCol="0" anchor="ctr"/>
-          <a:lstStyle/>
-          <a:p>
-            <a:pPr algn="ctr"/>
+          <a:bodyPr rtlCol="0" anchor="ctr" wrap="square"/>
+          <a:lstStyle/>
+          <a:p>
+            <a:pPr algn="ctr">
+              <a:defRPr sz="2800" b="1">
+                <a:solidFill>
+                  <a:srgbClr val="FFFFFF"/>
+                </a:solidFill>
+              </a:defRPr>
+            </a:pPr>
+            <a:r>
+              <a:t>1</a:t>
+            </a:r>
           </a:p>
         </p:txBody>
       </p:sp>
@@ -7413,8 +8293,43 @@
         </p:nvSpPr>
         <p:spPr>
           <a:xfrm>
-            <a:off x="548640" y="2286000"/>
-            <a:ext cx="2011680" cy="731520"/>
+            <a:off x="1371600" y="1463040"/>
+            <a:ext cx="3657600" cy="457200"/>
+          </a:xfrm>
+          <a:prstGeom prst="rect">
+            <a:avLst/>
+          </a:prstGeom>
+          <a:noFill/>
+        </p:spPr>
+        <p:txBody>
+          <a:bodyPr wrap="none">
+            <a:spAutoFit/>
+          </a:bodyPr>
+          <a:lstStyle/>
+          <a:p>
+            <a:pPr>
+              <a:defRPr sz="2200" b="1">
+                <a:solidFill>
+                  <a:srgbClr val="009B9E"/>
+                </a:solidFill>
+              </a:defRPr>
+            </a:pPr>
+            <a:r>
+              <a:t>Network Propagation</a:t>
+            </a:r>
+          </a:p>
+        </p:txBody>
+      </p:sp>
+      <p:sp>
+        <p:nvSpPr>
+          <p:cNvPr id="8" name="TextBox 7"/>
+          <p:cNvSpPr txBox="1"/>
+          <p:nvPr/>
+        </p:nvSpPr>
+        <p:spPr>
+          <a:xfrm>
+            <a:off x="1371600" y="1920240"/>
+            <a:ext cx="4572000" cy="914400"/>
           </a:xfrm>
           <a:prstGeom prst="rect">
             <a:avLst/>
@@ -7427,35 +8342,37 @@
           </a:bodyPr>
           <a:lstStyle/>
           <a:p>
-            <a:pPr algn="ctr">
-              <a:defRPr sz="1800" b="1">
-                <a:solidFill>
-                  <a:srgbClr val="FFFFFF"/>
-                </a:solidFill>
-              </a:defRPr>
-            </a:pPr>
-            <a:r>
-              <a:t>CD4+ T Cells</a:t>
-            </a:r>
-          </a:p>
-        </p:txBody>
-      </p:sp>
-      <p:sp>
-        <p:nvSpPr>
-          <p:cNvPr id="8" name="Rounded Rectangle 7"/>
+            <a:pPr>
+              <a:defRPr sz="1600">
+                <a:solidFill>
+                  <a:srgbClr val="2D3A4A"/>
+                </a:solidFill>
+              </a:defRPr>
+            </a:pPr>
+            <a:r>
+              <a:t>Walk through regulatory network using BFS. Edge weights (mutual information) determine effect strength as signal propagates.</a:t>
+            </a:r>
+          </a:p>
+        </p:txBody>
+      </p:sp>
+      <p:sp>
+        <p:nvSpPr>
+          <p:cNvPr id="9" name="Rounded Rectangle 8"/>
           <p:cNvSpPr/>
           <p:nvPr/>
         </p:nvSpPr>
         <p:spPr>
           <a:xfrm>
-            <a:off x="2834640" y="1645920"/>
-            <a:ext cx="2011680" cy="1828800"/>
+            <a:off x="5943600" y="1417320"/>
+            <a:ext cx="1005840" cy="457200"/>
           </a:xfrm>
           <a:prstGeom prst="roundRect">
-            <a:avLst/>
-          </a:prstGeom>
-          <a:solidFill>
-            <a:srgbClr val="009B9E"/>
+            <a:avLst>
+              <a:gd name="adj" fmla="val 15000"/>
+            </a:avLst>
+          </a:prstGeom>
+          <a:solidFill>
+            <a:srgbClr val="E86C2C"/>
           </a:solidFill>
           <a:ln>
             <a:noFill/>
@@ -7476,23 +8393,32 @@
           </a:fontRef>
         </p:style>
         <p:txBody>
-          <a:bodyPr rtlCol="0" anchor="ctr"/>
-          <a:lstStyle/>
-          <a:p>
-            <a:pPr algn="ctr"/>
-          </a:p>
-        </p:txBody>
-      </p:sp>
-      <p:sp>
-        <p:nvSpPr>
-          <p:cNvPr id="9" name="TextBox 8"/>
+          <a:bodyPr rtlCol="0" anchor="ctr" wrap="square"/>
+          <a:lstStyle/>
+          <a:p>
+            <a:pPr algn="ctr">
+              <a:defRPr sz="1200" b="1">
+                <a:solidFill>
+                  <a:srgbClr val="FFFFFF"/>
+                </a:solidFill>
+              </a:defRPr>
+            </a:pPr>
+            <a:r>
+              <a:t>MYC</a:t>
+            </a:r>
+          </a:p>
+        </p:txBody>
+      </p:sp>
+      <p:sp>
+        <p:nvSpPr>
+          <p:cNvPr id="10" name="TextBox 9"/>
           <p:cNvSpPr txBox="1"/>
           <p:nvPr/>
         </p:nvSpPr>
         <p:spPr>
           <a:xfrm>
-            <a:off x="2834640" y="2286000"/>
-            <a:ext cx="2011680" cy="731520"/>
+            <a:off x="5943600" y="1874519"/>
+            <a:ext cx="1005840" cy="274320"/>
           </a:xfrm>
           <a:prstGeom prst="rect">
             <a:avLst/>
@@ -7500,40 +8426,40 @@
           <a:noFill/>
         </p:spPr>
         <p:txBody>
-          <a:bodyPr wrap="square">
+          <a:bodyPr wrap="none">
             <a:spAutoFit/>
           </a:bodyPr>
           <a:lstStyle/>
           <a:p>
             <a:pPr algn="ctr">
-              <a:defRPr sz="1800" b="1">
-                <a:solidFill>
-                  <a:srgbClr val="FFFFFF"/>
-                </a:solidFill>
-              </a:defRPr>
-            </a:pPr>
-            <a:r>
-              <a:t>CD8+ T Cells</a:t>
-            </a:r>
-          </a:p>
-        </p:txBody>
-      </p:sp>
-      <p:sp>
-        <p:nvSpPr>
-          <p:cNvPr id="10" name="Rounded Rectangle 9"/>
+              <a:defRPr sz="1000" b="1">
+                <a:solidFill>
+                  <a:srgbClr val="E86C2C"/>
+                </a:solidFill>
+              </a:defRPr>
+            </a:pPr>
+            <a:r>
+              <a:t>effect=1.0</a:t>
+            </a:r>
+          </a:p>
+        </p:txBody>
+      </p:sp>
+      <p:sp>
+        <p:nvSpPr>
+          <p:cNvPr id="11" name="Right Arrow 10"/>
           <p:cNvSpPr/>
           <p:nvPr/>
         </p:nvSpPr>
         <p:spPr>
           <a:xfrm>
-            <a:off x="5120640" y="1645920"/>
-            <a:ext cx="2011680" cy="1828800"/>
-          </a:xfrm>
-          <a:prstGeom prst="roundRect">
-            <a:avLst/>
-          </a:prstGeom>
-          <a:solidFill>
-            <a:srgbClr val="009B9E"/>
+            <a:off x="7040880" y="1600200"/>
+            <a:ext cx="457200" cy="274320"/>
+          </a:xfrm>
+          <a:prstGeom prst="rightArrow">
+            <a:avLst/>
+          </a:prstGeom>
+          <a:solidFill>
+            <a:srgbClr val="647487"/>
           </a:solidFill>
           <a:ln>
             <a:noFill/>
@@ -7563,14 +8489,14 @@
       </p:sp>
       <p:sp>
         <p:nvSpPr>
-          <p:cNvPr id="11" name="TextBox 10"/>
+          <p:cNvPr id="12" name="TextBox 11"/>
           <p:cNvSpPr txBox="1"/>
           <p:nvPr/>
         </p:nvSpPr>
         <p:spPr>
           <a:xfrm>
-            <a:off x="5120640" y="2286000"/>
-            <a:ext cx="2011680" cy="731520"/>
+            <a:off x="6949440" y="1325880"/>
+            <a:ext cx="640080" cy="274320"/>
           </a:xfrm>
           <a:prstGeom prst="rect">
             <a:avLst/>
@@ -7578,40 +8504,42 @@
           <a:noFill/>
         </p:spPr>
         <p:txBody>
-          <a:bodyPr wrap="square">
+          <a:bodyPr wrap="none">
             <a:spAutoFit/>
           </a:bodyPr>
           <a:lstStyle/>
           <a:p>
             <a:pPr algn="ctr">
-              <a:defRPr sz="1800" b="1">
-                <a:solidFill>
-                  <a:srgbClr val="FFFFFF"/>
-                </a:solidFill>
-              </a:defRPr>
-            </a:pPr>
-            <a:r>
-              <a:t>NK Cells</a:t>
-            </a:r>
-          </a:p>
-        </p:txBody>
-      </p:sp>
-      <p:sp>
-        <p:nvSpPr>
-          <p:cNvPr id="12" name="Rounded Rectangle 11"/>
+              <a:defRPr sz="900">
+                <a:solidFill>
+                  <a:srgbClr val="647487"/>
+                </a:solidFill>
+              </a:defRPr>
+            </a:pPr>
+            <a:r>
+              <a:t>MI=0.8</a:t>
+            </a:r>
+          </a:p>
+        </p:txBody>
+      </p:sp>
+      <p:sp>
+        <p:nvSpPr>
+          <p:cNvPr id="13" name="Rounded Rectangle 12"/>
           <p:cNvSpPr/>
           <p:nvPr/>
         </p:nvSpPr>
         <p:spPr>
           <a:xfrm>
-            <a:off x="7406640" y="1645920"/>
-            <a:ext cx="2011680" cy="1828800"/>
+            <a:off x="7589520" y="1417320"/>
+            <a:ext cx="1005840" cy="457200"/>
           </a:xfrm>
           <a:prstGeom prst="roundRect">
-            <a:avLst/>
-          </a:prstGeom>
-          <a:solidFill>
-            <a:srgbClr val="009B9E"/>
+            <a:avLst>
+              <a:gd name="adj" fmla="val 15000"/>
+            </a:avLst>
+          </a:prstGeom>
+          <a:solidFill>
+            <a:srgbClr val="1A568C"/>
           </a:solidFill>
           <a:ln>
             <a:noFill/>
@@ -7632,23 +8560,32 @@
           </a:fontRef>
         </p:style>
         <p:txBody>
-          <a:bodyPr rtlCol="0" anchor="ctr"/>
-          <a:lstStyle/>
-          <a:p>
-            <a:pPr algn="ctr"/>
-          </a:p>
-        </p:txBody>
-      </p:sp>
-      <p:sp>
-        <p:nvSpPr>
-          <p:cNvPr id="13" name="TextBox 12"/>
+          <a:bodyPr rtlCol="0" anchor="ctr" wrap="square"/>
+          <a:lstStyle/>
+          <a:p>
+            <a:pPr algn="ctr">
+              <a:defRPr sz="1200" b="1">
+                <a:solidFill>
+                  <a:srgbClr val="FFFFFF"/>
+                </a:solidFill>
+              </a:defRPr>
+            </a:pPr>
+            <a:r>
+              <a:t>Gene B</a:t>
+            </a:r>
+          </a:p>
+        </p:txBody>
+      </p:sp>
+      <p:sp>
+        <p:nvSpPr>
+          <p:cNvPr id="14" name="TextBox 13"/>
           <p:cNvSpPr txBox="1"/>
           <p:nvPr/>
         </p:nvSpPr>
         <p:spPr>
           <a:xfrm>
-            <a:off x="7406640" y="2286000"/>
-            <a:ext cx="2011680" cy="731520"/>
+            <a:off x="7589520" y="1874519"/>
+            <a:ext cx="1005840" cy="274320"/>
           </a:xfrm>
           <a:prstGeom prst="rect">
             <a:avLst/>
@@ -7656,40 +8593,40 @@
           <a:noFill/>
         </p:spPr>
         <p:txBody>
-          <a:bodyPr wrap="square">
+          <a:bodyPr wrap="none">
             <a:spAutoFit/>
           </a:bodyPr>
           <a:lstStyle/>
           <a:p>
             <a:pPr algn="ctr">
-              <a:defRPr sz="1800" b="1">
-                <a:solidFill>
-                  <a:srgbClr val="FFFFFF"/>
-                </a:solidFill>
-              </a:defRPr>
-            </a:pPr>
-            <a:r>
-              <a:t>NKT Cells</a:t>
-            </a:r>
-          </a:p>
-        </p:txBody>
-      </p:sp>
-      <p:sp>
-        <p:nvSpPr>
-          <p:cNvPr id="14" name="Rounded Rectangle 13"/>
+              <a:defRPr sz="1000" b="1">
+                <a:solidFill>
+                  <a:srgbClr val="1A568C"/>
+                </a:solidFill>
+              </a:defRPr>
+            </a:pPr>
+            <a:r>
+              <a:t>effect=0.80</a:t>
+            </a:r>
+          </a:p>
+        </p:txBody>
+      </p:sp>
+      <p:sp>
+        <p:nvSpPr>
+          <p:cNvPr id="15" name="Right Arrow 14"/>
           <p:cNvSpPr/>
           <p:nvPr/>
         </p:nvSpPr>
         <p:spPr>
           <a:xfrm>
-            <a:off x="9692640" y="1645920"/>
-            <a:ext cx="2011680" cy="1828800"/>
-          </a:xfrm>
-          <a:prstGeom prst="roundRect">
-            <a:avLst/>
-          </a:prstGeom>
-          <a:solidFill>
-            <a:srgbClr val="1A568C"/>
+            <a:off x="8686800" y="1600200"/>
+            <a:ext cx="457200" cy="274320"/>
+          </a:xfrm>
+          <a:prstGeom prst="rightArrow">
+            <a:avLst/>
+          </a:prstGeom>
+          <a:solidFill>
+            <a:srgbClr val="647487"/>
           </a:solidFill>
           <a:ln>
             <a:noFill/>
@@ -7719,14 +8656,14 @@
       </p:sp>
       <p:sp>
         <p:nvSpPr>
-          <p:cNvPr id="15" name="TextBox 14"/>
+          <p:cNvPr id="16" name="TextBox 15"/>
           <p:cNvSpPr txBox="1"/>
           <p:nvPr/>
         </p:nvSpPr>
         <p:spPr>
           <a:xfrm>
-            <a:off x="9692640" y="2286000"/>
-            <a:ext cx="2011680" cy="731520"/>
+            <a:off x="8595360" y="1325880"/>
+            <a:ext cx="640080" cy="274320"/>
           </a:xfrm>
           <a:prstGeom prst="rect">
             <a:avLst/>
@@ -7734,40 +8671,42 @@
           <a:noFill/>
         </p:spPr>
         <p:txBody>
-          <a:bodyPr wrap="square">
+          <a:bodyPr wrap="none">
             <a:spAutoFit/>
           </a:bodyPr>
           <a:lstStyle/>
           <a:p>
             <a:pPr algn="ctr">
-              <a:defRPr sz="1800" b="1">
-                <a:solidFill>
-                  <a:srgbClr val="FFFFFF"/>
-                </a:solidFill>
-              </a:defRPr>
-            </a:pPr>
-            <a:r>
-              <a:t>B Cells</a:t>
-            </a:r>
-          </a:p>
-        </p:txBody>
-      </p:sp>
-      <p:sp>
-        <p:nvSpPr>
-          <p:cNvPr id="16" name="Rounded Rectangle 15"/>
+              <a:defRPr sz="900">
+                <a:solidFill>
+                  <a:srgbClr val="647487"/>
+                </a:solidFill>
+              </a:defRPr>
+            </a:pPr>
+            <a:r>
+              <a:t>MI=0.5</a:t>
+            </a:r>
+          </a:p>
+        </p:txBody>
+      </p:sp>
+      <p:sp>
+        <p:nvSpPr>
+          <p:cNvPr id="17" name="Rounded Rectangle 16"/>
           <p:cNvSpPr/>
           <p:nvPr/>
         </p:nvSpPr>
         <p:spPr>
           <a:xfrm>
-            <a:off x="548640" y="3840480"/>
-            <a:ext cx="2011680" cy="1828800"/>
+            <a:off x="9235440" y="1417320"/>
+            <a:ext cx="1005840" cy="457200"/>
           </a:xfrm>
           <a:prstGeom prst="roundRect">
-            <a:avLst/>
-          </a:prstGeom>
-          <a:solidFill>
-            <a:srgbClr val="1A568C"/>
+            <a:avLst>
+              <a:gd name="adj" fmla="val 15000"/>
+            </a:avLst>
+          </a:prstGeom>
+          <a:solidFill>
+            <a:srgbClr val="3A8DC1"/>
           </a:solidFill>
           <a:ln>
             <a:noFill/>
@@ -7788,23 +8727,32 @@
           </a:fontRef>
         </p:style>
         <p:txBody>
-          <a:bodyPr rtlCol="0" anchor="ctr"/>
-          <a:lstStyle/>
-          <a:p>
-            <a:pPr algn="ctr"/>
-          </a:p>
-        </p:txBody>
-      </p:sp>
-      <p:sp>
-        <p:nvSpPr>
-          <p:cNvPr id="17" name="TextBox 16"/>
+          <a:bodyPr rtlCol="0" anchor="ctr" wrap="square"/>
+          <a:lstStyle/>
+          <a:p>
+            <a:pPr algn="ctr">
+              <a:defRPr sz="1200" b="1">
+                <a:solidFill>
+                  <a:srgbClr val="FFFFFF"/>
+                </a:solidFill>
+              </a:defRPr>
+            </a:pPr>
+            <a:r>
+              <a:t>Gene C</a:t>
+            </a:r>
+          </a:p>
+        </p:txBody>
+      </p:sp>
+      <p:sp>
+        <p:nvSpPr>
+          <p:cNvPr id="18" name="TextBox 17"/>
           <p:cNvSpPr txBox="1"/>
           <p:nvPr/>
         </p:nvSpPr>
         <p:spPr>
           <a:xfrm>
-            <a:off x="548640" y="4480560"/>
-            <a:ext cx="2011680" cy="731520"/>
+            <a:off x="9235440" y="1874519"/>
+            <a:ext cx="1005840" cy="274320"/>
           </a:xfrm>
           <a:prstGeom prst="rect">
             <a:avLst/>
@@ -7812,40 +8760,42 @@
           <a:noFill/>
         </p:spPr>
         <p:txBody>
-          <a:bodyPr wrap="square">
+          <a:bodyPr wrap="none">
             <a:spAutoFit/>
           </a:bodyPr>
           <a:lstStyle/>
           <a:p>
             <a:pPr algn="ctr">
-              <a:defRPr sz="1800" b="1">
-                <a:solidFill>
-                  <a:srgbClr val="FFFFFF"/>
-                </a:solidFill>
-              </a:defRPr>
-            </a:pPr>
-            <a:r>
-              <a:t>CD14+ Monocytes</a:t>
-            </a:r>
-          </a:p>
-        </p:txBody>
-      </p:sp>
-      <p:sp>
-        <p:nvSpPr>
-          <p:cNvPr id="18" name="Rounded Rectangle 17"/>
+              <a:defRPr sz="1000" b="1">
+                <a:solidFill>
+                  <a:srgbClr val="3A8DC1"/>
+                </a:solidFill>
+              </a:defRPr>
+            </a:pPr>
+            <a:r>
+              <a:t>effect=0.40</a:t>
+            </a:r>
+          </a:p>
+        </p:txBody>
+      </p:sp>
+      <p:sp>
+        <p:nvSpPr>
+          <p:cNvPr id="19" name="Rounded Rectangle 18"/>
           <p:cNvSpPr/>
           <p:nvPr/>
         </p:nvSpPr>
         <p:spPr>
           <a:xfrm>
-            <a:off x="2834640" y="3840480"/>
-            <a:ext cx="2011680" cy="1828800"/>
+            <a:off x="7589520" y="2286000"/>
+            <a:ext cx="1005840" cy="457200"/>
           </a:xfrm>
           <a:prstGeom prst="roundRect">
-            <a:avLst/>
-          </a:prstGeom>
-          <a:solidFill>
-            <a:srgbClr val="1A568C"/>
+            <a:avLst>
+              <a:gd name="adj" fmla="val 15000"/>
+            </a:avLst>
+          </a:prstGeom>
+          <a:solidFill>
+            <a:srgbClr val="AACCEE"/>
           </a:solidFill>
           <a:ln>
             <a:noFill/>
@@ -7866,23 +8816,32 @@
           </a:fontRef>
         </p:style>
         <p:txBody>
-          <a:bodyPr rtlCol="0" anchor="ctr"/>
-          <a:lstStyle/>
-          <a:p>
-            <a:pPr algn="ctr"/>
-          </a:p>
-        </p:txBody>
-      </p:sp>
-      <p:sp>
-        <p:nvSpPr>
-          <p:cNvPr id="19" name="TextBox 18"/>
+          <a:bodyPr rtlCol="0" anchor="ctr" wrap="square"/>
+          <a:lstStyle/>
+          <a:p>
+            <a:pPr algn="ctr">
+              <a:defRPr sz="1200" b="1">
+                <a:solidFill>
+                  <a:srgbClr val="FFFFFF"/>
+                </a:solidFill>
+              </a:defRPr>
+            </a:pPr>
+            <a:r>
+              <a:t>Gene D</a:t>
+            </a:r>
+          </a:p>
+        </p:txBody>
+      </p:sp>
+      <p:sp>
+        <p:nvSpPr>
+          <p:cNvPr id="20" name="TextBox 19"/>
           <p:cNvSpPr txBox="1"/>
           <p:nvPr/>
         </p:nvSpPr>
         <p:spPr>
           <a:xfrm>
-            <a:off x="2834640" y="4480560"/>
-            <a:ext cx="2011680" cy="731520"/>
+            <a:off x="7589520" y="2743200"/>
+            <a:ext cx="1005840" cy="274320"/>
           </a:xfrm>
           <a:prstGeom prst="rect">
             <a:avLst/>
@@ -7890,40 +8849,75 @@
           <a:noFill/>
         </p:spPr>
         <p:txBody>
-          <a:bodyPr wrap="square">
+          <a:bodyPr wrap="none">
             <a:spAutoFit/>
           </a:bodyPr>
           <a:lstStyle/>
           <a:p>
             <a:pPr algn="ctr">
-              <a:defRPr sz="1800" b="1">
-                <a:solidFill>
-                  <a:srgbClr val="FFFFFF"/>
-                </a:solidFill>
-              </a:defRPr>
-            </a:pPr>
-            <a:r>
-              <a:t>CD16+ Monocytes</a:t>
-            </a:r>
-          </a:p>
-        </p:txBody>
-      </p:sp>
-      <p:sp>
-        <p:nvSpPr>
-          <p:cNvPr id="20" name="Rounded Rectangle 19"/>
+              <a:defRPr sz="1000" b="1">
+                <a:solidFill>
+                  <a:srgbClr val="88AACC"/>
+                </a:solidFill>
+              </a:defRPr>
+            </a:pPr>
+            <a:r>
+              <a:t>effect=0.20</a:t>
+            </a:r>
+          </a:p>
+        </p:txBody>
+      </p:sp>
+      <p:sp>
+        <p:nvSpPr>
+          <p:cNvPr id="21" name="TextBox 20"/>
+          <p:cNvSpPr txBox="1"/>
+          <p:nvPr/>
+        </p:nvSpPr>
+        <p:spPr>
+          <a:xfrm>
+            <a:off x="6675120" y="2148840"/>
+            <a:ext cx="640080" cy="274320"/>
+          </a:xfrm>
+          <a:prstGeom prst="rect">
+            <a:avLst/>
+          </a:prstGeom>
+          <a:noFill/>
+        </p:spPr>
+        <p:txBody>
+          <a:bodyPr wrap="none">
+            <a:spAutoFit/>
+          </a:bodyPr>
+          <a:lstStyle/>
+          <a:p>
+            <a:pPr algn="ctr">
+              <a:defRPr sz="900">
+                <a:solidFill>
+                  <a:srgbClr val="647487"/>
+                </a:solidFill>
+              </a:defRPr>
+            </a:pPr>
+            <a:r>
+              <a:t>MI=0.2</a:t>
+            </a:r>
+          </a:p>
+        </p:txBody>
+      </p:sp>
+      <p:sp>
+        <p:nvSpPr>
+          <p:cNvPr id="22" name="Rounded Rectangle 21"/>
           <p:cNvSpPr/>
           <p:nvPr/>
         </p:nvSpPr>
         <p:spPr>
           <a:xfrm>
-            <a:off x="5120640" y="3840480"/>
-            <a:ext cx="2011680" cy="1828800"/>
+            <a:off x="10332720" y="1371600"/>
+            <a:ext cx="1645920" cy="1005840"/>
           </a:xfrm>
           <a:prstGeom prst="roundRect">
             <a:avLst/>
           </a:prstGeom>
           <a:solidFill>
-            <a:srgbClr val="1A568C"/>
+            <a:srgbClr val="F5F7FA"/>
           </a:solidFill>
           <a:ln>
             <a:noFill/>
@@ -7953,14 +8947,14 @@
       </p:sp>
       <p:sp>
         <p:nvSpPr>
-          <p:cNvPr id="21" name="TextBox 20"/>
+          <p:cNvPr id="23" name="TextBox 22"/>
           <p:cNvSpPr txBox="1"/>
           <p:nvPr/>
         </p:nvSpPr>
         <p:spPr>
           <a:xfrm>
-            <a:off x="5120640" y="4480560"/>
-            <a:ext cx="2011680" cy="731520"/>
+            <a:off x="10378440" y="1417320"/>
+            <a:ext cx="1554480" cy="914400"/>
           </a:xfrm>
           <a:prstGeom prst="rect">
             <a:avLst/>
@@ -7973,35 +8967,61 @@
           </a:bodyPr>
           <a:lstStyle/>
           <a:p>
-            <a:pPr algn="ctr">
-              <a:defRPr sz="1800" b="1">
-                <a:solidFill>
-                  <a:srgbClr val="FFFFFF"/>
-                </a:solidFill>
-              </a:defRPr>
-            </a:pPr>
-            <a:r>
-              <a:t>Dendritic Cells</a:t>
-            </a:r>
-          </a:p>
-        </p:txBody>
-      </p:sp>
-      <p:sp>
-        <p:nvSpPr>
-          <p:cNvPr id="22" name="Rounded Rectangle 21"/>
+            <a:pPr>
+              <a:defRPr sz="900">
+                <a:solidFill>
+                  <a:srgbClr val="2D3A4A"/>
+                </a:solidFill>
+              </a:defRPr>
+            </a:pPr>
+            <a:r>
+              <a:t>1.0 × 0.8 = 0.80</a:t>
+            </a:r>
+          </a:p>
+          <a:p>
+            <a:pPr>
+              <a:defRPr sz="900">
+                <a:solidFill>
+                  <a:srgbClr val="2D3A4A"/>
+                </a:solidFill>
+              </a:defRPr>
+            </a:pPr>
+            <a:r>
+              <a:t>0.8 × 0.5 = 0.40</a:t>
+            </a:r>
+          </a:p>
+          <a:p>
+            <a:pPr>
+              <a:defRPr sz="900">
+                <a:solidFill>
+                  <a:srgbClr val="2D3A4A"/>
+                </a:solidFill>
+              </a:defRPr>
+            </a:pPr>
+            <a:r>
+              <a:t>1.0 × 0.2 = 0.20</a:t>
+            </a:r>
+          </a:p>
+        </p:txBody>
+      </p:sp>
+      <p:sp>
+        <p:nvSpPr>
+          <p:cNvPr id="24" name="Rounded Rectangle 23"/>
           <p:cNvSpPr/>
           <p:nvPr/>
         </p:nvSpPr>
         <p:spPr>
           <a:xfrm>
-            <a:off x="7406640" y="3840480"/>
-            <a:ext cx="2011680" cy="1828800"/>
+            <a:off x="457200" y="3200400"/>
+            <a:ext cx="731520" cy="640080"/>
           </a:xfrm>
           <a:prstGeom prst="roundRect">
-            <a:avLst/>
-          </a:prstGeom>
-          <a:solidFill>
-            <a:srgbClr val="2EA06A"/>
+            <a:avLst>
+              <a:gd name="adj" fmla="val 15000"/>
+            </a:avLst>
+          </a:prstGeom>
+          <a:solidFill>
+            <a:srgbClr val="1A568C"/>
           </a:solidFill>
           <a:ln>
             <a:noFill/>
@@ -8022,23 +9042,67 @@
           </a:fontRef>
         </p:style>
         <p:txBody>
-          <a:bodyPr rtlCol="0" anchor="ctr"/>
-          <a:lstStyle/>
-          <a:p>
-            <a:pPr algn="ctr"/>
-          </a:p>
-        </p:txBody>
-      </p:sp>
-      <p:sp>
-        <p:nvSpPr>
-          <p:cNvPr id="23" name="TextBox 22"/>
+          <a:bodyPr rtlCol="0" anchor="ctr" wrap="square"/>
+          <a:lstStyle/>
+          <a:p>
+            <a:pPr algn="ctr">
+              <a:defRPr sz="2400" b="1">
+                <a:solidFill>
+                  <a:srgbClr val="FFFFFF"/>
+                </a:solidFill>
+              </a:defRPr>
+            </a:pPr>
+            <a:r>
+              <a:t>2</a:t>
+            </a:r>
+          </a:p>
+        </p:txBody>
+      </p:sp>
+      <p:sp>
+        <p:nvSpPr>
+          <p:cNvPr id="25" name="TextBox 24"/>
           <p:cNvSpPr txBox="1"/>
           <p:nvPr/>
         </p:nvSpPr>
         <p:spPr>
           <a:xfrm>
-            <a:off x="7406640" y="4480560"/>
-            <a:ext cx="2011680" cy="731520"/>
+            <a:off x="1371600" y="3200400"/>
+            <a:ext cx="3657600" cy="457200"/>
+          </a:xfrm>
+          <a:prstGeom prst="rect">
+            <a:avLst/>
+          </a:prstGeom>
+          <a:noFill/>
+        </p:spPr>
+        <p:txBody>
+          <a:bodyPr wrap="none">
+            <a:spAutoFit/>
+          </a:bodyPr>
+          <a:lstStyle/>
+          <a:p>
+            <a:pPr>
+              <a:defRPr sz="2000" b="1">
+                <a:solidFill>
+                  <a:srgbClr val="1A568C"/>
+                </a:solidFill>
+              </a:defRPr>
+            </a:pPr>
+            <a:r>
+              <a:t>Embedding Similarity</a:t>
+            </a:r>
+          </a:p>
+        </p:txBody>
+      </p:sp>
+      <p:sp>
+        <p:nvSpPr>
+          <p:cNvPr id="26" name="TextBox 25"/>
+          <p:cNvSpPr txBox="1"/>
+          <p:nvPr/>
+        </p:nvSpPr>
+        <p:spPr>
+          <a:xfrm>
+            <a:off x="1371600" y="3611880"/>
+            <a:ext cx="4572000" cy="731520"/>
           </a:xfrm>
           <a:prstGeom prst="rect">
             <a:avLst/>
@@ -8051,35 +9115,35 @@
           </a:bodyPr>
           <a:lstStyle/>
           <a:p>
-            <a:pPr algn="ctr">
-              <a:defRPr sz="1800" b="1">
-                <a:solidFill>
-                  <a:srgbClr val="FFFFFF"/>
-                </a:solidFill>
-              </a:defRPr>
-            </a:pPr>
-            <a:r>
-              <a:t>Epithelial</a:t>
-            </a:r>
-          </a:p>
-        </p:txBody>
-      </p:sp>
-      <p:sp>
-        <p:nvSpPr>
-          <p:cNvPr id="24" name="Rounded Rectangle 23"/>
+            <a:pPr>
+              <a:defRPr sz="1400">
+                <a:solidFill>
+                  <a:srgbClr val="2D3A4A"/>
+                </a:solidFill>
+              </a:defRPr>
+            </a:pPr>
+            <a:r>
+              <a:t>256-dim gene vectors trained on 11M cells. High cosine similarity = functionally related, even without network edge.</a:t>
+            </a:r>
+          </a:p>
+        </p:txBody>
+      </p:sp>
+      <p:sp>
+        <p:nvSpPr>
+          <p:cNvPr id="27" name="Rounded Rectangle 26"/>
           <p:cNvSpPr/>
           <p:nvPr/>
         </p:nvSpPr>
         <p:spPr>
           <a:xfrm>
-            <a:off x="9692640" y="3840480"/>
-            <a:ext cx="2011680" cy="1828800"/>
+            <a:off x="6217920" y="3200400"/>
+            <a:ext cx="5486400" cy="914400"/>
           </a:xfrm>
           <a:prstGeom prst="roundRect">
             <a:avLst/>
           </a:prstGeom>
           <a:solidFill>
-            <a:srgbClr val="2EA06A"/>
+            <a:srgbClr val="F5F7FA"/>
           </a:solidFill>
           <a:ln>
             <a:noFill/>
@@ -8109,14 +9173,14 @@
       </p:sp>
       <p:sp>
         <p:nvSpPr>
-          <p:cNvPr id="25" name="TextBox 24"/>
+          <p:cNvPr id="28" name="TextBox 27"/>
           <p:cNvSpPr txBox="1"/>
           <p:nvPr/>
         </p:nvSpPr>
         <p:spPr>
           <a:xfrm>
-            <a:off x="9692640" y="4480560"/>
-            <a:ext cx="2011680" cy="731520"/>
+            <a:off x="6309360" y="3291840"/>
+            <a:ext cx="5303520" cy="777240"/>
           </a:xfrm>
           <a:prstGeom prst="rect">
             <a:avLst/>
@@ -8129,29 +9193,97 @@
           </a:bodyPr>
           <a:lstStyle/>
           <a:p>
+            <a:pPr>
+              <a:defRPr sz="1200">
+                <a:solidFill>
+                  <a:srgbClr val="2D3A4A"/>
+                </a:solidFill>
+                <a:latin typeface="Consolas"/>
+              </a:defRPr>
+            </a:pPr>
+            <a:r>
+              <a:t>MYC   [0.23, -0.15, 0.87, ...]    similarity</a:t>
+            </a:r>
+          </a:p>
+          <a:p>
+            <a:pPr>
+              <a:defRPr sz="1200">
+                <a:solidFill>
+                  <a:srgbClr val="2D3A4A"/>
+                </a:solidFill>
+                <a:latin typeface="Consolas"/>
+              </a:defRPr>
+            </a:pPr>
+            <a:r>
+              <a:t>BRCA1 [0.21, -0.18, 0.85, ...]  →  0.94</a:t>
+            </a:r>
+          </a:p>
+        </p:txBody>
+      </p:sp>
+      <p:sp>
+        <p:nvSpPr>
+          <p:cNvPr id="29" name="Rounded Rectangle 28"/>
+          <p:cNvSpPr/>
+          <p:nvPr/>
+        </p:nvSpPr>
+        <p:spPr>
+          <a:xfrm>
+            <a:off x="457200" y="4297680"/>
+            <a:ext cx="731520" cy="640080"/>
+          </a:xfrm>
+          <a:prstGeom prst="roundRect">
+            <a:avLst>
+              <a:gd name="adj" fmla="val 15000"/>
+            </a:avLst>
+          </a:prstGeom>
+          <a:solidFill>
+            <a:srgbClr val="2EA06A"/>
+          </a:solidFill>
+          <a:ln>
+            <a:noFill/>
+          </a:ln>
+        </p:spPr>
+        <p:style>
+          <a:lnRef idx="1">
+            <a:schemeClr val="accent1"/>
+          </a:lnRef>
+          <a:fillRef idx="3">
+            <a:schemeClr val="accent1"/>
+          </a:fillRef>
+          <a:effectRef idx="2">
+            <a:schemeClr val="accent1"/>
+          </a:effectRef>
+          <a:fontRef idx="minor">
+            <a:schemeClr val="lt1"/>
+          </a:fontRef>
+        </p:style>
+        <p:txBody>
+          <a:bodyPr rtlCol="0" anchor="ctr" wrap="square"/>
+          <a:lstStyle/>
+          <a:p>
             <a:pPr algn="ctr">
-              <a:defRPr sz="1800" b="1">
+              <a:defRPr sz="2400" b="1">
                 <a:solidFill>
                   <a:srgbClr val="FFFFFF"/>
                 </a:solidFill>
               </a:defRPr>
             </a:pPr>
             <a:r>
-              <a:t>Erythrocytes</a:t>
-            </a:r>
-          </a:p>
-        </p:txBody>
-      </p:sp>
-      <p:sp>
-        <p:nvSpPr>
-          <p:cNvPr id="26" name="TextBox 25"/>
+              <a:t>3</a:t>
+            </a:r>
+          </a:p>
+        </p:txBody>
+      </p:sp>
+      <p:sp>
+        <p:nvSpPr>
+          <p:cNvPr id="30" name="TextBox 29"/>
           <p:cNvSpPr txBox="1"/>
           <p:nvPr/>
         </p:nvSpPr>
         <p:spPr>
           <a:xfrm>
-            <a:off x="548640" y="6035040"/>
-            <a:ext cx="11094415" cy="457200"/>
+            <a:off x="1371600" y="4297680"/>
+            <a:ext cx="3657600" cy="457200"/>
           </a:xfrm>
           <a:prstGeom prst="rect">
             <a:avLst/>
@@ -8164,15 +9296,187 @@
           </a:bodyPr>
           <a:lstStyle/>
           <a:p>
+            <a:pPr>
+              <a:defRPr sz="2000" b="1">
+                <a:solidFill>
+                  <a:srgbClr val="2EA06A"/>
+                </a:solidFill>
+              </a:defRPr>
+            </a:pPr>
+            <a:r>
+              <a:t>Combined Scoring</a:t>
+            </a:r>
+          </a:p>
+        </p:txBody>
+      </p:sp>
+      <p:sp>
+        <p:nvSpPr>
+          <p:cNvPr id="31" name="TextBox 30"/>
+          <p:cNvSpPr txBox="1"/>
+          <p:nvPr/>
+        </p:nvSpPr>
+        <p:spPr>
+          <a:xfrm>
+            <a:off x="1371600" y="4709160"/>
+            <a:ext cx="4572000" cy="731520"/>
+          </a:xfrm>
+          <a:prstGeom prst="rect">
+            <a:avLst/>
+          </a:prstGeom>
+          <a:noFill/>
+        </p:spPr>
+        <p:txBody>
+          <a:bodyPr wrap="square">
+            <a:spAutoFit/>
+          </a:bodyPr>
+          <a:lstStyle/>
+          <a:p>
+            <a:pPr>
+              <a:defRPr sz="1400">
+                <a:solidFill>
+                  <a:srgbClr val="2D3A4A"/>
+                </a:solidFill>
+              </a:defRPr>
+            </a:pPr>
+            <a:r>
+              <a:t>Network provides structure, embeddings boost confidence. Captures both direct and indirect relationships.</a:t>
+            </a:r>
+          </a:p>
+        </p:txBody>
+      </p:sp>
+      <p:sp>
+        <p:nvSpPr>
+          <p:cNvPr id="32" name="Rounded Rectangle 31"/>
+          <p:cNvSpPr/>
+          <p:nvPr/>
+        </p:nvSpPr>
+        <p:spPr>
+          <a:xfrm>
+            <a:off x="6217920" y="4297680"/>
+            <a:ext cx="5486400" cy="1097280"/>
+          </a:xfrm>
+          <a:prstGeom prst="roundRect">
+            <a:avLst/>
+          </a:prstGeom>
+          <a:solidFill>
+            <a:srgbClr val="0D2B4A"/>
+          </a:solidFill>
+          <a:ln>
+            <a:noFill/>
+          </a:ln>
+        </p:spPr>
+        <p:style>
+          <a:lnRef idx="1">
+            <a:schemeClr val="accent1"/>
+          </a:lnRef>
+          <a:fillRef idx="3">
+            <a:schemeClr val="accent1"/>
+          </a:fillRef>
+          <a:effectRef idx="2">
+            <a:schemeClr val="accent1"/>
+          </a:effectRef>
+          <a:fontRef idx="minor">
+            <a:schemeClr val="lt1"/>
+          </a:fontRef>
+        </p:style>
+        <p:txBody>
+          <a:bodyPr rtlCol="0" anchor="ctr"/>
+          <a:lstStyle/>
+          <a:p>
+            <a:pPr algn="ctr"/>
+          </a:p>
+        </p:txBody>
+      </p:sp>
+      <p:sp>
+        <p:nvSpPr>
+          <p:cNvPr id="33" name="TextBox 32"/>
+          <p:cNvSpPr txBox="1"/>
+          <p:nvPr/>
+        </p:nvSpPr>
+        <p:spPr>
+          <a:xfrm>
+            <a:off x="6400800" y="4434840"/>
+            <a:ext cx="5120640" cy="914400"/>
+          </a:xfrm>
+          <a:prstGeom prst="rect">
+            <a:avLst/>
+          </a:prstGeom>
+          <a:noFill/>
+        </p:spPr>
+        <p:txBody>
+          <a:bodyPr wrap="square">
+            <a:spAutoFit/>
+          </a:bodyPr>
+          <a:lstStyle/>
+          <a:p>
+            <a:pPr>
+              <a:defRPr sz="1300">
+                <a:solidFill>
+                  <a:srgbClr val="FFFFFF"/>
+                </a:solidFill>
+              </a:defRPr>
+            </a:pPr>
+            <a:r>
+              <a:t>combined_effect =</a:t>
+            </a:r>
+          </a:p>
+          <a:p>
+            <a:pPr>
+              <a:defRPr sz="1300">
+                <a:solidFill>
+                  <a:srgbClr val="009B9E"/>
+                </a:solidFill>
+              </a:defRPr>
+            </a:pPr>
+            <a:r>
+              <a:t>    0.7 × network_effect</a:t>
+            </a:r>
+          </a:p>
+          <a:p>
+            <a:pPr>
+              <a:defRPr sz="1300">
+                <a:solidFill>
+                  <a:srgbClr val="3A8DC1"/>
+                </a:solidFill>
+              </a:defRPr>
+            </a:pPr>
+            <a:r>
+              <a:t>  + 0.3 × embedding_similarity × network_effect</a:t>
+            </a:r>
+          </a:p>
+        </p:txBody>
+      </p:sp>
+      <p:sp>
+        <p:nvSpPr>
+          <p:cNvPr id="34" name="TextBox 33"/>
+          <p:cNvSpPr txBox="1"/>
+          <p:nvPr/>
+        </p:nvSpPr>
+        <p:spPr>
+          <a:xfrm>
+            <a:off x="457200" y="5669280"/>
+            <a:ext cx="11277295" cy="731520"/>
+          </a:xfrm>
+          <a:prstGeom prst="rect">
+            <a:avLst/>
+          </a:prstGeom>
+          <a:noFill/>
+        </p:spPr>
+        <p:txBody>
+          <a:bodyPr wrap="square">
+            <a:spAutoFit/>
+          </a:bodyPr>
+          <a:lstStyle/>
+          <a:p>
             <a:pPr algn="ctr">
-              <a:defRPr sz="1600" i="1">
+              <a:defRPr sz="1500" i="1">
                 <a:solidFill>
                   <a:srgbClr val="647487"/>
                 </a:solidFill>
               </a:defRPr>
             </a:pPr>
             <a:r>
-              <a:t>Pre-computed regulatory networks derived from single-cell RNA-seq data</a:t>
+              <a:t>Result: Genes ranked by predicted impact. Network-only and embedding-only effects also reported separately.</a:t>
             </a:r>
           </a:p>
         </p:txBody>
@@ -8354,7 +9658,7 @@
               </a:defRPr>
             </a:pPr>
             <a:r>
-              <a:t>Capabilities</a:t>
+              <a:t>10 Cell Type Networks</a:t>
             </a:r>
           </a:p>
         </p:txBody>
@@ -8367,19 +9671,17 @@
         </p:nvSpPr>
         <p:spPr>
           <a:xfrm>
-            <a:off x="548640" y="1554480"/>
-            <a:ext cx="3566160" cy="2194560"/>
+            <a:off x="548640" y="1645920"/>
+            <a:ext cx="2011680" cy="1828800"/>
           </a:xfrm>
           <a:prstGeom prst="roundRect">
             <a:avLst/>
           </a:prstGeom>
           <a:solidFill>
-            <a:srgbClr val="F5F7FA"/>
-          </a:solidFill>
-          <a:ln w="38100">
-            <a:solidFill>
-              <a:srgbClr val="009B9E"/>
-            </a:solidFill>
+            <a:srgbClr val="009B9E"/>
+          </a:solidFill>
+          <a:ln>
+            <a:noFill/>
           </a:ln>
         </p:spPr>
         <p:style>
@@ -8406,16 +9708,51 @@
       </p:sp>
       <p:sp>
         <p:nvSpPr>
-          <p:cNvPr id="7" name="Rectangle 6"/>
+          <p:cNvPr id="7" name="TextBox 6"/>
+          <p:cNvSpPr txBox="1"/>
+          <p:nvPr/>
+        </p:nvSpPr>
+        <p:spPr>
+          <a:xfrm>
+            <a:off x="548640" y="2286000"/>
+            <a:ext cx="2011680" cy="731520"/>
+          </a:xfrm>
+          <a:prstGeom prst="rect">
+            <a:avLst/>
+          </a:prstGeom>
+          <a:noFill/>
+        </p:spPr>
+        <p:txBody>
+          <a:bodyPr wrap="square">
+            <a:spAutoFit/>
+          </a:bodyPr>
+          <a:lstStyle/>
+          <a:p>
+            <a:pPr algn="ctr">
+              <a:defRPr sz="1800" b="1">
+                <a:solidFill>
+                  <a:srgbClr val="FFFFFF"/>
+                </a:solidFill>
+              </a:defRPr>
+            </a:pPr>
+            <a:r>
+              <a:t>CD4+ T Cells</a:t>
+            </a:r>
+          </a:p>
+        </p:txBody>
+      </p:sp>
+      <p:sp>
+        <p:nvSpPr>
+          <p:cNvPr id="8" name="Rounded Rectangle 7"/>
           <p:cNvSpPr/>
           <p:nvPr/>
         </p:nvSpPr>
         <p:spPr>
           <a:xfrm>
-            <a:off x="548640" y="1554480"/>
-            <a:ext cx="3566160" cy="137160"/>
-          </a:xfrm>
-          <a:prstGeom prst="rect">
+            <a:off x="2834640" y="1645920"/>
+            <a:ext cx="2011680" cy="1828800"/>
+          </a:xfrm>
+          <a:prstGeom prst="roundRect">
             <a:avLst/>
           </a:prstGeom>
           <a:solidFill>
@@ -8449,49 +9786,14 @@
       </p:sp>
       <p:sp>
         <p:nvSpPr>
-          <p:cNvPr id="8" name="TextBox 7"/>
-          <p:cNvSpPr txBox="1"/>
-          <p:nvPr/>
-        </p:nvSpPr>
-        <p:spPr>
-          <a:xfrm>
-            <a:off x="548640" y="1920240"/>
-            <a:ext cx="3566160" cy="548640"/>
-          </a:xfrm>
-          <a:prstGeom prst="rect">
-            <a:avLst/>
-          </a:prstGeom>
-          <a:noFill/>
-        </p:spPr>
-        <p:txBody>
-          <a:bodyPr wrap="none">
-            <a:spAutoFit/>
-          </a:bodyPr>
-          <a:lstStyle/>
-          <a:p>
-            <a:pPr algn="ctr">
-              <a:defRPr sz="2200" b="1">
-                <a:solidFill>
-                  <a:srgbClr val="2D3A4A"/>
-                </a:solidFill>
-              </a:defRPr>
-            </a:pPr>
-            <a:r>
-              <a:t>Gene Knockdown</a:t>
-            </a:r>
-          </a:p>
-        </p:txBody>
-      </p:sp>
-      <p:sp>
-        <p:nvSpPr>
           <p:cNvPr id="9" name="TextBox 8"/>
           <p:cNvSpPr txBox="1"/>
           <p:nvPr/>
         </p:nvSpPr>
         <p:spPr>
           <a:xfrm>
-            <a:off x="731520" y="2560320"/>
-            <a:ext cx="3200400" cy="1097280"/>
+            <a:off x="2834640" y="2286000"/>
+            <a:ext cx="2011680" cy="731520"/>
           </a:xfrm>
           <a:prstGeom prst="rect">
             <a:avLst/>
@@ -8505,18 +9807,14 @@
           <a:lstStyle/>
           <a:p>
             <a:pPr algn="ctr">
-              <a:defRPr sz="1500">
-                <a:solidFill>
-                  <a:srgbClr val="647487"/>
-                </a:solidFill>
-              </a:defRPr>
-            </a:pPr>
-            <a:r>
-              <a:t>Predict downstream effects</a:t>
-            </a:r>
-            <a:br/>
-            <a:r>
-              <a:t>of gene silencing</a:t>
+              <a:defRPr sz="1800" b="1">
+                <a:solidFill>
+                  <a:srgbClr val="FFFFFF"/>
+                </a:solidFill>
+              </a:defRPr>
+            </a:pPr>
+            <a:r>
+              <a:t>CD8+ T Cells</a:t>
             </a:r>
           </a:p>
         </p:txBody>
@@ -8529,19 +9827,17 @@
         </p:nvSpPr>
         <p:spPr>
           <a:xfrm>
-            <a:off x="4389120" y="1554480"/>
-            <a:ext cx="3566160" cy="2194560"/>
+            <a:off x="5120640" y="1645920"/>
+            <a:ext cx="2011680" cy="1828800"/>
           </a:xfrm>
           <a:prstGeom prst="roundRect">
             <a:avLst/>
           </a:prstGeom>
           <a:solidFill>
-            <a:srgbClr val="F5F7FA"/>
-          </a:solidFill>
-          <a:ln w="38100">
-            <a:solidFill>
-              <a:srgbClr val="1A568C"/>
-            </a:solidFill>
+            <a:srgbClr val="009B9E"/>
+          </a:solidFill>
+          <a:ln>
+            <a:noFill/>
           </a:ln>
         </p:spPr>
         <p:style>
@@ -8568,20 +9864,55 @@
       </p:sp>
       <p:sp>
         <p:nvSpPr>
-          <p:cNvPr id="11" name="Rectangle 10"/>
+          <p:cNvPr id="11" name="TextBox 10"/>
+          <p:cNvSpPr txBox="1"/>
+          <p:nvPr/>
+        </p:nvSpPr>
+        <p:spPr>
+          <a:xfrm>
+            <a:off x="5120640" y="2286000"/>
+            <a:ext cx="2011680" cy="731520"/>
+          </a:xfrm>
+          <a:prstGeom prst="rect">
+            <a:avLst/>
+          </a:prstGeom>
+          <a:noFill/>
+        </p:spPr>
+        <p:txBody>
+          <a:bodyPr wrap="square">
+            <a:spAutoFit/>
+          </a:bodyPr>
+          <a:lstStyle/>
+          <a:p>
+            <a:pPr algn="ctr">
+              <a:defRPr sz="1800" b="1">
+                <a:solidFill>
+                  <a:srgbClr val="FFFFFF"/>
+                </a:solidFill>
+              </a:defRPr>
+            </a:pPr>
+            <a:r>
+              <a:t>NK Cells</a:t>
+            </a:r>
+          </a:p>
+        </p:txBody>
+      </p:sp>
+      <p:sp>
+        <p:nvSpPr>
+          <p:cNvPr id="12" name="Rounded Rectangle 11"/>
           <p:cNvSpPr/>
           <p:nvPr/>
         </p:nvSpPr>
         <p:spPr>
           <a:xfrm>
-            <a:off x="4389120" y="1554480"/>
-            <a:ext cx="3566160" cy="137160"/>
-          </a:xfrm>
-          <a:prstGeom prst="rect">
-            <a:avLst/>
-          </a:prstGeom>
-          <a:solidFill>
-            <a:srgbClr val="1A568C"/>
+            <a:off x="7406640" y="1645920"/>
+            <a:ext cx="2011680" cy="1828800"/>
+          </a:xfrm>
+          <a:prstGeom prst="roundRect">
+            <a:avLst/>
+          </a:prstGeom>
+          <a:solidFill>
+            <a:srgbClr val="009B9E"/>
           </a:solidFill>
           <a:ln>
             <a:noFill/>
@@ -8611,49 +9942,14 @@
       </p:sp>
       <p:sp>
         <p:nvSpPr>
-          <p:cNvPr id="12" name="TextBox 11"/>
-          <p:cNvSpPr txBox="1"/>
-          <p:nvPr/>
-        </p:nvSpPr>
-        <p:spPr>
-          <a:xfrm>
-            <a:off x="4389120" y="1920240"/>
-            <a:ext cx="3566160" cy="548640"/>
-          </a:xfrm>
-          <a:prstGeom prst="rect">
-            <a:avLst/>
-          </a:prstGeom>
-          <a:noFill/>
-        </p:spPr>
-        <p:txBody>
-          <a:bodyPr wrap="none">
-            <a:spAutoFit/>
-          </a:bodyPr>
-          <a:lstStyle/>
-          <a:p>
-            <a:pPr algn="ctr">
-              <a:defRPr sz="2200" b="1">
-                <a:solidFill>
-                  <a:srgbClr val="2D3A4A"/>
-                </a:solidFill>
-              </a:defRPr>
-            </a:pPr>
-            <a:r>
-              <a:t>Overexpression</a:t>
-            </a:r>
-          </a:p>
-        </p:txBody>
-      </p:sp>
-      <p:sp>
-        <p:nvSpPr>
           <p:cNvPr id="13" name="TextBox 12"/>
           <p:cNvSpPr txBox="1"/>
           <p:nvPr/>
         </p:nvSpPr>
         <p:spPr>
           <a:xfrm>
-            <a:off x="4572000" y="2560320"/>
-            <a:ext cx="3200400" cy="1097280"/>
+            <a:off x="7406640" y="2286000"/>
+            <a:ext cx="2011680" cy="731520"/>
           </a:xfrm>
           <a:prstGeom prst="rect">
             <a:avLst/>
@@ -8667,18 +9963,14 @@
           <a:lstStyle/>
           <a:p>
             <a:pPr algn="ctr">
-              <a:defRPr sz="1500">
-                <a:solidFill>
-                  <a:srgbClr val="647487"/>
-                </a:solidFill>
-              </a:defRPr>
-            </a:pPr>
-            <a:r>
-              <a:t>Model increased gene</a:t>
-            </a:r>
-            <a:br/>
-            <a:r>
-              <a:t>expression impact</a:t>
+              <a:defRPr sz="1800" b="1">
+                <a:solidFill>
+                  <a:srgbClr val="FFFFFF"/>
+                </a:solidFill>
+              </a:defRPr>
+            </a:pPr>
+            <a:r>
+              <a:t>NKT Cells</a:t>
             </a:r>
           </a:p>
         </p:txBody>
@@ -8691,19 +9983,17 @@
         </p:nvSpPr>
         <p:spPr>
           <a:xfrm>
-            <a:off x="8229600" y="1554480"/>
-            <a:ext cx="3566160" cy="2194560"/>
+            <a:off x="9692640" y="1645920"/>
+            <a:ext cx="2011680" cy="1828800"/>
           </a:xfrm>
           <a:prstGeom prst="roundRect">
             <a:avLst/>
           </a:prstGeom>
           <a:solidFill>
-            <a:srgbClr val="F5F7FA"/>
-          </a:solidFill>
-          <a:ln w="38100">
-            <a:solidFill>
-              <a:srgbClr val="2EA06A"/>
-            </a:solidFill>
+            <a:srgbClr val="1A568C"/>
+          </a:solidFill>
+          <a:ln>
+            <a:noFill/>
           </a:ln>
         </p:spPr>
         <p:style>
@@ -8730,20 +10020,55 @@
       </p:sp>
       <p:sp>
         <p:nvSpPr>
-          <p:cNvPr id="15" name="Rectangle 14"/>
+          <p:cNvPr id="15" name="TextBox 14"/>
+          <p:cNvSpPr txBox="1"/>
+          <p:nvPr/>
+        </p:nvSpPr>
+        <p:spPr>
+          <a:xfrm>
+            <a:off x="9692640" y="2286000"/>
+            <a:ext cx="2011680" cy="731520"/>
+          </a:xfrm>
+          <a:prstGeom prst="rect">
+            <a:avLst/>
+          </a:prstGeom>
+          <a:noFill/>
+        </p:spPr>
+        <p:txBody>
+          <a:bodyPr wrap="square">
+            <a:spAutoFit/>
+          </a:bodyPr>
+          <a:lstStyle/>
+          <a:p>
+            <a:pPr algn="ctr">
+              <a:defRPr sz="1800" b="1">
+                <a:solidFill>
+                  <a:srgbClr val="FFFFFF"/>
+                </a:solidFill>
+              </a:defRPr>
+            </a:pPr>
+            <a:r>
+              <a:t>B Cells</a:t>
+            </a:r>
+          </a:p>
+        </p:txBody>
+      </p:sp>
+      <p:sp>
+        <p:nvSpPr>
+          <p:cNvPr id="16" name="Rounded Rectangle 15"/>
           <p:cNvSpPr/>
           <p:nvPr/>
         </p:nvSpPr>
         <p:spPr>
           <a:xfrm>
-            <a:off x="8229600" y="1554480"/>
-            <a:ext cx="3566160" cy="137160"/>
-          </a:xfrm>
-          <a:prstGeom prst="rect">
-            <a:avLst/>
-          </a:prstGeom>
-          <a:solidFill>
-            <a:srgbClr val="2EA06A"/>
+            <a:off x="548640" y="3840480"/>
+            <a:ext cx="2011680" cy="1828800"/>
+          </a:xfrm>
+          <a:prstGeom prst="roundRect">
+            <a:avLst/>
+          </a:prstGeom>
+          <a:solidFill>
+            <a:srgbClr val="1A568C"/>
           </a:solidFill>
           <a:ln>
             <a:noFill/>
@@ -8773,49 +10098,14 @@
       </p:sp>
       <p:sp>
         <p:nvSpPr>
-          <p:cNvPr id="16" name="TextBox 15"/>
-          <p:cNvSpPr txBox="1"/>
-          <p:nvPr/>
-        </p:nvSpPr>
-        <p:spPr>
-          <a:xfrm>
-            <a:off x="8229600" y="1920240"/>
-            <a:ext cx="3566160" cy="548640"/>
-          </a:xfrm>
-          <a:prstGeom prst="rect">
-            <a:avLst/>
-          </a:prstGeom>
-          <a:noFill/>
-        </p:spPr>
-        <p:txBody>
-          <a:bodyPr wrap="none">
-            <a:spAutoFit/>
-          </a:bodyPr>
-          <a:lstStyle/>
-          <a:p>
-            <a:pPr algn="ctr">
-              <a:defRPr sz="2200" b="1">
-                <a:solidFill>
-                  <a:srgbClr val="2D3A4A"/>
-                </a:solidFill>
-              </a:defRPr>
-            </a:pPr>
-            <a:r>
-              <a:t>Similar Genes</a:t>
-            </a:r>
-          </a:p>
-        </p:txBody>
-      </p:sp>
-      <p:sp>
-        <p:nvSpPr>
           <p:cNvPr id="17" name="TextBox 16"/>
           <p:cNvSpPr txBox="1"/>
           <p:nvPr/>
         </p:nvSpPr>
         <p:spPr>
           <a:xfrm>
-            <a:off x="8412480" y="2560320"/>
-            <a:ext cx="3200400" cy="1097280"/>
+            <a:off x="548640" y="4480560"/>
+            <a:ext cx="2011680" cy="731520"/>
           </a:xfrm>
           <a:prstGeom prst="rect">
             <a:avLst/>
@@ -8829,18 +10119,14 @@
           <a:lstStyle/>
           <a:p>
             <a:pPr algn="ctr">
-              <a:defRPr sz="1500">
-                <a:solidFill>
-                  <a:srgbClr val="647487"/>
-                </a:solidFill>
-              </a:defRPr>
-            </a:pPr>
-            <a:r>
-              <a:t>Find functionally related</a:t>
-            </a:r>
-            <a:br/>
-            <a:r>
-              <a:t>genes via embeddings</a:t>
+              <a:defRPr sz="1800" b="1">
+                <a:solidFill>
+                  <a:srgbClr val="FFFFFF"/>
+                </a:solidFill>
+              </a:defRPr>
+            </a:pPr>
+            <a:r>
+              <a:t>CD14+ Monocytes</a:t>
             </a:r>
           </a:p>
         </p:txBody>
@@ -8853,19 +10139,17 @@
         </p:nvSpPr>
         <p:spPr>
           <a:xfrm>
-            <a:off x="548640" y="4023360"/>
-            <a:ext cx="3566160" cy="2194560"/>
+            <a:off x="2834640" y="3840480"/>
+            <a:ext cx="2011680" cy="1828800"/>
           </a:xfrm>
           <a:prstGeom prst="roundRect">
             <a:avLst/>
           </a:prstGeom>
           <a:solidFill>
-            <a:srgbClr val="F5F7FA"/>
-          </a:solidFill>
-          <a:ln w="38100">
-            <a:solidFill>
-              <a:srgbClr val="E86C2C"/>
-            </a:solidFill>
+            <a:srgbClr val="1A568C"/>
+          </a:solidFill>
+          <a:ln>
+            <a:noFill/>
           </a:ln>
         </p:spPr>
         <p:style>
@@ -8892,20 +10176,55 @@
       </p:sp>
       <p:sp>
         <p:nvSpPr>
-          <p:cNvPr id="19" name="Rectangle 18"/>
+          <p:cNvPr id="19" name="TextBox 18"/>
+          <p:cNvSpPr txBox="1"/>
+          <p:nvPr/>
+        </p:nvSpPr>
+        <p:spPr>
+          <a:xfrm>
+            <a:off x="2834640" y="4480560"/>
+            <a:ext cx="2011680" cy="731520"/>
+          </a:xfrm>
+          <a:prstGeom prst="rect">
+            <a:avLst/>
+          </a:prstGeom>
+          <a:noFill/>
+        </p:spPr>
+        <p:txBody>
+          <a:bodyPr wrap="square">
+            <a:spAutoFit/>
+          </a:bodyPr>
+          <a:lstStyle/>
+          <a:p>
+            <a:pPr algn="ctr">
+              <a:defRPr sz="1800" b="1">
+                <a:solidFill>
+                  <a:srgbClr val="FFFFFF"/>
+                </a:solidFill>
+              </a:defRPr>
+            </a:pPr>
+            <a:r>
+              <a:t>CD16+ Monocytes</a:t>
+            </a:r>
+          </a:p>
+        </p:txBody>
+      </p:sp>
+      <p:sp>
+        <p:nvSpPr>
+          <p:cNvPr id="20" name="Rounded Rectangle 19"/>
           <p:cNvSpPr/>
           <p:nvPr/>
         </p:nvSpPr>
         <p:spPr>
           <a:xfrm>
-            <a:off x="548640" y="4023360"/>
-            <a:ext cx="3566160" cy="137160"/>
-          </a:xfrm>
-          <a:prstGeom prst="rect">
-            <a:avLst/>
-          </a:prstGeom>
-          <a:solidFill>
-            <a:srgbClr val="E86C2C"/>
+            <a:off x="5120640" y="3840480"/>
+            <a:ext cx="2011680" cy="1828800"/>
+          </a:xfrm>
+          <a:prstGeom prst="roundRect">
+            <a:avLst/>
+          </a:prstGeom>
+          <a:solidFill>
+            <a:srgbClr val="1A568C"/>
           </a:solidFill>
           <a:ln>
             <a:noFill/>
@@ -8935,49 +10254,14 @@
       </p:sp>
       <p:sp>
         <p:nvSpPr>
-          <p:cNvPr id="20" name="TextBox 19"/>
-          <p:cNvSpPr txBox="1"/>
-          <p:nvPr/>
-        </p:nvSpPr>
-        <p:spPr>
-          <a:xfrm>
-            <a:off x="548640" y="4389120"/>
-            <a:ext cx="3566160" cy="548640"/>
-          </a:xfrm>
-          <a:prstGeom prst="rect">
-            <a:avLst/>
-          </a:prstGeom>
-          <a:noFill/>
-        </p:spPr>
-        <p:txBody>
-          <a:bodyPr wrap="none">
-            <a:spAutoFit/>
-          </a:bodyPr>
-          <a:lstStyle/>
-          <a:p>
-            <a:pPr algn="ctr">
-              <a:defRPr sz="2200" b="1">
-                <a:solidFill>
-                  <a:srgbClr val="2D3A4A"/>
-                </a:solidFill>
-              </a:defRPr>
-            </a:pPr>
-            <a:r>
-              <a:t>Drug Targets</a:t>
-            </a:r>
-          </a:p>
-        </p:txBody>
-      </p:sp>
-      <p:sp>
-        <p:nvSpPr>
           <p:cNvPr id="21" name="TextBox 20"/>
           <p:cNvSpPr txBox="1"/>
           <p:nvPr/>
         </p:nvSpPr>
         <p:spPr>
           <a:xfrm>
-            <a:off x="731520" y="5029200"/>
-            <a:ext cx="3200400" cy="1097280"/>
+            <a:off x="5120640" y="4480560"/>
+            <a:ext cx="2011680" cy="731520"/>
           </a:xfrm>
           <a:prstGeom prst="rect">
             <a:avLst/>
@@ -8991,18 +10275,14 @@
           <a:lstStyle/>
           <a:p>
             <a:pPr algn="ctr">
-              <a:defRPr sz="1500">
-                <a:solidFill>
-                  <a:srgbClr val="647487"/>
-                </a:solidFill>
-              </a:defRPr>
-            </a:pPr>
-            <a:r>
-              <a:t>Identify network</a:t>
-            </a:r>
-            <a:br/>
-            <a:r>
-              <a:t>vulnerabilities</a:t>
+              <a:defRPr sz="1800" b="1">
+                <a:solidFill>
+                  <a:srgbClr val="FFFFFF"/>
+                </a:solidFill>
+              </a:defRPr>
+            </a:pPr>
+            <a:r>
+              <a:t>Dendritic Cells</a:t>
             </a:r>
           </a:p>
         </p:txBody>
@@ -9015,19 +10295,17 @@
         </p:nvSpPr>
         <p:spPr>
           <a:xfrm>
-            <a:off x="4389120" y="4023360"/>
-            <a:ext cx="3566160" cy="2194560"/>
+            <a:off x="7406640" y="3840480"/>
+            <a:ext cx="2011680" cy="1828800"/>
           </a:xfrm>
           <a:prstGeom prst="roundRect">
             <a:avLst/>
           </a:prstGeom>
           <a:solidFill>
-            <a:srgbClr val="F5F7FA"/>
-          </a:solidFill>
-          <a:ln w="38100">
-            <a:solidFill>
-              <a:srgbClr val="1A568C"/>
-            </a:solidFill>
+            <a:srgbClr val="2EA06A"/>
+          </a:solidFill>
+          <a:ln>
+            <a:noFill/>
           </a:ln>
         </p:spPr>
         <p:style>
@@ -9054,20 +10332,55 @@
       </p:sp>
       <p:sp>
         <p:nvSpPr>
-          <p:cNvPr id="23" name="Rectangle 22"/>
+          <p:cNvPr id="23" name="TextBox 22"/>
+          <p:cNvSpPr txBox="1"/>
+          <p:nvPr/>
+        </p:nvSpPr>
+        <p:spPr>
+          <a:xfrm>
+            <a:off x="7406640" y="4480560"/>
+            <a:ext cx="2011680" cy="731520"/>
+          </a:xfrm>
+          <a:prstGeom prst="rect">
+            <a:avLst/>
+          </a:prstGeom>
+          <a:noFill/>
+        </p:spPr>
+        <p:txBody>
+          <a:bodyPr wrap="square">
+            <a:spAutoFit/>
+          </a:bodyPr>
+          <a:lstStyle/>
+          <a:p>
+            <a:pPr algn="ctr">
+              <a:defRPr sz="1800" b="1">
+                <a:solidFill>
+                  <a:srgbClr val="FFFFFF"/>
+                </a:solidFill>
+              </a:defRPr>
+            </a:pPr>
+            <a:r>
+              <a:t>Epithelial</a:t>
+            </a:r>
+          </a:p>
+        </p:txBody>
+      </p:sp>
+      <p:sp>
+        <p:nvSpPr>
+          <p:cNvPr id="24" name="Rounded Rectangle 23"/>
           <p:cNvSpPr/>
           <p:nvPr/>
         </p:nvSpPr>
         <p:spPr>
           <a:xfrm>
-            <a:off x="4389120" y="4023360"/>
-            <a:ext cx="3566160" cy="137160"/>
-          </a:xfrm>
-          <a:prstGeom prst="rect">
-            <a:avLst/>
-          </a:prstGeom>
-          <a:solidFill>
-            <a:srgbClr val="1A568C"/>
+            <a:off x="9692640" y="3840480"/>
+            <a:ext cx="2011680" cy="1828800"/>
+          </a:xfrm>
+          <a:prstGeom prst="roundRect">
+            <a:avLst/>
+          </a:prstGeom>
+          <a:solidFill>
+            <a:srgbClr val="2EA06A"/>
           </a:solidFill>
           <a:ln>
             <a:noFill/>
@@ -9097,14 +10410,49 @@
       </p:sp>
       <p:sp>
         <p:nvSpPr>
-          <p:cNvPr id="24" name="TextBox 23"/>
+          <p:cNvPr id="25" name="TextBox 24"/>
           <p:cNvSpPr txBox="1"/>
           <p:nvPr/>
         </p:nvSpPr>
         <p:spPr>
           <a:xfrm>
-            <a:off x="4389120" y="4389120"/>
-            <a:ext cx="3566160" cy="548640"/>
+            <a:off x="9692640" y="4480560"/>
+            <a:ext cx="2011680" cy="731520"/>
+          </a:xfrm>
+          <a:prstGeom prst="rect">
+            <a:avLst/>
+          </a:prstGeom>
+          <a:noFill/>
+        </p:spPr>
+        <p:txBody>
+          <a:bodyPr wrap="square">
+            <a:spAutoFit/>
+          </a:bodyPr>
+          <a:lstStyle/>
+          <a:p>
+            <a:pPr algn="ctr">
+              <a:defRPr sz="1800" b="1">
+                <a:solidFill>
+                  <a:srgbClr val="FFFFFF"/>
+                </a:solidFill>
+              </a:defRPr>
+            </a:pPr>
+            <a:r>
+              <a:t>Erythrocytes</a:t>
+            </a:r>
+          </a:p>
+        </p:txBody>
+      </p:sp>
+      <p:sp>
+        <p:nvSpPr>
+          <p:cNvPr id="26" name="TextBox 25"/>
+          <p:cNvSpPr txBox="1"/>
+          <p:nvPr/>
+        </p:nvSpPr>
+        <p:spPr>
+          <a:xfrm>
+            <a:off x="548640" y="6035040"/>
+            <a:ext cx="11094415" cy="457200"/>
           </a:xfrm>
           <a:prstGeom prst="rect">
             <a:avLst/>
@@ -9118,215 +10466,14 @@
           <a:lstStyle/>
           <a:p>
             <a:pPr algn="ctr">
-              <a:defRPr sz="2200" b="1">
-                <a:solidFill>
-                  <a:srgbClr val="2D3A4A"/>
-                </a:solidFill>
-              </a:defRPr>
-            </a:pPr>
-            <a:r>
-              <a:t>Protein Interactions</a:t>
-            </a:r>
-          </a:p>
-        </p:txBody>
-      </p:sp>
-      <p:sp>
-        <p:nvSpPr>
-          <p:cNvPr id="25" name="TextBox 24"/>
-          <p:cNvSpPr txBox="1"/>
-          <p:nvPr/>
-        </p:nvSpPr>
-        <p:spPr>
-          <a:xfrm>
-            <a:off x="4572000" y="5029200"/>
-            <a:ext cx="3200400" cy="1097280"/>
-          </a:xfrm>
-          <a:prstGeom prst="rect">
-            <a:avLst/>
-          </a:prstGeom>
-          <a:noFill/>
-        </p:spPr>
-        <p:txBody>
-          <a:bodyPr wrap="square">
-            <a:spAutoFit/>
-          </a:bodyPr>
-          <a:lstStyle/>
-          <a:p>
-            <a:pPr algn="ctr">
-              <a:defRPr sz="1500">
+              <a:defRPr sz="1600" i="1">
                 <a:solidFill>
                   <a:srgbClr val="647487"/>
                 </a:solidFill>
               </a:defRPr>
             </a:pPr>
             <a:r>
-              <a:t>STRING database</a:t>
-            </a:r>
-            <a:br/>
-            <a:r>
-              <a:t>integration</a:t>
-            </a:r>
-          </a:p>
-        </p:txBody>
-      </p:sp>
-      <p:sp>
-        <p:nvSpPr>
-          <p:cNvPr id="26" name="Rounded Rectangle 25"/>
-          <p:cNvSpPr/>
-          <p:nvPr/>
-        </p:nvSpPr>
-        <p:spPr>
-          <a:xfrm>
-            <a:off x="8229600" y="4023360"/>
-            <a:ext cx="3566160" cy="2194560"/>
-          </a:xfrm>
-          <a:prstGeom prst="roundRect">
-            <a:avLst/>
-          </a:prstGeom>
-          <a:solidFill>
-            <a:srgbClr val="F5F7FA"/>
-          </a:solidFill>
-          <a:ln w="38100">
-            <a:solidFill>
-              <a:srgbClr val="009B9E"/>
-            </a:solidFill>
-          </a:ln>
-        </p:spPr>
-        <p:style>
-          <a:lnRef idx="1">
-            <a:schemeClr val="accent1"/>
-          </a:lnRef>
-          <a:fillRef idx="3">
-            <a:schemeClr val="accent1"/>
-          </a:fillRef>
-          <a:effectRef idx="2">
-            <a:schemeClr val="accent1"/>
-          </a:effectRef>
-          <a:fontRef idx="minor">
-            <a:schemeClr val="lt1"/>
-          </a:fontRef>
-        </p:style>
-        <p:txBody>
-          <a:bodyPr rtlCol="0" anchor="ctr"/>
-          <a:lstStyle/>
-          <a:p>
-            <a:pPr algn="ctr"/>
-          </a:p>
-        </p:txBody>
-      </p:sp>
-      <p:sp>
-        <p:nvSpPr>
-          <p:cNvPr id="27" name="Rectangle 26"/>
-          <p:cNvSpPr/>
-          <p:nvPr/>
-        </p:nvSpPr>
-        <p:spPr>
-          <a:xfrm>
-            <a:off x="8229600" y="4023360"/>
-            <a:ext cx="3566160" cy="137160"/>
-          </a:xfrm>
-          <a:prstGeom prst="rect">
-            <a:avLst/>
-          </a:prstGeom>
-          <a:solidFill>
-            <a:srgbClr val="009B9E"/>
-          </a:solidFill>
-          <a:ln>
-            <a:noFill/>
-          </a:ln>
-        </p:spPr>
-        <p:style>
-          <a:lnRef idx="1">
-            <a:schemeClr val="accent1"/>
-          </a:lnRef>
-          <a:fillRef idx="3">
-            <a:schemeClr val="accent1"/>
-          </a:fillRef>
-          <a:effectRef idx="2">
-            <a:schemeClr val="accent1"/>
-          </a:effectRef>
-          <a:fontRef idx="minor">
-            <a:schemeClr val="lt1"/>
-          </a:fontRef>
-        </p:style>
-        <p:txBody>
-          <a:bodyPr rtlCol="0" anchor="ctr"/>
-          <a:lstStyle/>
-          <a:p>
-            <a:pPr algn="ctr"/>
-          </a:p>
-        </p:txBody>
-      </p:sp>
-      <p:sp>
-        <p:nvSpPr>
-          <p:cNvPr id="28" name="TextBox 27"/>
-          <p:cNvSpPr txBox="1"/>
-          <p:nvPr/>
-        </p:nvSpPr>
-        <p:spPr>
-          <a:xfrm>
-            <a:off x="8229600" y="4389120"/>
-            <a:ext cx="3566160" cy="548640"/>
-          </a:xfrm>
-          <a:prstGeom prst="rect">
-            <a:avLst/>
-          </a:prstGeom>
-          <a:noFill/>
-        </p:spPr>
-        <p:txBody>
-          <a:bodyPr wrap="none">
-            <a:spAutoFit/>
-          </a:bodyPr>
-          <a:lstStyle/>
-          <a:p>
-            <a:pPr algn="ctr">
-              <a:defRPr sz="2200" b="1">
-                <a:solidFill>
-                  <a:srgbClr val="2D3A4A"/>
-                </a:solidFill>
-              </a:defRPr>
-            </a:pPr>
-            <a:r>
-              <a:t>Super-Enhancers</a:t>
-            </a:r>
-          </a:p>
-        </p:txBody>
-      </p:sp>
-      <p:sp>
-        <p:nvSpPr>
-          <p:cNvPr id="29" name="TextBox 28"/>
-          <p:cNvSpPr txBox="1"/>
-          <p:nvPr/>
-        </p:nvSpPr>
-        <p:spPr>
-          <a:xfrm>
-            <a:off x="8412480" y="5029200"/>
-            <a:ext cx="3200400" cy="1097280"/>
-          </a:xfrm>
-          <a:prstGeom prst="rect">
-            <a:avLst/>
-          </a:prstGeom>
-          <a:noFill/>
-        </p:spPr>
-        <p:txBody>
-          <a:bodyPr wrap="square">
-            <a:spAutoFit/>
-          </a:bodyPr>
-          <a:lstStyle/>
-          <a:p>
-            <a:pPr algn="ctr">
-              <a:defRPr sz="1500">
-                <a:solidFill>
-                  <a:srgbClr val="647487"/>
-                </a:solidFill>
-              </a:defRPr>
-            </a:pPr>
-            <a:r>
-              <a:t>BRD4/BET inhibitor</a:t>
-            </a:r>
-            <a:br/>
-            <a:r>
-              <a:t>sensitivity</a:t>
+              <a:t>Pre-computed regulatory networks derived from single-cell RNA-seq data</a:t>
             </a:r>
           </a:p>
         </p:txBody>
@@ -9508,7 +10655,7 @@
               </a:defRPr>
             </a:pPr>
             <a:r>
-              <a:t>Example: APC Knockdown Analysis</a:t>
+              <a:t>Capabilities</a:t>
             </a:r>
           </a:p>
         </p:txBody>
@@ -9521,17 +10668,19 @@
         </p:nvSpPr>
         <p:spPr>
           <a:xfrm>
-            <a:off x="365760" y="1645920"/>
-            <a:ext cx="2194560" cy="2926080"/>
+            <a:off x="548640" y="1554480"/>
+            <a:ext cx="3566160" cy="2194560"/>
           </a:xfrm>
           <a:prstGeom prst="roundRect">
             <a:avLst/>
           </a:prstGeom>
           <a:solidFill>
-            <a:srgbClr val="2D3A4A"/>
-          </a:solidFill>
-          <a:ln>
-            <a:noFill/>
+            <a:srgbClr val="F5F7FA"/>
+          </a:solidFill>
+          <a:ln w="38100">
+            <a:solidFill>
+              <a:srgbClr val="009B9E"/>
+            </a:solidFill>
           </a:ln>
         </p:spPr>
         <p:style>
@@ -9558,20 +10707,20 @@
       </p:sp>
       <p:sp>
         <p:nvSpPr>
-          <p:cNvPr id="7" name="Oval 6"/>
+          <p:cNvPr id="7" name="Rectangle 6"/>
           <p:cNvSpPr/>
           <p:nvPr/>
         </p:nvSpPr>
         <p:spPr>
           <a:xfrm>
-            <a:off x="1188720" y="1828800"/>
-            <a:ext cx="548640" cy="548640"/>
-          </a:xfrm>
-          <a:prstGeom prst="ellipse">
-            <a:avLst/>
-          </a:prstGeom>
-          <a:solidFill>
-            <a:srgbClr val="FFFFFF"/>
+            <a:off x="548640" y="1554480"/>
+            <a:ext cx="3566160" cy="137160"/>
+          </a:xfrm>
+          <a:prstGeom prst="rect">
+            <a:avLst/>
+          </a:prstGeom>
+          <a:solidFill>
+            <a:srgbClr val="009B9E"/>
           </a:solidFill>
           <a:ln>
             <a:noFill/>
@@ -9607,8 +10756,8 @@
         </p:nvSpPr>
         <p:spPr>
           <a:xfrm>
-            <a:off x="1188720" y="1874519"/>
-            <a:ext cx="548640" cy="502920"/>
+            <a:off x="548640" y="1920240"/>
+            <a:ext cx="3566160" cy="548640"/>
           </a:xfrm>
           <a:prstGeom prst="rect">
             <a:avLst/>
@@ -9629,7 +10778,7 @@
               </a:defRPr>
             </a:pPr>
             <a:r>
-              <a:t>1</a:t>
+              <a:t>Gene Knockdown</a:t>
             </a:r>
           </a:p>
         </p:txBody>
@@ -9642,43 +10791,8 @@
         </p:nvSpPr>
         <p:spPr>
           <a:xfrm>
-            <a:off x="365760" y="2468880"/>
-            <a:ext cx="2194560" cy="457200"/>
-          </a:xfrm>
-          <a:prstGeom prst="rect">
-            <a:avLst/>
-          </a:prstGeom>
-          <a:noFill/>
-        </p:spPr>
-        <p:txBody>
-          <a:bodyPr wrap="none">
-            <a:spAutoFit/>
-          </a:bodyPr>
-          <a:lstStyle/>
-          <a:p>
-            <a:pPr algn="ctr">
-              <a:defRPr sz="1800" b="1">
-                <a:solidFill>
-                  <a:srgbClr val="FFFFFF"/>
-                </a:solidFill>
-              </a:defRPr>
-            </a:pPr>
-            <a:r>
-              <a:t>Query</a:t>
-            </a:r>
-          </a:p>
-        </p:txBody>
-      </p:sp>
-      <p:sp>
-        <p:nvSpPr>
-          <p:cNvPr id="10" name="TextBox 9"/>
-          <p:cNvSpPr txBox="1"/>
-          <p:nvPr/>
-        </p:nvSpPr>
-        <p:spPr>
-          <a:xfrm>
-            <a:off x="457200" y="3017520"/>
-            <a:ext cx="2011680" cy="1371600"/>
+            <a:off x="731520" y="2560320"/>
+            <a:ext cx="3200400" cy="1097280"/>
           </a:xfrm>
           <a:prstGeom prst="rect">
             <a:avLst/>
@@ -9692,41 +10806,43 @@
           <a:lstStyle/>
           <a:p>
             <a:pPr algn="ctr">
-              <a:defRPr sz="1300">
-                <a:solidFill>
-                  <a:srgbClr val="FFFFFF"/>
-                </a:solidFill>
-              </a:defRPr>
-            </a:pPr>
-            <a:r>
-              <a:t>"What happens when</a:t>
+              <a:defRPr sz="1500">
+                <a:solidFill>
+                  <a:srgbClr val="647487"/>
+                </a:solidFill>
+              </a:defRPr>
+            </a:pPr>
+            <a:r>
+              <a:t>Predict downstream effects</a:t>
             </a:r>
             <a:br/>
             <a:r>
-              <a:t>APC is knocked down?"</a:t>
-            </a:r>
-          </a:p>
-        </p:txBody>
-      </p:sp>
-      <p:sp>
-        <p:nvSpPr>
-          <p:cNvPr id="11" name="Right Arrow 10"/>
+              <a:t>of gene silencing</a:t>
+            </a:r>
+          </a:p>
+        </p:txBody>
+      </p:sp>
+      <p:sp>
+        <p:nvSpPr>
+          <p:cNvPr id="10" name="Rounded Rectangle 9"/>
           <p:cNvSpPr/>
           <p:nvPr/>
         </p:nvSpPr>
         <p:spPr>
           <a:xfrm>
-            <a:off x="2606040" y="3017520"/>
-            <a:ext cx="457200" cy="274320"/>
-          </a:xfrm>
-          <a:prstGeom prst="rightArrow">
-            <a:avLst/>
-          </a:prstGeom>
-          <a:solidFill>
-            <a:srgbClr val="647487"/>
-          </a:solidFill>
-          <a:ln>
-            <a:noFill/>
+            <a:off x="4389120" y="1554480"/>
+            <a:ext cx="3566160" cy="2194560"/>
+          </a:xfrm>
+          <a:prstGeom prst="roundRect">
+            <a:avLst/>
+          </a:prstGeom>
+          <a:solidFill>
+            <a:srgbClr val="F5F7FA"/>
+          </a:solidFill>
+          <a:ln w="38100">
+            <a:solidFill>
+              <a:srgbClr val="1A568C"/>
+            </a:solidFill>
           </a:ln>
         </p:spPr>
         <p:style>
@@ -9753,16 +10869,16 @@
       </p:sp>
       <p:sp>
         <p:nvSpPr>
-          <p:cNvPr id="12" name="Rounded Rectangle 11"/>
+          <p:cNvPr id="11" name="Rectangle 10"/>
           <p:cNvSpPr/>
           <p:nvPr/>
         </p:nvSpPr>
         <p:spPr>
           <a:xfrm>
-            <a:off x="2697479" y="1645920"/>
-            <a:ext cx="2194560" cy="2926080"/>
-          </a:xfrm>
-          <a:prstGeom prst="roundRect">
+            <a:off x="4389120" y="1554480"/>
+            <a:ext cx="3566160" cy="137160"/>
+          </a:xfrm>
+          <a:prstGeom prst="rect">
             <a:avLst/>
           </a:prstGeom>
           <a:solidFill>
@@ -9796,23 +10912,99 @@
       </p:sp>
       <p:sp>
         <p:nvSpPr>
-          <p:cNvPr id="13" name="Oval 12"/>
+          <p:cNvPr id="12" name="TextBox 11"/>
+          <p:cNvSpPr txBox="1"/>
+          <p:nvPr/>
+        </p:nvSpPr>
+        <p:spPr>
+          <a:xfrm>
+            <a:off x="4389120" y="1920240"/>
+            <a:ext cx="3566160" cy="548640"/>
+          </a:xfrm>
+          <a:prstGeom prst="rect">
+            <a:avLst/>
+          </a:prstGeom>
+          <a:noFill/>
+        </p:spPr>
+        <p:txBody>
+          <a:bodyPr wrap="none">
+            <a:spAutoFit/>
+          </a:bodyPr>
+          <a:lstStyle/>
+          <a:p>
+            <a:pPr algn="ctr">
+              <a:defRPr sz="2200" b="1">
+                <a:solidFill>
+                  <a:srgbClr val="2D3A4A"/>
+                </a:solidFill>
+              </a:defRPr>
+            </a:pPr>
+            <a:r>
+              <a:t>Overexpression</a:t>
+            </a:r>
+          </a:p>
+        </p:txBody>
+      </p:sp>
+      <p:sp>
+        <p:nvSpPr>
+          <p:cNvPr id="13" name="TextBox 12"/>
+          <p:cNvSpPr txBox="1"/>
+          <p:nvPr/>
+        </p:nvSpPr>
+        <p:spPr>
+          <a:xfrm>
+            <a:off x="4572000" y="2560320"/>
+            <a:ext cx="3200400" cy="1097280"/>
+          </a:xfrm>
+          <a:prstGeom prst="rect">
+            <a:avLst/>
+          </a:prstGeom>
+          <a:noFill/>
+        </p:spPr>
+        <p:txBody>
+          <a:bodyPr wrap="square">
+            <a:spAutoFit/>
+          </a:bodyPr>
+          <a:lstStyle/>
+          <a:p>
+            <a:pPr algn="ctr">
+              <a:defRPr sz="1500">
+                <a:solidFill>
+                  <a:srgbClr val="647487"/>
+                </a:solidFill>
+              </a:defRPr>
+            </a:pPr>
+            <a:r>
+              <a:t>Model increased gene</a:t>
+            </a:r>
+            <a:br/>
+            <a:r>
+              <a:t>expression impact</a:t>
+            </a:r>
+          </a:p>
+        </p:txBody>
+      </p:sp>
+      <p:sp>
+        <p:nvSpPr>
+          <p:cNvPr id="14" name="Rounded Rectangle 13"/>
           <p:cNvSpPr/>
           <p:nvPr/>
         </p:nvSpPr>
         <p:spPr>
           <a:xfrm>
-            <a:off x="3520439" y="1828800"/>
-            <a:ext cx="548640" cy="548640"/>
-          </a:xfrm>
-          <a:prstGeom prst="ellipse">
-            <a:avLst/>
-          </a:prstGeom>
-          <a:solidFill>
-            <a:srgbClr val="FFFFFF"/>
-          </a:solidFill>
-          <a:ln>
-            <a:noFill/>
+            <a:off x="8229600" y="1554480"/>
+            <a:ext cx="3566160" cy="2194560"/>
+          </a:xfrm>
+          <a:prstGeom prst="roundRect">
+            <a:avLst/>
+          </a:prstGeom>
+          <a:solidFill>
+            <a:srgbClr val="F5F7FA"/>
+          </a:solidFill>
+          <a:ln w="38100">
+            <a:solidFill>
+              <a:srgbClr val="2EA06A"/>
+            </a:solidFill>
           </a:ln>
         </p:spPr>
         <p:style>
@@ -9839,129 +11031,20 @@
       </p:sp>
       <p:sp>
         <p:nvSpPr>
-          <p:cNvPr id="14" name="TextBox 13"/>
-          <p:cNvSpPr txBox="1"/>
-          <p:nvPr/>
-        </p:nvSpPr>
-        <p:spPr>
-          <a:xfrm>
-            <a:off x="3520439" y="1874519"/>
-            <a:ext cx="548640" cy="502920"/>
-          </a:xfrm>
-          <a:prstGeom prst="rect">
-            <a:avLst/>
-          </a:prstGeom>
-          <a:noFill/>
-        </p:spPr>
-        <p:txBody>
-          <a:bodyPr wrap="none">
-            <a:spAutoFit/>
-          </a:bodyPr>
-          <a:lstStyle/>
-          <a:p>
-            <a:pPr algn="ctr">
-              <a:defRPr sz="2200" b="1">
-                <a:solidFill>
-                  <a:srgbClr val="1A568C"/>
-                </a:solidFill>
-              </a:defRPr>
-            </a:pPr>
-            <a:r>
-              <a:t>2</a:t>
-            </a:r>
-          </a:p>
-        </p:txBody>
-      </p:sp>
-      <p:sp>
-        <p:nvSpPr>
-          <p:cNvPr id="15" name="TextBox 14"/>
-          <p:cNvSpPr txBox="1"/>
-          <p:nvPr/>
-        </p:nvSpPr>
-        <p:spPr>
-          <a:xfrm>
-            <a:off x="2697479" y="2468880"/>
-            <a:ext cx="2194560" cy="457200"/>
-          </a:xfrm>
-          <a:prstGeom prst="rect">
-            <a:avLst/>
-          </a:prstGeom>
-          <a:noFill/>
-        </p:spPr>
-        <p:txBody>
-          <a:bodyPr wrap="none">
-            <a:spAutoFit/>
-          </a:bodyPr>
-          <a:lstStyle/>
-          <a:p>
-            <a:pPr algn="ctr">
-              <a:defRPr sz="1800" b="1">
-                <a:solidFill>
-                  <a:srgbClr val="FFFFFF"/>
-                </a:solidFill>
-              </a:defRPr>
-            </a:pPr>
-            <a:r>
-              <a:t>Classify</a:t>
-            </a:r>
-          </a:p>
-        </p:txBody>
-      </p:sp>
-      <p:sp>
-        <p:nvSpPr>
-          <p:cNvPr id="16" name="TextBox 15"/>
-          <p:cNvSpPr txBox="1"/>
-          <p:nvPr/>
-        </p:nvSpPr>
-        <p:spPr>
-          <a:xfrm>
-            <a:off x="2788919" y="3017520"/>
-            <a:ext cx="2011680" cy="1371600"/>
-          </a:xfrm>
-          <a:prstGeom prst="rect">
-            <a:avLst/>
-          </a:prstGeom>
-          <a:noFill/>
-        </p:spPr>
-        <p:txBody>
-          <a:bodyPr wrap="square">
-            <a:spAutoFit/>
-          </a:bodyPr>
-          <a:lstStyle/>
-          <a:p>
-            <a:pPr algn="ctr">
-              <a:defRPr sz="1300">
-                <a:solidFill>
-                  <a:srgbClr val="FFFFFF"/>
-                </a:solidFill>
-              </a:defRPr>
-            </a:pPr>
-            <a:r>
-              <a:t>Gene type: Scaffold</a:t>
-            </a:r>
-            <a:br/>
-            <a:r>
-              <a:t>No transcriptional targets</a:t>
-            </a:r>
-          </a:p>
-        </p:txBody>
-      </p:sp>
-      <p:sp>
-        <p:nvSpPr>
-          <p:cNvPr id="17" name="Right Arrow 16"/>
+          <p:cNvPr id="15" name="Rectangle 14"/>
           <p:cNvSpPr/>
           <p:nvPr/>
         </p:nvSpPr>
         <p:spPr>
           <a:xfrm>
-            <a:off x="4937759" y="3017520"/>
-            <a:ext cx="457200" cy="274320"/>
-          </a:xfrm>
-          <a:prstGeom prst="rightArrow">
-            <a:avLst/>
-          </a:prstGeom>
-          <a:solidFill>
-            <a:srgbClr val="647487"/>
+            <a:off x="8229600" y="1554480"/>
+            <a:ext cx="3566160" cy="137160"/>
+          </a:xfrm>
+          <a:prstGeom prst="rect">
+            <a:avLst/>
+          </a:prstGeom>
+          <a:solidFill>
+            <a:srgbClr val="2EA06A"/>
           </a:solidFill>
           <a:ln>
             <a:noFill/>
@@ -9991,23 +11074,99 @@
       </p:sp>
       <p:sp>
         <p:nvSpPr>
+          <p:cNvPr id="16" name="TextBox 15"/>
+          <p:cNvSpPr txBox="1"/>
+          <p:nvPr/>
+        </p:nvSpPr>
+        <p:spPr>
+          <a:xfrm>
+            <a:off x="8229600" y="1920240"/>
+            <a:ext cx="3566160" cy="548640"/>
+          </a:xfrm>
+          <a:prstGeom prst="rect">
+            <a:avLst/>
+          </a:prstGeom>
+          <a:noFill/>
+        </p:spPr>
+        <p:txBody>
+          <a:bodyPr wrap="none">
+            <a:spAutoFit/>
+          </a:bodyPr>
+          <a:lstStyle/>
+          <a:p>
+            <a:pPr algn="ctr">
+              <a:defRPr sz="2200" b="1">
+                <a:solidFill>
+                  <a:srgbClr val="2D3A4A"/>
+                </a:solidFill>
+              </a:defRPr>
+            </a:pPr>
+            <a:r>
+              <a:t>Similar Genes</a:t>
+            </a:r>
+          </a:p>
+        </p:txBody>
+      </p:sp>
+      <p:sp>
+        <p:nvSpPr>
+          <p:cNvPr id="17" name="TextBox 16"/>
+          <p:cNvSpPr txBox="1"/>
+          <p:nvPr/>
+        </p:nvSpPr>
+        <p:spPr>
+          <a:xfrm>
+            <a:off x="8412480" y="2560320"/>
+            <a:ext cx="3200400" cy="1097280"/>
+          </a:xfrm>
+          <a:prstGeom prst="rect">
+            <a:avLst/>
+          </a:prstGeom>
+          <a:noFill/>
+        </p:spPr>
+        <p:txBody>
+          <a:bodyPr wrap="square">
+            <a:spAutoFit/>
+          </a:bodyPr>
+          <a:lstStyle/>
+          <a:p>
+            <a:pPr algn="ctr">
+              <a:defRPr sz="1500">
+                <a:solidFill>
+                  <a:srgbClr val="647487"/>
+                </a:solidFill>
+              </a:defRPr>
+            </a:pPr>
+            <a:r>
+              <a:t>Find functionally related</a:t>
+            </a:r>
+            <a:br/>
+            <a:r>
+              <a:t>genes via embeddings</a:t>
+            </a:r>
+          </a:p>
+        </p:txBody>
+      </p:sp>
+      <p:sp>
+        <p:nvSpPr>
           <p:cNvPr id="18" name="Rounded Rectangle 17"/>
           <p:cNvSpPr/>
           <p:nvPr/>
         </p:nvSpPr>
         <p:spPr>
           <a:xfrm>
-            <a:off x="5029200" y="1645920"/>
-            <a:ext cx="2194560" cy="2926080"/>
+            <a:off x="548640" y="4023360"/>
+            <a:ext cx="3566160" cy="2194560"/>
           </a:xfrm>
           <a:prstGeom prst="roundRect">
             <a:avLst/>
           </a:prstGeom>
           <a:solidFill>
-            <a:srgbClr val="009B9E"/>
-          </a:solidFill>
-          <a:ln>
-            <a:noFill/>
+            <a:srgbClr val="F5F7FA"/>
+          </a:solidFill>
+          <a:ln w="38100">
+            <a:solidFill>
+              <a:srgbClr val="E86C2C"/>
+            </a:solidFill>
           </a:ln>
         </p:spPr>
         <p:style>
@@ -10034,20 +11193,20 @@
       </p:sp>
       <p:sp>
         <p:nvSpPr>
-          <p:cNvPr id="19" name="Oval 18"/>
+          <p:cNvPr id="19" name="Rectangle 18"/>
           <p:cNvSpPr/>
           <p:nvPr/>
         </p:nvSpPr>
         <p:spPr>
           <a:xfrm>
-            <a:off x="5852160" y="1828800"/>
-            <a:ext cx="548640" cy="548640"/>
-          </a:xfrm>
-          <a:prstGeom prst="ellipse">
-            <a:avLst/>
-          </a:prstGeom>
-          <a:solidFill>
-            <a:srgbClr val="FFFFFF"/>
+            <a:off x="548640" y="4023360"/>
+            <a:ext cx="3566160" cy="137160"/>
+          </a:xfrm>
+          <a:prstGeom prst="rect">
+            <a:avLst/>
+          </a:prstGeom>
+          <a:solidFill>
+            <a:srgbClr val="E86C2C"/>
           </a:solidFill>
           <a:ln>
             <a:noFill/>
@@ -10083,8 +11242,8 @@
         </p:nvSpPr>
         <p:spPr>
           <a:xfrm>
-            <a:off x="5852160" y="1874519"/>
-            <a:ext cx="548640" cy="502920"/>
+            <a:off x="548640" y="4389120"/>
+            <a:ext cx="3566160" cy="548640"/>
           </a:xfrm>
           <a:prstGeom prst="rect">
             <a:avLst/>
@@ -10100,12 +11259,12 @@
             <a:pPr algn="ctr">
               <a:defRPr sz="2200" b="1">
                 <a:solidFill>
-                  <a:srgbClr val="009B9E"/>
-                </a:solidFill>
-              </a:defRPr>
-            </a:pPr>
-            <a:r>
-              <a:t>3</a:t>
+                  <a:srgbClr val="2D3A4A"/>
+                </a:solidFill>
+              </a:defRPr>
+            </a:pPr>
+            <a:r>
+              <a:t>Drug Targets</a:t>
             </a:r>
           </a:p>
         </p:txBody>
@@ -10118,43 +11277,8 @@
         </p:nvSpPr>
         <p:spPr>
           <a:xfrm>
-            <a:off x="5029200" y="2468880"/>
-            <a:ext cx="2194560" cy="457200"/>
-          </a:xfrm>
-          <a:prstGeom prst="rect">
-            <a:avLst/>
-          </a:prstGeom>
-          <a:noFill/>
-        </p:spPr>
-        <p:txBody>
-          <a:bodyPr wrap="none">
-            <a:spAutoFit/>
-          </a:bodyPr>
-          <a:lstStyle/>
-          <a:p>
-            <a:pPr algn="ctr">
-              <a:defRPr sz="1800" b="1">
-                <a:solidFill>
-                  <a:srgbClr val="FFFFFF"/>
-                </a:solidFill>
-              </a:defRPr>
-            </a:pPr>
-            <a:r>
-              <a:t>Suggest</a:t>
-            </a:r>
-          </a:p>
-        </p:txBody>
-      </p:sp>
-      <p:sp>
-        <p:nvSpPr>
-          <p:cNvPr id="22" name="TextBox 21"/>
-          <p:cNvSpPr txBox="1"/>
-          <p:nvPr/>
-        </p:nvSpPr>
-        <p:spPr>
-          <a:xfrm>
-            <a:off x="5120640" y="3017520"/>
-            <a:ext cx="2011680" cy="1371600"/>
+            <a:off x="731520" y="5029200"/>
+            <a:ext cx="3200400" cy="1097280"/>
           </a:xfrm>
           <a:prstGeom prst="rect">
             <a:avLst/>
@@ -10168,41 +11292,43 @@
           <a:lstStyle/>
           <a:p>
             <a:pPr algn="ctr">
-              <a:defRPr sz="1300">
-                <a:solidFill>
-                  <a:srgbClr val="FFFFFF"/>
-                </a:solidFill>
-              </a:defRPr>
-            </a:pPr>
-            <a:r>
-              <a:t>Analyze protein partners:</a:t>
+              <a:defRPr sz="1500">
+                <a:solidFill>
+                  <a:srgbClr val="647487"/>
+                </a:solidFill>
+              </a:defRPr>
+            </a:pPr>
+            <a:r>
+              <a:t>Identify network</a:t>
             </a:r>
             <a:br/>
             <a:r>
-              <a:t>CTNNB1, AXIN1, GSK3B</a:t>
-            </a:r>
-          </a:p>
-        </p:txBody>
-      </p:sp>
-      <p:sp>
-        <p:nvSpPr>
-          <p:cNvPr id="23" name="Right Arrow 22"/>
+              <a:t>vulnerabilities</a:t>
+            </a:r>
+          </a:p>
+        </p:txBody>
+      </p:sp>
+      <p:sp>
+        <p:nvSpPr>
+          <p:cNvPr id="22" name="Rounded Rectangle 21"/>
           <p:cNvSpPr/>
           <p:nvPr/>
         </p:nvSpPr>
         <p:spPr>
           <a:xfrm>
-            <a:off x="7269480" y="3017520"/>
-            <a:ext cx="457200" cy="274320"/>
-          </a:xfrm>
-          <a:prstGeom prst="rightArrow">
-            <a:avLst/>
-          </a:prstGeom>
-          <a:solidFill>
-            <a:srgbClr val="647487"/>
-          </a:solidFill>
-          <a:ln>
-            <a:noFill/>
+            <a:off x="4389120" y="4023360"/>
+            <a:ext cx="3566160" cy="2194560"/>
+          </a:xfrm>
+          <a:prstGeom prst="roundRect">
+            <a:avLst/>
+          </a:prstGeom>
+          <a:solidFill>
+            <a:srgbClr val="F5F7FA"/>
+          </a:solidFill>
+          <a:ln w="38100">
+            <a:solidFill>
+              <a:srgbClr val="1A568C"/>
+            </a:solidFill>
           </a:ln>
         </p:spPr>
         <p:style>
@@ -10229,20 +11355,20 @@
       </p:sp>
       <p:sp>
         <p:nvSpPr>
-          <p:cNvPr id="24" name="Rounded Rectangle 23"/>
+          <p:cNvPr id="23" name="Rectangle 22"/>
           <p:cNvSpPr/>
           <p:nvPr/>
         </p:nvSpPr>
         <p:spPr>
           <a:xfrm>
-            <a:off x="7360919" y="1645920"/>
-            <a:ext cx="2194560" cy="2926080"/>
-          </a:xfrm>
-          <a:prstGeom prst="roundRect">
-            <a:avLst/>
-          </a:prstGeom>
-          <a:solidFill>
-            <a:srgbClr val="2EA06A"/>
+            <a:off x="4389120" y="4023360"/>
+            <a:ext cx="3566160" cy="137160"/>
+          </a:xfrm>
+          <a:prstGeom prst="rect">
+            <a:avLst/>
+          </a:prstGeom>
+          <a:solidFill>
+            <a:srgbClr val="1A568C"/>
           </a:solidFill>
           <a:ln>
             <a:noFill/>
@@ -10272,23 +11398,99 @@
       </p:sp>
       <p:sp>
         <p:nvSpPr>
-          <p:cNvPr id="25" name="Oval 24"/>
+          <p:cNvPr id="24" name="TextBox 23"/>
+          <p:cNvSpPr txBox="1"/>
+          <p:nvPr/>
+        </p:nvSpPr>
+        <p:spPr>
+          <a:xfrm>
+            <a:off x="4389120" y="4389120"/>
+            <a:ext cx="3566160" cy="548640"/>
+          </a:xfrm>
+          <a:prstGeom prst="rect">
+            <a:avLst/>
+          </a:prstGeom>
+          <a:noFill/>
+        </p:spPr>
+        <p:txBody>
+          <a:bodyPr wrap="none">
+            <a:spAutoFit/>
+          </a:bodyPr>
+          <a:lstStyle/>
+          <a:p>
+            <a:pPr algn="ctr">
+              <a:defRPr sz="2200" b="1">
+                <a:solidFill>
+                  <a:srgbClr val="2D3A4A"/>
+                </a:solidFill>
+              </a:defRPr>
+            </a:pPr>
+            <a:r>
+              <a:t>Protein Interactions</a:t>
+            </a:r>
+          </a:p>
+        </p:txBody>
+      </p:sp>
+      <p:sp>
+        <p:nvSpPr>
+          <p:cNvPr id="25" name="TextBox 24"/>
+          <p:cNvSpPr txBox="1"/>
+          <p:nvPr/>
+        </p:nvSpPr>
+        <p:spPr>
+          <a:xfrm>
+            <a:off x="4572000" y="5029200"/>
+            <a:ext cx="3200400" cy="1097280"/>
+          </a:xfrm>
+          <a:prstGeom prst="rect">
+            <a:avLst/>
+          </a:prstGeom>
+          <a:noFill/>
+        </p:spPr>
+        <p:txBody>
+          <a:bodyPr wrap="square">
+            <a:spAutoFit/>
+          </a:bodyPr>
+          <a:lstStyle/>
+          <a:p>
+            <a:pPr algn="ctr">
+              <a:defRPr sz="1500">
+                <a:solidFill>
+                  <a:srgbClr val="647487"/>
+                </a:solidFill>
+              </a:defRPr>
+            </a:pPr>
+            <a:r>
+              <a:t>STRING database</a:t>
+            </a:r>
+            <a:br/>
+            <a:r>
+              <a:t>integration</a:t>
+            </a:r>
+          </a:p>
+        </p:txBody>
+      </p:sp>
+      <p:sp>
+        <p:nvSpPr>
+          <p:cNvPr id="26" name="Rounded Rectangle 25"/>
           <p:cNvSpPr/>
           <p:nvPr/>
         </p:nvSpPr>
         <p:spPr>
           <a:xfrm>
-            <a:off x="8183879" y="1828800"/>
-            <a:ext cx="548640" cy="548640"/>
-          </a:xfrm>
-          <a:prstGeom prst="ellipse">
-            <a:avLst/>
-          </a:prstGeom>
-          <a:solidFill>
-            <a:srgbClr val="FFFFFF"/>
-          </a:solidFill>
-          <a:ln>
-            <a:noFill/>
+            <a:off x="8229600" y="4023360"/>
+            <a:ext cx="3566160" cy="2194560"/>
+          </a:xfrm>
+          <a:prstGeom prst="roundRect">
+            <a:avLst/>
+          </a:prstGeom>
+          <a:solidFill>
+            <a:srgbClr val="F5F7FA"/>
+          </a:solidFill>
+          <a:ln w="38100">
+            <a:solidFill>
+              <a:srgbClr val="009B9E"/>
+            </a:solidFill>
           </a:ln>
         </p:spPr>
         <p:style>
@@ -10315,129 +11517,20 @@
       </p:sp>
       <p:sp>
         <p:nvSpPr>
-          <p:cNvPr id="26" name="TextBox 25"/>
-          <p:cNvSpPr txBox="1"/>
-          <p:nvPr/>
-        </p:nvSpPr>
-        <p:spPr>
-          <a:xfrm>
-            <a:off x="8183879" y="1874519"/>
-            <a:ext cx="548640" cy="502920"/>
-          </a:xfrm>
-          <a:prstGeom prst="rect">
-            <a:avLst/>
-          </a:prstGeom>
-          <a:noFill/>
-        </p:spPr>
-        <p:txBody>
-          <a:bodyPr wrap="none">
-            <a:spAutoFit/>
-          </a:bodyPr>
-          <a:lstStyle/>
-          <a:p>
-            <a:pPr algn="ctr">
-              <a:defRPr sz="2200" b="1">
-                <a:solidFill>
-                  <a:srgbClr val="2EA06A"/>
-                </a:solidFill>
-              </a:defRPr>
-            </a:pPr>
-            <a:r>
-              <a:t>4</a:t>
-            </a:r>
-          </a:p>
-        </p:txBody>
-      </p:sp>
-      <p:sp>
-        <p:nvSpPr>
-          <p:cNvPr id="27" name="TextBox 26"/>
-          <p:cNvSpPr txBox="1"/>
-          <p:nvPr/>
-        </p:nvSpPr>
-        <p:spPr>
-          <a:xfrm>
-            <a:off x="7360919" y="2468880"/>
-            <a:ext cx="2194560" cy="457200"/>
-          </a:xfrm>
-          <a:prstGeom prst="rect">
-            <a:avLst/>
-          </a:prstGeom>
-          <a:noFill/>
-        </p:spPr>
-        <p:txBody>
-          <a:bodyPr wrap="none">
-            <a:spAutoFit/>
-          </a:bodyPr>
-          <a:lstStyle/>
-          <a:p>
-            <a:pPr algn="ctr">
-              <a:defRPr sz="1800" b="1">
-                <a:solidFill>
-                  <a:srgbClr val="FFFFFF"/>
-                </a:solidFill>
-              </a:defRPr>
-            </a:pPr>
-            <a:r>
-              <a:t>Predict</a:t>
-            </a:r>
-          </a:p>
-        </p:txBody>
-      </p:sp>
-      <p:sp>
-        <p:nvSpPr>
-          <p:cNvPr id="28" name="TextBox 27"/>
-          <p:cNvSpPr txBox="1"/>
-          <p:nvPr/>
-        </p:nvSpPr>
-        <p:spPr>
-          <a:xfrm>
-            <a:off x="7452359" y="3017520"/>
-            <a:ext cx="2011680" cy="1371600"/>
-          </a:xfrm>
-          <a:prstGeom prst="rect">
-            <a:avLst/>
-          </a:prstGeom>
-          <a:noFill/>
-        </p:spPr>
-        <p:txBody>
-          <a:bodyPr wrap="square">
-            <a:spAutoFit/>
-          </a:bodyPr>
-          <a:lstStyle/>
-          <a:p>
-            <a:pPr algn="ctr">
-              <a:defRPr sz="1300">
-                <a:solidFill>
-                  <a:srgbClr val="FFFFFF"/>
-                </a:solidFill>
-              </a:defRPr>
-            </a:pPr>
-            <a:r>
-              <a:t>CTNNB1 overexpression</a:t>
-            </a:r>
-            <a:br/>
-            <a:r>
-              <a:t>2,739 genes affected</a:t>
-            </a:r>
-          </a:p>
-        </p:txBody>
-      </p:sp>
-      <p:sp>
-        <p:nvSpPr>
-          <p:cNvPr id="29" name="Right Arrow 28"/>
+          <p:cNvPr id="27" name="Rectangle 26"/>
           <p:cNvSpPr/>
           <p:nvPr/>
         </p:nvSpPr>
         <p:spPr>
           <a:xfrm>
-            <a:off x="9601199" y="3017520"/>
-            <a:ext cx="457200" cy="274320"/>
-          </a:xfrm>
-          <a:prstGeom prst="rightArrow">
-            <a:avLst/>
-          </a:prstGeom>
-          <a:solidFill>
-            <a:srgbClr val="647487"/>
+            <a:off x="8229600" y="4023360"/>
+            <a:ext cx="3566160" cy="137160"/>
+          </a:xfrm>
+          <a:prstGeom prst="rect">
+            <a:avLst/>
+          </a:prstGeom>
+          <a:solidFill>
+            <a:srgbClr val="009B9E"/>
           </a:solidFill>
           <a:ln>
             <a:noFill/>
@@ -10467,100 +11560,14 @@
       </p:sp>
       <p:sp>
         <p:nvSpPr>
-          <p:cNvPr id="30" name="Rounded Rectangle 29"/>
-          <p:cNvSpPr/>
-          <p:nvPr/>
-        </p:nvSpPr>
-        <p:spPr>
-          <a:xfrm>
-            <a:off x="9692640" y="1645920"/>
-            <a:ext cx="2194560" cy="2926080"/>
-          </a:xfrm>
-          <a:prstGeom prst="roundRect">
-            <a:avLst/>
-          </a:prstGeom>
-          <a:solidFill>
-            <a:srgbClr val="E86C2C"/>
-          </a:solidFill>
-          <a:ln>
-            <a:noFill/>
-          </a:ln>
-        </p:spPr>
-        <p:style>
-          <a:lnRef idx="1">
-            <a:schemeClr val="accent1"/>
-          </a:lnRef>
-          <a:fillRef idx="3">
-            <a:schemeClr val="accent1"/>
-          </a:fillRef>
-          <a:effectRef idx="2">
-            <a:schemeClr val="accent1"/>
-          </a:effectRef>
-          <a:fontRef idx="minor">
-            <a:schemeClr val="lt1"/>
-          </a:fontRef>
-        </p:style>
-        <p:txBody>
-          <a:bodyPr rtlCol="0" anchor="ctr"/>
-          <a:lstStyle/>
-          <a:p>
-            <a:pPr algn="ctr"/>
-          </a:p>
-        </p:txBody>
-      </p:sp>
-      <p:sp>
-        <p:nvSpPr>
-          <p:cNvPr id="31" name="Oval 30"/>
-          <p:cNvSpPr/>
-          <p:nvPr/>
-        </p:nvSpPr>
-        <p:spPr>
-          <a:xfrm>
-            <a:off x="10515600" y="1828800"/>
-            <a:ext cx="548640" cy="548640"/>
-          </a:xfrm>
-          <a:prstGeom prst="ellipse">
-            <a:avLst/>
-          </a:prstGeom>
-          <a:solidFill>
-            <a:srgbClr val="FFFFFF"/>
-          </a:solidFill>
-          <a:ln>
-            <a:noFill/>
-          </a:ln>
-        </p:spPr>
-        <p:style>
-          <a:lnRef idx="1">
-            <a:schemeClr val="accent1"/>
-          </a:lnRef>
-          <a:fillRef idx="3">
-            <a:schemeClr val="accent1"/>
-          </a:fillRef>
-          <a:effectRef idx="2">
-            <a:schemeClr val="accent1"/>
-          </a:effectRef>
-          <a:fontRef idx="minor">
-            <a:schemeClr val="lt1"/>
-          </a:fontRef>
-        </p:style>
-        <p:txBody>
-          <a:bodyPr rtlCol="0" anchor="ctr"/>
-          <a:lstStyle/>
-          <a:p>
-            <a:pPr algn="ctr"/>
-          </a:p>
-        </p:txBody>
-      </p:sp>
-      <p:sp>
-        <p:nvSpPr>
-          <p:cNvPr id="32" name="TextBox 31"/>
+          <p:cNvPr id="28" name="TextBox 27"/>
           <p:cNvSpPr txBox="1"/>
           <p:nvPr/>
         </p:nvSpPr>
         <p:spPr>
           <a:xfrm>
-            <a:off x="10515600" y="1874519"/>
-            <a:ext cx="548640" cy="502920"/>
+            <a:off x="8229600" y="4389120"/>
+            <a:ext cx="3566160" cy="548640"/>
           </a:xfrm>
           <a:prstGeom prst="rect">
             <a:avLst/>
@@ -10576,61 +11583,26 @@
             <a:pPr algn="ctr">
               <a:defRPr sz="2200" b="1">
                 <a:solidFill>
-                  <a:srgbClr val="E86C2C"/>
-                </a:solidFill>
-              </a:defRPr>
-            </a:pPr>
-            <a:r>
-              <a:t>5</a:t>
-            </a:r>
-          </a:p>
-        </p:txBody>
-      </p:sp>
-      <p:sp>
-        <p:nvSpPr>
-          <p:cNvPr id="33" name="TextBox 32"/>
+                  <a:srgbClr val="2D3A4A"/>
+                </a:solidFill>
+              </a:defRPr>
+            </a:pPr>
+            <a:r>
+              <a:t>Super-Enhancers</a:t>
+            </a:r>
+          </a:p>
+        </p:txBody>
+      </p:sp>
+      <p:sp>
+        <p:nvSpPr>
+          <p:cNvPr id="29" name="TextBox 28"/>
           <p:cNvSpPr txBox="1"/>
           <p:nvPr/>
         </p:nvSpPr>
         <p:spPr>
           <a:xfrm>
-            <a:off x="9692640" y="2468880"/>
-            <a:ext cx="2194560" cy="457200"/>
-          </a:xfrm>
-          <a:prstGeom prst="rect">
-            <a:avLst/>
-          </a:prstGeom>
-          <a:noFill/>
-        </p:spPr>
-        <p:txBody>
-          <a:bodyPr wrap="none">
-            <a:spAutoFit/>
-          </a:bodyPr>
-          <a:lstStyle/>
-          <a:p>
-            <a:pPr algn="ctr">
-              <a:defRPr sz="1800" b="1">
-                <a:solidFill>
-                  <a:srgbClr val="FFFFFF"/>
-                </a:solidFill>
-              </a:defRPr>
-            </a:pPr>
-            <a:r>
-              <a:t>Insight</a:t>
-            </a:r>
-          </a:p>
-        </p:txBody>
-      </p:sp>
-      <p:sp>
-        <p:nvSpPr>
-          <p:cNvPr id="34" name="TextBox 33"/>
-          <p:cNvSpPr txBox="1"/>
-          <p:nvPr/>
-        </p:nvSpPr>
-        <p:spPr>
-          <a:xfrm>
-            <a:off x="9784080" y="3017520"/>
-            <a:ext cx="2011680" cy="1371600"/>
+            <a:off x="8412480" y="5029200"/>
+            <a:ext cx="3200400" cy="1097280"/>
           </a:xfrm>
           <a:prstGeom prst="rect">
             <a:avLst/>
@@ -10644,53 +11616,18 @@
           <a:lstStyle/>
           <a:p>
             <a:pPr algn="ctr">
-              <a:defRPr sz="1300">
-                <a:solidFill>
-                  <a:srgbClr val="FFFFFF"/>
-                </a:solidFill>
-              </a:defRPr>
-            </a:pPr>
-            <a:r>
-              <a:t>APC loss = beta-catenin</a:t>
+              <a:defRPr sz="1500">
+                <a:solidFill>
+                  <a:srgbClr val="647487"/>
+                </a:solidFill>
+              </a:defRPr>
+            </a:pPr>
+            <a:r>
+              <a:t>BRD4/BET inhibitor</a:t>
             </a:r>
             <a:br/>
             <a:r>
-              <a:t>accumulation = oncogenesis</a:t>
-            </a:r>
-          </a:p>
-        </p:txBody>
-      </p:sp>
-      <p:sp>
-        <p:nvSpPr>
-          <p:cNvPr id="35" name="TextBox 34"/>
-          <p:cNvSpPr txBox="1"/>
-          <p:nvPr/>
-        </p:nvSpPr>
-        <p:spPr>
-          <a:xfrm>
-            <a:off x="548640" y="4846320"/>
-            <a:ext cx="11094415" cy="1371600"/>
-          </a:xfrm>
-          <a:prstGeom prst="rect">
-            <a:avLst/>
-          </a:prstGeom>
-          <a:noFill/>
-        </p:spPr>
-        <p:txBody>
-          <a:bodyPr wrap="square">
-            <a:spAutoFit/>
-          </a:bodyPr>
-          <a:lstStyle/>
-          <a:p>
-            <a:pPr algn="ctr">
-              <a:defRPr sz="2000" i="1">
-                <a:solidFill>
-                  <a:srgbClr val="1A568C"/>
-                </a:solidFill>
-              </a:defRPr>
-            </a:pPr>
-            <a:r>
-              <a:t>Intelligent routing guides users from scaffold proteins to transcriptionally active partners</a:t>
+              <a:t>sensitivity</a:t>
             </a:r>
           </a:p>
         </p:txBody>
@@ -10872,7 +11809,7 @@
               </a:defRPr>
             </a:pPr>
             <a:r>
-              <a:t>Use Cases</a:t>
+              <a:t>Example: APC Knockdown Analysis</a:t>
             </a:r>
           </a:p>
         </p:txBody>
@@ -10885,14 +11822,14 @@
         </p:nvSpPr>
         <p:spPr>
           <a:xfrm>
-            <a:off x="457200" y="1554480"/>
-            <a:ext cx="2743200" cy="4114800"/>
+            <a:off x="365760" y="1645920"/>
+            <a:ext cx="2194560" cy="2926080"/>
           </a:xfrm>
           <a:prstGeom prst="roundRect">
             <a:avLst/>
           </a:prstGeom>
           <a:solidFill>
-            <a:srgbClr val="009B9E"/>
+            <a:srgbClr val="2D3A4A"/>
           </a:solidFill>
           <a:ln>
             <a:noFill/>
@@ -10922,51 +11859,16 @@
       </p:sp>
       <p:sp>
         <p:nvSpPr>
-          <p:cNvPr id="7" name="TextBox 6"/>
-          <p:cNvSpPr txBox="1"/>
-          <p:nvPr/>
-        </p:nvSpPr>
-        <p:spPr>
-          <a:xfrm>
-            <a:off x="457200" y="1828800"/>
-            <a:ext cx="2743200" cy="731520"/>
-          </a:xfrm>
-          <a:prstGeom prst="rect">
-            <a:avLst/>
-          </a:prstGeom>
-          <a:noFill/>
-        </p:spPr>
-        <p:txBody>
-          <a:bodyPr wrap="none">
-            <a:spAutoFit/>
-          </a:bodyPr>
-          <a:lstStyle/>
-          <a:p>
-            <a:pPr algn="ctr">
-              <a:defRPr sz="2400" b="1">
-                <a:solidFill>
-                  <a:srgbClr val="FFFFFF"/>
-                </a:solidFill>
-              </a:defRPr>
-            </a:pPr>
-            <a:r>
-              <a:t>Immunotherapy</a:t>
-            </a:r>
-          </a:p>
-        </p:txBody>
-      </p:sp>
-      <p:sp>
-        <p:nvSpPr>
-          <p:cNvPr id="8" name="Rectangle 7"/>
+          <p:cNvPr id="7" name="Oval 6"/>
           <p:cNvSpPr/>
           <p:nvPr/>
         </p:nvSpPr>
         <p:spPr>
           <a:xfrm>
-            <a:off x="914400" y="2606040"/>
-            <a:ext cx="1828800" cy="27432"/>
-          </a:xfrm>
-          <a:prstGeom prst="rect">
+            <a:off x="1188720" y="1828800"/>
+            <a:ext cx="548640" cy="548640"/>
+          </a:xfrm>
+          <a:prstGeom prst="ellipse">
             <a:avLst/>
           </a:prstGeom>
           <a:solidFill>
@@ -11000,14 +11902,84 @@
       </p:sp>
       <p:sp>
         <p:nvSpPr>
+          <p:cNvPr id="8" name="TextBox 7"/>
+          <p:cNvSpPr txBox="1"/>
+          <p:nvPr/>
+        </p:nvSpPr>
+        <p:spPr>
+          <a:xfrm>
+            <a:off x="1188720" y="1874519"/>
+            <a:ext cx="548640" cy="502920"/>
+          </a:xfrm>
+          <a:prstGeom prst="rect">
+            <a:avLst/>
+          </a:prstGeom>
+          <a:noFill/>
+        </p:spPr>
+        <p:txBody>
+          <a:bodyPr wrap="none">
+            <a:spAutoFit/>
+          </a:bodyPr>
+          <a:lstStyle/>
+          <a:p>
+            <a:pPr algn="ctr">
+              <a:defRPr sz="2200" b="1">
+                <a:solidFill>
+                  <a:srgbClr val="2D3A4A"/>
+                </a:solidFill>
+              </a:defRPr>
+            </a:pPr>
+            <a:r>
+              <a:t>1</a:t>
+            </a:r>
+          </a:p>
+        </p:txBody>
+      </p:sp>
+      <p:sp>
+        <p:nvSpPr>
           <p:cNvPr id="9" name="TextBox 8"/>
           <p:cNvSpPr txBox="1"/>
           <p:nvPr/>
         </p:nvSpPr>
         <p:spPr>
           <a:xfrm>
-            <a:off x="640080" y="2834640"/>
-            <a:ext cx="2377440" cy="2286000"/>
+            <a:off x="365760" y="2468880"/>
+            <a:ext cx="2194560" cy="457200"/>
+          </a:xfrm>
+          <a:prstGeom prst="rect">
+            <a:avLst/>
+          </a:prstGeom>
+          <a:noFill/>
+        </p:spPr>
+        <p:txBody>
+          <a:bodyPr wrap="none">
+            <a:spAutoFit/>
+          </a:bodyPr>
+          <a:lstStyle/>
+          <a:p>
+            <a:pPr algn="ctr">
+              <a:defRPr sz="1800" b="1">
+                <a:solidFill>
+                  <a:srgbClr val="FFFFFF"/>
+                </a:solidFill>
+              </a:defRPr>
+            </a:pPr>
+            <a:r>
+              <a:t>Query</a:t>
+            </a:r>
+          </a:p>
+        </p:txBody>
+      </p:sp>
+      <p:sp>
+        <p:nvSpPr>
+          <p:cNvPr id="10" name="TextBox 9"/>
+          <p:cNvSpPr txBox="1"/>
+          <p:nvPr/>
+        </p:nvSpPr>
+        <p:spPr>
+          <a:xfrm>
+            <a:off x="457200" y="3017520"/>
+            <a:ext cx="2011680" cy="1371600"/>
           </a:xfrm>
           <a:prstGeom prst="rect">
             <a:avLst/>
@@ -11021,42 +11993,38 @@
           <a:lstStyle/>
           <a:p>
             <a:pPr algn="ctr">
-              <a:defRPr sz="1600">
+              <a:defRPr sz="1300">
                 <a:solidFill>
                   <a:srgbClr val="FFFFFF"/>
                 </a:solidFill>
               </a:defRPr>
             </a:pPr>
             <a:r>
-              <a:t>Discover targets in tumor</a:t>
+              <a:t>"What happens when</a:t>
             </a:r>
             <a:br/>
             <a:r>
-              <a:t>microenvironment across</a:t>
-            </a:r>
-            <a:br/>
-            <a:r>
-              <a:t>immune cell types</a:t>
-            </a:r>
-          </a:p>
-        </p:txBody>
-      </p:sp>
-      <p:sp>
-        <p:nvSpPr>
-          <p:cNvPr id="10" name="Rounded Rectangle 9"/>
+              <a:t>APC is knocked down?"</a:t>
+            </a:r>
+          </a:p>
+        </p:txBody>
+      </p:sp>
+      <p:sp>
+        <p:nvSpPr>
+          <p:cNvPr id="11" name="Right Arrow 10"/>
           <p:cNvSpPr/>
           <p:nvPr/>
         </p:nvSpPr>
         <p:spPr>
           <a:xfrm>
-            <a:off x="3383280" y="1554480"/>
-            <a:ext cx="2743200" cy="4114800"/>
-          </a:xfrm>
-          <a:prstGeom prst="roundRect">
-            <a:avLst/>
-          </a:prstGeom>
-          <a:solidFill>
-            <a:srgbClr val="1A568C"/>
+            <a:off x="2606040" y="3017520"/>
+            <a:ext cx="457200" cy="274320"/>
+          </a:xfrm>
+          <a:prstGeom prst="rightArrow">
+            <a:avLst/>
+          </a:prstGeom>
+          <a:solidFill>
+            <a:srgbClr val="647487"/>
           </a:solidFill>
           <a:ln>
             <a:noFill/>
@@ -11086,55 +12054,20 @@
       </p:sp>
       <p:sp>
         <p:nvSpPr>
-          <p:cNvPr id="11" name="TextBox 10"/>
-          <p:cNvSpPr txBox="1"/>
-          <p:nvPr/>
-        </p:nvSpPr>
-        <p:spPr>
-          <a:xfrm>
-            <a:off x="3383280" y="1828800"/>
-            <a:ext cx="2743200" cy="731520"/>
-          </a:xfrm>
-          <a:prstGeom prst="rect">
-            <a:avLst/>
-          </a:prstGeom>
-          <a:noFill/>
-        </p:spPr>
-        <p:txBody>
-          <a:bodyPr wrap="none">
-            <a:spAutoFit/>
-          </a:bodyPr>
-          <a:lstStyle/>
-          <a:p>
-            <a:pPr algn="ctr">
-              <a:defRPr sz="2400" b="1">
-                <a:solidFill>
-                  <a:srgbClr val="FFFFFF"/>
-                </a:solidFill>
-              </a:defRPr>
-            </a:pPr>
-            <a:r>
-              <a:t>CAR-T Engineering</a:t>
-            </a:r>
-          </a:p>
-        </p:txBody>
-      </p:sp>
-      <p:sp>
-        <p:nvSpPr>
-          <p:cNvPr id="12" name="Rectangle 11"/>
+          <p:cNvPr id="12" name="Rounded Rectangle 11"/>
           <p:cNvSpPr/>
           <p:nvPr/>
         </p:nvSpPr>
         <p:spPr>
           <a:xfrm>
-            <a:off x="3840480" y="2606040"/>
-            <a:ext cx="1828800" cy="27432"/>
-          </a:xfrm>
-          <a:prstGeom prst="rect">
-            <a:avLst/>
-          </a:prstGeom>
-          <a:solidFill>
-            <a:srgbClr val="FFFFFF"/>
+            <a:off x="2697479" y="1645920"/>
+            <a:ext cx="2194560" cy="2926080"/>
+          </a:xfrm>
+          <a:prstGeom prst="roundRect">
+            <a:avLst/>
+          </a:prstGeom>
+          <a:solidFill>
+            <a:srgbClr val="1A568C"/>
           </a:solidFill>
           <a:ln>
             <a:noFill/>
@@ -11164,63 +12097,20 @@
       </p:sp>
       <p:sp>
         <p:nvSpPr>
-          <p:cNvPr id="13" name="TextBox 12"/>
-          <p:cNvSpPr txBox="1"/>
-          <p:nvPr/>
-        </p:nvSpPr>
-        <p:spPr>
-          <a:xfrm>
-            <a:off x="3566160" y="2834640"/>
-            <a:ext cx="2377440" cy="2286000"/>
-          </a:xfrm>
-          <a:prstGeom prst="rect">
-            <a:avLst/>
-          </a:prstGeom>
-          <a:noFill/>
-        </p:spPr>
-        <p:txBody>
-          <a:bodyPr wrap="square">
-            <a:spAutoFit/>
-          </a:bodyPr>
-          <a:lstStyle/>
-          <a:p>
-            <a:pPr algn="ctr">
-              <a:defRPr sz="1600">
-                <a:solidFill>
-                  <a:srgbClr val="FFFFFF"/>
-                </a:solidFill>
-              </a:defRPr>
-            </a:pPr>
-            <a:r>
-              <a:t>Understand exhaustion</a:t>
-            </a:r>
-            <a:br/>
-            <a:r>
-              <a:t>and persistence pathways</a:t>
-            </a:r>
-            <a:br/>
-            <a:r>
-              <a:t>in T cell networks</a:t>
-            </a:r>
-          </a:p>
-        </p:txBody>
-      </p:sp>
-      <p:sp>
-        <p:nvSpPr>
-          <p:cNvPr id="14" name="Rounded Rectangle 13"/>
+          <p:cNvPr id="13" name="Oval 12"/>
           <p:cNvSpPr/>
           <p:nvPr/>
         </p:nvSpPr>
         <p:spPr>
           <a:xfrm>
-            <a:off x="6309360" y="1554480"/>
-            <a:ext cx="2743200" cy="4114800"/>
-          </a:xfrm>
-          <a:prstGeom prst="roundRect">
-            <a:avLst/>
-          </a:prstGeom>
-          <a:solidFill>
-            <a:srgbClr val="2EA06A"/>
+            <a:off x="3520439" y="1828800"/>
+            <a:ext cx="548640" cy="548640"/>
+          </a:xfrm>
+          <a:prstGeom prst="ellipse">
+            <a:avLst/>
+          </a:prstGeom>
+          <a:solidFill>
+            <a:srgbClr val="FFFFFF"/>
           </a:solidFill>
           <a:ln>
             <a:noFill/>
@@ -11250,14 +12140,14 @@
       </p:sp>
       <p:sp>
         <p:nvSpPr>
-          <p:cNvPr id="15" name="TextBox 14"/>
+          <p:cNvPr id="14" name="TextBox 13"/>
           <p:cNvSpPr txBox="1"/>
           <p:nvPr/>
         </p:nvSpPr>
         <p:spPr>
           <a:xfrm>
-            <a:off x="6309360" y="1828800"/>
-            <a:ext cx="2743200" cy="731520"/>
+            <a:off x="3520439" y="1874519"/>
+            <a:ext cx="548640" cy="502920"/>
           </a:xfrm>
           <a:prstGeom prst="rect">
             <a:avLst/>
@@ -11271,34 +12161,108 @@
           <a:lstStyle/>
           <a:p>
             <a:pPr algn="ctr">
-              <a:defRPr sz="2400" b="1">
+              <a:defRPr sz="2200" b="1">
+                <a:solidFill>
+                  <a:srgbClr val="1A568C"/>
+                </a:solidFill>
+              </a:defRPr>
+            </a:pPr>
+            <a:r>
+              <a:t>2</a:t>
+            </a:r>
+          </a:p>
+        </p:txBody>
+      </p:sp>
+      <p:sp>
+        <p:nvSpPr>
+          <p:cNvPr id="15" name="TextBox 14"/>
+          <p:cNvSpPr txBox="1"/>
+          <p:nvPr/>
+        </p:nvSpPr>
+        <p:spPr>
+          <a:xfrm>
+            <a:off x="2697479" y="2468880"/>
+            <a:ext cx="2194560" cy="457200"/>
+          </a:xfrm>
+          <a:prstGeom prst="rect">
+            <a:avLst/>
+          </a:prstGeom>
+          <a:noFill/>
+        </p:spPr>
+        <p:txBody>
+          <a:bodyPr wrap="none">
+            <a:spAutoFit/>
+          </a:bodyPr>
+          <a:lstStyle/>
+          <a:p>
+            <a:pPr algn="ctr">
+              <a:defRPr sz="1800" b="1">
                 <a:solidFill>
                   <a:srgbClr val="FFFFFF"/>
                 </a:solidFill>
               </a:defRPr>
             </a:pPr>
             <a:r>
-              <a:t>CRISPR Prioritization</a:t>
-            </a:r>
-          </a:p>
-        </p:txBody>
-      </p:sp>
-      <p:sp>
-        <p:nvSpPr>
-          <p:cNvPr id="16" name="Rectangle 15"/>
+              <a:t>Classify</a:t>
+            </a:r>
+          </a:p>
+        </p:txBody>
+      </p:sp>
+      <p:sp>
+        <p:nvSpPr>
+          <p:cNvPr id="16" name="TextBox 15"/>
+          <p:cNvSpPr txBox="1"/>
+          <p:nvPr/>
+        </p:nvSpPr>
+        <p:spPr>
+          <a:xfrm>
+            <a:off x="2788919" y="3017520"/>
+            <a:ext cx="2011680" cy="1371600"/>
+          </a:xfrm>
+          <a:prstGeom prst="rect">
+            <a:avLst/>
+          </a:prstGeom>
+          <a:noFill/>
+        </p:spPr>
+        <p:txBody>
+          <a:bodyPr wrap="square">
+            <a:spAutoFit/>
+          </a:bodyPr>
+          <a:lstStyle/>
+          <a:p>
+            <a:pPr algn="ctr">
+              <a:defRPr sz="1300">
+                <a:solidFill>
+                  <a:srgbClr val="FFFFFF"/>
+                </a:solidFill>
+              </a:defRPr>
+            </a:pPr>
+            <a:r>
+              <a:t>Gene type: Scaffold</a:t>
+            </a:r>
+            <a:br/>
+            <a:r>
+              <a:t>No transcriptional targets</a:t>
+            </a:r>
+          </a:p>
+        </p:txBody>
+      </p:sp>
+      <p:sp>
+        <p:nvSpPr>
+          <p:cNvPr id="17" name="Right Arrow 16"/>
           <p:cNvSpPr/>
           <p:nvPr/>
         </p:nvSpPr>
         <p:spPr>
           <a:xfrm>
-            <a:off x="6766560" y="2606040"/>
-            <a:ext cx="1828800" cy="27432"/>
-          </a:xfrm>
-          <a:prstGeom prst="rect">
-            <a:avLst/>
-          </a:prstGeom>
-          <a:solidFill>
-            <a:srgbClr val="FFFFFF"/>
+            <a:off x="4937759" y="3017520"/>
+            <a:ext cx="457200" cy="274320"/>
+          </a:xfrm>
+          <a:prstGeom prst="rightArrow">
+            <a:avLst/>
+          </a:prstGeom>
+          <a:solidFill>
+            <a:srgbClr val="647487"/>
           </a:solidFill>
           <a:ln>
             <a:noFill/>
@@ -11328,63 +12292,20 @@
       </p:sp>
       <p:sp>
         <p:nvSpPr>
-          <p:cNvPr id="17" name="TextBox 16"/>
-          <p:cNvSpPr txBox="1"/>
-          <p:nvPr/>
-        </p:nvSpPr>
-        <p:spPr>
-          <a:xfrm>
-            <a:off x="6492240" y="2834640"/>
-            <a:ext cx="2377440" cy="2286000"/>
-          </a:xfrm>
-          <a:prstGeom prst="rect">
-            <a:avLst/>
-          </a:prstGeom>
-          <a:noFill/>
-        </p:spPr>
-        <p:txBody>
-          <a:bodyPr wrap="square">
-            <a:spAutoFit/>
-          </a:bodyPr>
-          <a:lstStyle/>
-          <a:p>
-            <a:pPr algn="ctr">
-              <a:defRPr sz="1600">
-                <a:solidFill>
-                  <a:srgbClr val="FFFFFF"/>
-                </a:solidFill>
-              </a:defRPr>
-            </a:pPr>
-            <a:r>
-              <a:t>Predict perturbation</a:t>
-            </a:r>
-            <a:br/>
-            <a:r>
-              <a:t>effects before costly</a:t>
-            </a:r>
-            <a:br/>
-            <a:r>
-              <a:t>wet lab validation</a:t>
-            </a:r>
-          </a:p>
-        </p:txBody>
-      </p:sp>
-      <p:sp>
-        <p:nvSpPr>
           <p:cNvPr id="18" name="Rounded Rectangle 17"/>
           <p:cNvSpPr/>
           <p:nvPr/>
         </p:nvSpPr>
         <p:spPr>
           <a:xfrm>
-            <a:off x="9235440" y="1554480"/>
-            <a:ext cx="2743200" cy="4114800"/>
+            <a:off x="5029200" y="1645920"/>
+            <a:ext cx="2194560" cy="2926080"/>
           </a:xfrm>
           <a:prstGeom prst="roundRect">
             <a:avLst/>
           </a:prstGeom>
           <a:solidFill>
-            <a:srgbClr val="E86C2C"/>
+            <a:srgbClr val="009B9E"/>
           </a:solidFill>
           <a:ln>
             <a:noFill/>
@@ -11414,51 +12335,16 @@
       </p:sp>
       <p:sp>
         <p:nvSpPr>
-          <p:cNvPr id="19" name="TextBox 18"/>
-          <p:cNvSpPr txBox="1"/>
-          <p:nvPr/>
-        </p:nvSpPr>
-        <p:spPr>
-          <a:xfrm>
-            <a:off x="9235440" y="1828800"/>
-            <a:ext cx="2743200" cy="731520"/>
-          </a:xfrm>
-          <a:prstGeom prst="rect">
-            <a:avLst/>
-          </a:prstGeom>
-          <a:noFill/>
-        </p:spPr>
-        <p:txBody>
-          <a:bodyPr wrap="none">
-            <a:spAutoFit/>
-          </a:bodyPr>
-          <a:lstStyle/>
-          <a:p>
-            <a:pPr algn="ctr">
-              <a:defRPr sz="2400" b="1">
-                <a:solidFill>
-                  <a:srgbClr val="FFFFFF"/>
-                </a:solidFill>
-              </a:defRPr>
-            </a:pPr>
-            <a:r>
-              <a:t>Target Validation</a:t>
-            </a:r>
-          </a:p>
-        </p:txBody>
-      </p:sp>
-      <p:sp>
-        <p:nvSpPr>
-          <p:cNvPr id="20" name="Rectangle 19"/>
+          <p:cNvPr id="19" name="Oval 18"/>
           <p:cNvSpPr/>
           <p:nvPr/>
         </p:nvSpPr>
         <p:spPr>
           <a:xfrm>
-            <a:off x="9692640" y="2606040"/>
-            <a:ext cx="1828800" cy="27432"/>
-          </a:xfrm>
-          <a:prstGeom prst="rect">
+            <a:off x="5852160" y="1828800"/>
+            <a:ext cx="548640" cy="548640"/>
+          </a:xfrm>
+          <a:prstGeom prst="ellipse">
             <a:avLst/>
           </a:prstGeom>
           <a:solidFill>
@@ -11492,14 +12378,84 @@
       </p:sp>
       <p:sp>
         <p:nvSpPr>
+          <p:cNvPr id="20" name="TextBox 19"/>
+          <p:cNvSpPr txBox="1"/>
+          <p:nvPr/>
+        </p:nvSpPr>
+        <p:spPr>
+          <a:xfrm>
+            <a:off x="5852160" y="1874519"/>
+            <a:ext cx="548640" cy="502920"/>
+          </a:xfrm>
+          <a:prstGeom prst="rect">
+            <a:avLst/>
+          </a:prstGeom>
+          <a:noFill/>
+        </p:spPr>
+        <p:txBody>
+          <a:bodyPr wrap="none">
+            <a:spAutoFit/>
+          </a:bodyPr>
+          <a:lstStyle/>
+          <a:p>
+            <a:pPr algn="ctr">
+              <a:defRPr sz="2200" b="1">
+                <a:solidFill>
+                  <a:srgbClr val="009B9E"/>
+                </a:solidFill>
+              </a:defRPr>
+            </a:pPr>
+            <a:r>
+              <a:t>3</a:t>
+            </a:r>
+          </a:p>
+        </p:txBody>
+      </p:sp>
+      <p:sp>
+        <p:nvSpPr>
           <p:cNvPr id="21" name="TextBox 20"/>
           <p:cNvSpPr txBox="1"/>
           <p:nvPr/>
         </p:nvSpPr>
         <p:spPr>
           <a:xfrm>
-            <a:off x="9418320" y="2834640"/>
-            <a:ext cx="2377440" cy="2286000"/>
+            <a:off x="5029200" y="2468880"/>
+            <a:ext cx="2194560" cy="457200"/>
+          </a:xfrm>
+          <a:prstGeom prst="rect">
+            <a:avLst/>
+          </a:prstGeom>
+          <a:noFill/>
+        </p:spPr>
+        <p:txBody>
+          <a:bodyPr wrap="none">
+            <a:spAutoFit/>
+          </a:bodyPr>
+          <a:lstStyle/>
+          <a:p>
+            <a:pPr algn="ctr">
+              <a:defRPr sz="1800" b="1">
+                <a:solidFill>
+                  <a:srgbClr val="FFFFFF"/>
+                </a:solidFill>
+              </a:defRPr>
+            </a:pPr>
+            <a:r>
+              <a:t>Suggest</a:t>
+            </a:r>
+          </a:p>
+        </p:txBody>
+      </p:sp>
+      <p:sp>
+        <p:nvSpPr>
+          <p:cNvPr id="22" name="TextBox 21"/>
+          <p:cNvSpPr txBox="1"/>
+          <p:nvPr/>
+        </p:nvSpPr>
+        <p:spPr>
+          <a:xfrm>
+            <a:off x="5120640" y="3017520"/>
+            <a:ext cx="2011680" cy="1371600"/>
           </a:xfrm>
           <a:prstGeom prst="rect">
             <a:avLst/>
@@ -11513,22 +12469,529 @@
           <a:lstStyle/>
           <a:p>
             <a:pPr algn="ctr">
-              <a:defRPr sz="1600">
+              <a:defRPr sz="1300">
                 <a:solidFill>
                   <a:srgbClr val="FFFFFF"/>
                 </a:solidFill>
               </a:defRPr>
             </a:pPr>
             <a:r>
-              <a:t>Compare candidates</a:t>
+              <a:t>Analyze protein partners:</a:t>
             </a:r>
             <a:br/>
             <a:r>
-              <a:t>using network vulnerability</a:t>
+              <a:t>CTNNB1, AXIN1, GSK3B</a:t>
+            </a:r>
+          </a:p>
+        </p:txBody>
+      </p:sp>
+      <p:sp>
+        <p:nvSpPr>
+          <p:cNvPr id="23" name="Right Arrow 22"/>
+          <p:cNvSpPr/>
+          <p:nvPr/>
+        </p:nvSpPr>
+        <p:spPr>
+          <a:xfrm>
+            <a:off x="7269480" y="3017520"/>
+            <a:ext cx="457200" cy="274320"/>
+          </a:xfrm>
+          <a:prstGeom prst="rightArrow">
+            <a:avLst/>
+          </a:prstGeom>
+          <a:solidFill>
+            <a:srgbClr val="647487"/>
+          </a:solidFill>
+          <a:ln>
+            <a:noFill/>
+          </a:ln>
+        </p:spPr>
+        <p:style>
+          <a:lnRef idx="1">
+            <a:schemeClr val="accent1"/>
+          </a:lnRef>
+          <a:fillRef idx="3">
+            <a:schemeClr val="accent1"/>
+          </a:fillRef>
+          <a:effectRef idx="2">
+            <a:schemeClr val="accent1"/>
+          </a:effectRef>
+          <a:fontRef idx="minor">
+            <a:schemeClr val="lt1"/>
+          </a:fontRef>
+        </p:style>
+        <p:txBody>
+          <a:bodyPr rtlCol="0" anchor="ctr"/>
+          <a:lstStyle/>
+          <a:p>
+            <a:pPr algn="ctr"/>
+          </a:p>
+        </p:txBody>
+      </p:sp>
+      <p:sp>
+        <p:nvSpPr>
+          <p:cNvPr id="24" name="Rounded Rectangle 23"/>
+          <p:cNvSpPr/>
+          <p:nvPr/>
+        </p:nvSpPr>
+        <p:spPr>
+          <a:xfrm>
+            <a:off x="7360919" y="1645920"/>
+            <a:ext cx="2194560" cy="2926080"/>
+          </a:xfrm>
+          <a:prstGeom prst="roundRect">
+            <a:avLst/>
+          </a:prstGeom>
+          <a:solidFill>
+            <a:srgbClr val="2EA06A"/>
+          </a:solidFill>
+          <a:ln>
+            <a:noFill/>
+          </a:ln>
+        </p:spPr>
+        <p:style>
+          <a:lnRef idx="1">
+            <a:schemeClr val="accent1"/>
+          </a:lnRef>
+          <a:fillRef idx="3">
+            <a:schemeClr val="accent1"/>
+          </a:fillRef>
+          <a:effectRef idx="2">
+            <a:schemeClr val="accent1"/>
+          </a:effectRef>
+          <a:fontRef idx="minor">
+            <a:schemeClr val="lt1"/>
+          </a:fontRef>
+        </p:style>
+        <p:txBody>
+          <a:bodyPr rtlCol="0" anchor="ctr"/>
+          <a:lstStyle/>
+          <a:p>
+            <a:pPr algn="ctr"/>
+          </a:p>
+        </p:txBody>
+      </p:sp>
+      <p:sp>
+        <p:nvSpPr>
+          <p:cNvPr id="25" name="Oval 24"/>
+          <p:cNvSpPr/>
+          <p:nvPr/>
+        </p:nvSpPr>
+        <p:spPr>
+          <a:xfrm>
+            <a:off x="8183879" y="1828800"/>
+            <a:ext cx="548640" cy="548640"/>
+          </a:xfrm>
+          <a:prstGeom prst="ellipse">
+            <a:avLst/>
+          </a:prstGeom>
+          <a:solidFill>
+            <a:srgbClr val="FFFFFF"/>
+          </a:solidFill>
+          <a:ln>
+            <a:noFill/>
+          </a:ln>
+        </p:spPr>
+        <p:style>
+          <a:lnRef idx="1">
+            <a:schemeClr val="accent1"/>
+          </a:lnRef>
+          <a:fillRef idx="3">
+            <a:schemeClr val="accent1"/>
+          </a:fillRef>
+          <a:effectRef idx="2">
+            <a:schemeClr val="accent1"/>
+          </a:effectRef>
+          <a:fontRef idx="minor">
+            <a:schemeClr val="lt1"/>
+          </a:fontRef>
+        </p:style>
+        <p:txBody>
+          <a:bodyPr rtlCol="0" anchor="ctr"/>
+          <a:lstStyle/>
+          <a:p>
+            <a:pPr algn="ctr"/>
+          </a:p>
+        </p:txBody>
+      </p:sp>
+      <p:sp>
+        <p:nvSpPr>
+          <p:cNvPr id="26" name="TextBox 25"/>
+          <p:cNvSpPr txBox="1"/>
+          <p:nvPr/>
+        </p:nvSpPr>
+        <p:spPr>
+          <a:xfrm>
+            <a:off x="8183879" y="1874519"/>
+            <a:ext cx="548640" cy="502920"/>
+          </a:xfrm>
+          <a:prstGeom prst="rect">
+            <a:avLst/>
+          </a:prstGeom>
+          <a:noFill/>
+        </p:spPr>
+        <p:txBody>
+          <a:bodyPr wrap="none">
+            <a:spAutoFit/>
+          </a:bodyPr>
+          <a:lstStyle/>
+          <a:p>
+            <a:pPr algn="ctr">
+              <a:defRPr sz="2200" b="1">
+                <a:solidFill>
+                  <a:srgbClr val="2EA06A"/>
+                </a:solidFill>
+              </a:defRPr>
+            </a:pPr>
+            <a:r>
+              <a:t>4</a:t>
+            </a:r>
+          </a:p>
+        </p:txBody>
+      </p:sp>
+      <p:sp>
+        <p:nvSpPr>
+          <p:cNvPr id="27" name="TextBox 26"/>
+          <p:cNvSpPr txBox="1"/>
+          <p:nvPr/>
+        </p:nvSpPr>
+        <p:spPr>
+          <a:xfrm>
+            <a:off x="7360919" y="2468880"/>
+            <a:ext cx="2194560" cy="457200"/>
+          </a:xfrm>
+          <a:prstGeom prst="rect">
+            <a:avLst/>
+          </a:prstGeom>
+          <a:noFill/>
+        </p:spPr>
+        <p:txBody>
+          <a:bodyPr wrap="none">
+            <a:spAutoFit/>
+          </a:bodyPr>
+          <a:lstStyle/>
+          <a:p>
+            <a:pPr algn="ctr">
+              <a:defRPr sz="1800" b="1">
+                <a:solidFill>
+                  <a:srgbClr val="FFFFFF"/>
+                </a:solidFill>
+              </a:defRPr>
+            </a:pPr>
+            <a:r>
+              <a:t>Predict</a:t>
+            </a:r>
+          </a:p>
+        </p:txBody>
+      </p:sp>
+      <p:sp>
+        <p:nvSpPr>
+          <p:cNvPr id="28" name="TextBox 27"/>
+          <p:cNvSpPr txBox="1"/>
+          <p:nvPr/>
+        </p:nvSpPr>
+        <p:spPr>
+          <a:xfrm>
+            <a:off x="7452359" y="3017520"/>
+            <a:ext cx="2011680" cy="1371600"/>
+          </a:xfrm>
+          <a:prstGeom prst="rect">
+            <a:avLst/>
+          </a:prstGeom>
+          <a:noFill/>
+        </p:spPr>
+        <p:txBody>
+          <a:bodyPr wrap="square">
+            <a:spAutoFit/>
+          </a:bodyPr>
+          <a:lstStyle/>
+          <a:p>
+            <a:pPr algn="ctr">
+              <a:defRPr sz="1300">
+                <a:solidFill>
+                  <a:srgbClr val="FFFFFF"/>
+                </a:solidFill>
+              </a:defRPr>
+            </a:pPr>
+            <a:r>
+              <a:t>CTNNB1 overexpression</a:t>
             </a:r>
             <a:br/>
             <a:r>
-              <a:t>and druggability scores</a:t>
+              <a:t>2,739 genes affected</a:t>
+            </a:r>
+          </a:p>
+        </p:txBody>
+      </p:sp>
+      <p:sp>
+        <p:nvSpPr>
+          <p:cNvPr id="29" name="Right Arrow 28"/>
+          <p:cNvSpPr/>
+          <p:nvPr/>
+        </p:nvSpPr>
+        <p:spPr>
+          <a:xfrm>
+            <a:off x="9601199" y="3017520"/>
+            <a:ext cx="457200" cy="274320"/>
+          </a:xfrm>
+          <a:prstGeom prst="rightArrow">
+            <a:avLst/>
+          </a:prstGeom>
+          <a:solidFill>
+            <a:srgbClr val="647487"/>
+          </a:solidFill>
+          <a:ln>
+            <a:noFill/>
+          </a:ln>
+        </p:spPr>
+        <p:style>
+          <a:lnRef idx="1">
+            <a:schemeClr val="accent1"/>
+          </a:lnRef>
+          <a:fillRef idx="3">
+            <a:schemeClr val="accent1"/>
+          </a:fillRef>
+          <a:effectRef idx="2">
+            <a:schemeClr val="accent1"/>
+          </a:effectRef>
+          <a:fontRef idx="minor">
+            <a:schemeClr val="lt1"/>
+          </a:fontRef>
+        </p:style>
+        <p:txBody>
+          <a:bodyPr rtlCol="0" anchor="ctr"/>
+          <a:lstStyle/>
+          <a:p>
+            <a:pPr algn="ctr"/>
+          </a:p>
+        </p:txBody>
+      </p:sp>
+      <p:sp>
+        <p:nvSpPr>
+          <p:cNvPr id="30" name="Rounded Rectangle 29"/>
+          <p:cNvSpPr/>
+          <p:nvPr/>
+        </p:nvSpPr>
+        <p:spPr>
+          <a:xfrm>
+            <a:off x="9692640" y="1645920"/>
+            <a:ext cx="2194560" cy="2926080"/>
+          </a:xfrm>
+          <a:prstGeom prst="roundRect">
+            <a:avLst/>
+          </a:prstGeom>
+          <a:solidFill>
+            <a:srgbClr val="E86C2C"/>
+          </a:solidFill>
+          <a:ln>
+            <a:noFill/>
+          </a:ln>
+        </p:spPr>
+        <p:style>
+          <a:lnRef idx="1">
+            <a:schemeClr val="accent1"/>
+          </a:lnRef>
+          <a:fillRef idx="3">
+            <a:schemeClr val="accent1"/>
+          </a:fillRef>
+          <a:effectRef idx="2">
+            <a:schemeClr val="accent1"/>
+          </a:effectRef>
+          <a:fontRef idx="minor">
+            <a:schemeClr val="lt1"/>
+          </a:fontRef>
+        </p:style>
+        <p:txBody>
+          <a:bodyPr rtlCol="0" anchor="ctr"/>
+          <a:lstStyle/>
+          <a:p>
+            <a:pPr algn="ctr"/>
+          </a:p>
+        </p:txBody>
+      </p:sp>
+      <p:sp>
+        <p:nvSpPr>
+          <p:cNvPr id="31" name="Oval 30"/>
+          <p:cNvSpPr/>
+          <p:nvPr/>
+        </p:nvSpPr>
+        <p:spPr>
+          <a:xfrm>
+            <a:off x="10515600" y="1828800"/>
+            <a:ext cx="548640" cy="548640"/>
+          </a:xfrm>
+          <a:prstGeom prst="ellipse">
+            <a:avLst/>
+          </a:prstGeom>
+          <a:solidFill>
+            <a:srgbClr val="FFFFFF"/>
+          </a:solidFill>
+          <a:ln>
+            <a:noFill/>
+          </a:ln>
+        </p:spPr>
+        <p:style>
+          <a:lnRef idx="1">
+            <a:schemeClr val="accent1"/>
+          </a:lnRef>
+          <a:fillRef idx="3">
+            <a:schemeClr val="accent1"/>
+          </a:fillRef>
+          <a:effectRef idx="2">
+            <a:schemeClr val="accent1"/>
+          </a:effectRef>
+          <a:fontRef idx="minor">
+            <a:schemeClr val="lt1"/>
+          </a:fontRef>
+        </p:style>
+        <p:txBody>
+          <a:bodyPr rtlCol="0" anchor="ctr"/>
+          <a:lstStyle/>
+          <a:p>
+            <a:pPr algn="ctr"/>
+          </a:p>
+        </p:txBody>
+      </p:sp>
+      <p:sp>
+        <p:nvSpPr>
+          <p:cNvPr id="32" name="TextBox 31"/>
+          <p:cNvSpPr txBox="1"/>
+          <p:nvPr/>
+        </p:nvSpPr>
+        <p:spPr>
+          <a:xfrm>
+            <a:off x="10515600" y="1874519"/>
+            <a:ext cx="548640" cy="502920"/>
+          </a:xfrm>
+          <a:prstGeom prst="rect">
+            <a:avLst/>
+          </a:prstGeom>
+          <a:noFill/>
+        </p:spPr>
+        <p:txBody>
+          <a:bodyPr wrap="none">
+            <a:spAutoFit/>
+          </a:bodyPr>
+          <a:lstStyle/>
+          <a:p>
+            <a:pPr algn="ctr">
+              <a:defRPr sz="2200" b="1">
+                <a:solidFill>
+                  <a:srgbClr val="E86C2C"/>
+                </a:solidFill>
+              </a:defRPr>
+            </a:pPr>
+            <a:r>
+              <a:t>5</a:t>
+            </a:r>
+          </a:p>
+        </p:txBody>
+      </p:sp>
+      <p:sp>
+        <p:nvSpPr>
+          <p:cNvPr id="33" name="TextBox 32"/>
+          <p:cNvSpPr txBox="1"/>
+          <p:nvPr/>
+        </p:nvSpPr>
+        <p:spPr>
+          <a:xfrm>
+            <a:off x="9692640" y="2468880"/>
+            <a:ext cx="2194560" cy="457200"/>
+          </a:xfrm>
+          <a:prstGeom prst="rect">
+            <a:avLst/>
+          </a:prstGeom>
+          <a:noFill/>
+        </p:spPr>
+        <p:txBody>
+          <a:bodyPr wrap="none">
+            <a:spAutoFit/>
+          </a:bodyPr>
+          <a:lstStyle/>
+          <a:p>
+            <a:pPr algn="ctr">
+              <a:defRPr sz="1800" b="1">
+                <a:solidFill>
+                  <a:srgbClr val="FFFFFF"/>
+                </a:solidFill>
+              </a:defRPr>
+            </a:pPr>
+            <a:r>
+              <a:t>Insight</a:t>
+            </a:r>
+          </a:p>
+        </p:txBody>
+      </p:sp>
+      <p:sp>
+        <p:nvSpPr>
+          <p:cNvPr id="34" name="TextBox 33"/>
+          <p:cNvSpPr txBox="1"/>
+          <p:nvPr/>
+        </p:nvSpPr>
+        <p:spPr>
+          <a:xfrm>
+            <a:off x="9784080" y="3017520"/>
+            <a:ext cx="2011680" cy="1371600"/>
+          </a:xfrm>
+          <a:prstGeom prst="rect">
+            <a:avLst/>
+          </a:prstGeom>
+          <a:noFill/>
+        </p:spPr>
+        <p:txBody>
+          <a:bodyPr wrap="square">
+            <a:spAutoFit/>
+          </a:bodyPr>
+          <a:lstStyle/>
+          <a:p>
+            <a:pPr algn="ctr">
+              <a:defRPr sz="1300">
+                <a:solidFill>
+                  <a:srgbClr val="FFFFFF"/>
+                </a:solidFill>
+              </a:defRPr>
+            </a:pPr>
+            <a:r>
+              <a:t>APC loss = beta-catenin</a:t>
+            </a:r>
+            <a:br/>
+            <a:r>
+              <a:t>accumulation = oncogenesis</a:t>
+            </a:r>
+          </a:p>
+        </p:txBody>
+      </p:sp>
+      <p:sp>
+        <p:nvSpPr>
+          <p:cNvPr id="35" name="TextBox 34"/>
+          <p:cNvSpPr txBox="1"/>
+          <p:nvPr/>
+        </p:nvSpPr>
+        <p:spPr>
+          <a:xfrm>
+            <a:off x="548640" y="4846320"/>
+            <a:ext cx="11094415" cy="1371600"/>
+          </a:xfrm>
+          <a:prstGeom prst="rect">
+            <a:avLst/>
+          </a:prstGeom>
+          <a:noFill/>
+        </p:spPr>
+        <p:txBody>
+          <a:bodyPr wrap="square">
+            <a:spAutoFit/>
+          </a:bodyPr>
+          <a:lstStyle/>
+          <a:p>
+            <a:pPr algn="ctr">
+              <a:defRPr sz="2000" i="1">
+                <a:solidFill>
+                  <a:srgbClr val="1A568C"/>
+                </a:solidFill>
+              </a:defRPr>
+            </a:pPr>
+            <a:r>
+              <a:t>Intelligent routing guides users from scaffold proteins to transcriptionally active partners</a:t>
             </a:r>
           </a:p>
         </p:txBody>
@@ -11710,7 +13173,7 @@
               </a:defRPr>
             </a:pPr>
             <a:r>
-              <a:t>Performance</a:t>
+              <a:t>Use Cases</a:t>
             </a:r>
           </a:p>
         </p:txBody>
@@ -11723,14 +13186,14 @@
         </p:nvSpPr>
         <p:spPr>
           <a:xfrm>
-            <a:off x="548640" y="1645920"/>
-            <a:ext cx="2651760" cy="3200400"/>
+            <a:off x="457200" y="1554480"/>
+            <a:ext cx="2743200" cy="4114800"/>
           </a:xfrm>
           <a:prstGeom prst="roundRect">
             <a:avLst/>
           </a:prstGeom>
           <a:solidFill>
-            <a:srgbClr val="F5F7FA"/>
+            <a:srgbClr val="009B9E"/>
           </a:solidFill>
           <a:ln>
             <a:noFill/>
@@ -11766,8 +13229,8 @@
         </p:nvSpPr>
         <p:spPr>
           <a:xfrm>
-            <a:off x="548640" y="1828800"/>
-            <a:ext cx="2651760" cy="1097280"/>
+            <a:off x="457200" y="1828800"/>
+            <a:ext cx="2743200" cy="731520"/>
           </a:xfrm>
           <a:prstGeom prst="rect">
             <a:avLst/>
@@ -11781,108 +13244,34 @@
           <a:lstStyle/>
           <a:p>
             <a:pPr algn="ctr">
-              <a:defRPr sz="4800" b="1">
-                <a:solidFill>
-                  <a:srgbClr val="009B9E"/>
-                </a:solidFill>
-              </a:defRPr>
-            </a:pPr>
-            <a:r>
-              <a:t>&lt; 3 sec</a:t>
-            </a:r>
-          </a:p>
-        </p:txBody>
-      </p:sp>
-      <p:sp>
-        <p:nvSpPr>
-          <p:cNvPr id="8" name="TextBox 7"/>
-          <p:cNvSpPr txBox="1"/>
-          <p:nvPr/>
-        </p:nvSpPr>
-        <p:spPr>
-          <a:xfrm>
-            <a:off x="548640" y="2926080"/>
-            <a:ext cx="2651760" cy="457200"/>
-          </a:xfrm>
-          <a:prstGeom prst="rect">
-            <a:avLst/>
-          </a:prstGeom>
-          <a:noFill/>
-        </p:spPr>
-        <p:txBody>
-          <a:bodyPr wrap="none">
-            <a:spAutoFit/>
-          </a:bodyPr>
-          <a:lstStyle/>
-          <a:p>
-            <a:pPr algn="ctr">
-              <a:defRPr sz="2000" b="1">
-                <a:solidFill>
-                  <a:srgbClr val="2D3A4A"/>
-                </a:solidFill>
-              </a:defRPr>
-            </a:pPr>
-            <a:r>
-              <a:t>Full Analysis</a:t>
-            </a:r>
-          </a:p>
-        </p:txBody>
-      </p:sp>
-      <p:sp>
-        <p:nvSpPr>
-          <p:cNvPr id="9" name="TextBox 8"/>
-          <p:cNvSpPr txBox="1"/>
-          <p:nvPr/>
-        </p:nvSpPr>
-        <p:spPr>
-          <a:xfrm>
-            <a:off x="731520" y="3474720"/>
-            <a:ext cx="2286000" cy="1097280"/>
-          </a:xfrm>
-          <a:prstGeom prst="rect">
-            <a:avLst/>
-          </a:prstGeom>
-          <a:noFill/>
-        </p:spPr>
-        <p:txBody>
-          <a:bodyPr wrap="square">
-            <a:spAutoFit/>
-          </a:bodyPr>
-          <a:lstStyle/>
-          <a:p>
-            <a:pPr algn="ctr">
-              <a:defRPr sz="1400">
-                <a:solidFill>
-                  <a:srgbClr val="647487"/>
-                </a:solidFill>
-              </a:defRPr>
-            </a:pPr>
-            <a:r>
-              <a:t>GPU-accelerated</a:t>
-            </a:r>
-            <a:br/>
-            <a:r>
-              <a:t>perturbation prediction</a:t>
-            </a:r>
-          </a:p>
-        </p:txBody>
-      </p:sp>
-      <p:sp>
-        <p:nvSpPr>
-          <p:cNvPr id="10" name="Rounded Rectangle 9"/>
+              <a:defRPr sz="2400" b="1">
+                <a:solidFill>
+                  <a:srgbClr val="FFFFFF"/>
+                </a:solidFill>
+              </a:defRPr>
+            </a:pPr>
+            <a:r>
+              <a:t>Immunotherapy</a:t>
+            </a:r>
+          </a:p>
+        </p:txBody>
+      </p:sp>
+      <p:sp>
+        <p:nvSpPr>
+          <p:cNvPr id="8" name="Rectangle 7"/>
           <p:cNvSpPr/>
           <p:nvPr/>
         </p:nvSpPr>
         <p:spPr>
           <a:xfrm>
-            <a:off x="3474720" y="1645920"/>
-            <a:ext cx="2651760" cy="3200400"/>
-          </a:xfrm>
-          <a:prstGeom prst="roundRect">
-            <a:avLst/>
-          </a:prstGeom>
-          <a:solidFill>
-            <a:srgbClr val="F5F7FA"/>
+            <a:off x="914400" y="2606040"/>
+            <a:ext cx="1828800" cy="27432"/>
+          </a:xfrm>
+          <a:prstGeom prst="rect">
+            <a:avLst/>
+          </a:prstGeom>
+          <a:solidFill>
+            <a:srgbClr val="FFFFFF"/>
           </a:solidFill>
           <a:ln>
             <a:noFill/>
@@ -11912,84 +13301,14 @@
       </p:sp>
       <p:sp>
         <p:nvSpPr>
-          <p:cNvPr id="11" name="TextBox 10"/>
+          <p:cNvPr id="9" name="TextBox 8"/>
           <p:cNvSpPr txBox="1"/>
           <p:nvPr/>
         </p:nvSpPr>
         <p:spPr>
           <a:xfrm>
-            <a:off x="3474720" y="1828800"/>
-            <a:ext cx="2651760" cy="1097280"/>
-          </a:xfrm>
-          <a:prstGeom prst="rect">
-            <a:avLst/>
-          </a:prstGeom>
-          <a:noFill/>
-        </p:spPr>
-        <p:txBody>
-          <a:bodyPr wrap="none">
-            <a:spAutoFit/>
-          </a:bodyPr>
-          <a:lstStyle/>
-          <a:p>
-            <a:pPr algn="ctr">
-              <a:defRPr sz="4800" b="1">
-                <a:solidFill>
-                  <a:srgbClr val="009B9E"/>
-                </a:solidFill>
-              </a:defRPr>
-            </a:pPr>
-            <a:r>
-              <a:t>19,247</a:t>
-            </a:r>
-          </a:p>
-        </p:txBody>
-      </p:sp>
-      <p:sp>
-        <p:nvSpPr>
-          <p:cNvPr id="12" name="TextBox 11"/>
-          <p:cNvSpPr txBox="1"/>
-          <p:nvPr/>
-        </p:nvSpPr>
-        <p:spPr>
-          <a:xfrm>
-            <a:off x="3474720" y="2926080"/>
-            <a:ext cx="2651760" cy="457200"/>
-          </a:xfrm>
-          <a:prstGeom prst="rect">
-            <a:avLst/>
-          </a:prstGeom>
-          <a:noFill/>
-        </p:spPr>
-        <p:txBody>
-          <a:bodyPr wrap="none">
-            <a:spAutoFit/>
-          </a:bodyPr>
-          <a:lstStyle/>
-          <a:p>
-            <a:pPr algn="ctr">
-              <a:defRPr sz="2000" b="1">
-                <a:solidFill>
-                  <a:srgbClr val="2D3A4A"/>
-                </a:solidFill>
-              </a:defRPr>
-            </a:pPr>
-            <a:r>
-              <a:t>Genes</a:t>
-            </a:r>
-          </a:p>
-        </p:txBody>
-      </p:sp>
-      <p:sp>
-        <p:nvSpPr>
-          <p:cNvPr id="13" name="TextBox 12"/>
-          <p:cNvSpPr txBox="1"/>
-          <p:nvPr/>
-        </p:nvSpPr>
-        <p:spPr>
-          <a:xfrm>
-            <a:off x="3657600" y="3474720"/>
-            <a:ext cx="2286000" cy="1097280"/>
+            <a:off x="640080" y="2834640"/>
+            <a:ext cx="2377440" cy="2286000"/>
           </a:xfrm>
           <a:prstGeom prst="rect">
             <a:avLst/>
@@ -12003,38 +13322,42 @@
           <a:lstStyle/>
           <a:p>
             <a:pPr algn="ctr">
-              <a:defRPr sz="1400">
-                <a:solidFill>
-                  <a:srgbClr val="647487"/>
-                </a:solidFill>
-              </a:defRPr>
-            </a:pPr>
-            <a:r>
-              <a:t>Complete coverage in</a:t>
+              <a:defRPr sz="1600">
+                <a:solidFill>
+                  <a:srgbClr val="FFFFFF"/>
+                </a:solidFill>
+              </a:defRPr>
+            </a:pPr>
+            <a:r>
+              <a:t>Discover targets in tumor</a:t>
             </a:r>
             <a:br/>
             <a:r>
-              <a:t>embedding space</a:t>
-            </a:r>
-          </a:p>
-        </p:txBody>
-      </p:sp>
-      <p:sp>
-        <p:nvSpPr>
-          <p:cNvPr id="14" name="Rounded Rectangle 13"/>
+              <a:t>microenvironment across</a:t>
+            </a:r>
+            <a:br/>
+            <a:r>
+              <a:t>immune cell types</a:t>
+            </a:r>
+          </a:p>
+        </p:txBody>
+      </p:sp>
+      <p:sp>
+        <p:nvSpPr>
+          <p:cNvPr id="10" name="Rounded Rectangle 9"/>
           <p:cNvSpPr/>
           <p:nvPr/>
         </p:nvSpPr>
         <p:spPr>
           <a:xfrm>
-            <a:off x="6400800" y="1645920"/>
-            <a:ext cx="2651760" cy="3200400"/>
+            <a:off x="3383280" y="1554480"/>
+            <a:ext cx="2743200" cy="4114800"/>
           </a:xfrm>
           <a:prstGeom prst="roundRect">
             <a:avLst/>
           </a:prstGeom>
           <a:solidFill>
-            <a:srgbClr val="F5F7FA"/>
+            <a:srgbClr val="1A568C"/>
           </a:solidFill>
           <a:ln>
             <a:noFill/>
@@ -12064,14 +13387,14 @@
       </p:sp>
       <p:sp>
         <p:nvSpPr>
-          <p:cNvPr id="15" name="TextBox 14"/>
+          <p:cNvPr id="11" name="TextBox 10"/>
           <p:cNvSpPr txBox="1"/>
           <p:nvPr/>
         </p:nvSpPr>
         <p:spPr>
           <a:xfrm>
-            <a:off x="6400800" y="1828800"/>
-            <a:ext cx="2651760" cy="1097280"/>
+            <a:off x="3383280" y="1828800"/>
+            <a:ext cx="2743200" cy="731520"/>
           </a:xfrm>
           <a:prstGeom prst="rect">
             <a:avLst/>
@@ -12085,108 +13408,34 @@
           <a:lstStyle/>
           <a:p>
             <a:pPr algn="ctr">
-              <a:defRPr sz="4800" b="1">
-                <a:solidFill>
-                  <a:srgbClr val="009B9E"/>
-                </a:solidFill>
-              </a:defRPr>
-            </a:pPr>
-            <a:r>
-              <a:t>11M</a:t>
-            </a:r>
-          </a:p>
-        </p:txBody>
-      </p:sp>
-      <p:sp>
-        <p:nvSpPr>
-          <p:cNvPr id="16" name="TextBox 15"/>
-          <p:cNvSpPr txBox="1"/>
-          <p:nvPr/>
-        </p:nvSpPr>
-        <p:spPr>
-          <a:xfrm>
-            <a:off x="6400800" y="2926080"/>
-            <a:ext cx="2651760" cy="457200"/>
-          </a:xfrm>
-          <a:prstGeom prst="rect">
-            <a:avLst/>
-          </a:prstGeom>
-          <a:noFill/>
-        </p:spPr>
-        <p:txBody>
-          <a:bodyPr wrap="none">
-            <a:spAutoFit/>
-          </a:bodyPr>
-          <a:lstStyle/>
-          <a:p>
-            <a:pPr algn="ctr">
-              <a:defRPr sz="2000" b="1">
-                <a:solidFill>
-                  <a:srgbClr val="2D3A4A"/>
-                </a:solidFill>
-              </a:defRPr>
-            </a:pPr>
-            <a:r>
-              <a:t>Cells Trained</a:t>
-            </a:r>
-          </a:p>
-        </p:txBody>
-      </p:sp>
-      <p:sp>
-        <p:nvSpPr>
-          <p:cNvPr id="17" name="TextBox 16"/>
-          <p:cNvSpPr txBox="1"/>
-          <p:nvPr/>
-        </p:nvSpPr>
-        <p:spPr>
-          <a:xfrm>
-            <a:off x="6583680" y="3474720"/>
-            <a:ext cx="2286000" cy="1097280"/>
-          </a:xfrm>
-          <a:prstGeom prst="rect">
-            <a:avLst/>
-          </a:prstGeom>
-          <a:noFill/>
-        </p:spPr>
-        <p:txBody>
-          <a:bodyPr wrap="square">
-            <a:spAutoFit/>
-          </a:bodyPr>
-          <a:lstStyle/>
-          <a:p>
-            <a:pPr algn="ctr">
-              <a:defRPr sz="1400">
-                <a:solidFill>
-                  <a:srgbClr val="647487"/>
-                </a:solidFill>
-              </a:defRPr>
-            </a:pPr>
-            <a:r>
-              <a:t>Deep learning on</a:t>
-            </a:r>
-            <a:br/>
-            <a:r>
-              <a:t>massive single-cell data</a:t>
-            </a:r>
-          </a:p>
-        </p:txBody>
-      </p:sp>
-      <p:sp>
-        <p:nvSpPr>
-          <p:cNvPr id="18" name="Rounded Rectangle 17"/>
+              <a:defRPr sz="2400" b="1">
+                <a:solidFill>
+                  <a:srgbClr val="FFFFFF"/>
+                </a:solidFill>
+              </a:defRPr>
+            </a:pPr>
+            <a:r>
+              <a:t>CAR-T Engineering</a:t>
+            </a:r>
+          </a:p>
+        </p:txBody>
+      </p:sp>
+      <p:sp>
+        <p:nvSpPr>
+          <p:cNvPr id="12" name="Rectangle 11"/>
           <p:cNvSpPr/>
           <p:nvPr/>
         </p:nvSpPr>
         <p:spPr>
           <a:xfrm>
-            <a:off x="9326880" y="1645920"/>
-            <a:ext cx="2651760" cy="3200400"/>
-          </a:xfrm>
-          <a:prstGeom prst="roundRect">
-            <a:avLst/>
-          </a:prstGeom>
-          <a:solidFill>
-            <a:srgbClr val="F5F7FA"/>
+            <a:off x="3840480" y="2606040"/>
+            <a:ext cx="1828800" cy="27432"/>
+          </a:xfrm>
+          <a:prstGeom prst="rect">
+            <a:avLst/>
+          </a:prstGeom>
+          <a:solidFill>
+            <a:srgbClr val="FFFFFF"/>
           </a:solidFill>
           <a:ln>
             <a:noFill/>
@@ -12216,84 +13465,14 @@
       </p:sp>
       <p:sp>
         <p:nvSpPr>
-          <p:cNvPr id="19" name="TextBox 18"/>
+          <p:cNvPr id="13" name="TextBox 12"/>
           <p:cNvSpPr txBox="1"/>
           <p:nvPr/>
         </p:nvSpPr>
         <p:spPr>
           <a:xfrm>
-            <a:off x="9326880" y="1828800"/>
-            <a:ext cx="2651760" cy="1097280"/>
-          </a:xfrm>
-          <a:prstGeom prst="rect">
-            <a:avLst/>
-          </a:prstGeom>
-          <a:noFill/>
-        </p:spPr>
-        <p:txBody>
-          <a:bodyPr wrap="none">
-            <a:spAutoFit/>
-          </a:bodyPr>
-          <a:lstStyle/>
-          <a:p>
-            <a:pPr algn="ctr">
-              <a:defRPr sz="4800" b="1">
-                <a:solidFill>
-                  <a:srgbClr val="009B9E"/>
-                </a:solidFill>
-              </a:defRPr>
-            </a:pPr>
-            <a:r>
-              <a:t>10</a:t>
-            </a:r>
-          </a:p>
-        </p:txBody>
-      </p:sp>
-      <p:sp>
-        <p:nvSpPr>
-          <p:cNvPr id="20" name="TextBox 19"/>
-          <p:cNvSpPr txBox="1"/>
-          <p:nvPr/>
-        </p:nvSpPr>
-        <p:spPr>
-          <a:xfrm>
-            <a:off x="9326880" y="2926080"/>
-            <a:ext cx="2651760" cy="457200"/>
-          </a:xfrm>
-          <a:prstGeom prst="rect">
-            <a:avLst/>
-          </a:prstGeom>
-          <a:noFill/>
-        </p:spPr>
-        <p:txBody>
-          <a:bodyPr wrap="none">
-            <a:spAutoFit/>
-          </a:bodyPr>
-          <a:lstStyle/>
-          <a:p>
-            <a:pPr algn="ctr">
-              <a:defRPr sz="2000" b="1">
-                <a:solidFill>
-                  <a:srgbClr val="2D3A4A"/>
-                </a:solidFill>
-              </a:defRPr>
-            </a:pPr>
-            <a:r>
-              <a:t>Cell Types</a:t>
-            </a:r>
-          </a:p>
-        </p:txBody>
-      </p:sp>
-      <p:sp>
-        <p:nvSpPr>
-          <p:cNvPr id="21" name="TextBox 20"/>
-          <p:cNvSpPr txBox="1"/>
-          <p:nvPr/>
-        </p:nvSpPr>
-        <p:spPr>
-          <a:xfrm>
-            <a:off x="9509760" y="3474720"/>
-            <a:ext cx="2286000" cy="1097280"/>
+            <a:off x="3566160" y="2834640"/>
+            <a:ext cx="2377440" cy="2286000"/>
           </a:xfrm>
           <a:prstGeom prst="rect">
             <a:avLst/>
@@ -12307,38 +13486,42 @@
           <a:lstStyle/>
           <a:p>
             <a:pPr algn="ctr">
-              <a:defRPr sz="1400">
-                <a:solidFill>
-                  <a:srgbClr val="647487"/>
-                </a:solidFill>
-              </a:defRPr>
-            </a:pPr>
-            <a:r>
-              <a:t>Immune &amp; cancer-relevant</a:t>
+              <a:defRPr sz="1600">
+                <a:solidFill>
+                  <a:srgbClr val="FFFFFF"/>
+                </a:solidFill>
+              </a:defRPr>
+            </a:pPr>
+            <a:r>
+              <a:t>Understand exhaustion</a:t>
             </a:r>
             <a:br/>
             <a:r>
-              <a:t>networks</a:t>
-            </a:r>
-          </a:p>
-        </p:txBody>
-      </p:sp>
-      <p:sp>
-        <p:nvSpPr>
-          <p:cNvPr id="22" name="Rounded Rectangle 21"/>
+              <a:t>and persistence pathways</a:t>
+            </a:r>
+            <a:br/>
+            <a:r>
+              <a:t>in T cell networks</a:t>
+            </a:r>
+          </a:p>
+        </p:txBody>
+      </p:sp>
+      <p:sp>
+        <p:nvSpPr>
+          <p:cNvPr id="14" name="Rounded Rectangle 13"/>
           <p:cNvSpPr/>
           <p:nvPr/>
         </p:nvSpPr>
         <p:spPr>
           <a:xfrm>
-            <a:off x="548640" y="5120640"/>
-            <a:ext cx="11094415" cy="914400"/>
+            <a:off x="6309360" y="1554480"/>
+            <a:ext cx="2743200" cy="4114800"/>
           </a:xfrm>
           <a:prstGeom prst="roundRect">
             <a:avLst/>
           </a:prstGeom>
           <a:solidFill>
-            <a:srgbClr val="1A568C"/>
+            <a:srgbClr val="2EA06A"/>
           </a:solidFill>
           <a:ln>
             <a:noFill/>
@@ -12368,14 +13551,14 @@
       </p:sp>
       <p:sp>
         <p:nvSpPr>
-          <p:cNvPr id="23" name="TextBox 22"/>
+          <p:cNvPr id="15" name="TextBox 14"/>
           <p:cNvSpPr txBox="1"/>
           <p:nvPr/>
         </p:nvSpPr>
         <p:spPr>
           <a:xfrm>
-            <a:off x="548640" y="5349240"/>
-            <a:ext cx="11094415" cy="548640"/>
+            <a:off x="6309360" y="1828800"/>
+            <a:ext cx="2743200" cy="731520"/>
           </a:xfrm>
           <a:prstGeom prst="rect">
             <a:avLst/>
@@ -12389,14 +13572,264 @@
           <a:lstStyle/>
           <a:p>
             <a:pPr algn="ctr">
-              <a:defRPr sz="2000">
+              <a:defRPr sz="2400" b="1">
                 <a:solidFill>
                   <a:srgbClr val="FFFFFF"/>
                 </a:solidFill>
               </a:defRPr>
             </a:pPr>
             <a:r>
-              <a:t>Caching and lazy loading ensure fast repeated queries</a:t>
+              <a:t>CRISPR Prioritization</a:t>
+            </a:r>
+          </a:p>
+        </p:txBody>
+      </p:sp>
+      <p:sp>
+        <p:nvSpPr>
+          <p:cNvPr id="16" name="Rectangle 15"/>
+          <p:cNvSpPr/>
+          <p:nvPr/>
+        </p:nvSpPr>
+        <p:spPr>
+          <a:xfrm>
+            <a:off x="6766560" y="2606040"/>
+            <a:ext cx="1828800" cy="27432"/>
+          </a:xfrm>
+          <a:prstGeom prst="rect">
+            <a:avLst/>
+          </a:prstGeom>
+          <a:solidFill>
+            <a:srgbClr val="FFFFFF"/>
+          </a:solidFill>
+          <a:ln>
+            <a:noFill/>
+          </a:ln>
+        </p:spPr>
+        <p:style>
+          <a:lnRef idx="1">
+            <a:schemeClr val="accent1"/>
+          </a:lnRef>
+          <a:fillRef idx="3">
+            <a:schemeClr val="accent1"/>
+          </a:fillRef>
+          <a:effectRef idx="2">
+            <a:schemeClr val="accent1"/>
+          </a:effectRef>
+          <a:fontRef idx="minor">
+            <a:schemeClr val="lt1"/>
+          </a:fontRef>
+        </p:style>
+        <p:txBody>
+          <a:bodyPr rtlCol="0" anchor="ctr"/>
+          <a:lstStyle/>
+          <a:p>
+            <a:pPr algn="ctr"/>
+          </a:p>
+        </p:txBody>
+      </p:sp>
+      <p:sp>
+        <p:nvSpPr>
+          <p:cNvPr id="17" name="TextBox 16"/>
+          <p:cNvSpPr txBox="1"/>
+          <p:nvPr/>
+        </p:nvSpPr>
+        <p:spPr>
+          <a:xfrm>
+            <a:off x="6492240" y="2834640"/>
+            <a:ext cx="2377440" cy="2286000"/>
+          </a:xfrm>
+          <a:prstGeom prst="rect">
+            <a:avLst/>
+          </a:prstGeom>
+          <a:noFill/>
+        </p:spPr>
+        <p:txBody>
+          <a:bodyPr wrap="square">
+            <a:spAutoFit/>
+          </a:bodyPr>
+          <a:lstStyle/>
+          <a:p>
+            <a:pPr algn="ctr">
+              <a:defRPr sz="1600">
+                <a:solidFill>
+                  <a:srgbClr val="FFFFFF"/>
+                </a:solidFill>
+              </a:defRPr>
+            </a:pPr>
+            <a:r>
+              <a:t>Predict perturbation</a:t>
+            </a:r>
+            <a:br/>
+            <a:r>
+              <a:t>effects before costly</a:t>
+            </a:r>
+            <a:br/>
+            <a:r>
+              <a:t>wet lab validation</a:t>
+            </a:r>
+          </a:p>
+        </p:txBody>
+      </p:sp>
+      <p:sp>
+        <p:nvSpPr>
+          <p:cNvPr id="18" name="Rounded Rectangle 17"/>
+          <p:cNvSpPr/>
+          <p:nvPr/>
+        </p:nvSpPr>
+        <p:spPr>
+          <a:xfrm>
+            <a:off x="9235440" y="1554480"/>
+            <a:ext cx="2743200" cy="4114800"/>
+          </a:xfrm>
+          <a:prstGeom prst="roundRect">
+            <a:avLst/>
+          </a:prstGeom>
+          <a:solidFill>
+            <a:srgbClr val="E86C2C"/>
+          </a:solidFill>
+          <a:ln>
+            <a:noFill/>
+          </a:ln>
+        </p:spPr>
+        <p:style>
+          <a:lnRef idx="1">
+            <a:schemeClr val="accent1"/>
+          </a:lnRef>
+          <a:fillRef idx="3">
+            <a:schemeClr val="accent1"/>
+          </a:fillRef>
+          <a:effectRef idx="2">
+            <a:schemeClr val="accent1"/>
+          </a:effectRef>
+          <a:fontRef idx="minor">
+            <a:schemeClr val="lt1"/>
+          </a:fontRef>
+        </p:style>
+        <p:txBody>
+          <a:bodyPr rtlCol="0" anchor="ctr"/>
+          <a:lstStyle/>
+          <a:p>
+            <a:pPr algn="ctr"/>
+          </a:p>
+        </p:txBody>
+      </p:sp>
+      <p:sp>
+        <p:nvSpPr>
+          <p:cNvPr id="19" name="TextBox 18"/>
+          <p:cNvSpPr txBox="1"/>
+          <p:nvPr/>
+        </p:nvSpPr>
+        <p:spPr>
+          <a:xfrm>
+            <a:off x="9235440" y="1828800"/>
+            <a:ext cx="2743200" cy="731520"/>
+          </a:xfrm>
+          <a:prstGeom prst="rect">
+            <a:avLst/>
+          </a:prstGeom>
+          <a:noFill/>
+        </p:spPr>
+        <p:txBody>
+          <a:bodyPr wrap="none">
+            <a:spAutoFit/>
+          </a:bodyPr>
+          <a:lstStyle/>
+          <a:p>
+            <a:pPr algn="ctr">
+              <a:defRPr sz="2400" b="1">
+                <a:solidFill>
+                  <a:srgbClr val="FFFFFF"/>
+                </a:solidFill>
+              </a:defRPr>
+            </a:pPr>
+            <a:r>
+              <a:t>Target Validation</a:t>
+            </a:r>
+          </a:p>
+        </p:txBody>
+      </p:sp>
+      <p:sp>
+        <p:nvSpPr>
+          <p:cNvPr id="20" name="Rectangle 19"/>
+          <p:cNvSpPr/>
+          <p:nvPr/>
+        </p:nvSpPr>
+        <p:spPr>
+          <a:xfrm>
+            <a:off x="9692640" y="2606040"/>
+            <a:ext cx="1828800" cy="27432"/>
+          </a:xfrm>
+          <a:prstGeom prst="rect">
+            <a:avLst/>
+          </a:prstGeom>
+          <a:solidFill>
+            <a:srgbClr val="FFFFFF"/>
+          </a:solidFill>
+          <a:ln>
+            <a:noFill/>
+          </a:ln>
+        </p:spPr>
+        <p:style>
+          <a:lnRef idx="1">
+            <a:schemeClr val="accent1"/>
+          </a:lnRef>
+          <a:fillRef idx="3">
+            <a:schemeClr val="accent1"/>
+          </a:fillRef>
+          <a:effectRef idx="2">
+            <a:schemeClr val="accent1"/>
+          </a:effectRef>
+          <a:fontRef idx="minor">
+            <a:schemeClr val="lt1"/>
+          </a:fontRef>
+        </p:style>
+        <p:txBody>
+          <a:bodyPr rtlCol="0" anchor="ctr"/>
+          <a:lstStyle/>
+          <a:p>
+            <a:pPr algn="ctr"/>
+          </a:p>
+        </p:txBody>
+      </p:sp>
+      <p:sp>
+        <p:nvSpPr>
+          <p:cNvPr id="21" name="TextBox 20"/>
+          <p:cNvSpPr txBox="1"/>
+          <p:nvPr/>
+        </p:nvSpPr>
+        <p:spPr>
+          <a:xfrm>
+            <a:off x="9418320" y="2834640"/>
+            <a:ext cx="2377440" cy="2286000"/>
+          </a:xfrm>
+          <a:prstGeom prst="rect">
+            <a:avLst/>
+          </a:prstGeom>
+          <a:noFill/>
+        </p:spPr>
+        <p:txBody>
+          <a:bodyPr wrap="square">
+            <a:spAutoFit/>
+          </a:bodyPr>
+          <a:lstStyle/>
+          <a:p>
+            <a:pPr algn="ctr">
+              <a:defRPr sz="1600">
+                <a:solidFill>
+                  <a:srgbClr val="FFFFFF"/>
+                </a:solidFill>
+              </a:defRPr>
+            </a:pPr>
+            <a:r>
+              <a:t>Compare candidates</a:t>
+            </a:r>
+            <a:br/>
+            <a:r>
+              <a:t>using network vulnerability</a:t>
+            </a:r>
+            <a:br/>
+            <a:r>
+              <a:t>and druggability scores</a:t>
             </a:r>
           </a:p>
         </p:txBody>

--- a/GREmLN_MCP_Server_Presentation.pptx
+++ b/GREmLN_MCP_Server_Presentation.pptx
@@ -8162,7 +8162,7 @@
         <p:spPr>
           <a:xfrm>
             <a:off x="0" y="0"/>
-            <a:ext cx="12191695" cy="1280160"/>
+            <a:ext cx="12191695" cy="1097280"/>
           </a:xfrm>
           <a:prstGeom prst="rect">
             <a:avLst/>
@@ -8204,8 +8204,8 @@
         </p:nvSpPr>
         <p:spPr>
           <a:xfrm>
-            <a:off x="548640" y="365760"/>
-            <a:ext cx="11094415" cy="822960"/>
+            <a:off x="548640" y="320040"/>
+            <a:ext cx="11094415" cy="731520"/>
           </a:xfrm>
           <a:prstGeom prst="rect">
             <a:avLst/>
@@ -8219,14 +8219,14 @@
           <a:lstStyle/>
           <a:p>
             <a:pPr>
-              <a:defRPr sz="3600" b="1">
+              <a:defRPr sz="3200" b="1">
                 <a:solidFill>
                   <a:srgbClr val="FFFFFF"/>
                 </a:solidFill>
               </a:defRPr>
             </a:pPr>
             <a:r>
-              <a:t>Perturbation Analysis Algorithm</a:t>
+              <a:t>Perturbation Analysis: Cascading Fallback</a:t>
             </a:r>
           </a:p>
         </p:txBody>
@@ -8239,8 +8239,8 @@
         </p:nvSpPr>
         <p:spPr>
           <a:xfrm>
-            <a:off x="457200" y="1463040"/>
-            <a:ext cx="731520" cy="731520"/>
+            <a:off x="365760" y="1234440"/>
+            <a:ext cx="457200" cy="457200"/>
           </a:xfrm>
           <a:prstGeom prst="roundRect">
             <a:avLst>
@@ -8273,7 +8273,7 @@
           <a:lstStyle/>
           <a:p>
             <a:pPr algn="ctr">
-              <a:defRPr sz="2800" b="1">
+              <a:defRPr sz="1800" b="1">
                 <a:solidFill>
                   <a:srgbClr val="FFFFFF"/>
                 </a:solidFill>
@@ -8287,95 +8287,25 @@
       </p:sp>
       <p:sp>
         <p:nvSpPr>
-          <p:cNvPr id="7" name="TextBox 6"/>
-          <p:cNvSpPr txBox="1"/>
-          <p:nvPr/>
-        </p:nvSpPr>
-        <p:spPr>
-          <a:xfrm>
-            <a:off x="1371600" y="1463040"/>
-            <a:ext cx="3657600" cy="457200"/>
-          </a:xfrm>
-          <a:prstGeom prst="rect">
-            <a:avLst/>
-          </a:prstGeom>
-          <a:noFill/>
-        </p:spPr>
-        <p:txBody>
-          <a:bodyPr wrap="none">
-            <a:spAutoFit/>
-          </a:bodyPr>
-          <a:lstStyle/>
-          <a:p>
-            <a:pPr>
-              <a:defRPr sz="2200" b="1">
-                <a:solidFill>
-                  <a:srgbClr val="009B9E"/>
-                </a:solidFill>
-              </a:defRPr>
-            </a:pPr>
-            <a:r>
-              <a:t>Network Propagation</a:t>
-            </a:r>
-          </a:p>
-        </p:txBody>
-      </p:sp>
-      <p:sp>
-        <p:nvSpPr>
-          <p:cNvPr id="8" name="TextBox 7"/>
-          <p:cNvSpPr txBox="1"/>
-          <p:nvPr/>
-        </p:nvSpPr>
-        <p:spPr>
-          <a:xfrm>
-            <a:off x="1371600" y="1920240"/>
-            <a:ext cx="4572000" cy="914400"/>
-          </a:xfrm>
-          <a:prstGeom prst="rect">
-            <a:avLst/>
-          </a:prstGeom>
-          <a:noFill/>
-        </p:spPr>
-        <p:txBody>
-          <a:bodyPr wrap="square">
-            <a:spAutoFit/>
-          </a:bodyPr>
-          <a:lstStyle/>
-          <a:p>
-            <a:pPr>
-              <a:defRPr sz="1600">
-                <a:solidFill>
-                  <a:srgbClr val="2D3A4A"/>
-                </a:solidFill>
-              </a:defRPr>
-            </a:pPr>
-            <a:r>
-              <a:t>Walk through regulatory network using BFS. Edge weights (mutual information) determine effect strength as signal propagates.</a:t>
-            </a:r>
-          </a:p>
-        </p:txBody>
-      </p:sp>
-      <p:sp>
-        <p:nvSpPr>
-          <p:cNvPr id="9" name="Rounded Rectangle 8"/>
+          <p:cNvPr id="7" name="Rounded Rectangle 6"/>
           <p:cNvSpPr/>
           <p:nvPr/>
         </p:nvSpPr>
         <p:spPr>
           <a:xfrm>
-            <a:off x="5943600" y="1417320"/>
-            <a:ext cx="1005840" cy="457200"/>
+            <a:off x="914400" y="1234440"/>
+            <a:ext cx="4754880" cy="1371600"/>
           </a:xfrm>
           <a:prstGeom prst="roundRect">
-            <a:avLst>
-              <a:gd name="adj" fmla="val 15000"/>
-            </a:avLst>
-          </a:prstGeom>
-          <a:solidFill>
-            <a:srgbClr val="E86C2C"/>
-          </a:solidFill>
-          <a:ln>
-            <a:noFill/>
+            <a:avLst/>
+          </a:prstGeom>
+          <a:solidFill>
+            <a:srgbClr val="F0F8FF"/>
+          </a:solidFill>
+          <a:ln w="25400">
+            <a:solidFill>
+              <a:srgbClr val="009B9E"/>
+            </a:solidFill>
           </a:ln>
         </p:spPr>
         <p:style>
@@ -8393,32 +8323,23 @@
           </a:fontRef>
         </p:style>
         <p:txBody>
-          <a:bodyPr rtlCol="0" anchor="ctr" wrap="square"/>
-          <a:lstStyle/>
-          <a:p>
-            <a:pPr algn="ctr">
-              <a:defRPr sz="1200" b="1">
-                <a:solidFill>
-                  <a:srgbClr val="FFFFFF"/>
-                </a:solidFill>
-              </a:defRPr>
-            </a:pPr>
-            <a:r>
-              <a:t>MYC</a:t>
-            </a:r>
-          </a:p>
-        </p:txBody>
-      </p:sp>
-      <p:sp>
-        <p:nvSpPr>
-          <p:cNvPr id="10" name="TextBox 9"/>
+          <a:bodyPr rtlCol="0" anchor="ctr"/>
+          <a:lstStyle/>
+          <a:p>
+            <a:pPr algn="ctr"/>
+          </a:p>
+        </p:txBody>
+      </p:sp>
+      <p:sp>
+        <p:nvSpPr>
+          <p:cNvPr id="8" name="TextBox 7"/>
           <p:cNvSpPr txBox="1"/>
           <p:nvPr/>
         </p:nvSpPr>
         <p:spPr>
           <a:xfrm>
-            <a:off x="5943600" y="1874519"/>
-            <a:ext cx="1005840" cy="274320"/>
+            <a:off x="1051560" y="1307592"/>
+            <a:ext cx="4480560" cy="1280160"/>
           </a:xfrm>
           <a:prstGeom prst="rect">
             <a:avLst/>
@@ -8426,40 +8347,78 @@
           <a:noFill/>
         </p:spPr>
         <p:txBody>
-          <a:bodyPr wrap="none">
+          <a:bodyPr wrap="square">
             <a:spAutoFit/>
           </a:bodyPr>
           <a:lstStyle/>
           <a:p>
-            <a:pPr algn="ctr">
-              <a:defRPr sz="1000" b="1">
+            <a:pPr>
+              <a:defRPr sz="1400" b="1">
+                <a:solidFill>
+                  <a:srgbClr val="009B9E"/>
+                </a:solidFill>
+              </a:defRPr>
+            </a:pPr>
+            <a:r>
+              <a:t>Check GRN Edges</a:t>
+            </a:r>
+          </a:p>
+          <a:p>
+            <a:pPr>
+              <a:defRPr sz="1100">
+                <a:solidFill>
+                  <a:srgbClr val="2D3A4A"/>
+                </a:solidFill>
+              </a:defRPr>
+            </a:pPr>
+            <a:r>
+              <a:t>Has outgoing regulatory edges?</a:t>
+            </a:r>
+          </a:p>
+          <a:p>
+            <a:pPr>
+              <a:defRPr sz="1000">
+                <a:solidFill>
+                  <a:srgbClr val="2EA06A"/>
+                </a:solidFill>
+              </a:defRPr>
+            </a:pPr>
+            <a:r>
+              <a:t>YES → Run BFS network propagation → END</a:t>
+            </a:r>
+          </a:p>
+          <a:p>
+            <a:pPr>
+              <a:defRPr sz="1000">
                 <a:solidFill>
                   <a:srgbClr val="E86C2C"/>
                 </a:solidFill>
               </a:defRPr>
             </a:pPr>
             <a:r>
-              <a:t>effect=1.0</a:t>
-            </a:r>
-          </a:p>
-        </p:txBody>
-      </p:sp>
-      <p:sp>
-        <p:nvSpPr>
-          <p:cNvPr id="11" name="Right Arrow 10"/>
+              <a:t>NO → network_effect = 0, continue...</a:t>
+            </a:r>
+          </a:p>
+        </p:txBody>
+      </p:sp>
+      <p:sp>
+        <p:nvSpPr>
+          <p:cNvPr id="9" name="Rounded Rectangle 8"/>
           <p:cNvSpPr/>
           <p:nvPr/>
         </p:nvSpPr>
         <p:spPr>
           <a:xfrm>
-            <a:off x="7040880" y="1600200"/>
-            <a:ext cx="457200" cy="274320"/>
-          </a:xfrm>
-          <a:prstGeom prst="rightArrow">
-            <a:avLst/>
-          </a:prstGeom>
-          <a:solidFill>
-            <a:srgbClr val="647487"/>
+            <a:off x="365760" y="2743200"/>
+            <a:ext cx="457200" cy="457200"/>
+          </a:xfrm>
+          <a:prstGeom prst="roundRect">
+            <a:avLst>
+              <a:gd name="adj" fmla="val 15000"/>
+            </a:avLst>
+          </a:prstGeom>
+          <a:solidFill>
+            <a:srgbClr val="1A568C"/>
           </a:solidFill>
           <a:ln>
             <a:noFill/>
@@ -8480,69 +8439,43 @@
           </a:fontRef>
         </p:style>
         <p:txBody>
-          <a:bodyPr rtlCol="0" anchor="ctr"/>
-          <a:lstStyle/>
-          <a:p>
-            <a:pPr algn="ctr"/>
-          </a:p>
-        </p:txBody>
-      </p:sp>
-      <p:sp>
-        <p:nvSpPr>
-          <p:cNvPr id="12" name="TextBox 11"/>
-          <p:cNvSpPr txBox="1"/>
-          <p:nvPr/>
-        </p:nvSpPr>
-        <p:spPr>
-          <a:xfrm>
-            <a:off x="6949440" y="1325880"/>
-            <a:ext cx="640080" cy="274320"/>
-          </a:xfrm>
-          <a:prstGeom prst="rect">
-            <a:avLst/>
-          </a:prstGeom>
-          <a:noFill/>
-        </p:spPr>
-        <p:txBody>
-          <a:bodyPr wrap="none">
-            <a:spAutoFit/>
-          </a:bodyPr>
+          <a:bodyPr rtlCol="0" anchor="ctr" wrap="square"/>
           <a:lstStyle/>
           <a:p>
             <a:pPr algn="ctr">
-              <a:defRPr sz="900">
-                <a:solidFill>
-                  <a:srgbClr val="647487"/>
-                </a:solidFill>
-              </a:defRPr>
-            </a:pPr>
-            <a:r>
-              <a:t>MI=0.8</a:t>
-            </a:r>
-          </a:p>
-        </p:txBody>
-      </p:sp>
-      <p:sp>
-        <p:nvSpPr>
-          <p:cNvPr id="13" name="Rounded Rectangle 12"/>
+              <a:defRPr sz="1800" b="1">
+                <a:solidFill>
+                  <a:srgbClr val="FFFFFF"/>
+                </a:solidFill>
+              </a:defRPr>
+            </a:pPr>
+            <a:r>
+              <a:t>2</a:t>
+            </a:r>
+          </a:p>
+        </p:txBody>
+      </p:sp>
+      <p:sp>
+        <p:nvSpPr>
+          <p:cNvPr id="10" name="Rounded Rectangle 9"/>
           <p:cNvSpPr/>
           <p:nvPr/>
         </p:nvSpPr>
         <p:spPr>
           <a:xfrm>
-            <a:off x="7589520" y="1417320"/>
-            <a:ext cx="1005840" cy="457200"/>
+            <a:off x="914400" y="2743200"/>
+            <a:ext cx="4754880" cy="1371600"/>
           </a:xfrm>
           <a:prstGeom prst="roundRect">
-            <a:avLst>
-              <a:gd name="adj" fmla="val 15000"/>
-            </a:avLst>
-          </a:prstGeom>
-          <a:solidFill>
-            <a:srgbClr val="1A568C"/>
-          </a:solidFill>
-          <a:ln>
-            <a:noFill/>
+            <a:avLst/>
+          </a:prstGeom>
+          <a:solidFill>
+            <a:srgbClr val="F0F8FF"/>
+          </a:solidFill>
+          <a:ln w="25400">
+            <a:solidFill>
+              <a:srgbClr val="1A568C"/>
+            </a:solidFill>
           </a:ln>
         </p:spPr>
         <p:style>
@@ -8560,32 +8493,23 @@
           </a:fontRef>
         </p:style>
         <p:txBody>
-          <a:bodyPr rtlCol="0" anchor="ctr" wrap="square"/>
-          <a:lstStyle/>
-          <a:p>
-            <a:pPr algn="ctr">
-              <a:defRPr sz="1200" b="1">
-                <a:solidFill>
-                  <a:srgbClr val="FFFFFF"/>
-                </a:solidFill>
-              </a:defRPr>
-            </a:pPr>
-            <a:r>
-              <a:t>Gene B</a:t>
-            </a:r>
-          </a:p>
-        </p:txBody>
-      </p:sp>
-      <p:sp>
-        <p:nvSpPr>
-          <p:cNvPr id="14" name="TextBox 13"/>
+          <a:bodyPr rtlCol="0" anchor="ctr"/>
+          <a:lstStyle/>
+          <a:p>
+            <a:pPr algn="ctr"/>
+          </a:p>
+        </p:txBody>
+      </p:sp>
+      <p:sp>
+        <p:nvSpPr>
+          <p:cNvPr id="11" name="TextBox 10"/>
           <p:cNvSpPr txBox="1"/>
           <p:nvPr/>
         </p:nvSpPr>
         <p:spPr>
           <a:xfrm>
-            <a:off x="7589520" y="1874519"/>
-            <a:ext cx="1005840" cy="274320"/>
+            <a:off x="1051560" y="2816352"/>
+            <a:ext cx="4480560" cy="1280160"/>
           </a:xfrm>
           <a:prstGeom prst="rect">
             <a:avLst/>
@@ -8593,40 +8517,78 @@
           <a:noFill/>
         </p:spPr>
         <p:txBody>
-          <a:bodyPr wrap="none">
+          <a:bodyPr wrap="square">
             <a:spAutoFit/>
           </a:bodyPr>
           <a:lstStyle/>
           <a:p>
-            <a:pPr algn="ctr">
-              <a:defRPr sz="1000" b="1">
+            <a:pPr>
+              <a:defRPr sz="1400" b="1">
                 <a:solidFill>
                   <a:srgbClr val="1A568C"/>
                 </a:solidFill>
               </a:defRPr>
             </a:pPr>
             <a:r>
-              <a:t>effect=0.80</a:t>
-            </a:r>
-          </a:p>
-        </p:txBody>
-      </p:sp>
-      <p:sp>
-        <p:nvSpPr>
-          <p:cNvPr id="15" name="Right Arrow 14"/>
+              <a:t>STRING Protein Interaction</a:t>
+            </a:r>
+          </a:p>
+          <a:p>
+            <a:pPr>
+              <a:defRPr sz="1100">
+                <a:solidFill>
+                  <a:srgbClr val="2D3A4A"/>
+                </a:solidFill>
+              </a:defRPr>
+            </a:pPr>
+            <a:r>
+              <a:t>Protein partner with GRN edges?</a:t>
+            </a:r>
+          </a:p>
+          <a:p>
+            <a:pPr>
+              <a:defRPr sz="1000">
+                <a:solidFill>
+                  <a:srgbClr val="2EA06A"/>
+                </a:solidFill>
+              </a:defRPr>
+            </a:pPr>
+            <a:r>
+              <a:t>YES → Route to partner → BFS → END</a:t>
+            </a:r>
+          </a:p>
+          <a:p>
+            <a:pPr>
+              <a:defRPr sz="1000">
+                <a:solidFill>
+                  <a:srgbClr val="E86C2C"/>
+                </a:solidFill>
+              </a:defRPr>
+            </a:pPr>
+            <a:r>
+              <a:t>NO → continue to next fallback...</a:t>
+            </a:r>
+          </a:p>
+        </p:txBody>
+      </p:sp>
+      <p:sp>
+        <p:nvSpPr>
+          <p:cNvPr id="12" name="Rounded Rectangle 11"/>
           <p:cNvSpPr/>
           <p:nvPr/>
         </p:nvSpPr>
         <p:spPr>
           <a:xfrm>
-            <a:off x="8686800" y="1600200"/>
-            <a:ext cx="457200" cy="274320"/>
-          </a:xfrm>
-          <a:prstGeom prst="rightArrow">
-            <a:avLst/>
-          </a:prstGeom>
-          <a:solidFill>
-            <a:srgbClr val="647487"/>
+            <a:off x="365760" y="4251960"/>
+            <a:ext cx="457200" cy="457200"/>
+          </a:xfrm>
+          <a:prstGeom prst="roundRect">
+            <a:avLst>
+              <a:gd name="adj" fmla="val 15000"/>
+            </a:avLst>
+          </a:prstGeom>
+          <a:solidFill>
+            <a:srgbClr val="9B59B6"/>
           </a:solidFill>
           <a:ln>
             <a:noFill/>
@@ -8647,69 +8609,43 @@
           </a:fontRef>
         </p:style>
         <p:txBody>
-          <a:bodyPr rtlCol="0" anchor="ctr"/>
-          <a:lstStyle/>
-          <a:p>
-            <a:pPr algn="ctr"/>
-          </a:p>
-        </p:txBody>
-      </p:sp>
-      <p:sp>
-        <p:nvSpPr>
-          <p:cNvPr id="16" name="TextBox 15"/>
-          <p:cNvSpPr txBox="1"/>
-          <p:nvPr/>
-        </p:nvSpPr>
-        <p:spPr>
-          <a:xfrm>
-            <a:off x="8595360" y="1325880"/>
-            <a:ext cx="640080" cy="274320"/>
-          </a:xfrm>
-          <a:prstGeom prst="rect">
-            <a:avLst/>
-          </a:prstGeom>
-          <a:noFill/>
-        </p:spPr>
-        <p:txBody>
-          <a:bodyPr wrap="none">
-            <a:spAutoFit/>
-          </a:bodyPr>
+          <a:bodyPr rtlCol="0" anchor="ctr" wrap="square"/>
           <a:lstStyle/>
           <a:p>
             <a:pPr algn="ctr">
-              <a:defRPr sz="900">
-                <a:solidFill>
-                  <a:srgbClr val="647487"/>
-                </a:solidFill>
-              </a:defRPr>
-            </a:pPr>
-            <a:r>
-              <a:t>MI=0.5</a:t>
-            </a:r>
-          </a:p>
-        </p:txBody>
-      </p:sp>
-      <p:sp>
-        <p:nvSpPr>
-          <p:cNvPr id="17" name="Rounded Rectangle 16"/>
+              <a:defRPr sz="1800" b="1">
+                <a:solidFill>
+                  <a:srgbClr val="FFFFFF"/>
+                </a:solidFill>
+              </a:defRPr>
+            </a:pPr>
+            <a:r>
+              <a:t>3</a:t>
+            </a:r>
+          </a:p>
+        </p:txBody>
+      </p:sp>
+      <p:sp>
+        <p:nvSpPr>
+          <p:cNvPr id="13" name="Rounded Rectangle 12"/>
           <p:cNvSpPr/>
           <p:nvPr/>
         </p:nvSpPr>
         <p:spPr>
           <a:xfrm>
-            <a:off x="9235440" y="1417320"/>
-            <a:ext cx="1005840" cy="457200"/>
+            <a:off x="914400" y="4251960"/>
+            <a:ext cx="4754880" cy="1371600"/>
           </a:xfrm>
           <a:prstGeom prst="roundRect">
-            <a:avLst>
-              <a:gd name="adj" fmla="val 15000"/>
-            </a:avLst>
-          </a:prstGeom>
-          <a:solidFill>
-            <a:srgbClr val="3A8DC1"/>
-          </a:solidFill>
-          <a:ln>
-            <a:noFill/>
+            <a:avLst/>
+          </a:prstGeom>
+          <a:solidFill>
+            <a:srgbClr val="F5F0FA"/>
+          </a:solidFill>
+          <a:ln w="25400">
+            <a:solidFill>
+              <a:srgbClr val="9B59B6"/>
+            </a:solidFill>
           </a:ln>
         </p:spPr>
         <p:style>
@@ -8727,32 +8663,23 @@
           </a:fontRef>
         </p:style>
         <p:txBody>
-          <a:bodyPr rtlCol="0" anchor="ctr" wrap="square"/>
-          <a:lstStyle/>
-          <a:p>
-            <a:pPr algn="ctr">
-              <a:defRPr sz="1200" b="1">
-                <a:solidFill>
-                  <a:srgbClr val="FFFFFF"/>
-                </a:solidFill>
-              </a:defRPr>
-            </a:pPr>
-            <a:r>
-              <a:t>Gene C</a:t>
-            </a:r>
-          </a:p>
-        </p:txBody>
-      </p:sp>
-      <p:sp>
-        <p:nvSpPr>
-          <p:cNvPr id="18" name="TextBox 17"/>
+          <a:bodyPr rtlCol="0" anchor="ctr"/>
+          <a:lstStyle/>
+          <a:p>
+            <a:pPr algn="ctr"/>
+          </a:p>
+        </p:txBody>
+      </p:sp>
+      <p:sp>
+        <p:nvSpPr>
+          <p:cNvPr id="14" name="TextBox 13"/>
           <p:cNvSpPr txBox="1"/>
           <p:nvPr/>
         </p:nvSpPr>
         <p:spPr>
           <a:xfrm>
-            <a:off x="9235440" y="1874519"/>
-            <a:ext cx="1005840" cy="274320"/>
+            <a:off x="1051560" y="4325112"/>
+            <a:ext cx="4480560" cy="1280160"/>
           </a:xfrm>
           <a:prstGeom prst="rect">
             <a:avLst/>
@@ -8760,34 +8687,70 @@
           <a:noFill/>
         </p:spPr>
         <p:txBody>
-          <a:bodyPr wrap="none">
+          <a:bodyPr wrap="square">
             <a:spAutoFit/>
           </a:bodyPr>
           <a:lstStyle/>
           <a:p>
-            <a:pPr algn="ctr">
-              <a:defRPr sz="1000" b="1">
-                <a:solidFill>
-                  <a:srgbClr val="3A8DC1"/>
-                </a:solidFill>
-              </a:defRPr>
-            </a:pPr>
-            <a:r>
-              <a:t>effect=0.40</a:t>
-            </a:r>
-          </a:p>
-        </p:txBody>
-      </p:sp>
-      <p:sp>
-        <p:nvSpPr>
-          <p:cNvPr id="19" name="Rounded Rectangle 18"/>
+            <a:pPr>
+              <a:defRPr sz="1400" b="1">
+                <a:solidFill>
+                  <a:srgbClr val="9B59B6"/>
+                </a:solidFill>
+              </a:defRPr>
+            </a:pPr>
+            <a:r>
+              <a:t>Embedding Similarity</a:t>
+            </a:r>
+          </a:p>
+          <a:p>
+            <a:pPr>
+              <a:defRPr sz="1100">
+                <a:solidFill>
+                  <a:srgbClr val="2D3A4A"/>
+                </a:solidFill>
+              </a:defRPr>
+            </a:pPr>
+            <a:r>
+              <a:t>Nearest neighbor with GRN edges?</a:t>
+            </a:r>
+          </a:p>
+          <a:p>
+            <a:pPr>
+              <a:defRPr sz="1000">
+                <a:solidFill>
+                  <a:srgbClr val="2EA06A"/>
+                </a:solidFill>
+              </a:defRPr>
+            </a:pPr>
+            <a:r>
+              <a:t>YES → Route to neighbor → BFS → END</a:t>
+            </a:r>
+          </a:p>
+          <a:p>
+            <a:pPr>
+              <a:defRPr sz="1000">
+                <a:solidFill>
+                  <a:srgbClr val="E86C2C"/>
+                </a:solidFill>
+              </a:defRPr>
+            </a:pPr>
+            <a:r>
+              <a:t>NO → continue to next fallback...</a:t>
+            </a:r>
+          </a:p>
+        </p:txBody>
+      </p:sp>
+      <p:sp>
+        <p:nvSpPr>
+          <p:cNvPr id="15" name="Rounded Rectangle 14"/>
           <p:cNvSpPr/>
           <p:nvPr/>
         </p:nvSpPr>
         <p:spPr>
           <a:xfrm>
-            <a:off x="7589520" y="2286000"/>
-            <a:ext cx="1005840" cy="457200"/>
+            <a:off x="6309360" y="1234440"/>
+            <a:ext cx="457200" cy="457200"/>
           </a:xfrm>
           <a:prstGeom prst="roundRect">
             <a:avLst>
@@ -8795,7 +8758,7 @@
             </a:avLst>
           </a:prstGeom>
           <a:solidFill>
-            <a:srgbClr val="AACCEE"/>
+            <a:srgbClr val="E67E22"/>
           </a:solidFill>
           <a:ln>
             <a:noFill/>
@@ -8820,107 +8783,39 @@
           <a:lstStyle/>
           <a:p>
             <a:pPr algn="ctr">
-              <a:defRPr sz="1200" b="1">
+              <a:defRPr sz="1800" b="1">
                 <a:solidFill>
                   <a:srgbClr val="FFFFFF"/>
                 </a:solidFill>
               </a:defRPr>
             </a:pPr>
             <a:r>
-              <a:t>Gene D</a:t>
-            </a:r>
-          </a:p>
-        </p:txBody>
-      </p:sp>
-      <p:sp>
-        <p:nvSpPr>
-          <p:cNvPr id="20" name="TextBox 19"/>
-          <p:cNvSpPr txBox="1"/>
-          <p:nvPr/>
-        </p:nvSpPr>
-        <p:spPr>
-          <a:xfrm>
-            <a:off x="7589520" y="2743200"/>
-            <a:ext cx="1005840" cy="274320"/>
-          </a:xfrm>
-          <a:prstGeom prst="rect">
-            <a:avLst/>
-          </a:prstGeom>
-          <a:noFill/>
-        </p:spPr>
-        <p:txBody>
-          <a:bodyPr wrap="none">
-            <a:spAutoFit/>
-          </a:bodyPr>
-          <a:lstStyle/>
-          <a:p>
-            <a:pPr algn="ctr">
-              <a:defRPr sz="1000" b="1">
-                <a:solidFill>
-                  <a:srgbClr val="88AACC"/>
-                </a:solidFill>
-              </a:defRPr>
-            </a:pPr>
-            <a:r>
-              <a:t>effect=0.20</a:t>
-            </a:r>
-          </a:p>
-        </p:txBody>
-      </p:sp>
-      <p:sp>
-        <p:nvSpPr>
-          <p:cNvPr id="21" name="TextBox 20"/>
-          <p:cNvSpPr txBox="1"/>
-          <p:nvPr/>
-        </p:nvSpPr>
-        <p:spPr>
-          <a:xfrm>
-            <a:off x="6675120" y="2148840"/>
-            <a:ext cx="640080" cy="274320"/>
-          </a:xfrm>
-          <a:prstGeom prst="rect">
-            <a:avLst/>
-          </a:prstGeom>
-          <a:noFill/>
-        </p:spPr>
-        <p:txBody>
-          <a:bodyPr wrap="none">
-            <a:spAutoFit/>
-          </a:bodyPr>
-          <a:lstStyle/>
-          <a:p>
-            <a:pPr algn="ctr">
-              <a:defRPr sz="900">
-                <a:solidFill>
-                  <a:srgbClr val="647487"/>
-                </a:solidFill>
-              </a:defRPr>
-            </a:pPr>
-            <a:r>
-              <a:t>MI=0.2</a:t>
-            </a:r>
-          </a:p>
-        </p:txBody>
-      </p:sp>
-      <p:sp>
-        <p:nvSpPr>
-          <p:cNvPr id="22" name="Rounded Rectangle 21"/>
+              <a:t>4</a:t>
+            </a:r>
+          </a:p>
+        </p:txBody>
+      </p:sp>
+      <p:sp>
+        <p:nvSpPr>
+          <p:cNvPr id="16" name="Rounded Rectangle 15"/>
           <p:cNvSpPr/>
           <p:nvPr/>
         </p:nvSpPr>
         <p:spPr>
           <a:xfrm>
-            <a:off x="10332720" y="1371600"/>
-            <a:ext cx="1645920" cy="1005840"/>
+            <a:off x="6858000" y="1234440"/>
+            <a:ext cx="4754880" cy="1371600"/>
           </a:xfrm>
           <a:prstGeom prst="roundRect">
             <a:avLst/>
           </a:prstGeom>
           <a:solidFill>
-            <a:srgbClr val="F5F7FA"/>
-          </a:solidFill>
-          <a:ln>
-            <a:noFill/>
+            <a:srgbClr val="FFF5EB"/>
+          </a:solidFill>
+          <a:ln w="25400">
+            <a:solidFill>
+              <a:srgbClr val="E67E22"/>
+            </a:solidFill>
           </a:ln>
         </p:spPr>
         <p:style>
@@ -8947,14 +8842,14 @@
       </p:sp>
       <p:sp>
         <p:nvSpPr>
-          <p:cNvPr id="23" name="TextBox 22"/>
+          <p:cNvPr id="17" name="TextBox 16"/>
           <p:cNvSpPr txBox="1"/>
           <p:nvPr/>
         </p:nvSpPr>
         <p:spPr>
           <a:xfrm>
-            <a:off x="10378440" y="1417320"/>
-            <a:ext cx="1554480" cy="914400"/>
+            <a:off x="6995160" y="1307592"/>
+            <a:ext cx="4480560" cy="1280160"/>
           </a:xfrm>
           <a:prstGeom prst="rect">
             <a:avLst/>
@@ -8968,52 +8863,64 @@
           <a:lstStyle/>
           <a:p>
             <a:pPr>
-              <a:defRPr sz="900">
+              <a:defRPr sz="1400" b="1">
+                <a:solidFill>
+                  <a:srgbClr val="E67E22"/>
+                </a:solidFill>
+              </a:defRPr>
+            </a:pPr>
+            <a:r>
+              <a:t>LINCS Perturbation Signatures</a:t>
+            </a:r>
+          </a:p>
+          <a:p>
+            <a:pPr>
+              <a:defRPr sz="1100">
                 <a:solidFill>
                   <a:srgbClr val="2D3A4A"/>
                 </a:solidFill>
               </a:defRPr>
             </a:pPr>
             <a:r>
-              <a:t>1.0 × 0.8 = 0.80</a:t>
+              <a:t>Gene/neighbor has LINCS signature?</a:t>
             </a:r>
           </a:p>
           <a:p>
             <a:pPr>
-              <a:defRPr sz="900">
-                <a:solidFill>
-                  <a:srgbClr val="2D3A4A"/>
-                </a:solidFill>
-              </a:defRPr>
-            </a:pPr>
-            <a:r>
-              <a:t>0.8 × 0.5 = 0.40</a:t>
+              <a:defRPr sz="1000">
+                <a:solidFill>
+                  <a:srgbClr val="2EA06A"/>
+                </a:solidFill>
+              </a:defRPr>
+            </a:pPr>
+            <a:r>
+              <a:t>YES → Map downstream → BFS → END</a:t>
             </a:r>
           </a:p>
           <a:p>
             <a:pPr>
-              <a:defRPr sz="900">
-                <a:solidFill>
-                  <a:srgbClr val="2D3A4A"/>
-                </a:solidFill>
-              </a:defRPr>
-            </a:pPr>
-            <a:r>
-              <a:t>1.0 × 0.2 = 0.20</a:t>
-            </a:r>
-          </a:p>
-        </p:txBody>
-      </p:sp>
-      <p:sp>
-        <p:nvSpPr>
-          <p:cNvPr id="24" name="Rounded Rectangle 23"/>
+              <a:defRPr sz="1000">
+                <a:solidFill>
+                  <a:srgbClr val="E86C2C"/>
+                </a:solidFill>
+              </a:defRPr>
+            </a:pPr>
+            <a:r>
+              <a:t>NO → continue to next fallback...</a:t>
+            </a:r>
+          </a:p>
+        </p:txBody>
+      </p:sp>
+      <p:sp>
+        <p:nvSpPr>
+          <p:cNvPr id="18" name="Rounded Rectangle 17"/>
           <p:cNvSpPr/>
           <p:nvPr/>
         </p:nvSpPr>
         <p:spPr>
           <a:xfrm>
-            <a:off x="457200" y="3200400"/>
-            <a:ext cx="731520" cy="640080"/>
+            <a:off x="6309360" y="2743200"/>
+            <a:ext cx="457200" cy="457200"/>
           </a:xfrm>
           <a:prstGeom prst="roundRect">
             <a:avLst>
@@ -9021,7 +8928,7 @@
             </a:avLst>
           </a:prstGeom>
           <a:solidFill>
-            <a:srgbClr val="1A568C"/>
+            <a:srgbClr val="1ABC9C"/>
           </a:solidFill>
           <a:ln>
             <a:noFill/>
@@ -9046,107 +8953,39 @@
           <a:lstStyle/>
           <a:p>
             <a:pPr algn="ctr">
-              <a:defRPr sz="2400" b="1">
+              <a:defRPr sz="1800" b="1">
                 <a:solidFill>
                   <a:srgbClr val="FFFFFF"/>
                 </a:solidFill>
               </a:defRPr>
             </a:pPr>
             <a:r>
-              <a:t>2</a:t>
-            </a:r>
-          </a:p>
-        </p:txBody>
-      </p:sp>
-      <p:sp>
-        <p:nvSpPr>
-          <p:cNvPr id="25" name="TextBox 24"/>
-          <p:cNvSpPr txBox="1"/>
-          <p:nvPr/>
-        </p:nvSpPr>
-        <p:spPr>
-          <a:xfrm>
-            <a:off x="1371600" y="3200400"/>
-            <a:ext cx="3657600" cy="457200"/>
-          </a:xfrm>
-          <a:prstGeom prst="rect">
-            <a:avLst/>
-          </a:prstGeom>
-          <a:noFill/>
-        </p:spPr>
-        <p:txBody>
-          <a:bodyPr wrap="none">
-            <a:spAutoFit/>
-          </a:bodyPr>
-          <a:lstStyle/>
-          <a:p>
-            <a:pPr>
-              <a:defRPr sz="2000" b="1">
-                <a:solidFill>
-                  <a:srgbClr val="1A568C"/>
-                </a:solidFill>
-              </a:defRPr>
-            </a:pPr>
-            <a:r>
-              <a:t>Embedding Similarity</a:t>
-            </a:r>
-          </a:p>
-        </p:txBody>
-      </p:sp>
-      <p:sp>
-        <p:nvSpPr>
-          <p:cNvPr id="26" name="TextBox 25"/>
-          <p:cNvSpPr txBox="1"/>
-          <p:nvPr/>
-        </p:nvSpPr>
-        <p:spPr>
-          <a:xfrm>
-            <a:off x="1371600" y="3611880"/>
-            <a:ext cx="4572000" cy="731520"/>
-          </a:xfrm>
-          <a:prstGeom prst="rect">
-            <a:avLst/>
-          </a:prstGeom>
-          <a:noFill/>
-        </p:spPr>
-        <p:txBody>
-          <a:bodyPr wrap="square">
-            <a:spAutoFit/>
-          </a:bodyPr>
-          <a:lstStyle/>
-          <a:p>
-            <a:pPr>
-              <a:defRPr sz="1400">
-                <a:solidFill>
-                  <a:srgbClr val="2D3A4A"/>
-                </a:solidFill>
-              </a:defRPr>
-            </a:pPr>
-            <a:r>
-              <a:t>256-dim gene vectors trained on 11M cells. High cosine similarity = functionally related, even without network edge.</a:t>
-            </a:r>
-          </a:p>
-        </p:txBody>
-      </p:sp>
-      <p:sp>
-        <p:nvSpPr>
-          <p:cNvPr id="27" name="Rounded Rectangle 26"/>
+              <a:t>5</a:t>
+            </a:r>
+          </a:p>
+        </p:txBody>
+      </p:sp>
+      <p:sp>
+        <p:nvSpPr>
+          <p:cNvPr id="19" name="Rounded Rectangle 18"/>
           <p:cNvSpPr/>
           <p:nvPr/>
         </p:nvSpPr>
         <p:spPr>
           <a:xfrm>
-            <a:off x="6217920" y="3200400"/>
-            <a:ext cx="5486400" cy="914400"/>
+            <a:off x="6858000" y="2743200"/>
+            <a:ext cx="4754880" cy="1371600"/>
           </a:xfrm>
           <a:prstGeom prst="roundRect">
             <a:avLst/>
           </a:prstGeom>
           <a:solidFill>
-            <a:srgbClr val="F5F7FA"/>
-          </a:solidFill>
-          <a:ln>
-            <a:noFill/>
+            <a:srgbClr val="E8F8F5"/>
+          </a:solidFill>
+          <a:ln w="25400">
+            <a:solidFill>
+              <a:srgbClr val="1ABC9C"/>
+            </a:solidFill>
           </a:ln>
         </p:spPr>
         <p:style>
@@ -9173,14 +9012,14 @@
       </p:sp>
       <p:sp>
         <p:nvSpPr>
-          <p:cNvPr id="28" name="TextBox 27"/>
+          <p:cNvPr id="20" name="TextBox 19"/>
           <p:cNvSpPr txBox="1"/>
           <p:nvPr/>
         </p:nvSpPr>
         <p:spPr>
           <a:xfrm>
-            <a:off x="6309360" y="3291840"/>
-            <a:ext cx="5303520" cy="777240"/>
+            <a:off x="6995160" y="2816352"/>
+            <a:ext cx="4480560" cy="1280160"/>
           </a:xfrm>
           <a:prstGeom prst="rect">
             <a:avLst/>
@@ -9194,42 +9033,64 @@
           <a:lstStyle/>
           <a:p>
             <a:pPr>
-              <a:defRPr sz="1200">
+              <a:defRPr sz="1400" b="1">
+                <a:solidFill>
+                  <a:srgbClr val="1ABC9C"/>
+                </a:solidFill>
+              </a:defRPr>
+            </a:pPr>
+            <a:r>
+              <a:t>Super-Enhancer (Chromatin)</a:t>
+            </a:r>
+          </a:p>
+          <a:p>
+            <a:pPr>
+              <a:defRPr sz="1100">
                 <a:solidFill>
                   <a:srgbClr val="2D3A4A"/>
                 </a:solidFill>
-                <a:latin typeface="Consolas"/>
-              </a:defRPr>
-            </a:pPr>
-            <a:r>
-              <a:t>MYC   [0.23, -0.15, 0.87, ...]    similarity</a:t>
+              </a:defRPr>
+            </a:pPr>
+            <a:r>
+              <a:t>Gene associated with super-enhancer?</a:t>
             </a:r>
           </a:p>
           <a:p>
             <a:pPr>
-              <a:defRPr sz="1200">
-                <a:solidFill>
-                  <a:srgbClr val="2D3A4A"/>
-                </a:solidFill>
-                <a:latin typeface="Consolas"/>
-              </a:defRPr>
-            </a:pPr>
-            <a:r>
-              <a:t>BRCA1 [0.21, -0.18, 0.85, ...]  →  0.94</a:t>
-            </a:r>
-          </a:p>
-        </p:txBody>
-      </p:sp>
-      <p:sp>
-        <p:nvSpPr>
-          <p:cNvPr id="29" name="Rounded Rectangle 28"/>
+              <a:defRPr sz="1000">
+                <a:solidFill>
+                  <a:srgbClr val="2EA06A"/>
+                </a:solidFill>
+              </a:defRPr>
+            </a:pPr>
+            <a:r>
+              <a:t>YES → Route to SE-bound TFs → BFS → END</a:t>
+            </a:r>
+          </a:p>
+          <a:p>
+            <a:pPr>
+              <a:defRPr sz="1000">
+                <a:solidFill>
+                  <a:srgbClr val="E86C2C"/>
+                </a:solidFill>
+              </a:defRPr>
+            </a:pPr>
+            <a:r>
+              <a:t>NO → continue to final fallback...</a:t>
+            </a:r>
+          </a:p>
+        </p:txBody>
+      </p:sp>
+      <p:sp>
+        <p:nvSpPr>
+          <p:cNvPr id="21" name="Rounded Rectangle 20"/>
           <p:cNvSpPr/>
           <p:nvPr/>
         </p:nvSpPr>
         <p:spPr>
           <a:xfrm>
-            <a:off x="457200" y="4297680"/>
-            <a:ext cx="731520" cy="640080"/>
+            <a:off x="6309360" y="4251960"/>
+            <a:ext cx="457200" cy="457200"/>
           </a:xfrm>
           <a:prstGeom prst="roundRect">
             <a:avLst>
@@ -9237,7 +9098,7 @@
             </a:avLst>
           </a:prstGeom>
           <a:solidFill>
-            <a:srgbClr val="2EA06A"/>
+            <a:srgbClr val="95A5A6"/>
           </a:solidFill>
           <a:ln>
             <a:noFill/>
@@ -9262,107 +9123,39 @@
           <a:lstStyle/>
           <a:p>
             <a:pPr algn="ctr">
-              <a:defRPr sz="2400" b="1">
+              <a:defRPr sz="1800" b="1">
                 <a:solidFill>
                   <a:srgbClr val="FFFFFF"/>
                 </a:solidFill>
               </a:defRPr>
             </a:pPr>
             <a:r>
-              <a:t>3</a:t>
-            </a:r>
-          </a:p>
-        </p:txBody>
-      </p:sp>
-      <p:sp>
-        <p:nvSpPr>
-          <p:cNvPr id="30" name="TextBox 29"/>
-          <p:cNvSpPr txBox="1"/>
-          <p:nvPr/>
-        </p:nvSpPr>
-        <p:spPr>
-          <a:xfrm>
-            <a:off x="1371600" y="4297680"/>
-            <a:ext cx="3657600" cy="457200"/>
-          </a:xfrm>
-          <a:prstGeom prst="rect">
-            <a:avLst/>
-          </a:prstGeom>
-          <a:noFill/>
-        </p:spPr>
-        <p:txBody>
-          <a:bodyPr wrap="none">
-            <a:spAutoFit/>
-          </a:bodyPr>
-          <a:lstStyle/>
-          <a:p>
-            <a:pPr>
-              <a:defRPr sz="2000" b="1">
-                <a:solidFill>
-                  <a:srgbClr val="2EA06A"/>
-                </a:solidFill>
-              </a:defRPr>
-            </a:pPr>
-            <a:r>
-              <a:t>Combined Scoring</a:t>
-            </a:r>
-          </a:p>
-        </p:txBody>
-      </p:sp>
-      <p:sp>
-        <p:nvSpPr>
-          <p:cNvPr id="31" name="TextBox 30"/>
-          <p:cNvSpPr txBox="1"/>
-          <p:nvPr/>
-        </p:nvSpPr>
-        <p:spPr>
-          <a:xfrm>
-            <a:off x="1371600" y="4709160"/>
-            <a:ext cx="4572000" cy="731520"/>
-          </a:xfrm>
-          <a:prstGeom prst="rect">
-            <a:avLst/>
-          </a:prstGeom>
-          <a:noFill/>
-        </p:spPr>
-        <p:txBody>
-          <a:bodyPr wrap="square">
-            <a:spAutoFit/>
-          </a:bodyPr>
-          <a:lstStyle/>
-          <a:p>
-            <a:pPr>
-              <a:defRPr sz="1400">
-                <a:solidFill>
-                  <a:srgbClr val="2D3A4A"/>
-                </a:solidFill>
-              </a:defRPr>
-            </a:pPr>
-            <a:r>
-              <a:t>Network provides structure, embeddings boost confidence. Captures both direct and indirect relationships.</a:t>
-            </a:r>
-          </a:p>
-        </p:txBody>
-      </p:sp>
-      <p:sp>
-        <p:nvSpPr>
-          <p:cNvPr id="32" name="Rounded Rectangle 31"/>
+              <a:t>6</a:t>
+            </a:r>
+          </a:p>
+        </p:txBody>
+      </p:sp>
+      <p:sp>
+        <p:nvSpPr>
+          <p:cNvPr id="22" name="Rounded Rectangle 21"/>
           <p:cNvSpPr/>
           <p:nvPr/>
         </p:nvSpPr>
         <p:spPr>
           <a:xfrm>
-            <a:off x="6217920" y="4297680"/>
-            <a:ext cx="5486400" cy="1097280"/>
+            <a:off x="6858000" y="4251960"/>
+            <a:ext cx="4754880" cy="1371600"/>
           </a:xfrm>
           <a:prstGeom prst="roundRect">
             <a:avLst/>
           </a:prstGeom>
           <a:solidFill>
-            <a:srgbClr val="0D2B4A"/>
-          </a:solidFill>
-          <a:ln>
-            <a:noFill/>
+            <a:srgbClr val="F5F5F5"/>
+          </a:solidFill>
+          <a:ln w="25400">
+            <a:solidFill>
+              <a:srgbClr val="95A5A6"/>
+            </a:solidFill>
           </a:ln>
         </p:spPr>
         <p:style>
@@ -9389,14 +9182,14 @@
       </p:sp>
       <p:sp>
         <p:nvSpPr>
-          <p:cNvPr id="33" name="TextBox 32"/>
+          <p:cNvPr id="23" name="TextBox 22"/>
           <p:cNvSpPr txBox="1"/>
           <p:nvPr/>
         </p:nvSpPr>
         <p:spPr>
           <a:xfrm>
-            <a:off x="6400800" y="4434840"/>
-            <a:ext cx="5120640" cy="914400"/>
+            <a:off x="6995160" y="4325112"/>
+            <a:ext cx="4480560" cy="1280160"/>
           </a:xfrm>
           <a:prstGeom prst="rect">
             <a:avLst/>
@@ -9410,52 +9203,107 @@
           <a:lstStyle/>
           <a:p>
             <a:pPr>
-              <a:defRPr sz="1300">
-                <a:solidFill>
-                  <a:srgbClr val="FFFFFF"/>
-                </a:solidFill>
-              </a:defRPr>
-            </a:pPr>
-            <a:r>
-              <a:t>combined_effect =</a:t>
+              <a:defRPr sz="1400" b="1">
+                <a:solidFill>
+                  <a:srgbClr val="95A5A6"/>
+                </a:solidFill>
+              </a:defRPr>
+            </a:pPr>
+            <a:r>
+              <a:t>Minimal: Embedding-Only Ranking</a:t>
             </a:r>
           </a:p>
           <a:p>
             <a:pPr>
-              <a:defRPr sz="1300">
-                <a:solidFill>
-                  <a:srgbClr val="009B9E"/>
-                </a:solidFill>
-              </a:defRPr>
-            </a:pPr>
-            <a:r>
-              <a:t>    0.7 × network_effect</a:t>
+              <a:defRPr sz="1100">
+                <a:solidFill>
+                  <a:srgbClr val="2D3A4A"/>
+                </a:solidFill>
+              </a:defRPr>
+            </a:pPr>
+            <a:r>
+              <a:t>No GRN, STRING, LINCS, or SE available</a:t>
             </a:r>
           </a:p>
           <a:p>
             <a:pPr>
-              <a:defRPr sz="1300">
-                <a:solidFill>
-                  <a:srgbClr val="3A8DC1"/>
-                </a:solidFill>
-              </a:defRPr>
-            </a:pPr>
-            <a:r>
-              <a:t>  + 0.3 × embedding_similarity × network_effect</a:t>
-            </a:r>
-          </a:p>
-        </p:txBody>
-      </p:sp>
-      <p:sp>
-        <p:nvSpPr>
-          <p:cNvPr id="34" name="TextBox 33"/>
+              <a:defRPr sz="1000">
+                <a:solidFill>
+                  <a:srgbClr val="1A568C"/>
+                </a:solidFill>
+              </a:defRPr>
+            </a:pPr>
+            <a:r>
+              <a:t>Return embedding similarity ranking</a:t>
+            </a:r>
+          </a:p>
+          <a:p>
+            <a:pPr>
+              <a:defRPr sz="1000">
+                <a:solidFill>
+                  <a:srgbClr val="647487"/>
+                </a:solidFill>
+              </a:defRPr>
+            </a:pPr>
+            <a:r>
+              <a:t>→ END (lowest confidence)</a:t>
+            </a:r>
+          </a:p>
+        </p:txBody>
+      </p:sp>
+      <p:sp>
+        <p:nvSpPr>
+          <p:cNvPr id="24" name="Right Arrow 23"/>
+          <p:cNvSpPr/>
+          <p:nvPr/>
+        </p:nvSpPr>
+        <p:spPr>
+          <a:xfrm>
+            <a:off x="5486400" y="1828800"/>
+            <a:ext cx="731520" cy="274320"/>
+          </a:xfrm>
+          <a:prstGeom prst="rightArrow">
+            <a:avLst/>
+          </a:prstGeom>
+          <a:solidFill>
+            <a:srgbClr val="647487"/>
+          </a:solidFill>
+          <a:ln>
+            <a:noFill/>
+          </a:ln>
+        </p:spPr>
+        <p:style>
+          <a:lnRef idx="1">
+            <a:schemeClr val="accent1"/>
+          </a:lnRef>
+          <a:fillRef idx="3">
+            <a:schemeClr val="accent1"/>
+          </a:fillRef>
+          <a:effectRef idx="2">
+            <a:schemeClr val="accent1"/>
+          </a:effectRef>
+          <a:fontRef idx="minor">
+            <a:schemeClr val="lt1"/>
+          </a:fontRef>
+        </p:style>
+        <p:txBody>
+          <a:bodyPr rtlCol="0" anchor="ctr"/>
+          <a:lstStyle/>
+          <a:p>
+            <a:pPr algn="ctr"/>
+          </a:p>
+        </p:txBody>
+      </p:sp>
+      <p:sp>
+        <p:nvSpPr>
+          <p:cNvPr id="25" name="TextBox 24"/>
           <p:cNvSpPr txBox="1"/>
           <p:nvPr/>
         </p:nvSpPr>
         <p:spPr>
           <a:xfrm>
-            <a:off x="457200" y="5669280"/>
-            <a:ext cx="11277295" cy="731520"/>
+            <a:off x="365760" y="5852160"/>
+            <a:ext cx="11430000" cy="457200"/>
           </a:xfrm>
           <a:prstGeom prst="rect">
             <a:avLst/>
@@ -9469,14 +9317,14 @@
           <a:lstStyle/>
           <a:p>
             <a:pPr algn="ctr">
-              <a:defRPr sz="1500" i="1">
+              <a:defRPr sz="1300" i="1">
                 <a:solidFill>
                   <a:srgbClr val="647487"/>
                 </a:solidFill>
               </a:defRPr>
             </a:pPr>
             <a:r>
-              <a:t>Result: Genes ranked by predicted impact. Network-only and embedding-only effects also reported separately.</a:t>
+              <a:t>Each step tries to route the perturbation to GRN-active nodes. Falls through only if no valid route found.</a:t>
             </a:r>
           </a:p>
         </p:txBody>

--- a/GREmLN_MCP_Server_Presentation.pptx
+++ b/GREmLN_MCP_Server_Presentation.pptx
@@ -3115,7 +3115,7 @@
             <a:avLst/>
           </a:prstGeom>
           <a:solidFill>
-            <a:srgbClr val="0D2B4A"/>
+            <a:srgbClr val="1A1A2E"/>
           </a:solidFill>
           <a:ln>
             <a:noFill/>
@@ -3151,17 +3151,14 @@
         </p:nvSpPr>
         <p:spPr>
           <a:xfrm>
-            <a:off x="-1828800" y="5029200"/>
-            <a:ext cx="7315200" cy="2286000"/>
+            <a:off x="-2743200" y="4572000"/>
+            <a:ext cx="9144000" cy="2743200"/>
           </a:xfrm>
           <a:prstGeom prst="parallelogram">
             <a:avLst/>
           </a:prstGeom>
           <a:solidFill>
-            <a:srgbClr val="1A568C">
-              <a:lumMod val="90000"/>
-              <a:lumOff val="10000"/>
-            </a:srgbClr>
+            <a:srgbClr val="16213E"/>
           </a:solidFill>
           <a:ln>
             <a:noFill/>
@@ -3197,16 +3194,14 @@
         </p:nvSpPr>
         <p:spPr>
           <a:xfrm>
-            <a:off x="7315200" y="-457200"/>
-            <a:ext cx="6400800" cy="1828800"/>
+            <a:off x="6400800" y="-914400"/>
+            <a:ext cx="7315200" cy="2286000"/>
           </a:xfrm>
           <a:prstGeom prst="parallelogram">
             <a:avLst/>
           </a:prstGeom>
           <a:solidFill>
-            <a:srgbClr val="009B9E">
-              <a:lumMod val="90000"/>
-            </a:srgbClr>
+            <a:srgbClr val="00D4AA"/>
           </a:solidFill>
           <a:ln>
             <a:noFill/>
@@ -3236,7 +3231,99 @@
       </p:sp>
       <p:sp>
         <p:nvSpPr>
-          <p:cNvPr id="5" name="TextBox 4"/>
+          <p:cNvPr id="5" name="Oval 4"/>
+          <p:cNvSpPr/>
+          <p:nvPr/>
+        </p:nvSpPr>
+        <p:spPr>
+          <a:xfrm>
+            <a:off x="9601200" y="4572000"/>
+            <a:ext cx="2743200" cy="2743200"/>
+          </a:xfrm>
+          <a:prstGeom prst="ellipse">
+            <a:avLst/>
+          </a:prstGeom>
+          <a:solidFill>
+            <a:srgbClr val="9D4EDD">
+              <a:lumMod val="70000"/>
+              <a:lumOff val="30000"/>
+            </a:srgbClr>
+          </a:solidFill>
+          <a:ln>
+            <a:noFill/>
+          </a:ln>
+        </p:spPr>
+        <p:style>
+          <a:lnRef idx="1">
+            <a:schemeClr val="accent1"/>
+          </a:lnRef>
+          <a:fillRef idx="3">
+            <a:schemeClr val="accent1"/>
+          </a:fillRef>
+          <a:effectRef idx="2">
+            <a:schemeClr val="accent1"/>
+          </a:effectRef>
+          <a:fontRef idx="minor">
+            <a:schemeClr val="lt1"/>
+          </a:fontRef>
+        </p:style>
+        <p:txBody>
+          <a:bodyPr rtlCol="0" anchor="ctr"/>
+          <a:lstStyle/>
+          <a:p>
+            <a:pPr algn="ctr"/>
+          </a:p>
+        </p:txBody>
+      </p:sp>
+      <p:sp>
+        <p:nvSpPr>
+          <p:cNvPr id="6" name="Oval 5"/>
+          <p:cNvSpPr/>
+          <p:nvPr/>
+        </p:nvSpPr>
+        <p:spPr>
+          <a:xfrm>
+            <a:off x="-914400" y="-914400"/>
+            <a:ext cx="2286000" cy="2286000"/>
+          </a:xfrm>
+          <a:prstGeom prst="ellipse">
+            <a:avLst/>
+          </a:prstGeom>
+          <a:solidFill>
+            <a:srgbClr val="00D4AA">
+              <a:lumMod val="60000"/>
+              <a:lumOff val="40000"/>
+            </a:srgbClr>
+          </a:solidFill>
+          <a:ln>
+            <a:noFill/>
+          </a:ln>
+        </p:spPr>
+        <p:style>
+          <a:lnRef idx="1">
+            <a:schemeClr val="accent1"/>
+          </a:lnRef>
+          <a:fillRef idx="3">
+            <a:schemeClr val="accent1"/>
+          </a:fillRef>
+          <a:effectRef idx="2">
+            <a:schemeClr val="accent1"/>
+          </a:effectRef>
+          <a:fontRef idx="minor">
+            <a:schemeClr val="lt1"/>
+          </a:fontRef>
+        </p:style>
+        <p:txBody>
+          <a:bodyPr rtlCol="0" anchor="ctr"/>
+          <a:lstStyle/>
+          <a:p>
+            <a:pPr algn="ctr"/>
+          </a:p>
+        </p:txBody>
+      </p:sp>
+      <p:sp>
+        <p:nvSpPr>
+          <p:cNvPr id="7" name="TextBox 6"/>
           <p:cNvSpPr txBox="1"/>
           <p:nvPr/>
         </p:nvSpPr>
@@ -3271,7 +3358,7 @@
       </p:sp>
       <p:sp>
         <p:nvSpPr>
-          <p:cNvPr id="6" name="TextBox 5"/>
+          <p:cNvPr id="8" name="TextBox 7"/>
           <p:cNvSpPr txBox="1"/>
           <p:nvPr/>
         </p:nvSpPr>
@@ -3294,7 +3381,7 @@
             <a:pPr algn="l">
               <a:defRPr sz="2800">
                 <a:solidFill>
-                  <a:srgbClr val="009B9E"/>
+                  <a:srgbClr val="00D4AA"/>
                 </a:solidFill>
               </a:defRPr>
             </a:pPr>
@@ -3306,7 +3393,7 @@
       </p:sp>
       <p:sp>
         <p:nvSpPr>
-          <p:cNvPr id="7" name="TextBox 6"/>
+          <p:cNvPr id="9" name="TextBox 8"/>
           <p:cNvSpPr txBox="1"/>
           <p:nvPr/>
         </p:nvSpPr>
@@ -3372,7 +3459,7 @@
             <a:avLst/>
           </a:prstGeom>
           <a:solidFill>
-            <a:srgbClr val="FFFFFF"/>
+            <a:srgbClr val="F8F9FC"/>
           </a:solidFill>
           <a:ln>
             <a:noFill/>
@@ -3409,13 +3496,13 @@
         <p:spPr>
           <a:xfrm>
             <a:off x="0" y="0"/>
-            <a:ext cx="12191695" cy="73152"/>
-          </a:xfrm>
-          <a:prstGeom prst="rect">
-            <a:avLst/>
-          </a:prstGeom>
-          <a:solidFill>
-            <a:srgbClr val="009B9E"/>
+            <a:ext cx="109728" cy="6858000"/>
+          </a:xfrm>
+          <a:prstGeom prst="rect">
+            <a:avLst/>
+          </a:prstGeom>
+          <a:solidFill>
+            <a:srgbClr val="00D4AA"/>
           </a:solidFill>
           <a:ln>
             <a:noFill/>
@@ -3445,7 +3532,50 @@
       </p:sp>
       <p:sp>
         <p:nvSpPr>
-          <p:cNvPr id="4" name="Rectangle 3"/>
+          <p:cNvPr id="4" name="Right Triangle 3"/>
+          <p:cNvSpPr/>
+          <p:nvPr/>
+        </p:nvSpPr>
+        <p:spPr>
+          <a:xfrm rot="10800000">
+            <a:off x="10515600" y="5760720"/>
+            <a:ext cx="1676095" cy="1097280"/>
+          </a:xfrm>
+          <a:prstGeom prst="rtTriangle">
+            <a:avLst/>
+          </a:prstGeom>
+          <a:solidFill>
+            <a:srgbClr val="E8F4F8"/>
+          </a:solidFill>
+          <a:ln>
+            <a:noFill/>
+          </a:ln>
+        </p:spPr>
+        <p:style>
+          <a:lnRef idx="1">
+            <a:schemeClr val="accent1"/>
+          </a:lnRef>
+          <a:fillRef idx="3">
+            <a:schemeClr val="accent1"/>
+          </a:fillRef>
+          <a:effectRef idx="2">
+            <a:schemeClr val="accent1"/>
+          </a:effectRef>
+          <a:fontRef idx="minor">
+            <a:schemeClr val="lt1"/>
+          </a:fontRef>
+        </p:style>
+        <p:txBody>
+          <a:bodyPr rtlCol="0" anchor="ctr"/>
+          <a:lstStyle/>
+          <a:p>
+            <a:pPr algn="ctr"/>
+          </a:p>
+        </p:txBody>
+      </p:sp>
+      <p:sp>
+        <p:nvSpPr>
+          <p:cNvPr id="5" name="Rectangle 4"/>
           <p:cNvSpPr/>
           <p:nvPr/>
         </p:nvSpPr>
@@ -3458,7 +3588,7 @@
             <a:avLst/>
           </a:prstGeom>
           <a:solidFill>
-            <a:srgbClr val="0D2B4A"/>
+            <a:srgbClr val="1A1A2E"/>
           </a:solidFill>
           <a:ln>
             <a:noFill/>
@@ -3488,7 +3618,7 @@
       </p:sp>
       <p:sp>
         <p:nvSpPr>
-          <p:cNvPr id="5" name="TextBox 4"/>
+          <p:cNvPr id="6" name="TextBox 5"/>
           <p:cNvSpPr txBox="1"/>
           <p:nvPr/>
         </p:nvSpPr>
@@ -3523,7 +3653,7 @@
       </p:sp>
       <p:sp>
         <p:nvSpPr>
-          <p:cNvPr id="6" name="Rounded Rectangle 5"/>
+          <p:cNvPr id="7" name="Rounded Rectangle 6"/>
           <p:cNvSpPr/>
           <p:nvPr/>
         </p:nvSpPr>
@@ -3536,7 +3666,7 @@
             <a:avLst/>
           </a:prstGeom>
           <a:solidFill>
-            <a:srgbClr val="F5F7FA"/>
+            <a:srgbClr val="F8F9FC"/>
           </a:solidFill>
           <a:ln>
             <a:noFill/>
@@ -3566,7 +3696,7 @@
       </p:sp>
       <p:sp>
         <p:nvSpPr>
-          <p:cNvPr id="7" name="TextBox 6"/>
+          <p:cNvPr id="8" name="TextBox 7"/>
           <p:cNvSpPr txBox="1"/>
           <p:nvPr/>
         </p:nvSpPr>
@@ -3589,7 +3719,7 @@
             <a:pPr algn="ctr">
               <a:defRPr sz="4800" b="1">
                 <a:solidFill>
-                  <a:srgbClr val="009B9E"/>
+                  <a:srgbClr val="00D4AA"/>
                 </a:solidFill>
               </a:defRPr>
             </a:pPr>
@@ -3601,7 +3731,7 @@
       </p:sp>
       <p:sp>
         <p:nvSpPr>
-          <p:cNvPr id="8" name="TextBox 7"/>
+          <p:cNvPr id="9" name="TextBox 8"/>
           <p:cNvSpPr txBox="1"/>
           <p:nvPr/>
         </p:nvSpPr>
@@ -3624,7 +3754,7 @@
             <a:pPr algn="ctr">
               <a:defRPr sz="2000" b="1">
                 <a:solidFill>
-                  <a:srgbClr val="2D3A4A"/>
+                  <a:srgbClr val="2C3E50"/>
                 </a:solidFill>
               </a:defRPr>
             </a:pPr>
@@ -3636,7 +3766,7 @@
       </p:sp>
       <p:sp>
         <p:nvSpPr>
-          <p:cNvPr id="9" name="TextBox 8"/>
+          <p:cNvPr id="10" name="TextBox 9"/>
           <p:cNvSpPr txBox="1"/>
           <p:nvPr/>
         </p:nvSpPr>
@@ -3659,7 +3789,7 @@
             <a:pPr algn="ctr">
               <a:defRPr sz="1400">
                 <a:solidFill>
-                  <a:srgbClr val="647487"/>
+                  <a:srgbClr val="6C757D"/>
                 </a:solidFill>
               </a:defRPr>
             </a:pPr>
@@ -3675,7 +3805,7 @@
       </p:sp>
       <p:sp>
         <p:nvSpPr>
-          <p:cNvPr id="10" name="Rounded Rectangle 9"/>
+          <p:cNvPr id="11" name="Rounded Rectangle 10"/>
           <p:cNvSpPr/>
           <p:nvPr/>
         </p:nvSpPr>
@@ -3688,7 +3818,7 @@
             <a:avLst/>
           </a:prstGeom>
           <a:solidFill>
-            <a:srgbClr val="F5F7FA"/>
+            <a:srgbClr val="F8F9FC"/>
           </a:solidFill>
           <a:ln>
             <a:noFill/>
@@ -3718,7 +3848,7 @@
       </p:sp>
       <p:sp>
         <p:nvSpPr>
-          <p:cNvPr id="11" name="TextBox 10"/>
+          <p:cNvPr id="12" name="TextBox 11"/>
           <p:cNvSpPr txBox="1"/>
           <p:nvPr/>
         </p:nvSpPr>
@@ -3741,7 +3871,7 @@
             <a:pPr algn="ctr">
               <a:defRPr sz="4800" b="1">
                 <a:solidFill>
-                  <a:srgbClr val="009B9E"/>
+                  <a:srgbClr val="00D4AA"/>
                 </a:solidFill>
               </a:defRPr>
             </a:pPr>
@@ -3753,7 +3883,7 @@
       </p:sp>
       <p:sp>
         <p:nvSpPr>
-          <p:cNvPr id="12" name="TextBox 11"/>
+          <p:cNvPr id="13" name="TextBox 12"/>
           <p:cNvSpPr txBox="1"/>
           <p:nvPr/>
         </p:nvSpPr>
@@ -3776,7 +3906,7 @@
             <a:pPr algn="ctr">
               <a:defRPr sz="2000" b="1">
                 <a:solidFill>
-                  <a:srgbClr val="2D3A4A"/>
+                  <a:srgbClr val="2C3E50"/>
                 </a:solidFill>
               </a:defRPr>
             </a:pPr>
@@ -3788,7 +3918,7 @@
       </p:sp>
       <p:sp>
         <p:nvSpPr>
-          <p:cNvPr id="13" name="TextBox 12"/>
+          <p:cNvPr id="14" name="TextBox 13"/>
           <p:cNvSpPr txBox="1"/>
           <p:nvPr/>
         </p:nvSpPr>
@@ -3811,7 +3941,7 @@
             <a:pPr algn="ctr">
               <a:defRPr sz="1400">
                 <a:solidFill>
-                  <a:srgbClr val="647487"/>
+                  <a:srgbClr val="6C757D"/>
                 </a:solidFill>
               </a:defRPr>
             </a:pPr>
@@ -3827,7 +3957,7 @@
       </p:sp>
       <p:sp>
         <p:nvSpPr>
-          <p:cNvPr id="14" name="Rounded Rectangle 13"/>
+          <p:cNvPr id="15" name="Rounded Rectangle 14"/>
           <p:cNvSpPr/>
           <p:nvPr/>
         </p:nvSpPr>
@@ -3840,7 +3970,7 @@
             <a:avLst/>
           </a:prstGeom>
           <a:solidFill>
-            <a:srgbClr val="F5F7FA"/>
+            <a:srgbClr val="F8F9FC"/>
           </a:solidFill>
           <a:ln>
             <a:noFill/>
@@ -3870,7 +4000,7 @@
       </p:sp>
       <p:sp>
         <p:nvSpPr>
-          <p:cNvPr id="15" name="TextBox 14"/>
+          <p:cNvPr id="16" name="TextBox 15"/>
           <p:cNvSpPr txBox="1"/>
           <p:nvPr/>
         </p:nvSpPr>
@@ -3893,7 +4023,7 @@
             <a:pPr algn="ctr">
               <a:defRPr sz="4800" b="1">
                 <a:solidFill>
-                  <a:srgbClr val="009B9E"/>
+                  <a:srgbClr val="00D4AA"/>
                 </a:solidFill>
               </a:defRPr>
             </a:pPr>
@@ -3905,7 +4035,7 @@
       </p:sp>
       <p:sp>
         <p:nvSpPr>
-          <p:cNvPr id="16" name="TextBox 15"/>
+          <p:cNvPr id="17" name="TextBox 16"/>
           <p:cNvSpPr txBox="1"/>
           <p:nvPr/>
         </p:nvSpPr>
@@ -3928,7 +4058,7 @@
             <a:pPr algn="ctr">
               <a:defRPr sz="2000" b="1">
                 <a:solidFill>
-                  <a:srgbClr val="2D3A4A"/>
+                  <a:srgbClr val="2C3E50"/>
                 </a:solidFill>
               </a:defRPr>
             </a:pPr>
@@ -3940,7 +4070,7 @@
       </p:sp>
       <p:sp>
         <p:nvSpPr>
-          <p:cNvPr id="17" name="TextBox 16"/>
+          <p:cNvPr id="18" name="TextBox 17"/>
           <p:cNvSpPr txBox="1"/>
           <p:nvPr/>
         </p:nvSpPr>
@@ -3963,7 +4093,7 @@
             <a:pPr algn="ctr">
               <a:defRPr sz="1400">
                 <a:solidFill>
-                  <a:srgbClr val="647487"/>
+                  <a:srgbClr val="6C757D"/>
                 </a:solidFill>
               </a:defRPr>
             </a:pPr>
@@ -3979,7 +4109,7 @@
       </p:sp>
       <p:sp>
         <p:nvSpPr>
-          <p:cNvPr id="18" name="Rounded Rectangle 17"/>
+          <p:cNvPr id="19" name="Rounded Rectangle 18"/>
           <p:cNvSpPr/>
           <p:nvPr/>
         </p:nvSpPr>
@@ -3992,7 +4122,7 @@
             <a:avLst/>
           </a:prstGeom>
           <a:solidFill>
-            <a:srgbClr val="F5F7FA"/>
+            <a:srgbClr val="F8F9FC"/>
           </a:solidFill>
           <a:ln>
             <a:noFill/>
@@ -4022,7 +4152,7 @@
       </p:sp>
       <p:sp>
         <p:nvSpPr>
-          <p:cNvPr id="19" name="TextBox 18"/>
+          <p:cNvPr id="20" name="TextBox 19"/>
           <p:cNvSpPr txBox="1"/>
           <p:nvPr/>
         </p:nvSpPr>
@@ -4045,7 +4175,7 @@
             <a:pPr algn="ctr">
               <a:defRPr sz="4800" b="1">
                 <a:solidFill>
-                  <a:srgbClr val="009B9E"/>
+                  <a:srgbClr val="00D4AA"/>
                 </a:solidFill>
               </a:defRPr>
             </a:pPr>
@@ -4057,7 +4187,7 @@
       </p:sp>
       <p:sp>
         <p:nvSpPr>
-          <p:cNvPr id="20" name="TextBox 19"/>
+          <p:cNvPr id="21" name="TextBox 20"/>
           <p:cNvSpPr txBox="1"/>
           <p:nvPr/>
         </p:nvSpPr>
@@ -4080,7 +4210,7 @@
             <a:pPr algn="ctr">
               <a:defRPr sz="2000" b="1">
                 <a:solidFill>
-                  <a:srgbClr val="2D3A4A"/>
+                  <a:srgbClr val="2C3E50"/>
                 </a:solidFill>
               </a:defRPr>
             </a:pPr>
@@ -4092,7 +4222,7 @@
       </p:sp>
       <p:sp>
         <p:nvSpPr>
-          <p:cNvPr id="21" name="TextBox 20"/>
+          <p:cNvPr id="22" name="TextBox 21"/>
           <p:cNvSpPr txBox="1"/>
           <p:nvPr/>
         </p:nvSpPr>
@@ -4115,7 +4245,7 @@
             <a:pPr algn="ctr">
               <a:defRPr sz="1400">
                 <a:solidFill>
-                  <a:srgbClr val="647487"/>
+                  <a:srgbClr val="6C757D"/>
                 </a:solidFill>
               </a:defRPr>
             </a:pPr>
@@ -4131,7 +4261,7 @@
       </p:sp>
       <p:sp>
         <p:nvSpPr>
-          <p:cNvPr id="22" name="Rounded Rectangle 21"/>
+          <p:cNvPr id="23" name="Rounded Rectangle 22"/>
           <p:cNvSpPr/>
           <p:nvPr/>
         </p:nvSpPr>
@@ -4144,7 +4274,7 @@
             <a:avLst/>
           </a:prstGeom>
           <a:solidFill>
-            <a:srgbClr val="1A568C"/>
+            <a:srgbClr val="16213E"/>
           </a:solidFill>
           <a:ln>
             <a:noFill/>
@@ -4174,7 +4304,7 @@
       </p:sp>
       <p:sp>
         <p:nvSpPr>
-          <p:cNvPr id="23" name="TextBox 22"/>
+          <p:cNvPr id="24" name="TextBox 23"/>
           <p:cNvSpPr txBox="1"/>
           <p:nvPr/>
         </p:nvSpPr>
@@ -4240,7 +4370,7 @@
             <a:avLst/>
           </a:prstGeom>
           <a:solidFill>
-            <a:srgbClr val="FFFFFF"/>
+            <a:srgbClr val="F8F9FC"/>
           </a:solidFill>
           <a:ln>
             <a:noFill/>
@@ -4277,13 +4407,13 @@
         <p:spPr>
           <a:xfrm>
             <a:off x="0" y="0"/>
-            <a:ext cx="12191695" cy="73152"/>
-          </a:xfrm>
-          <a:prstGeom prst="rect">
-            <a:avLst/>
-          </a:prstGeom>
-          <a:solidFill>
-            <a:srgbClr val="009B9E"/>
+            <a:ext cx="109728" cy="6858000"/>
+          </a:xfrm>
+          <a:prstGeom prst="rect">
+            <a:avLst/>
+          </a:prstGeom>
+          <a:solidFill>
+            <a:srgbClr val="00D4AA"/>
           </a:solidFill>
           <a:ln>
             <a:noFill/>
@@ -4313,7 +4443,50 @@
       </p:sp>
       <p:sp>
         <p:nvSpPr>
-          <p:cNvPr id="4" name="Rectangle 3"/>
+          <p:cNvPr id="4" name="Right Triangle 3"/>
+          <p:cNvSpPr/>
+          <p:nvPr/>
+        </p:nvSpPr>
+        <p:spPr>
+          <a:xfrm rot="10800000">
+            <a:off x="10515600" y="5760720"/>
+            <a:ext cx="1676095" cy="1097280"/>
+          </a:xfrm>
+          <a:prstGeom prst="rtTriangle">
+            <a:avLst/>
+          </a:prstGeom>
+          <a:solidFill>
+            <a:srgbClr val="E8F4F8"/>
+          </a:solidFill>
+          <a:ln>
+            <a:noFill/>
+          </a:ln>
+        </p:spPr>
+        <p:style>
+          <a:lnRef idx="1">
+            <a:schemeClr val="accent1"/>
+          </a:lnRef>
+          <a:fillRef idx="3">
+            <a:schemeClr val="accent1"/>
+          </a:fillRef>
+          <a:effectRef idx="2">
+            <a:schemeClr val="accent1"/>
+          </a:effectRef>
+          <a:fontRef idx="minor">
+            <a:schemeClr val="lt1"/>
+          </a:fontRef>
+        </p:style>
+        <p:txBody>
+          <a:bodyPr rtlCol="0" anchor="ctr"/>
+          <a:lstStyle/>
+          <a:p>
+            <a:pPr algn="ctr"/>
+          </a:p>
+        </p:txBody>
+      </p:sp>
+      <p:sp>
+        <p:nvSpPr>
+          <p:cNvPr id="5" name="Rectangle 4"/>
           <p:cNvSpPr/>
           <p:nvPr/>
         </p:nvSpPr>
@@ -4326,7 +4499,7 @@
             <a:avLst/>
           </a:prstGeom>
           <a:solidFill>
-            <a:srgbClr val="0D2B4A"/>
+            <a:srgbClr val="1A1A2E"/>
           </a:solidFill>
           <a:ln>
             <a:noFill/>
@@ -4356,7 +4529,7 @@
       </p:sp>
       <p:sp>
         <p:nvSpPr>
-          <p:cNvPr id="5" name="TextBox 4"/>
+          <p:cNvPr id="6" name="TextBox 5"/>
           <p:cNvSpPr txBox="1"/>
           <p:nvPr/>
         </p:nvSpPr>
@@ -4391,7 +4564,7 @@
       </p:sp>
       <p:sp>
         <p:nvSpPr>
-          <p:cNvPr id="6" name="Rounded Rectangle 5"/>
+          <p:cNvPr id="7" name="Rounded Rectangle 6"/>
           <p:cNvSpPr/>
           <p:nvPr/>
         </p:nvSpPr>
@@ -4406,7 +4579,7 @@
             </a:avLst>
           </a:prstGeom>
           <a:solidFill>
-            <a:srgbClr val="2D3A4A"/>
+            <a:srgbClr val="2C3E50"/>
           </a:solidFill>
           <a:ln>
             <a:noFill/>
@@ -4449,7 +4622,7 @@
       </p:sp>
       <p:sp>
         <p:nvSpPr>
-          <p:cNvPr id="7" name="Right Arrow 6"/>
+          <p:cNvPr id="8" name="Right Arrow 7"/>
           <p:cNvSpPr/>
           <p:nvPr/>
         </p:nvSpPr>
@@ -4462,7 +4635,7 @@
             <a:avLst/>
           </a:prstGeom>
           <a:solidFill>
-            <a:srgbClr val="647487"/>
+            <a:srgbClr val="6C757D"/>
           </a:solidFill>
           <a:ln>
             <a:noFill/>
@@ -4492,7 +4665,7 @@
       </p:sp>
       <p:sp>
         <p:nvSpPr>
-          <p:cNvPr id="8" name="Rounded Rectangle 7"/>
+          <p:cNvPr id="9" name="Rounded Rectangle 8"/>
           <p:cNvSpPr/>
           <p:nvPr/>
         </p:nvSpPr>
@@ -4507,7 +4680,7 @@
             </a:avLst>
           </a:prstGeom>
           <a:solidFill>
-            <a:srgbClr val="1A568C"/>
+            <a:srgbClr val="16213E"/>
           </a:solidFill>
           <a:ln>
             <a:noFill/>
@@ -4550,7 +4723,7 @@
       </p:sp>
       <p:sp>
         <p:nvSpPr>
-          <p:cNvPr id="9" name="Right Arrow 8"/>
+          <p:cNvPr id="10" name="Right Arrow 9"/>
           <p:cNvSpPr/>
           <p:nvPr/>
         </p:nvSpPr>
@@ -4563,7 +4736,7 @@
             <a:avLst/>
           </a:prstGeom>
           <a:solidFill>
-            <a:srgbClr val="647487"/>
+            <a:srgbClr val="6C757D"/>
           </a:solidFill>
           <a:ln>
             <a:noFill/>
@@ -4593,7 +4766,7 @@
       </p:sp>
       <p:sp>
         <p:nvSpPr>
-          <p:cNvPr id="10" name="Rounded Rectangle 9"/>
+          <p:cNvPr id="11" name="Rounded Rectangle 10"/>
           <p:cNvSpPr/>
           <p:nvPr/>
         </p:nvSpPr>
@@ -4608,7 +4781,7 @@
             </a:avLst>
           </a:prstGeom>
           <a:solidFill>
-            <a:srgbClr val="009B9E"/>
+            <a:srgbClr val="00D4AA"/>
           </a:solidFill>
           <a:ln>
             <a:noFill/>
@@ -4651,7 +4824,7 @@
       </p:sp>
       <p:sp>
         <p:nvSpPr>
-          <p:cNvPr id="11" name="Right Arrow 10"/>
+          <p:cNvPr id="12" name="Right Arrow 11"/>
           <p:cNvSpPr/>
           <p:nvPr/>
         </p:nvSpPr>
@@ -4664,7 +4837,7 @@
             <a:avLst/>
           </a:prstGeom>
           <a:solidFill>
-            <a:srgbClr val="647487"/>
+            <a:srgbClr val="6C757D"/>
           </a:solidFill>
           <a:ln>
             <a:noFill/>
@@ -4694,7 +4867,7 @@
       </p:sp>
       <p:sp>
         <p:nvSpPr>
-          <p:cNvPr id="12" name="Rounded Rectangle 11"/>
+          <p:cNvPr id="13" name="Rounded Rectangle 12"/>
           <p:cNvSpPr/>
           <p:nvPr/>
         </p:nvSpPr>
@@ -4709,7 +4882,7 @@
             </a:avLst>
           </a:prstGeom>
           <a:solidFill>
-            <a:srgbClr val="2EA06A"/>
+            <a:srgbClr val="00C98D"/>
           </a:solidFill>
           <a:ln>
             <a:noFill/>
@@ -4752,7 +4925,7 @@
       </p:sp>
       <p:sp>
         <p:nvSpPr>
-          <p:cNvPr id="13" name="Oval 12"/>
+          <p:cNvPr id="14" name="Oval 13"/>
           <p:cNvSpPr/>
           <p:nvPr/>
         </p:nvSpPr>
@@ -4765,7 +4938,7 @@
             <a:avLst/>
           </a:prstGeom>
           <a:solidFill>
-            <a:srgbClr val="2EA06A"/>
+            <a:srgbClr val="00C98D"/>
           </a:solidFill>
           <a:ln>
             <a:noFill/>
@@ -4795,7 +4968,7 @@
       </p:sp>
       <p:sp>
         <p:nvSpPr>
-          <p:cNvPr id="14" name="TextBox 13"/>
+          <p:cNvPr id="15" name="TextBox 14"/>
           <p:cNvSpPr txBox="1"/>
           <p:nvPr/>
         </p:nvSpPr>
@@ -4818,7 +4991,7 @@
             <a:pPr>
               <a:defRPr sz="2000">
                 <a:solidFill>
-                  <a:srgbClr val="2D3A4A"/>
+                  <a:srgbClr val="2C3E50"/>
                 </a:solidFill>
               </a:defRPr>
             </a:pPr>
@@ -4830,7 +5003,7 @@
       </p:sp>
       <p:sp>
         <p:nvSpPr>
-          <p:cNvPr id="15" name="Oval 14"/>
+          <p:cNvPr id="16" name="Oval 15"/>
           <p:cNvSpPr/>
           <p:nvPr/>
         </p:nvSpPr>
@@ -4843,7 +5016,7 @@
             <a:avLst/>
           </a:prstGeom>
           <a:solidFill>
-            <a:srgbClr val="2EA06A"/>
+            <a:srgbClr val="00C98D"/>
           </a:solidFill>
           <a:ln>
             <a:noFill/>
@@ -4873,7 +5046,7 @@
       </p:sp>
       <p:sp>
         <p:nvSpPr>
-          <p:cNvPr id="16" name="TextBox 15"/>
+          <p:cNvPr id="17" name="TextBox 16"/>
           <p:cNvSpPr txBox="1"/>
           <p:nvPr/>
         </p:nvSpPr>
@@ -4896,7 +5069,7 @@
             <a:pPr>
               <a:defRPr sz="2000">
                 <a:solidFill>
-                  <a:srgbClr val="2D3A4A"/>
+                  <a:srgbClr val="2C3E50"/>
                 </a:solidFill>
               </a:defRPr>
             </a:pPr>
@@ -4908,7 +5081,7 @@
       </p:sp>
       <p:sp>
         <p:nvSpPr>
-          <p:cNvPr id="17" name="Oval 16"/>
+          <p:cNvPr id="18" name="Oval 17"/>
           <p:cNvSpPr/>
           <p:nvPr/>
         </p:nvSpPr>
@@ -4921,7 +5094,7 @@
             <a:avLst/>
           </a:prstGeom>
           <a:solidFill>
-            <a:srgbClr val="2EA06A"/>
+            <a:srgbClr val="00C98D"/>
           </a:solidFill>
           <a:ln>
             <a:noFill/>
@@ -4951,7 +5124,7 @@
       </p:sp>
       <p:sp>
         <p:nvSpPr>
-          <p:cNvPr id="18" name="TextBox 17"/>
+          <p:cNvPr id="19" name="TextBox 18"/>
           <p:cNvSpPr txBox="1"/>
           <p:nvPr/>
         </p:nvSpPr>
@@ -4974,7 +5147,7 @@
             <a:pPr>
               <a:defRPr sz="2000">
                 <a:solidFill>
-                  <a:srgbClr val="2D3A4A"/>
+                  <a:srgbClr val="2C3E50"/>
                 </a:solidFill>
               </a:defRPr>
             </a:pPr>
@@ -4986,7 +5159,7 @@
       </p:sp>
       <p:sp>
         <p:nvSpPr>
-          <p:cNvPr id="19" name="Oval 18"/>
+          <p:cNvPr id="20" name="Oval 19"/>
           <p:cNvSpPr/>
           <p:nvPr/>
         </p:nvSpPr>
@@ -4999,7 +5172,7 @@
             <a:avLst/>
           </a:prstGeom>
           <a:solidFill>
-            <a:srgbClr val="2EA06A"/>
+            <a:srgbClr val="00C98D"/>
           </a:solidFill>
           <a:ln>
             <a:noFill/>
@@ -5029,7 +5202,7 @@
       </p:sp>
       <p:sp>
         <p:nvSpPr>
-          <p:cNvPr id="20" name="TextBox 19"/>
+          <p:cNvPr id="21" name="TextBox 20"/>
           <p:cNvSpPr txBox="1"/>
           <p:nvPr/>
         </p:nvSpPr>
@@ -5052,7 +5225,7 @@
             <a:pPr>
               <a:defRPr sz="2000">
                 <a:solidFill>
-                  <a:srgbClr val="2D3A4A"/>
+                  <a:srgbClr val="2C3E50"/>
                 </a:solidFill>
               </a:defRPr>
             </a:pPr>
@@ -5095,7 +5268,7 @@
             <a:avLst/>
           </a:prstGeom>
           <a:solidFill>
-            <a:srgbClr val="FFFFFF"/>
+            <a:srgbClr val="F8F9FC"/>
           </a:solidFill>
           <a:ln>
             <a:noFill/>
@@ -5132,13 +5305,13 @@
         <p:spPr>
           <a:xfrm>
             <a:off x="0" y="0"/>
-            <a:ext cx="12191695" cy="73152"/>
-          </a:xfrm>
-          <a:prstGeom prst="rect">
-            <a:avLst/>
-          </a:prstGeom>
-          <a:solidFill>
-            <a:srgbClr val="009B9E"/>
+            <a:ext cx="109728" cy="6858000"/>
+          </a:xfrm>
+          <a:prstGeom prst="rect">
+            <a:avLst/>
+          </a:prstGeom>
+          <a:solidFill>
+            <a:srgbClr val="00D4AA"/>
           </a:solidFill>
           <a:ln>
             <a:noFill/>
@@ -5168,7 +5341,50 @@
       </p:sp>
       <p:sp>
         <p:nvSpPr>
-          <p:cNvPr id="4" name="Rectangle 3"/>
+          <p:cNvPr id="4" name="Right Triangle 3"/>
+          <p:cNvSpPr/>
+          <p:nvPr/>
+        </p:nvSpPr>
+        <p:spPr>
+          <a:xfrm rot="10800000">
+            <a:off x="10515600" y="5760720"/>
+            <a:ext cx="1676095" cy="1097280"/>
+          </a:xfrm>
+          <a:prstGeom prst="rtTriangle">
+            <a:avLst/>
+          </a:prstGeom>
+          <a:solidFill>
+            <a:srgbClr val="E8F4F8"/>
+          </a:solidFill>
+          <a:ln>
+            <a:noFill/>
+          </a:ln>
+        </p:spPr>
+        <p:style>
+          <a:lnRef idx="1">
+            <a:schemeClr val="accent1"/>
+          </a:lnRef>
+          <a:fillRef idx="3">
+            <a:schemeClr val="accent1"/>
+          </a:fillRef>
+          <a:effectRef idx="2">
+            <a:schemeClr val="accent1"/>
+          </a:effectRef>
+          <a:fontRef idx="minor">
+            <a:schemeClr val="lt1"/>
+          </a:fontRef>
+        </p:style>
+        <p:txBody>
+          <a:bodyPr rtlCol="0" anchor="ctr"/>
+          <a:lstStyle/>
+          <a:p>
+            <a:pPr algn="ctr"/>
+          </a:p>
+        </p:txBody>
+      </p:sp>
+      <p:sp>
+        <p:nvSpPr>
+          <p:cNvPr id="5" name="Rectangle 4"/>
           <p:cNvSpPr/>
           <p:nvPr/>
         </p:nvSpPr>
@@ -5181,7 +5397,7 @@
             <a:avLst/>
           </a:prstGeom>
           <a:solidFill>
-            <a:srgbClr val="0D2B4A"/>
+            <a:srgbClr val="1A1A2E"/>
           </a:solidFill>
           <a:ln>
             <a:noFill/>
@@ -5211,7 +5427,7 @@
       </p:sp>
       <p:sp>
         <p:nvSpPr>
-          <p:cNvPr id="5" name="TextBox 4"/>
+          <p:cNvPr id="6" name="TextBox 5"/>
           <p:cNvSpPr txBox="1"/>
           <p:nvPr/>
         </p:nvSpPr>
@@ -5246,7 +5462,7 @@
       </p:sp>
       <p:sp>
         <p:nvSpPr>
-          <p:cNvPr id="6" name="Rectangle 5"/>
+          <p:cNvPr id="7" name="Rectangle 6"/>
           <p:cNvSpPr/>
           <p:nvPr/>
         </p:nvSpPr>
@@ -5259,7 +5475,7 @@
             <a:avLst/>
           </a:prstGeom>
           <a:solidFill>
-            <a:srgbClr val="009B9E"/>
+            <a:srgbClr val="00D4AA"/>
           </a:solidFill>
           <a:ln>
             <a:noFill/>
@@ -5289,7 +5505,7 @@
       </p:sp>
       <p:sp>
         <p:nvSpPr>
-          <p:cNvPr id="7" name="TextBox 6"/>
+          <p:cNvPr id="8" name="TextBox 7"/>
           <p:cNvSpPr txBox="1"/>
           <p:nvPr/>
         </p:nvSpPr>
@@ -5312,7 +5528,7 @@
             <a:pPr>
               <a:defRPr sz="2400" b="1">
                 <a:solidFill>
-                  <a:srgbClr val="009B9E"/>
+                  <a:srgbClr val="00D4AA"/>
                 </a:solidFill>
               </a:defRPr>
             </a:pPr>
@@ -5324,7 +5540,7 @@
       </p:sp>
       <p:sp>
         <p:nvSpPr>
-          <p:cNvPr id="8" name="TextBox 7"/>
+          <p:cNvPr id="9" name="TextBox 8"/>
           <p:cNvSpPr txBox="1"/>
           <p:nvPr/>
         </p:nvSpPr>
@@ -5347,7 +5563,7 @@
             <a:pPr>
               <a:defRPr sz="1800">
                 <a:solidFill>
-                  <a:srgbClr val="2D3A4A"/>
+                  <a:srgbClr val="2C3E50"/>
                 </a:solidFill>
               </a:defRPr>
             </a:pPr>
@@ -5359,7 +5575,7 @@
       </p:sp>
       <p:sp>
         <p:nvSpPr>
-          <p:cNvPr id="9" name="Rectangle 8"/>
+          <p:cNvPr id="10" name="Rectangle 9"/>
           <p:cNvSpPr/>
           <p:nvPr/>
         </p:nvSpPr>
@@ -5372,7 +5588,7 @@
             <a:avLst/>
           </a:prstGeom>
           <a:solidFill>
-            <a:srgbClr val="1A568C"/>
+            <a:srgbClr val="16213E"/>
           </a:solidFill>
           <a:ln>
             <a:noFill/>
@@ -5402,7 +5618,7 @@
       </p:sp>
       <p:sp>
         <p:nvSpPr>
-          <p:cNvPr id="10" name="TextBox 9"/>
+          <p:cNvPr id="11" name="TextBox 10"/>
           <p:cNvSpPr txBox="1"/>
           <p:nvPr/>
         </p:nvSpPr>
@@ -5425,7 +5641,7 @@
             <a:pPr>
               <a:defRPr sz="2400" b="1">
                 <a:solidFill>
-                  <a:srgbClr val="1A568C"/>
+                  <a:srgbClr val="16213E"/>
                 </a:solidFill>
               </a:defRPr>
             </a:pPr>
@@ -5437,7 +5653,7 @@
       </p:sp>
       <p:sp>
         <p:nvSpPr>
-          <p:cNvPr id="11" name="TextBox 10"/>
+          <p:cNvPr id="12" name="TextBox 11"/>
           <p:cNvSpPr txBox="1"/>
           <p:nvPr/>
         </p:nvSpPr>
@@ -5460,7 +5676,7 @@
             <a:pPr>
               <a:defRPr sz="1800">
                 <a:solidFill>
-                  <a:srgbClr val="2D3A4A"/>
+                  <a:srgbClr val="2C3E50"/>
                 </a:solidFill>
               </a:defRPr>
             </a:pPr>
@@ -5472,7 +5688,7 @@
       </p:sp>
       <p:sp>
         <p:nvSpPr>
-          <p:cNvPr id="12" name="Rectangle 11"/>
+          <p:cNvPr id="13" name="Rectangle 12"/>
           <p:cNvSpPr/>
           <p:nvPr/>
         </p:nvSpPr>
@@ -5485,7 +5701,7 @@
             <a:avLst/>
           </a:prstGeom>
           <a:solidFill>
-            <a:srgbClr val="2EA06A"/>
+            <a:srgbClr val="00C98D"/>
           </a:solidFill>
           <a:ln>
             <a:noFill/>
@@ -5515,7 +5731,7 @@
       </p:sp>
       <p:sp>
         <p:nvSpPr>
-          <p:cNvPr id="13" name="TextBox 12"/>
+          <p:cNvPr id="14" name="TextBox 13"/>
           <p:cNvSpPr txBox="1"/>
           <p:nvPr/>
         </p:nvSpPr>
@@ -5538,7 +5754,7 @@
             <a:pPr>
               <a:defRPr sz="2400" b="1">
                 <a:solidFill>
-                  <a:srgbClr val="2EA06A"/>
+                  <a:srgbClr val="00C98D"/>
                 </a:solidFill>
               </a:defRPr>
             </a:pPr>
@@ -5550,7 +5766,7 @@
       </p:sp>
       <p:sp>
         <p:nvSpPr>
-          <p:cNvPr id="14" name="TextBox 13"/>
+          <p:cNvPr id="15" name="TextBox 14"/>
           <p:cNvSpPr txBox="1"/>
           <p:nvPr/>
         </p:nvSpPr>
@@ -5573,7 +5789,7 @@
             <a:pPr>
               <a:defRPr sz="1800">
                 <a:solidFill>
-                  <a:srgbClr val="2D3A4A"/>
+                  <a:srgbClr val="2C3E50"/>
                 </a:solidFill>
               </a:defRPr>
             </a:pPr>
@@ -5585,7 +5801,7 @@
       </p:sp>
       <p:sp>
         <p:nvSpPr>
-          <p:cNvPr id="15" name="Rectangle 14"/>
+          <p:cNvPr id="16" name="Rectangle 15"/>
           <p:cNvSpPr/>
           <p:nvPr/>
         </p:nvSpPr>
@@ -5598,7 +5814,7 @@
             <a:avLst/>
           </a:prstGeom>
           <a:solidFill>
-            <a:srgbClr val="E86C2C"/>
+            <a:srgbClr val="FF6B6B"/>
           </a:solidFill>
           <a:ln>
             <a:noFill/>
@@ -5628,7 +5844,7 @@
       </p:sp>
       <p:sp>
         <p:nvSpPr>
-          <p:cNvPr id="16" name="TextBox 15"/>
+          <p:cNvPr id="17" name="TextBox 16"/>
           <p:cNvSpPr txBox="1"/>
           <p:nvPr/>
         </p:nvSpPr>
@@ -5651,7 +5867,7 @@
             <a:pPr>
               <a:defRPr sz="2400" b="1">
                 <a:solidFill>
-                  <a:srgbClr val="E86C2C"/>
+                  <a:srgbClr val="FF6B6B"/>
                 </a:solidFill>
               </a:defRPr>
             </a:pPr>
@@ -5663,7 +5879,7 @@
       </p:sp>
       <p:sp>
         <p:nvSpPr>
-          <p:cNvPr id="17" name="TextBox 16"/>
+          <p:cNvPr id="18" name="TextBox 17"/>
           <p:cNvSpPr txBox="1"/>
           <p:nvPr/>
         </p:nvSpPr>
@@ -5686,7 +5902,7 @@
             <a:pPr>
               <a:defRPr sz="1800">
                 <a:solidFill>
-                  <a:srgbClr val="2D3A4A"/>
+                  <a:srgbClr val="2C3E50"/>
                 </a:solidFill>
               </a:defRPr>
             </a:pPr>
@@ -5698,7 +5914,7 @@
       </p:sp>
       <p:sp>
         <p:nvSpPr>
-          <p:cNvPr id="18" name="Rounded Rectangle 17"/>
+          <p:cNvPr id="19" name="Rounded Rectangle 18"/>
           <p:cNvSpPr/>
           <p:nvPr/>
         </p:nvSpPr>
@@ -5711,7 +5927,7 @@
             <a:avLst/>
           </a:prstGeom>
           <a:solidFill>
-            <a:srgbClr val="009B9E"/>
+            <a:srgbClr val="00D4AA"/>
           </a:solidFill>
           <a:ln>
             <a:noFill/>
@@ -5741,7 +5957,7 @@
       </p:sp>
       <p:sp>
         <p:nvSpPr>
-          <p:cNvPr id="19" name="TextBox 18"/>
+          <p:cNvPr id="20" name="TextBox 19"/>
           <p:cNvSpPr txBox="1"/>
           <p:nvPr/>
         </p:nvSpPr>
@@ -5807,7 +6023,7 @@
             <a:avLst/>
           </a:prstGeom>
           <a:solidFill>
-            <a:srgbClr val="0D2B4A"/>
+            <a:srgbClr val="1A1A2E"/>
           </a:solidFill>
           <a:ln>
             <a:noFill/>
@@ -5843,17 +6059,14 @@
         </p:nvSpPr>
         <p:spPr>
           <a:xfrm>
-            <a:off x="-1828800" y="5029200"/>
-            <a:ext cx="7315200" cy="2286000"/>
+            <a:off x="-2743200" y="4572000"/>
+            <a:ext cx="9144000" cy="2743200"/>
           </a:xfrm>
           <a:prstGeom prst="parallelogram">
             <a:avLst/>
           </a:prstGeom>
           <a:solidFill>
-            <a:srgbClr val="1A568C">
-              <a:lumMod val="90000"/>
-              <a:lumOff val="10000"/>
-            </a:srgbClr>
+            <a:srgbClr val="16213E"/>
           </a:solidFill>
           <a:ln>
             <a:noFill/>
@@ -5889,16 +6102,14 @@
         </p:nvSpPr>
         <p:spPr>
           <a:xfrm>
-            <a:off x="7315200" y="-457200"/>
-            <a:ext cx="6400800" cy="1828800"/>
+            <a:off x="6400800" y="-914400"/>
+            <a:ext cx="7315200" cy="2286000"/>
           </a:xfrm>
           <a:prstGeom prst="parallelogram">
             <a:avLst/>
           </a:prstGeom>
           <a:solidFill>
-            <a:srgbClr val="009B9E">
-              <a:lumMod val="90000"/>
-            </a:srgbClr>
+            <a:srgbClr val="00D4AA"/>
           </a:solidFill>
           <a:ln>
             <a:noFill/>
@@ -5928,7 +6139,99 @@
       </p:sp>
       <p:sp>
         <p:nvSpPr>
-          <p:cNvPr id="5" name="TextBox 4"/>
+          <p:cNvPr id="5" name="Oval 4"/>
+          <p:cNvSpPr/>
+          <p:nvPr/>
+        </p:nvSpPr>
+        <p:spPr>
+          <a:xfrm>
+            <a:off x="9601200" y="4572000"/>
+            <a:ext cx="2743200" cy="2743200"/>
+          </a:xfrm>
+          <a:prstGeom prst="ellipse">
+            <a:avLst/>
+          </a:prstGeom>
+          <a:solidFill>
+            <a:srgbClr val="9D4EDD">
+              <a:lumMod val="70000"/>
+              <a:lumOff val="30000"/>
+            </a:srgbClr>
+          </a:solidFill>
+          <a:ln>
+            <a:noFill/>
+          </a:ln>
+        </p:spPr>
+        <p:style>
+          <a:lnRef idx="1">
+            <a:schemeClr val="accent1"/>
+          </a:lnRef>
+          <a:fillRef idx="3">
+            <a:schemeClr val="accent1"/>
+          </a:fillRef>
+          <a:effectRef idx="2">
+            <a:schemeClr val="accent1"/>
+          </a:effectRef>
+          <a:fontRef idx="minor">
+            <a:schemeClr val="lt1"/>
+          </a:fontRef>
+        </p:style>
+        <p:txBody>
+          <a:bodyPr rtlCol="0" anchor="ctr"/>
+          <a:lstStyle/>
+          <a:p>
+            <a:pPr algn="ctr"/>
+          </a:p>
+        </p:txBody>
+      </p:sp>
+      <p:sp>
+        <p:nvSpPr>
+          <p:cNvPr id="6" name="Oval 5"/>
+          <p:cNvSpPr/>
+          <p:nvPr/>
+        </p:nvSpPr>
+        <p:spPr>
+          <a:xfrm>
+            <a:off x="-914400" y="-914400"/>
+            <a:ext cx="2286000" cy="2286000"/>
+          </a:xfrm>
+          <a:prstGeom prst="ellipse">
+            <a:avLst/>
+          </a:prstGeom>
+          <a:solidFill>
+            <a:srgbClr val="00D4AA">
+              <a:lumMod val="60000"/>
+              <a:lumOff val="40000"/>
+            </a:srgbClr>
+          </a:solidFill>
+          <a:ln>
+            <a:noFill/>
+          </a:ln>
+        </p:spPr>
+        <p:style>
+          <a:lnRef idx="1">
+            <a:schemeClr val="accent1"/>
+          </a:lnRef>
+          <a:fillRef idx="3">
+            <a:schemeClr val="accent1"/>
+          </a:fillRef>
+          <a:effectRef idx="2">
+            <a:schemeClr val="accent1"/>
+          </a:effectRef>
+          <a:fontRef idx="minor">
+            <a:schemeClr val="lt1"/>
+          </a:fontRef>
+        </p:style>
+        <p:txBody>
+          <a:bodyPr rtlCol="0" anchor="ctr"/>
+          <a:lstStyle/>
+          <a:p>
+            <a:pPr algn="ctr"/>
+          </a:p>
+        </p:txBody>
+      </p:sp>
+      <p:sp>
+        <p:nvSpPr>
+          <p:cNvPr id="7" name="TextBox 6"/>
           <p:cNvSpPr txBox="1"/>
           <p:nvPr/>
         </p:nvSpPr>
@@ -5963,7 +6266,7 @@
       </p:sp>
       <p:sp>
         <p:nvSpPr>
-          <p:cNvPr id="6" name="TextBox 5"/>
+          <p:cNvPr id="8" name="TextBox 7"/>
           <p:cNvSpPr txBox="1"/>
           <p:nvPr/>
         </p:nvSpPr>
@@ -5986,7 +6289,7 @@
             <a:pPr algn="l">
               <a:defRPr sz="2800">
                 <a:solidFill>
-                  <a:srgbClr val="009B9E"/>
+                  <a:srgbClr val="00D4AA"/>
                 </a:solidFill>
               </a:defRPr>
             </a:pPr>
@@ -6029,7 +6332,7 @@
             <a:avLst/>
           </a:prstGeom>
           <a:solidFill>
-            <a:srgbClr val="FFFFFF"/>
+            <a:srgbClr val="F8F9FC"/>
           </a:solidFill>
           <a:ln>
             <a:noFill/>
@@ -6066,13 +6369,13 @@
         <p:spPr>
           <a:xfrm>
             <a:off x="0" y="0"/>
-            <a:ext cx="12191695" cy="73152"/>
-          </a:xfrm>
-          <a:prstGeom prst="rect">
-            <a:avLst/>
-          </a:prstGeom>
-          <a:solidFill>
-            <a:srgbClr val="009B9E"/>
+            <a:ext cx="109728" cy="6858000"/>
+          </a:xfrm>
+          <a:prstGeom prst="rect">
+            <a:avLst/>
+          </a:prstGeom>
+          <a:solidFill>
+            <a:srgbClr val="00D4AA"/>
           </a:solidFill>
           <a:ln>
             <a:noFill/>
@@ -6102,7 +6405,50 @@
       </p:sp>
       <p:sp>
         <p:nvSpPr>
-          <p:cNvPr id="4" name="Rectangle 3"/>
+          <p:cNvPr id="4" name="Right Triangle 3"/>
+          <p:cNvSpPr/>
+          <p:nvPr/>
+        </p:nvSpPr>
+        <p:spPr>
+          <a:xfrm rot="10800000">
+            <a:off x="10515600" y="5760720"/>
+            <a:ext cx="1676095" cy="1097280"/>
+          </a:xfrm>
+          <a:prstGeom prst="rtTriangle">
+            <a:avLst/>
+          </a:prstGeom>
+          <a:solidFill>
+            <a:srgbClr val="E8F4F8"/>
+          </a:solidFill>
+          <a:ln>
+            <a:noFill/>
+          </a:ln>
+        </p:spPr>
+        <p:style>
+          <a:lnRef idx="1">
+            <a:schemeClr val="accent1"/>
+          </a:lnRef>
+          <a:fillRef idx="3">
+            <a:schemeClr val="accent1"/>
+          </a:fillRef>
+          <a:effectRef idx="2">
+            <a:schemeClr val="accent1"/>
+          </a:effectRef>
+          <a:fontRef idx="minor">
+            <a:schemeClr val="lt1"/>
+          </a:fontRef>
+        </p:style>
+        <p:txBody>
+          <a:bodyPr rtlCol="0" anchor="ctr"/>
+          <a:lstStyle/>
+          <a:p>
+            <a:pPr algn="ctr"/>
+          </a:p>
+        </p:txBody>
+      </p:sp>
+      <p:sp>
+        <p:nvSpPr>
+          <p:cNvPr id="5" name="Rectangle 4"/>
           <p:cNvSpPr/>
           <p:nvPr/>
         </p:nvSpPr>
@@ -6115,7 +6461,7 @@
             <a:avLst/>
           </a:prstGeom>
           <a:solidFill>
-            <a:srgbClr val="0D2B4A"/>
+            <a:srgbClr val="1A1A2E"/>
           </a:solidFill>
           <a:ln>
             <a:noFill/>
@@ -6145,7 +6491,7 @@
       </p:sp>
       <p:sp>
         <p:nvSpPr>
-          <p:cNvPr id="5" name="TextBox 4"/>
+          <p:cNvPr id="6" name="TextBox 5"/>
           <p:cNvSpPr txBox="1"/>
           <p:nvPr/>
         </p:nvSpPr>
@@ -6180,7 +6526,7 @@
       </p:sp>
       <p:sp>
         <p:nvSpPr>
-          <p:cNvPr id="6" name="Rounded Rectangle 5"/>
+          <p:cNvPr id="7" name="Rounded Rectangle 6"/>
           <p:cNvSpPr/>
           <p:nvPr/>
         </p:nvSpPr>
@@ -6193,7 +6539,7 @@
             <a:avLst/>
           </a:prstGeom>
           <a:solidFill>
-            <a:srgbClr val="F5F7FA"/>
+            <a:srgbClr val="F8F9FC"/>
           </a:solidFill>
           <a:ln w="12700">
             <a:solidFill>
@@ -6225,7 +6571,7 @@
       </p:sp>
       <p:sp>
         <p:nvSpPr>
-          <p:cNvPr id="7" name="TextBox 6"/>
+          <p:cNvPr id="8" name="TextBox 7"/>
           <p:cNvSpPr txBox="1"/>
           <p:nvPr/>
         </p:nvSpPr>
@@ -6248,7 +6594,7 @@
             <a:pPr algn="ctr">
               <a:defRPr sz="4000" b="1">
                 <a:solidFill>
-                  <a:srgbClr val="E86C2C"/>
+                  <a:srgbClr val="FF6B6B"/>
                 </a:solidFill>
               </a:defRPr>
             </a:pPr>
@@ -6260,7 +6606,7 @@
       </p:sp>
       <p:sp>
         <p:nvSpPr>
-          <p:cNvPr id="8" name="TextBox 7"/>
+          <p:cNvPr id="9" name="TextBox 8"/>
           <p:cNvSpPr txBox="1"/>
           <p:nvPr/>
         </p:nvSpPr>
@@ -6283,7 +6629,7 @@
             <a:pPr algn="ctr">
               <a:defRPr sz="1600">
                 <a:solidFill>
-                  <a:srgbClr val="2D3A4A"/>
+                  <a:srgbClr val="2C3E50"/>
                 </a:solidFill>
               </a:defRPr>
             </a:pPr>
@@ -6299,7 +6645,7 @@
       </p:sp>
       <p:sp>
         <p:nvSpPr>
-          <p:cNvPr id="9" name="Rounded Rectangle 8"/>
+          <p:cNvPr id="10" name="Rounded Rectangle 9"/>
           <p:cNvSpPr/>
           <p:nvPr/>
         </p:nvSpPr>
@@ -6312,7 +6658,7 @@
             <a:avLst/>
           </a:prstGeom>
           <a:solidFill>
-            <a:srgbClr val="F5F7FA"/>
+            <a:srgbClr val="F8F9FC"/>
           </a:solidFill>
           <a:ln w="12700">
             <a:solidFill>
@@ -6344,7 +6690,7 @@
       </p:sp>
       <p:sp>
         <p:nvSpPr>
-          <p:cNvPr id="10" name="TextBox 9"/>
+          <p:cNvPr id="11" name="TextBox 10"/>
           <p:cNvSpPr txBox="1"/>
           <p:nvPr/>
         </p:nvSpPr>
@@ -6367,7 +6713,7 @@
             <a:pPr algn="ctr">
               <a:defRPr sz="4000" b="1">
                 <a:solidFill>
-                  <a:srgbClr val="E86C2C"/>
+                  <a:srgbClr val="FF6B6B"/>
                 </a:solidFill>
               </a:defRPr>
             </a:pPr>
@@ -6379,7 +6725,7 @@
       </p:sp>
       <p:sp>
         <p:nvSpPr>
-          <p:cNvPr id="11" name="TextBox 10"/>
+          <p:cNvPr id="12" name="TextBox 11"/>
           <p:cNvSpPr txBox="1"/>
           <p:nvPr/>
         </p:nvSpPr>
@@ -6402,7 +6748,7 @@
             <a:pPr algn="ctr">
               <a:defRPr sz="1600">
                 <a:solidFill>
-                  <a:srgbClr val="2D3A4A"/>
+                  <a:srgbClr val="2C3E50"/>
                 </a:solidFill>
               </a:defRPr>
             </a:pPr>
@@ -6418,7 +6764,7 @@
       </p:sp>
       <p:sp>
         <p:nvSpPr>
-          <p:cNvPr id="12" name="Rounded Rectangle 11"/>
+          <p:cNvPr id="13" name="Rounded Rectangle 12"/>
           <p:cNvSpPr/>
           <p:nvPr/>
         </p:nvSpPr>
@@ -6431,7 +6777,7 @@
             <a:avLst/>
           </a:prstGeom>
           <a:solidFill>
-            <a:srgbClr val="F5F7FA"/>
+            <a:srgbClr val="F8F9FC"/>
           </a:solidFill>
           <a:ln w="12700">
             <a:solidFill>
@@ -6463,7 +6809,7 @@
       </p:sp>
       <p:sp>
         <p:nvSpPr>
-          <p:cNvPr id="13" name="TextBox 12"/>
+          <p:cNvPr id="14" name="TextBox 13"/>
           <p:cNvSpPr txBox="1"/>
           <p:nvPr/>
         </p:nvSpPr>
@@ -6486,7 +6832,7 @@
             <a:pPr algn="ctr">
               <a:defRPr sz="4000" b="1">
                 <a:solidFill>
-                  <a:srgbClr val="E86C2C"/>
+                  <a:srgbClr val="FF6B6B"/>
                 </a:solidFill>
               </a:defRPr>
             </a:pPr>
@@ -6498,7 +6844,7 @@
       </p:sp>
       <p:sp>
         <p:nvSpPr>
-          <p:cNvPr id="14" name="TextBox 13"/>
+          <p:cNvPr id="15" name="TextBox 14"/>
           <p:cNvSpPr txBox="1"/>
           <p:nvPr/>
         </p:nvSpPr>
@@ -6521,7 +6867,7 @@
             <a:pPr algn="ctr">
               <a:defRPr sz="1600">
                 <a:solidFill>
-                  <a:srgbClr val="2D3A4A"/>
+                  <a:srgbClr val="2C3E50"/>
                 </a:solidFill>
               </a:defRPr>
             </a:pPr>
@@ -6537,7 +6883,7 @@
       </p:sp>
       <p:sp>
         <p:nvSpPr>
-          <p:cNvPr id="15" name="Rounded Rectangle 14"/>
+          <p:cNvPr id="16" name="Rounded Rectangle 15"/>
           <p:cNvSpPr/>
           <p:nvPr/>
         </p:nvSpPr>
@@ -6550,7 +6896,7 @@
             <a:avLst/>
           </a:prstGeom>
           <a:solidFill>
-            <a:srgbClr val="F5F7FA"/>
+            <a:srgbClr val="F8F9FC"/>
           </a:solidFill>
           <a:ln w="12700">
             <a:solidFill>
@@ -6582,7 +6928,7 @@
       </p:sp>
       <p:sp>
         <p:nvSpPr>
-          <p:cNvPr id="16" name="TextBox 15"/>
+          <p:cNvPr id="17" name="TextBox 16"/>
           <p:cNvSpPr txBox="1"/>
           <p:nvPr/>
         </p:nvSpPr>
@@ -6605,7 +6951,7 @@
             <a:pPr algn="ctr">
               <a:defRPr sz="4000" b="1">
                 <a:solidFill>
-                  <a:srgbClr val="E86C2C"/>
+                  <a:srgbClr val="FF6B6B"/>
                 </a:solidFill>
               </a:defRPr>
             </a:pPr>
@@ -6617,7 +6963,7 @@
       </p:sp>
       <p:sp>
         <p:nvSpPr>
-          <p:cNvPr id="17" name="TextBox 16"/>
+          <p:cNvPr id="18" name="TextBox 17"/>
           <p:cNvSpPr txBox="1"/>
           <p:nvPr/>
         </p:nvSpPr>
@@ -6640,7 +6986,7 @@
             <a:pPr algn="ctr">
               <a:defRPr sz="1600">
                 <a:solidFill>
-                  <a:srgbClr val="2D3A4A"/>
+                  <a:srgbClr val="2C3E50"/>
                 </a:solidFill>
               </a:defRPr>
             </a:pPr>
@@ -6656,7 +7002,7 @@
       </p:sp>
       <p:sp>
         <p:nvSpPr>
-          <p:cNvPr id="18" name="TextBox 17"/>
+          <p:cNvPr id="19" name="TextBox 18"/>
           <p:cNvSpPr txBox="1"/>
           <p:nvPr/>
         </p:nvSpPr>
@@ -6679,7 +7025,7 @@
             <a:pPr algn="ctr">
               <a:defRPr sz="2600" b="1">
                 <a:solidFill>
-                  <a:srgbClr val="1A568C"/>
+                  <a:srgbClr val="16213E"/>
                 </a:solidFill>
               </a:defRPr>
             </a:pPr>
@@ -6722,7 +7068,7 @@
             <a:avLst/>
           </a:prstGeom>
           <a:solidFill>
-            <a:srgbClr val="FFFFFF"/>
+            <a:srgbClr val="F8F9FC"/>
           </a:solidFill>
           <a:ln>
             <a:noFill/>
@@ -6759,13 +7105,13 @@
         <p:spPr>
           <a:xfrm>
             <a:off x="0" y="0"/>
-            <a:ext cx="12191695" cy="73152"/>
-          </a:xfrm>
-          <a:prstGeom prst="rect">
-            <a:avLst/>
-          </a:prstGeom>
-          <a:solidFill>
-            <a:srgbClr val="009B9E"/>
+            <a:ext cx="109728" cy="6858000"/>
+          </a:xfrm>
+          <a:prstGeom prst="rect">
+            <a:avLst/>
+          </a:prstGeom>
+          <a:solidFill>
+            <a:srgbClr val="00D4AA"/>
           </a:solidFill>
           <a:ln>
             <a:noFill/>
@@ -6795,7 +7141,50 @@
       </p:sp>
       <p:sp>
         <p:nvSpPr>
-          <p:cNvPr id="4" name="Rectangle 3"/>
+          <p:cNvPr id="4" name="Right Triangle 3"/>
+          <p:cNvSpPr/>
+          <p:nvPr/>
+        </p:nvSpPr>
+        <p:spPr>
+          <a:xfrm rot="10800000">
+            <a:off x="10515600" y="5760720"/>
+            <a:ext cx="1676095" cy="1097280"/>
+          </a:xfrm>
+          <a:prstGeom prst="rtTriangle">
+            <a:avLst/>
+          </a:prstGeom>
+          <a:solidFill>
+            <a:srgbClr val="E8F4F8"/>
+          </a:solidFill>
+          <a:ln>
+            <a:noFill/>
+          </a:ln>
+        </p:spPr>
+        <p:style>
+          <a:lnRef idx="1">
+            <a:schemeClr val="accent1"/>
+          </a:lnRef>
+          <a:fillRef idx="3">
+            <a:schemeClr val="accent1"/>
+          </a:fillRef>
+          <a:effectRef idx="2">
+            <a:schemeClr val="accent1"/>
+          </a:effectRef>
+          <a:fontRef idx="minor">
+            <a:schemeClr val="lt1"/>
+          </a:fontRef>
+        </p:style>
+        <p:txBody>
+          <a:bodyPr rtlCol="0" anchor="ctr"/>
+          <a:lstStyle/>
+          <a:p>
+            <a:pPr algn="ctr"/>
+          </a:p>
+        </p:txBody>
+      </p:sp>
+      <p:sp>
+        <p:nvSpPr>
+          <p:cNvPr id="5" name="Rectangle 4"/>
           <p:cNvSpPr/>
           <p:nvPr/>
         </p:nvSpPr>
@@ -6808,7 +7197,7 @@
             <a:avLst/>
           </a:prstGeom>
           <a:solidFill>
-            <a:srgbClr val="0D2B4A"/>
+            <a:srgbClr val="1A1A2E"/>
           </a:solidFill>
           <a:ln>
             <a:noFill/>
@@ -6838,7 +7227,7 @@
       </p:sp>
       <p:sp>
         <p:nvSpPr>
-          <p:cNvPr id="5" name="TextBox 4"/>
+          <p:cNvPr id="6" name="TextBox 5"/>
           <p:cNvSpPr txBox="1"/>
           <p:nvPr/>
         </p:nvSpPr>
@@ -6873,7 +7262,7 @@
       </p:sp>
       <p:sp>
         <p:nvSpPr>
-          <p:cNvPr id="6" name="Rounded Rectangle 5"/>
+          <p:cNvPr id="7" name="Rounded Rectangle 6"/>
           <p:cNvSpPr/>
           <p:nvPr/>
         </p:nvSpPr>
@@ -6886,7 +7275,7 @@
             <a:avLst/>
           </a:prstGeom>
           <a:solidFill>
-            <a:srgbClr val="009B9E"/>
+            <a:srgbClr val="00D4AA"/>
           </a:solidFill>
           <a:ln>
             <a:noFill/>
@@ -6916,7 +7305,7 @@
       </p:sp>
       <p:sp>
         <p:nvSpPr>
-          <p:cNvPr id="7" name="TextBox 6"/>
+          <p:cNvPr id="8" name="TextBox 7"/>
           <p:cNvSpPr txBox="1"/>
           <p:nvPr/>
         </p:nvSpPr>
@@ -6955,7 +7344,7 @@
       </p:sp>
       <p:sp>
         <p:nvSpPr>
-          <p:cNvPr id="8" name="TextBox 7"/>
+          <p:cNvPr id="9" name="TextBox 8"/>
           <p:cNvSpPr txBox="1"/>
           <p:nvPr/>
         </p:nvSpPr>
@@ -6998,7 +7387,7 @@
       </p:sp>
       <p:sp>
         <p:nvSpPr>
-          <p:cNvPr id="9" name="Rounded Rectangle 8"/>
+          <p:cNvPr id="10" name="Rounded Rectangle 9"/>
           <p:cNvSpPr/>
           <p:nvPr/>
         </p:nvSpPr>
@@ -7011,7 +7400,7 @@
             <a:avLst/>
           </a:prstGeom>
           <a:solidFill>
-            <a:srgbClr val="1A568C"/>
+            <a:srgbClr val="16213E"/>
           </a:solidFill>
           <a:ln>
             <a:noFill/>
@@ -7041,7 +7430,7 @@
       </p:sp>
       <p:sp>
         <p:nvSpPr>
-          <p:cNvPr id="10" name="TextBox 9"/>
+          <p:cNvPr id="11" name="TextBox 10"/>
           <p:cNvSpPr txBox="1"/>
           <p:nvPr/>
         </p:nvSpPr>
@@ -7080,7 +7469,7 @@
       </p:sp>
       <p:sp>
         <p:nvSpPr>
-          <p:cNvPr id="11" name="TextBox 10"/>
+          <p:cNvPr id="12" name="TextBox 11"/>
           <p:cNvSpPr txBox="1"/>
           <p:nvPr/>
         </p:nvSpPr>
@@ -7123,7 +7512,7 @@
       </p:sp>
       <p:sp>
         <p:nvSpPr>
-          <p:cNvPr id="12" name="Rounded Rectangle 11"/>
+          <p:cNvPr id="13" name="Rounded Rectangle 12"/>
           <p:cNvSpPr/>
           <p:nvPr/>
         </p:nvSpPr>
@@ -7136,7 +7525,7 @@
             <a:avLst/>
           </a:prstGeom>
           <a:solidFill>
-            <a:srgbClr val="2EA06A"/>
+            <a:srgbClr val="00C98D"/>
           </a:solidFill>
           <a:ln>
             <a:noFill/>
@@ -7166,7 +7555,7 @@
       </p:sp>
       <p:sp>
         <p:nvSpPr>
-          <p:cNvPr id="13" name="TextBox 12"/>
+          <p:cNvPr id="14" name="TextBox 13"/>
           <p:cNvSpPr txBox="1"/>
           <p:nvPr/>
         </p:nvSpPr>
@@ -7205,7 +7594,7 @@
       </p:sp>
       <p:sp>
         <p:nvSpPr>
-          <p:cNvPr id="14" name="TextBox 13"/>
+          <p:cNvPr id="15" name="TextBox 14"/>
           <p:cNvSpPr txBox="1"/>
           <p:nvPr/>
         </p:nvSpPr>
@@ -7248,7 +7637,7 @@
       </p:sp>
       <p:sp>
         <p:nvSpPr>
-          <p:cNvPr id="15" name="TextBox 14"/>
+          <p:cNvPr id="16" name="TextBox 15"/>
           <p:cNvSpPr txBox="1"/>
           <p:nvPr/>
         </p:nvSpPr>
@@ -7271,7 +7660,7 @@
             <a:pPr algn="ctr">
               <a:defRPr sz="2200" i="1">
                 <a:solidFill>
-                  <a:srgbClr val="1A568C"/>
+                  <a:srgbClr val="16213E"/>
                 </a:solidFill>
               </a:defRPr>
             </a:pPr>
@@ -7314,7 +7703,7 @@
             <a:avLst/>
           </a:prstGeom>
           <a:solidFill>
-            <a:srgbClr val="FFFFFF"/>
+            <a:srgbClr val="F8F9FC"/>
           </a:solidFill>
           <a:ln>
             <a:noFill/>
@@ -7351,13 +7740,13 @@
         <p:spPr>
           <a:xfrm>
             <a:off x="0" y="0"/>
-            <a:ext cx="12191695" cy="73152"/>
-          </a:xfrm>
-          <a:prstGeom prst="rect">
-            <a:avLst/>
-          </a:prstGeom>
-          <a:solidFill>
-            <a:srgbClr val="009B9E"/>
+            <a:ext cx="109728" cy="6858000"/>
+          </a:xfrm>
+          <a:prstGeom prst="rect">
+            <a:avLst/>
+          </a:prstGeom>
+          <a:solidFill>
+            <a:srgbClr val="00D4AA"/>
           </a:solidFill>
           <a:ln>
             <a:noFill/>
@@ -7387,7 +7776,50 @@
       </p:sp>
       <p:sp>
         <p:nvSpPr>
-          <p:cNvPr id="4" name="Rectangle 3"/>
+          <p:cNvPr id="4" name="Right Triangle 3"/>
+          <p:cNvSpPr/>
+          <p:nvPr/>
+        </p:nvSpPr>
+        <p:spPr>
+          <a:xfrm rot="10800000">
+            <a:off x="10515600" y="5760720"/>
+            <a:ext cx="1676095" cy="1097280"/>
+          </a:xfrm>
+          <a:prstGeom prst="rtTriangle">
+            <a:avLst/>
+          </a:prstGeom>
+          <a:solidFill>
+            <a:srgbClr val="E8F4F8"/>
+          </a:solidFill>
+          <a:ln>
+            <a:noFill/>
+          </a:ln>
+        </p:spPr>
+        <p:style>
+          <a:lnRef idx="1">
+            <a:schemeClr val="accent1"/>
+          </a:lnRef>
+          <a:fillRef idx="3">
+            <a:schemeClr val="accent1"/>
+          </a:fillRef>
+          <a:effectRef idx="2">
+            <a:schemeClr val="accent1"/>
+          </a:effectRef>
+          <a:fontRef idx="minor">
+            <a:schemeClr val="lt1"/>
+          </a:fontRef>
+        </p:style>
+        <p:txBody>
+          <a:bodyPr rtlCol="0" anchor="ctr"/>
+          <a:lstStyle/>
+          <a:p>
+            <a:pPr algn="ctr"/>
+          </a:p>
+        </p:txBody>
+      </p:sp>
+      <p:sp>
+        <p:nvSpPr>
+          <p:cNvPr id="5" name="Rectangle 4"/>
           <p:cNvSpPr/>
           <p:nvPr/>
         </p:nvSpPr>
@@ -7400,7 +7832,7 @@
             <a:avLst/>
           </a:prstGeom>
           <a:solidFill>
-            <a:srgbClr val="0D2B4A"/>
+            <a:srgbClr val="1A1A2E"/>
           </a:solidFill>
           <a:ln>
             <a:noFill/>
@@ -7430,7 +7862,7 @@
       </p:sp>
       <p:sp>
         <p:nvSpPr>
-          <p:cNvPr id="5" name="TextBox 4"/>
+          <p:cNvPr id="6" name="TextBox 5"/>
           <p:cNvSpPr txBox="1"/>
           <p:nvPr/>
         </p:nvSpPr>
@@ -7465,7 +7897,7 @@
       </p:sp>
       <p:sp>
         <p:nvSpPr>
-          <p:cNvPr id="6" name="Rounded Rectangle 5"/>
+          <p:cNvPr id="7" name="Rounded Rectangle 6"/>
           <p:cNvSpPr/>
           <p:nvPr/>
         </p:nvSpPr>
@@ -7480,7 +7912,7 @@
             </a:avLst>
           </a:prstGeom>
           <a:solidFill>
-            <a:srgbClr val="2D3A4A"/>
+            <a:srgbClr val="2C3E50"/>
           </a:solidFill>
           <a:ln>
             <a:noFill/>
@@ -7519,7 +7951,7 @@
       </p:sp>
       <p:sp>
         <p:nvSpPr>
-          <p:cNvPr id="7" name="TextBox 6"/>
+          <p:cNvPr id="8" name="TextBox 7"/>
           <p:cNvSpPr txBox="1"/>
           <p:nvPr/>
         </p:nvSpPr>
@@ -7542,7 +7974,7 @@
             <a:pPr algn="ctr">
               <a:defRPr sz="1200" i="1">
                 <a:solidFill>
-                  <a:srgbClr val="647487"/>
+                  <a:srgbClr val="6C757D"/>
                 </a:solidFill>
               </a:defRPr>
             </a:pPr>
@@ -7554,7 +7986,7 @@
       </p:sp>
       <p:sp>
         <p:nvSpPr>
-          <p:cNvPr id="8" name="Down Arrow 7"/>
+          <p:cNvPr id="9" name="Down Arrow 8"/>
           <p:cNvSpPr/>
           <p:nvPr/>
         </p:nvSpPr>
@@ -7567,7 +7999,7 @@
             <a:avLst/>
           </a:prstGeom>
           <a:solidFill>
-            <a:srgbClr val="647487"/>
+            <a:srgbClr val="6C757D"/>
           </a:solidFill>
           <a:ln>
             <a:noFill/>
@@ -7597,7 +8029,7 @@
       </p:sp>
       <p:sp>
         <p:nvSpPr>
-          <p:cNvPr id="9" name="Rounded Rectangle 8"/>
+          <p:cNvPr id="10" name="Rounded Rectangle 9"/>
           <p:cNvSpPr/>
           <p:nvPr/>
         </p:nvSpPr>
@@ -7612,7 +8044,7 @@
             </a:avLst>
           </a:prstGeom>
           <a:solidFill>
-            <a:srgbClr val="1A568C"/>
+            <a:srgbClr val="16213E"/>
           </a:solidFill>
           <a:ln>
             <a:noFill/>
@@ -7655,7 +8087,7 @@
       </p:sp>
       <p:sp>
         <p:nvSpPr>
-          <p:cNvPr id="10" name="Rounded Rectangle 9"/>
+          <p:cNvPr id="11" name="Rounded Rectangle 10"/>
           <p:cNvSpPr/>
           <p:nvPr/>
         </p:nvSpPr>
@@ -7670,7 +8102,7 @@
             </a:avLst>
           </a:prstGeom>
           <a:solidFill>
-            <a:srgbClr val="009B9E"/>
+            <a:srgbClr val="00D4AA"/>
           </a:solidFill>
           <a:ln>
             <a:noFill/>
@@ -7713,7 +8145,7 @@
       </p:sp>
       <p:sp>
         <p:nvSpPr>
-          <p:cNvPr id="11" name="Rounded Rectangle 10"/>
+          <p:cNvPr id="12" name="Rounded Rectangle 11"/>
           <p:cNvSpPr/>
           <p:nvPr/>
         </p:nvSpPr>
@@ -7728,7 +8160,7 @@
             </a:avLst>
           </a:prstGeom>
           <a:solidFill>
-            <a:srgbClr val="2EA06A"/>
+            <a:srgbClr val="00C98D"/>
           </a:solidFill>
           <a:ln>
             <a:noFill/>
@@ -7771,7 +8203,7 @@
       </p:sp>
       <p:sp>
         <p:nvSpPr>
-          <p:cNvPr id="12" name="Down Arrow 11"/>
+          <p:cNvPr id="13" name="Down Arrow 12"/>
           <p:cNvSpPr/>
           <p:nvPr/>
         </p:nvSpPr>
@@ -7784,7 +8216,7 @@
             <a:avLst/>
           </a:prstGeom>
           <a:solidFill>
-            <a:srgbClr val="647487"/>
+            <a:srgbClr val="6C757D"/>
           </a:solidFill>
           <a:ln>
             <a:noFill/>
@@ -7814,7 +8246,7 @@
       </p:sp>
       <p:sp>
         <p:nvSpPr>
-          <p:cNvPr id="13" name="Down Arrow 12"/>
+          <p:cNvPr id="14" name="Down Arrow 13"/>
           <p:cNvSpPr/>
           <p:nvPr/>
         </p:nvSpPr>
@@ -7827,7 +8259,7 @@
             <a:avLst/>
           </a:prstGeom>
           <a:solidFill>
-            <a:srgbClr val="647487"/>
+            <a:srgbClr val="6C757D"/>
           </a:solidFill>
           <a:ln>
             <a:noFill/>
@@ -7857,7 +8289,7 @@
       </p:sp>
       <p:sp>
         <p:nvSpPr>
-          <p:cNvPr id="14" name="Down Arrow 13"/>
+          <p:cNvPr id="15" name="Down Arrow 14"/>
           <p:cNvSpPr/>
           <p:nvPr/>
         </p:nvSpPr>
@@ -7870,7 +8302,7 @@
             <a:avLst/>
           </a:prstGeom>
           <a:solidFill>
-            <a:srgbClr val="647487"/>
+            <a:srgbClr val="6C757D"/>
           </a:solidFill>
           <a:ln>
             <a:noFill/>
@@ -7900,7 +8332,7 @@
       </p:sp>
       <p:sp>
         <p:nvSpPr>
-          <p:cNvPr id="15" name="Rounded Rectangle 14"/>
+          <p:cNvPr id="16" name="Rounded Rectangle 15"/>
           <p:cNvSpPr/>
           <p:nvPr/>
         </p:nvSpPr>
@@ -7915,7 +8347,7 @@
             </a:avLst>
           </a:prstGeom>
           <a:solidFill>
-            <a:srgbClr val="1A568C"/>
+            <a:srgbClr val="16213E"/>
           </a:solidFill>
           <a:ln>
             <a:noFill/>
@@ -7954,7 +8386,7 @@
       </p:sp>
       <p:sp>
         <p:nvSpPr>
-          <p:cNvPr id="16" name="Down Arrow 15"/>
+          <p:cNvPr id="17" name="Down Arrow 16"/>
           <p:cNvSpPr/>
           <p:nvPr/>
         </p:nvSpPr>
@@ -7967,7 +8399,7 @@
             <a:avLst/>
           </a:prstGeom>
           <a:solidFill>
-            <a:srgbClr val="647487"/>
+            <a:srgbClr val="6C757D"/>
           </a:solidFill>
           <a:ln>
             <a:noFill/>
@@ -7997,7 +8429,7 @@
       </p:sp>
       <p:sp>
         <p:nvSpPr>
-          <p:cNvPr id="17" name="Rounded Rectangle 16"/>
+          <p:cNvPr id="18" name="Rounded Rectangle 17"/>
           <p:cNvSpPr/>
           <p:nvPr/>
         </p:nvSpPr>
@@ -8012,7 +8444,7 @@
             </a:avLst>
           </a:prstGeom>
           <a:solidFill>
-            <a:srgbClr val="E86C2C"/>
+            <a:srgbClr val="FF6B6B"/>
           </a:solidFill>
           <a:ln>
             <a:noFill/>
@@ -8082,7 +8514,7 @@
             <a:avLst/>
           </a:prstGeom>
           <a:solidFill>
-            <a:srgbClr val="FFFFFF"/>
+            <a:srgbClr val="F8F9FC"/>
           </a:solidFill>
           <a:ln>
             <a:noFill/>
@@ -8119,13 +8551,13 @@
         <p:spPr>
           <a:xfrm>
             <a:off x="0" y="0"/>
-            <a:ext cx="12191695" cy="73152"/>
-          </a:xfrm>
-          <a:prstGeom prst="rect">
-            <a:avLst/>
-          </a:prstGeom>
-          <a:solidFill>
-            <a:srgbClr val="009B9E"/>
+            <a:ext cx="109728" cy="6858000"/>
+          </a:xfrm>
+          <a:prstGeom prst="rect">
+            <a:avLst/>
+          </a:prstGeom>
+          <a:solidFill>
+            <a:srgbClr val="00D4AA"/>
           </a:solidFill>
           <a:ln>
             <a:noFill/>
@@ -8155,20 +8587,20 @@
       </p:sp>
       <p:sp>
         <p:nvSpPr>
-          <p:cNvPr id="4" name="Rectangle 3"/>
-          <p:cNvSpPr/>
-          <p:nvPr/>
-        </p:nvSpPr>
-        <p:spPr>
-          <a:xfrm>
-            <a:off x="0" y="0"/>
-            <a:ext cx="12191695" cy="1097280"/>
-          </a:xfrm>
-          <a:prstGeom prst="rect">
-            <a:avLst/>
-          </a:prstGeom>
-          <a:solidFill>
-            <a:srgbClr val="0D2B4A"/>
+          <p:cNvPr id="4" name="Right Triangle 3"/>
+          <p:cNvSpPr/>
+          <p:nvPr/>
+        </p:nvSpPr>
+        <p:spPr>
+          <a:xfrm rot="10800000">
+            <a:off x="10515600" y="5760720"/>
+            <a:ext cx="1676095" cy="1097280"/>
+          </a:xfrm>
+          <a:prstGeom prst="rtTriangle">
+            <a:avLst/>
+          </a:prstGeom>
+          <a:solidFill>
+            <a:srgbClr val="E8F4F8"/>
           </a:solidFill>
           <a:ln>
             <a:noFill/>
@@ -8198,14 +8630,57 @@
       </p:sp>
       <p:sp>
         <p:nvSpPr>
-          <p:cNvPr id="5" name="TextBox 4"/>
+          <p:cNvPr id="5" name="Rectangle 4"/>
+          <p:cNvSpPr/>
+          <p:nvPr/>
+        </p:nvSpPr>
+        <p:spPr>
+          <a:xfrm>
+            <a:off x="0" y="0"/>
+            <a:ext cx="12191695" cy="822960"/>
+          </a:xfrm>
+          <a:prstGeom prst="rect">
+            <a:avLst/>
+          </a:prstGeom>
+          <a:solidFill>
+            <a:srgbClr val="1A1A2E"/>
+          </a:solidFill>
+          <a:ln>
+            <a:noFill/>
+          </a:ln>
+        </p:spPr>
+        <p:style>
+          <a:lnRef idx="1">
+            <a:schemeClr val="accent1"/>
+          </a:lnRef>
+          <a:fillRef idx="3">
+            <a:schemeClr val="accent1"/>
+          </a:fillRef>
+          <a:effectRef idx="2">
+            <a:schemeClr val="accent1"/>
+          </a:effectRef>
+          <a:fontRef idx="minor">
+            <a:schemeClr val="lt1"/>
+          </a:fontRef>
+        </p:style>
+        <p:txBody>
+          <a:bodyPr rtlCol="0" anchor="ctr"/>
+          <a:lstStyle/>
+          <a:p>
+            <a:pPr algn="ctr"/>
+          </a:p>
+        </p:txBody>
+      </p:sp>
+      <p:sp>
+        <p:nvSpPr>
+          <p:cNvPr id="6" name="TextBox 5"/>
           <p:cNvSpPr txBox="1"/>
           <p:nvPr/>
         </p:nvSpPr>
         <p:spPr>
           <a:xfrm>
-            <a:off x="548640" y="320040"/>
-            <a:ext cx="11094415" cy="731520"/>
+            <a:off x="457200" y="201168"/>
+            <a:ext cx="11277295" cy="548640"/>
           </a:xfrm>
           <a:prstGeom prst="rect">
             <a:avLst/>
@@ -8219,7 +8694,7 @@
           <a:lstStyle/>
           <a:p>
             <a:pPr>
-              <a:defRPr sz="3200" b="1">
+              <a:defRPr sz="2800" b="1">
                 <a:solidFill>
                   <a:srgbClr val="FFFFFF"/>
                 </a:solidFill>
@@ -8233,22 +8708,20 @@
       </p:sp>
       <p:sp>
         <p:nvSpPr>
-          <p:cNvPr id="6" name="Rounded Rectangle 5"/>
-          <p:cNvSpPr/>
-          <p:nvPr/>
-        </p:nvSpPr>
-        <p:spPr>
-          <a:xfrm>
-            <a:off x="365760" y="1234440"/>
-            <a:ext cx="457200" cy="457200"/>
+          <p:cNvPr id="7" name="Rounded Rectangle 6"/>
+          <p:cNvSpPr/>
+          <p:nvPr/>
+        </p:nvSpPr>
+        <p:spPr>
+          <a:xfrm>
+            <a:off x="1005840" y="960120"/>
+            <a:ext cx="1280160" cy="411480"/>
           </a:xfrm>
           <a:prstGeom prst="roundRect">
-            <a:avLst>
-              <a:gd name="adj" fmla="val 15000"/>
-            </a:avLst>
-          </a:prstGeom>
-          <a:solidFill>
-            <a:srgbClr val="009B9E"/>
+            <a:avLst/>
+          </a:prstGeom>
+          <a:solidFill>
+            <a:srgbClr val="FF6B6B"/>
           </a:solidFill>
           <a:ln>
             <a:noFill/>
@@ -8269,60 +8742,6 @@
           </a:fontRef>
         </p:style>
         <p:txBody>
-          <a:bodyPr rtlCol="0" anchor="ctr" wrap="square"/>
-          <a:lstStyle/>
-          <a:p>
-            <a:pPr algn="ctr">
-              <a:defRPr sz="1800" b="1">
-                <a:solidFill>
-                  <a:srgbClr val="FFFFFF"/>
-                </a:solidFill>
-              </a:defRPr>
-            </a:pPr>
-            <a:r>
-              <a:t>1</a:t>
-            </a:r>
-          </a:p>
-        </p:txBody>
-      </p:sp>
-      <p:sp>
-        <p:nvSpPr>
-          <p:cNvPr id="7" name="Rounded Rectangle 6"/>
-          <p:cNvSpPr/>
-          <p:nvPr/>
-        </p:nvSpPr>
-        <p:spPr>
-          <a:xfrm>
-            <a:off x="914400" y="1234440"/>
-            <a:ext cx="4754880" cy="1371600"/>
-          </a:xfrm>
-          <a:prstGeom prst="roundRect">
-            <a:avLst/>
-          </a:prstGeom>
-          <a:solidFill>
-            <a:srgbClr val="F0F8FF"/>
-          </a:solidFill>
-          <a:ln w="25400">
-            <a:solidFill>
-              <a:srgbClr val="009B9E"/>
-            </a:solidFill>
-          </a:ln>
-        </p:spPr>
-        <p:style>
-          <a:lnRef idx="1">
-            <a:schemeClr val="accent1"/>
-          </a:lnRef>
-          <a:fillRef idx="3">
-            <a:schemeClr val="accent1"/>
-          </a:fillRef>
-          <a:effectRef idx="2">
-            <a:schemeClr val="accent1"/>
-          </a:effectRef>
-          <a:fontRef idx="minor">
-            <a:schemeClr val="lt1"/>
-          </a:fontRef>
-        </p:style>
-        <p:txBody>
           <a:bodyPr rtlCol="0" anchor="ctr"/>
           <a:lstStyle/>
           <a:p>
@@ -8338,8 +8757,131 @@
         </p:nvSpPr>
         <p:spPr>
           <a:xfrm>
-            <a:off x="1051560" y="1307592"/>
-            <a:ext cx="4480560" cy="1280160"/>
+            <a:off x="1005840" y="1033272"/>
+            <a:ext cx="1280160" cy="320040"/>
+          </a:xfrm>
+          <a:prstGeom prst="rect">
+            <a:avLst/>
+          </a:prstGeom>
+          <a:noFill/>
+        </p:spPr>
+        <p:txBody>
+          <a:bodyPr wrap="none">
+            <a:spAutoFit/>
+          </a:bodyPr>
+          <a:lstStyle/>
+          <a:p>
+            <a:pPr algn="ctr">
+              <a:defRPr sz="1200" b="1">
+                <a:solidFill>
+                  <a:srgbClr val="FFFFFF"/>
+                </a:solidFill>
+              </a:defRPr>
+            </a:pPr>
+            <a:r>
+              <a:t>Gene Input</a:t>
+            </a:r>
+          </a:p>
+        </p:txBody>
+      </p:sp>
+      <p:sp>
+        <p:nvSpPr>
+          <p:cNvPr id="9" name="Down Arrow 8"/>
+          <p:cNvSpPr/>
+          <p:nvPr/>
+        </p:nvSpPr>
+        <p:spPr>
+          <a:xfrm>
+            <a:off x="1508760" y="1399032"/>
+            <a:ext cx="274320" cy="274320"/>
+          </a:xfrm>
+          <a:prstGeom prst="downArrow">
+            <a:avLst/>
+          </a:prstGeom>
+          <a:solidFill>
+            <a:srgbClr val="8E99A4"/>
+          </a:solidFill>
+          <a:ln>
+            <a:noFill/>
+          </a:ln>
+        </p:spPr>
+        <p:style>
+          <a:lnRef idx="1">
+            <a:schemeClr val="accent1"/>
+          </a:lnRef>
+          <a:fillRef idx="3">
+            <a:schemeClr val="accent1"/>
+          </a:fillRef>
+          <a:effectRef idx="2">
+            <a:schemeClr val="accent1"/>
+          </a:effectRef>
+          <a:fontRef idx="minor">
+            <a:schemeClr val="lt1"/>
+          </a:fontRef>
+        </p:style>
+        <p:txBody>
+          <a:bodyPr rtlCol="0" anchor="ctr"/>
+          <a:lstStyle/>
+          <a:p>
+            <a:pPr algn="ctr"/>
+          </a:p>
+        </p:txBody>
+      </p:sp>
+      <p:sp>
+        <p:nvSpPr>
+          <p:cNvPr id="10" name="Diamond 9"/>
+          <p:cNvSpPr/>
+          <p:nvPr/>
+        </p:nvSpPr>
+        <p:spPr>
+          <a:xfrm>
+            <a:off x="731520" y="1737360"/>
+            <a:ext cx="1828800" cy="640080"/>
+          </a:xfrm>
+          <a:prstGeom prst="diamond">
+            <a:avLst/>
+          </a:prstGeom>
+          <a:solidFill>
+            <a:srgbClr val="2C3E50"/>
+          </a:solidFill>
+          <a:ln w="12700">
+            <a:solidFill>
+              <a:srgbClr val="FFFFFF"/>
+            </a:solidFill>
+          </a:ln>
+        </p:spPr>
+        <p:style>
+          <a:lnRef idx="1">
+            <a:schemeClr val="accent1"/>
+          </a:lnRef>
+          <a:fillRef idx="3">
+            <a:schemeClr val="accent1"/>
+          </a:fillRef>
+          <a:effectRef idx="2">
+            <a:schemeClr val="accent1"/>
+          </a:effectRef>
+          <a:fontRef idx="minor">
+            <a:schemeClr val="lt1"/>
+          </a:fontRef>
+        </p:style>
+        <p:txBody>
+          <a:bodyPr rtlCol="0" anchor="ctr"/>
+          <a:lstStyle/>
+          <a:p>
+            <a:pPr algn="ctr"/>
+          </a:p>
+        </p:txBody>
+      </p:sp>
+      <p:sp>
+        <p:nvSpPr>
+          <p:cNvPr id="11" name="TextBox 10"/>
+          <p:cNvSpPr txBox="1"/>
+          <p:nvPr/>
+        </p:nvSpPr>
+        <p:spPr>
+          <a:xfrm>
+            <a:off x="868680" y="1901952"/>
+            <a:ext cx="1554480" cy="457200"/>
           </a:xfrm>
           <a:prstGeom prst="rect">
             <a:avLst/>
@@ -8352,73 +8894,35 @@
           </a:bodyPr>
           <a:lstStyle/>
           <a:p>
-            <a:pPr>
-              <a:defRPr sz="1400" b="1">
-                <a:solidFill>
-                  <a:srgbClr val="009B9E"/>
+            <a:pPr algn="ctr">
+              <a:defRPr sz="900" b="1">
+                <a:solidFill>
+                  <a:srgbClr val="FFFFFF"/>
                 </a:solidFill>
               </a:defRPr>
             </a:pPr>
             <a:r>
-              <a:t>Check GRN Edges</a:t>
-            </a:r>
-          </a:p>
-          <a:p>
-            <a:pPr>
-              <a:defRPr sz="1100">
-                <a:solidFill>
-                  <a:srgbClr val="2D3A4A"/>
-                </a:solidFill>
-              </a:defRPr>
-            </a:pPr>
-            <a:r>
-              <a:t>Has outgoing regulatory edges?</a:t>
-            </a:r>
-          </a:p>
-          <a:p>
-            <a:pPr>
-              <a:defRPr sz="1000">
-                <a:solidFill>
-                  <a:srgbClr val="2EA06A"/>
-                </a:solidFill>
-              </a:defRPr>
-            </a:pPr>
-            <a:r>
-              <a:t>YES → Run BFS network propagation → END</a:t>
-            </a:r>
-          </a:p>
-          <a:p>
-            <a:pPr>
-              <a:defRPr sz="1000">
-                <a:solidFill>
-                  <a:srgbClr val="E86C2C"/>
-                </a:solidFill>
-              </a:defRPr>
-            </a:pPr>
-            <a:r>
-              <a:t>NO → network_effect = 0, continue...</a:t>
-            </a:r>
-          </a:p>
-        </p:txBody>
-      </p:sp>
-      <p:sp>
-        <p:nvSpPr>
-          <p:cNvPr id="9" name="Rounded Rectangle 8"/>
-          <p:cNvSpPr/>
-          <p:nvPr/>
-        </p:nvSpPr>
-        <p:spPr>
-          <a:xfrm>
-            <a:off x="365760" y="2743200"/>
-            <a:ext cx="457200" cy="457200"/>
-          </a:xfrm>
-          <a:prstGeom prst="roundRect">
-            <a:avLst>
-              <a:gd name="adj" fmla="val 15000"/>
-            </a:avLst>
-          </a:prstGeom>
-          <a:solidFill>
-            <a:srgbClr val="1A568C"/>
+              <a:t>GRN edges?</a:t>
+            </a:r>
+          </a:p>
+        </p:txBody>
+      </p:sp>
+      <p:sp>
+        <p:nvSpPr>
+          <p:cNvPr id="12" name="Oval 11"/>
+          <p:cNvSpPr/>
+          <p:nvPr/>
+        </p:nvSpPr>
+        <p:spPr>
+          <a:xfrm>
+            <a:off x="411480" y="1920240"/>
+            <a:ext cx="292608" cy="292608"/>
+          </a:xfrm>
+          <a:prstGeom prst="ellipse">
+            <a:avLst/>
+          </a:prstGeom>
+          <a:solidFill>
+            <a:srgbClr val="00D4AA"/>
           </a:solidFill>
           <a:ln>
             <a:noFill/>
@@ -8439,42 +8943,423 @@
           </a:fontRef>
         </p:style>
         <p:txBody>
-          <a:bodyPr rtlCol="0" anchor="ctr" wrap="square"/>
+          <a:bodyPr rtlCol="0" anchor="ctr"/>
+          <a:lstStyle/>
+          <a:p>
+            <a:pPr algn="ctr"/>
+          </a:p>
+        </p:txBody>
+      </p:sp>
+      <p:sp>
+        <p:nvSpPr>
+          <p:cNvPr id="13" name="TextBox 12"/>
+          <p:cNvSpPr txBox="1"/>
+          <p:nvPr/>
+        </p:nvSpPr>
+        <p:spPr>
+          <a:xfrm>
+            <a:off x="411480" y="1938528"/>
+            <a:ext cx="292608" cy="274320"/>
+          </a:xfrm>
+          <a:prstGeom prst="rect">
+            <a:avLst/>
+          </a:prstGeom>
+          <a:noFill/>
+        </p:spPr>
+        <p:txBody>
+          <a:bodyPr wrap="none">
+            <a:spAutoFit/>
+          </a:bodyPr>
           <a:lstStyle/>
           <a:p>
             <a:pPr algn="ctr">
-              <a:defRPr sz="1800" b="1">
+              <a:defRPr sz="1100" b="1">
                 <a:solidFill>
                   <a:srgbClr val="FFFFFF"/>
                 </a:solidFill>
               </a:defRPr>
             </a:pPr>
             <a:r>
-              <a:t>2</a:t>
-            </a:r>
-          </a:p>
-        </p:txBody>
-      </p:sp>
-      <p:sp>
-        <p:nvSpPr>
-          <p:cNvPr id="10" name="Rounded Rectangle 9"/>
-          <p:cNvSpPr/>
-          <p:nvPr/>
-        </p:nvSpPr>
-        <p:spPr>
-          <a:xfrm>
-            <a:off x="914400" y="2743200"/>
-            <a:ext cx="4754880" cy="1371600"/>
+              <a:t>1</a:t>
+            </a:r>
+          </a:p>
+        </p:txBody>
+      </p:sp>
+      <p:sp>
+        <p:nvSpPr>
+          <p:cNvPr id="14" name="Right Arrow 13"/>
+          <p:cNvSpPr/>
+          <p:nvPr/>
+        </p:nvSpPr>
+        <p:spPr>
+          <a:xfrm>
+            <a:off x="2651760" y="1965960"/>
+            <a:ext cx="457200" cy="201168"/>
+          </a:xfrm>
+          <a:prstGeom prst="rightArrow">
+            <a:avLst/>
+          </a:prstGeom>
+          <a:solidFill>
+            <a:srgbClr val="00D4AA"/>
+          </a:solidFill>
+          <a:ln>
+            <a:noFill/>
+          </a:ln>
+        </p:spPr>
+        <p:style>
+          <a:lnRef idx="1">
+            <a:schemeClr val="accent1"/>
+          </a:lnRef>
+          <a:fillRef idx="3">
+            <a:schemeClr val="accent1"/>
+          </a:fillRef>
+          <a:effectRef idx="2">
+            <a:schemeClr val="accent1"/>
+          </a:effectRef>
+          <a:fontRef idx="minor">
+            <a:schemeClr val="lt1"/>
+          </a:fontRef>
+        </p:style>
+        <p:txBody>
+          <a:bodyPr rtlCol="0" anchor="ctr"/>
+          <a:lstStyle/>
+          <a:p>
+            <a:pPr algn="ctr"/>
+          </a:p>
+        </p:txBody>
+      </p:sp>
+      <p:sp>
+        <p:nvSpPr>
+          <p:cNvPr id="15" name="TextBox 14"/>
+          <p:cNvSpPr txBox="1"/>
+          <p:nvPr/>
+        </p:nvSpPr>
+        <p:spPr>
+          <a:xfrm>
+            <a:off x="2697480" y="1755648"/>
+            <a:ext cx="365760" cy="228600"/>
+          </a:xfrm>
+          <a:prstGeom prst="rect">
+            <a:avLst/>
+          </a:prstGeom>
+          <a:noFill/>
+        </p:spPr>
+        <p:txBody>
+          <a:bodyPr wrap="none">
+            <a:spAutoFit/>
+          </a:bodyPr>
+          <a:lstStyle/>
+          <a:p>
+            <a:pPr>
+              <a:defRPr sz="800" b="1">
+                <a:solidFill>
+                  <a:srgbClr val="00D4AA"/>
+                </a:solidFill>
+              </a:defRPr>
+            </a:pPr>
+            <a:r>
+              <a:t>YES</a:t>
+            </a:r>
+          </a:p>
+        </p:txBody>
+      </p:sp>
+      <p:sp>
+        <p:nvSpPr>
+          <p:cNvPr id="16" name="Rounded Rectangle 15"/>
+          <p:cNvSpPr/>
+          <p:nvPr/>
+        </p:nvSpPr>
+        <p:spPr>
+          <a:xfrm>
+            <a:off x="4114800" y="1828800"/>
+            <a:ext cx="2286000" cy="457200"/>
           </a:xfrm>
           <a:prstGeom prst="roundRect">
             <a:avLst/>
           </a:prstGeom>
           <a:solidFill>
-            <a:srgbClr val="F0F8FF"/>
-          </a:solidFill>
-          <a:ln w="25400">
+            <a:srgbClr val="4A69BD"/>
+          </a:solidFill>
+          <a:ln>
+            <a:noFill/>
+          </a:ln>
+        </p:spPr>
+        <p:style>
+          <a:lnRef idx="1">
+            <a:schemeClr val="accent1"/>
+          </a:lnRef>
+          <a:fillRef idx="3">
+            <a:schemeClr val="accent1"/>
+          </a:fillRef>
+          <a:effectRef idx="2">
+            <a:schemeClr val="accent1"/>
+          </a:effectRef>
+          <a:fontRef idx="minor">
+            <a:schemeClr val="lt1"/>
+          </a:fontRef>
+        </p:style>
+        <p:txBody>
+          <a:bodyPr rtlCol="0" anchor="ctr"/>
+          <a:lstStyle/>
+          <a:p>
+            <a:pPr algn="ctr"/>
+          </a:p>
+        </p:txBody>
+      </p:sp>
+      <p:sp>
+        <p:nvSpPr>
+          <p:cNvPr id="17" name="TextBox 16"/>
+          <p:cNvSpPr txBox="1"/>
+          <p:nvPr/>
+        </p:nvSpPr>
+        <p:spPr>
+          <a:xfrm>
+            <a:off x="4206240" y="1901952"/>
+            <a:ext cx="2103120" cy="365760"/>
+          </a:xfrm>
+          <a:prstGeom prst="rect">
+            <a:avLst/>
+          </a:prstGeom>
+          <a:noFill/>
+        </p:spPr>
+        <p:txBody>
+          <a:bodyPr wrap="none">
+            <a:spAutoFit/>
+          </a:bodyPr>
+          <a:lstStyle/>
+          <a:p>
+            <a:pPr algn="ctr">
+              <a:defRPr sz="1000" b="1">
+                <a:solidFill>
+                  <a:srgbClr val="FFFFFF"/>
+                </a:solidFill>
+              </a:defRPr>
+            </a:pPr>
+            <a:r>
+              <a:t>BFS propagation</a:t>
+            </a:r>
+          </a:p>
+        </p:txBody>
+      </p:sp>
+      <p:sp>
+        <p:nvSpPr>
+          <p:cNvPr id="18" name="Right Arrow 17"/>
+          <p:cNvSpPr/>
+          <p:nvPr/>
+        </p:nvSpPr>
+        <p:spPr>
+          <a:xfrm>
+            <a:off x="6492240" y="1965960"/>
+            <a:ext cx="365760" cy="182880"/>
+          </a:xfrm>
+          <a:prstGeom prst="rightArrow">
+            <a:avLst/>
+          </a:prstGeom>
+          <a:solidFill>
+            <a:srgbClr val="00C98D"/>
+          </a:solidFill>
+          <a:ln>
+            <a:noFill/>
+          </a:ln>
+        </p:spPr>
+        <p:style>
+          <a:lnRef idx="1">
+            <a:schemeClr val="accent1"/>
+          </a:lnRef>
+          <a:fillRef idx="3">
+            <a:schemeClr val="accent1"/>
+          </a:fillRef>
+          <a:effectRef idx="2">
+            <a:schemeClr val="accent1"/>
+          </a:effectRef>
+          <a:fontRef idx="minor">
+            <a:schemeClr val="lt1"/>
+          </a:fontRef>
+        </p:style>
+        <p:txBody>
+          <a:bodyPr rtlCol="0" anchor="ctr"/>
+          <a:lstStyle/>
+          <a:p>
+            <a:pPr algn="ctr"/>
+          </a:p>
+        </p:txBody>
+      </p:sp>
+      <p:sp>
+        <p:nvSpPr>
+          <p:cNvPr id="19" name="Rounded Rectangle 18"/>
+          <p:cNvSpPr/>
+          <p:nvPr/>
+        </p:nvSpPr>
+        <p:spPr>
+          <a:xfrm>
+            <a:off x="6583680" y="1847088"/>
+            <a:ext cx="640080" cy="411480"/>
+          </a:xfrm>
+          <a:prstGeom prst="roundRect">
+            <a:avLst/>
+          </a:prstGeom>
+          <a:solidFill>
+            <a:srgbClr val="00C98D"/>
+          </a:solidFill>
+          <a:ln>
+            <a:noFill/>
+          </a:ln>
+        </p:spPr>
+        <p:style>
+          <a:lnRef idx="1">
+            <a:schemeClr val="accent1"/>
+          </a:lnRef>
+          <a:fillRef idx="3">
+            <a:schemeClr val="accent1"/>
+          </a:fillRef>
+          <a:effectRef idx="2">
+            <a:schemeClr val="accent1"/>
+          </a:effectRef>
+          <a:fontRef idx="minor">
+            <a:schemeClr val="lt1"/>
+          </a:fontRef>
+        </p:style>
+        <p:txBody>
+          <a:bodyPr rtlCol="0" anchor="ctr"/>
+          <a:lstStyle/>
+          <a:p>
+            <a:pPr algn="ctr"/>
+          </a:p>
+        </p:txBody>
+      </p:sp>
+      <p:sp>
+        <p:nvSpPr>
+          <p:cNvPr id="20" name="TextBox 19"/>
+          <p:cNvSpPr txBox="1"/>
+          <p:nvPr/>
+        </p:nvSpPr>
+        <p:spPr>
+          <a:xfrm>
+            <a:off x="6583680" y="1920240"/>
+            <a:ext cx="640080" cy="320040"/>
+          </a:xfrm>
+          <a:prstGeom prst="rect">
+            <a:avLst/>
+          </a:prstGeom>
+          <a:noFill/>
+        </p:spPr>
+        <p:txBody>
+          <a:bodyPr wrap="none">
+            <a:spAutoFit/>
+          </a:bodyPr>
+          <a:lstStyle/>
+          <a:p>
+            <a:pPr algn="ctr">
+              <a:defRPr sz="1000" b="1">
+                <a:solidFill>
+                  <a:srgbClr val="FFFFFF"/>
+                </a:solidFill>
+              </a:defRPr>
+            </a:pPr>
+            <a:r>
+              <a:t>END</a:t>
+            </a:r>
+          </a:p>
+        </p:txBody>
+      </p:sp>
+      <p:sp>
+        <p:nvSpPr>
+          <p:cNvPr id="21" name="Down Arrow 20"/>
+          <p:cNvSpPr/>
+          <p:nvPr/>
+        </p:nvSpPr>
+        <p:spPr>
+          <a:xfrm>
+            <a:off x="1508760" y="2395728"/>
+            <a:ext cx="274320" cy="228600"/>
+          </a:xfrm>
+          <a:prstGeom prst="downArrow">
+            <a:avLst/>
+          </a:prstGeom>
+          <a:solidFill>
+            <a:srgbClr val="8E99A4"/>
+          </a:solidFill>
+          <a:ln>
+            <a:noFill/>
+          </a:ln>
+        </p:spPr>
+        <p:style>
+          <a:lnRef idx="1">
+            <a:schemeClr val="accent1"/>
+          </a:lnRef>
+          <a:fillRef idx="3">
+            <a:schemeClr val="accent1"/>
+          </a:fillRef>
+          <a:effectRef idx="2">
+            <a:schemeClr val="accent1"/>
+          </a:effectRef>
+          <a:fontRef idx="minor">
+            <a:schemeClr val="lt1"/>
+          </a:fontRef>
+        </p:style>
+        <p:txBody>
+          <a:bodyPr rtlCol="0" anchor="ctr"/>
+          <a:lstStyle/>
+          <a:p>
+            <a:pPr algn="ctr"/>
+          </a:p>
+        </p:txBody>
+      </p:sp>
+      <p:sp>
+        <p:nvSpPr>
+          <p:cNvPr id="22" name="TextBox 21"/>
+          <p:cNvSpPr txBox="1"/>
+          <p:nvPr/>
+        </p:nvSpPr>
+        <p:spPr>
+          <a:xfrm>
+            <a:off x="1828800" y="2395728"/>
+            <a:ext cx="274320" cy="182880"/>
+          </a:xfrm>
+          <a:prstGeom prst="rect">
+            <a:avLst/>
+          </a:prstGeom>
+          <a:noFill/>
+        </p:spPr>
+        <p:txBody>
+          <a:bodyPr wrap="none">
+            <a:spAutoFit/>
+          </a:bodyPr>
+          <a:lstStyle/>
+          <a:p>
+            <a:pPr>
+              <a:defRPr sz="700">
+                <a:solidFill>
+                  <a:srgbClr val="8E99A4"/>
+                </a:solidFill>
+              </a:defRPr>
+            </a:pPr>
+            <a:r>
+              <a:t>NO</a:t>
+            </a:r>
+          </a:p>
+        </p:txBody>
+      </p:sp>
+      <p:sp>
+        <p:nvSpPr>
+          <p:cNvPr id="23" name="Diamond 22"/>
+          <p:cNvSpPr/>
+          <p:nvPr/>
+        </p:nvSpPr>
+        <p:spPr>
+          <a:xfrm>
+            <a:off x="731520" y="2606040"/>
+            <a:ext cx="1828800" cy="640080"/>
+          </a:xfrm>
+          <a:prstGeom prst="diamond">
+            <a:avLst/>
+          </a:prstGeom>
+          <a:solidFill>
+            <a:srgbClr val="2C3E50"/>
+          </a:solidFill>
+          <a:ln w="12700">
             <a:solidFill>
-              <a:srgbClr val="1A568C"/>
+              <a:srgbClr val="FFFFFF"/>
             </a:solidFill>
           </a:ln>
         </p:spPr>
@@ -8502,14 +9387,14 @@
       </p:sp>
       <p:sp>
         <p:nvSpPr>
-          <p:cNvPr id="11" name="TextBox 10"/>
+          <p:cNvPr id="24" name="TextBox 23"/>
           <p:cNvSpPr txBox="1"/>
           <p:nvPr/>
         </p:nvSpPr>
         <p:spPr>
           <a:xfrm>
-            <a:off x="1051560" y="2816352"/>
-            <a:ext cx="4480560" cy="1280160"/>
+            <a:off x="868680" y="2770632"/>
+            <a:ext cx="1554480" cy="457200"/>
           </a:xfrm>
           <a:prstGeom prst="rect">
             <a:avLst/>
@@ -8522,73 +9407,39 @@
           </a:bodyPr>
           <a:lstStyle/>
           <a:p>
-            <a:pPr>
-              <a:defRPr sz="1400" b="1">
-                <a:solidFill>
-                  <a:srgbClr val="1A568C"/>
+            <a:pPr algn="ctr">
+              <a:defRPr sz="900" b="1">
+                <a:solidFill>
+                  <a:srgbClr val="FFFFFF"/>
                 </a:solidFill>
               </a:defRPr>
             </a:pPr>
             <a:r>
-              <a:t>STRING Protein Interaction</a:t>
-            </a:r>
-          </a:p>
-          <a:p>
-            <a:pPr>
-              <a:defRPr sz="1100">
-                <a:solidFill>
-                  <a:srgbClr val="2D3A4A"/>
-                </a:solidFill>
-              </a:defRPr>
-            </a:pPr>
-            <a:r>
-              <a:t>Protein partner with GRN edges?</a:t>
-            </a:r>
-          </a:p>
-          <a:p>
-            <a:pPr>
-              <a:defRPr sz="1000">
-                <a:solidFill>
-                  <a:srgbClr val="2EA06A"/>
-                </a:solidFill>
-              </a:defRPr>
-            </a:pPr>
-            <a:r>
-              <a:t>YES → Route to partner → BFS → END</a:t>
-            </a:r>
-          </a:p>
-          <a:p>
-            <a:pPr>
-              <a:defRPr sz="1000">
-                <a:solidFill>
-                  <a:srgbClr val="E86C2C"/>
-                </a:solidFill>
-              </a:defRPr>
-            </a:pPr>
-            <a:r>
-              <a:t>NO → continue to next fallback...</a:t>
-            </a:r>
-          </a:p>
-        </p:txBody>
-      </p:sp>
-      <p:sp>
-        <p:nvSpPr>
-          <p:cNvPr id="12" name="Rounded Rectangle 11"/>
-          <p:cNvSpPr/>
-          <p:nvPr/>
-        </p:nvSpPr>
-        <p:spPr>
-          <a:xfrm>
-            <a:off x="365760" y="4251960"/>
-            <a:ext cx="457200" cy="457200"/>
-          </a:xfrm>
-          <a:prstGeom prst="roundRect">
-            <a:avLst>
-              <a:gd name="adj" fmla="val 15000"/>
-            </a:avLst>
-          </a:prstGeom>
-          <a:solidFill>
-            <a:srgbClr val="9B59B6"/>
+              <a:t>STRING</a:t>
+            </a:r>
+            <a:br/>
+            <a:r>
+              <a:t>partner?</a:t>
+            </a:r>
+          </a:p>
+        </p:txBody>
+      </p:sp>
+      <p:sp>
+        <p:nvSpPr>
+          <p:cNvPr id="25" name="Oval 24"/>
+          <p:cNvSpPr/>
+          <p:nvPr/>
+        </p:nvSpPr>
+        <p:spPr>
+          <a:xfrm>
+            <a:off x="411480" y="2788920"/>
+            <a:ext cx="292608" cy="292608"/>
+          </a:xfrm>
+          <a:prstGeom prst="ellipse">
+            <a:avLst/>
+          </a:prstGeom>
+          <a:solidFill>
+            <a:srgbClr val="00D4AA"/>
           </a:solidFill>
           <a:ln>
             <a:noFill/>
@@ -8609,42 +9460,423 @@
           </a:fontRef>
         </p:style>
         <p:txBody>
-          <a:bodyPr rtlCol="0" anchor="ctr" wrap="square"/>
+          <a:bodyPr rtlCol="0" anchor="ctr"/>
+          <a:lstStyle/>
+          <a:p>
+            <a:pPr algn="ctr"/>
+          </a:p>
+        </p:txBody>
+      </p:sp>
+      <p:sp>
+        <p:nvSpPr>
+          <p:cNvPr id="26" name="TextBox 25"/>
+          <p:cNvSpPr txBox="1"/>
+          <p:nvPr/>
+        </p:nvSpPr>
+        <p:spPr>
+          <a:xfrm>
+            <a:off x="411480" y="2807208"/>
+            <a:ext cx="292608" cy="274320"/>
+          </a:xfrm>
+          <a:prstGeom prst="rect">
+            <a:avLst/>
+          </a:prstGeom>
+          <a:noFill/>
+        </p:spPr>
+        <p:txBody>
+          <a:bodyPr wrap="none">
+            <a:spAutoFit/>
+          </a:bodyPr>
           <a:lstStyle/>
           <a:p>
             <a:pPr algn="ctr">
-              <a:defRPr sz="1800" b="1">
+              <a:defRPr sz="1100" b="1">
                 <a:solidFill>
                   <a:srgbClr val="FFFFFF"/>
                 </a:solidFill>
               </a:defRPr>
             </a:pPr>
             <a:r>
-              <a:t>3</a:t>
-            </a:r>
-          </a:p>
-        </p:txBody>
-      </p:sp>
-      <p:sp>
-        <p:nvSpPr>
-          <p:cNvPr id="13" name="Rounded Rectangle 12"/>
-          <p:cNvSpPr/>
-          <p:nvPr/>
-        </p:nvSpPr>
-        <p:spPr>
-          <a:xfrm>
-            <a:off x="914400" y="4251960"/>
-            <a:ext cx="4754880" cy="1371600"/>
+              <a:t>2</a:t>
+            </a:r>
+          </a:p>
+        </p:txBody>
+      </p:sp>
+      <p:sp>
+        <p:nvSpPr>
+          <p:cNvPr id="27" name="Right Arrow 26"/>
+          <p:cNvSpPr/>
+          <p:nvPr/>
+        </p:nvSpPr>
+        <p:spPr>
+          <a:xfrm>
+            <a:off x="2651760" y="2834640"/>
+            <a:ext cx="457200" cy="201168"/>
+          </a:xfrm>
+          <a:prstGeom prst="rightArrow">
+            <a:avLst/>
+          </a:prstGeom>
+          <a:solidFill>
+            <a:srgbClr val="00D4AA"/>
+          </a:solidFill>
+          <a:ln>
+            <a:noFill/>
+          </a:ln>
+        </p:spPr>
+        <p:style>
+          <a:lnRef idx="1">
+            <a:schemeClr val="accent1"/>
+          </a:lnRef>
+          <a:fillRef idx="3">
+            <a:schemeClr val="accent1"/>
+          </a:fillRef>
+          <a:effectRef idx="2">
+            <a:schemeClr val="accent1"/>
+          </a:effectRef>
+          <a:fontRef idx="minor">
+            <a:schemeClr val="lt1"/>
+          </a:fontRef>
+        </p:style>
+        <p:txBody>
+          <a:bodyPr rtlCol="0" anchor="ctr"/>
+          <a:lstStyle/>
+          <a:p>
+            <a:pPr algn="ctr"/>
+          </a:p>
+        </p:txBody>
+      </p:sp>
+      <p:sp>
+        <p:nvSpPr>
+          <p:cNvPr id="28" name="TextBox 27"/>
+          <p:cNvSpPr txBox="1"/>
+          <p:nvPr/>
+        </p:nvSpPr>
+        <p:spPr>
+          <a:xfrm>
+            <a:off x="2697480" y="2624328"/>
+            <a:ext cx="365760" cy="228600"/>
+          </a:xfrm>
+          <a:prstGeom prst="rect">
+            <a:avLst/>
+          </a:prstGeom>
+          <a:noFill/>
+        </p:spPr>
+        <p:txBody>
+          <a:bodyPr wrap="none">
+            <a:spAutoFit/>
+          </a:bodyPr>
+          <a:lstStyle/>
+          <a:p>
+            <a:pPr>
+              <a:defRPr sz="800" b="1">
+                <a:solidFill>
+                  <a:srgbClr val="00D4AA"/>
+                </a:solidFill>
+              </a:defRPr>
+            </a:pPr>
+            <a:r>
+              <a:t>YES</a:t>
+            </a:r>
+          </a:p>
+        </p:txBody>
+      </p:sp>
+      <p:sp>
+        <p:nvSpPr>
+          <p:cNvPr id="29" name="Rounded Rectangle 28"/>
+          <p:cNvSpPr/>
+          <p:nvPr/>
+        </p:nvSpPr>
+        <p:spPr>
+          <a:xfrm>
+            <a:off x="4114800" y="2697480"/>
+            <a:ext cx="2286000" cy="457200"/>
           </a:xfrm>
           <a:prstGeom prst="roundRect">
             <a:avLst/>
           </a:prstGeom>
           <a:solidFill>
-            <a:srgbClr val="F5F0FA"/>
-          </a:solidFill>
-          <a:ln w="25400">
+            <a:srgbClr val="4A69BD"/>
+          </a:solidFill>
+          <a:ln>
+            <a:noFill/>
+          </a:ln>
+        </p:spPr>
+        <p:style>
+          <a:lnRef idx="1">
+            <a:schemeClr val="accent1"/>
+          </a:lnRef>
+          <a:fillRef idx="3">
+            <a:schemeClr val="accent1"/>
+          </a:fillRef>
+          <a:effectRef idx="2">
+            <a:schemeClr val="accent1"/>
+          </a:effectRef>
+          <a:fontRef idx="minor">
+            <a:schemeClr val="lt1"/>
+          </a:fontRef>
+        </p:style>
+        <p:txBody>
+          <a:bodyPr rtlCol="0" anchor="ctr"/>
+          <a:lstStyle/>
+          <a:p>
+            <a:pPr algn="ctr"/>
+          </a:p>
+        </p:txBody>
+      </p:sp>
+      <p:sp>
+        <p:nvSpPr>
+          <p:cNvPr id="30" name="TextBox 29"/>
+          <p:cNvSpPr txBox="1"/>
+          <p:nvPr/>
+        </p:nvSpPr>
+        <p:spPr>
+          <a:xfrm>
+            <a:off x="4206240" y="2770632"/>
+            <a:ext cx="2103120" cy="365760"/>
+          </a:xfrm>
+          <a:prstGeom prst="rect">
+            <a:avLst/>
+          </a:prstGeom>
+          <a:noFill/>
+        </p:spPr>
+        <p:txBody>
+          <a:bodyPr wrap="none">
+            <a:spAutoFit/>
+          </a:bodyPr>
+          <a:lstStyle/>
+          <a:p>
+            <a:pPr algn="ctr">
+              <a:defRPr sz="1000" b="1">
+                <a:solidFill>
+                  <a:srgbClr val="FFFFFF"/>
+                </a:solidFill>
+              </a:defRPr>
+            </a:pPr>
+            <a:r>
+              <a:t>Route → BFS</a:t>
+            </a:r>
+          </a:p>
+        </p:txBody>
+      </p:sp>
+      <p:sp>
+        <p:nvSpPr>
+          <p:cNvPr id="31" name="Right Arrow 30"/>
+          <p:cNvSpPr/>
+          <p:nvPr/>
+        </p:nvSpPr>
+        <p:spPr>
+          <a:xfrm>
+            <a:off x="6492240" y="2834640"/>
+            <a:ext cx="365760" cy="182880"/>
+          </a:xfrm>
+          <a:prstGeom prst="rightArrow">
+            <a:avLst/>
+          </a:prstGeom>
+          <a:solidFill>
+            <a:srgbClr val="00C98D"/>
+          </a:solidFill>
+          <a:ln>
+            <a:noFill/>
+          </a:ln>
+        </p:spPr>
+        <p:style>
+          <a:lnRef idx="1">
+            <a:schemeClr val="accent1"/>
+          </a:lnRef>
+          <a:fillRef idx="3">
+            <a:schemeClr val="accent1"/>
+          </a:fillRef>
+          <a:effectRef idx="2">
+            <a:schemeClr val="accent1"/>
+          </a:effectRef>
+          <a:fontRef idx="minor">
+            <a:schemeClr val="lt1"/>
+          </a:fontRef>
+        </p:style>
+        <p:txBody>
+          <a:bodyPr rtlCol="0" anchor="ctr"/>
+          <a:lstStyle/>
+          <a:p>
+            <a:pPr algn="ctr"/>
+          </a:p>
+        </p:txBody>
+      </p:sp>
+      <p:sp>
+        <p:nvSpPr>
+          <p:cNvPr id="32" name="Rounded Rectangle 31"/>
+          <p:cNvSpPr/>
+          <p:nvPr/>
+        </p:nvSpPr>
+        <p:spPr>
+          <a:xfrm>
+            <a:off x="6583680" y="2715768"/>
+            <a:ext cx="640080" cy="411480"/>
+          </a:xfrm>
+          <a:prstGeom prst="roundRect">
+            <a:avLst/>
+          </a:prstGeom>
+          <a:solidFill>
+            <a:srgbClr val="00C98D"/>
+          </a:solidFill>
+          <a:ln>
+            <a:noFill/>
+          </a:ln>
+        </p:spPr>
+        <p:style>
+          <a:lnRef idx="1">
+            <a:schemeClr val="accent1"/>
+          </a:lnRef>
+          <a:fillRef idx="3">
+            <a:schemeClr val="accent1"/>
+          </a:fillRef>
+          <a:effectRef idx="2">
+            <a:schemeClr val="accent1"/>
+          </a:effectRef>
+          <a:fontRef idx="minor">
+            <a:schemeClr val="lt1"/>
+          </a:fontRef>
+        </p:style>
+        <p:txBody>
+          <a:bodyPr rtlCol="0" anchor="ctr"/>
+          <a:lstStyle/>
+          <a:p>
+            <a:pPr algn="ctr"/>
+          </a:p>
+        </p:txBody>
+      </p:sp>
+      <p:sp>
+        <p:nvSpPr>
+          <p:cNvPr id="33" name="TextBox 32"/>
+          <p:cNvSpPr txBox="1"/>
+          <p:nvPr/>
+        </p:nvSpPr>
+        <p:spPr>
+          <a:xfrm>
+            <a:off x="6583680" y="2788920"/>
+            <a:ext cx="640080" cy="320040"/>
+          </a:xfrm>
+          <a:prstGeom prst="rect">
+            <a:avLst/>
+          </a:prstGeom>
+          <a:noFill/>
+        </p:spPr>
+        <p:txBody>
+          <a:bodyPr wrap="none">
+            <a:spAutoFit/>
+          </a:bodyPr>
+          <a:lstStyle/>
+          <a:p>
+            <a:pPr algn="ctr">
+              <a:defRPr sz="1000" b="1">
+                <a:solidFill>
+                  <a:srgbClr val="FFFFFF"/>
+                </a:solidFill>
+              </a:defRPr>
+            </a:pPr>
+            <a:r>
+              <a:t>END</a:t>
+            </a:r>
+          </a:p>
+        </p:txBody>
+      </p:sp>
+      <p:sp>
+        <p:nvSpPr>
+          <p:cNvPr id="34" name="Down Arrow 33"/>
+          <p:cNvSpPr/>
+          <p:nvPr/>
+        </p:nvSpPr>
+        <p:spPr>
+          <a:xfrm>
+            <a:off x="1508760" y="3264408"/>
+            <a:ext cx="274320" cy="228600"/>
+          </a:xfrm>
+          <a:prstGeom prst="downArrow">
+            <a:avLst/>
+          </a:prstGeom>
+          <a:solidFill>
+            <a:srgbClr val="8E99A4"/>
+          </a:solidFill>
+          <a:ln>
+            <a:noFill/>
+          </a:ln>
+        </p:spPr>
+        <p:style>
+          <a:lnRef idx="1">
+            <a:schemeClr val="accent1"/>
+          </a:lnRef>
+          <a:fillRef idx="3">
+            <a:schemeClr val="accent1"/>
+          </a:fillRef>
+          <a:effectRef idx="2">
+            <a:schemeClr val="accent1"/>
+          </a:effectRef>
+          <a:fontRef idx="minor">
+            <a:schemeClr val="lt1"/>
+          </a:fontRef>
+        </p:style>
+        <p:txBody>
+          <a:bodyPr rtlCol="0" anchor="ctr"/>
+          <a:lstStyle/>
+          <a:p>
+            <a:pPr algn="ctr"/>
+          </a:p>
+        </p:txBody>
+      </p:sp>
+      <p:sp>
+        <p:nvSpPr>
+          <p:cNvPr id="35" name="TextBox 34"/>
+          <p:cNvSpPr txBox="1"/>
+          <p:nvPr/>
+        </p:nvSpPr>
+        <p:spPr>
+          <a:xfrm>
+            <a:off x="1828800" y="3264408"/>
+            <a:ext cx="274320" cy="182880"/>
+          </a:xfrm>
+          <a:prstGeom prst="rect">
+            <a:avLst/>
+          </a:prstGeom>
+          <a:noFill/>
+        </p:spPr>
+        <p:txBody>
+          <a:bodyPr wrap="none">
+            <a:spAutoFit/>
+          </a:bodyPr>
+          <a:lstStyle/>
+          <a:p>
+            <a:pPr>
+              <a:defRPr sz="700">
+                <a:solidFill>
+                  <a:srgbClr val="8E99A4"/>
+                </a:solidFill>
+              </a:defRPr>
+            </a:pPr>
+            <a:r>
+              <a:t>NO</a:t>
+            </a:r>
+          </a:p>
+        </p:txBody>
+      </p:sp>
+      <p:sp>
+        <p:nvSpPr>
+          <p:cNvPr id="36" name="Diamond 35"/>
+          <p:cNvSpPr/>
+          <p:nvPr/>
+        </p:nvSpPr>
+        <p:spPr>
+          <a:xfrm>
+            <a:off x="731520" y="3474720"/>
+            <a:ext cx="1828800" cy="640080"/>
+          </a:xfrm>
+          <a:prstGeom prst="diamond">
+            <a:avLst/>
+          </a:prstGeom>
+          <a:solidFill>
+            <a:srgbClr val="2C3E50"/>
+          </a:solidFill>
+          <a:ln w="12700">
             <a:solidFill>
-              <a:srgbClr val="9B59B6"/>
+              <a:srgbClr val="FFFFFF"/>
             </a:solidFill>
           </a:ln>
         </p:spPr>
@@ -8672,14 +9904,14 @@
       </p:sp>
       <p:sp>
         <p:nvSpPr>
-          <p:cNvPr id="14" name="TextBox 13"/>
+          <p:cNvPr id="37" name="TextBox 36"/>
           <p:cNvSpPr txBox="1"/>
           <p:nvPr/>
         </p:nvSpPr>
         <p:spPr>
           <a:xfrm>
-            <a:off x="1051560" y="4325112"/>
-            <a:ext cx="4480560" cy="1280160"/>
+            <a:off x="868680" y="3639312"/>
+            <a:ext cx="1554480" cy="457200"/>
           </a:xfrm>
           <a:prstGeom prst="rect">
             <a:avLst/>
@@ -8692,73 +9924,39 @@
           </a:bodyPr>
           <a:lstStyle/>
           <a:p>
-            <a:pPr>
-              <a:defRPr sz="1400" b="1">
-                <a:solidFill>
-                  <a:srgbClr val="9B59B6"/>
+            <a:pPr algn="ctr">
+              <a:defRPr sz="900" b="1">
+                <a:solidFill>
+                  <a:srgbClr val="FFFFFF"/>
                 </a:solidFill>
               </a:defRPr>
             </a:pPr>
             <a:r>
-              <a:t>Embedding Similarity</a:t>
-            </a:r>
-          </a:p>
-          <a:p>
-            <a:pPr>
-              <a:defRPr sz="1100">
-                <a:solidFill>
-                  <a:srgbClr val="2D3A4A"/>
-                </a:solidFill>
-              </a:defRPr>
-            </a:pPr>
-            <a:r>
-              <a:t>Nearest neighbor with GRN edges?</a:t>
-            </a:r>
-          </a:p>
-          <a:p>
-            <a:pPr>
-              <a:defRPr sz="1000">
-                <a:solidFill>
-                  <a:srgbClr val="2EA06A"/>
-                </a:solidFill>
-              </a:defRPr>
-            </a:pPr>
-            <a:r>
-              <a:t>YES → Route to neighbor → BFS → END</a:t>
-            </a:r>
-          </a:p>
-          <a:p>
-            <a:pPr>
-              <a:defRPr sz="1000">
-                <a:solidFill>
-                  <a:srgbClr val="E86C2C"/>
-                </a:solidFill>
-              </a:defRPr>
-            </a:pPr>
-            <a:r>
-              <a:t>NO → continue to next fallback...</a:t>
-            </a:r>
-          </a:p>
-        </p:txBody>
-      </p:sp>
-      <p:sp>
-        <p:nvSpPr>
-          <p:cNvPr id="15" name="Rounded Rectangle 14"/>
-          <p:cNvSpPr/>
-          <p:nvPr/>
-        </p:nvSpPr>
-        <p:spPr>
-          <a:xfrm>
-            <a:off x="6309360" y="1234440"/>
-            <a:ext cx="457200" cy="457200"/>
-          </a:xfrm>
-          <a:prstGeom prst="roundRect">
-            <a:avLst>
-              <a:gd name="adj" fmla="val 15000"/>
-            </a:avLst>
-          </a:prstGeom>
-          <a:solidFill>
-            <a:srgbClr val="E67E22"/>
+              <a:t>Embedding</a:t>
+            </a:r>
+            <a:br/>
+            <a:r>
+              <a:t>neighbor?</a:t>
+            </a:r>
+          </a:p>
+        </p:txBody>
+      </p:sp>
+      <p:sp>
+        <p:nvSpPr>
+          <p:cNvPr id="38" name="Oval 37"/>
+          <p:cNvSpPr/>
+          <p:nvPr/>
+        </p:nvSpPr>
+        <p:spPr>
+          <a:xfrm>
+            <a:off x="411480" y="3657600"/>
+            <a:ext cx="292608" cy="292608"/>
+          </a:xfrm>
+          <a:prstGeom prst="ellipse">
+            <a:avLst/>
+          </a:prstGeom>
+          <a:solidFill>
+            <a:srgbClr val="00D4AA"/>
           </a:solidFill>
           <a:ln>
             <a:noFill/>
@@ -8779,42 +9977,423 @@
           </a:fontRef>
         </p:style>
         <p:txBody>
-          <a:bodyPr rtlCol="0" anchor="ctr" wrap="square"/>
+          <a:bodyPr rtlCol="0" anchor="ctr"/>
+          <a:lstStyle/>
+          <a:p>
+            <a:pPr algn="ctr"/>
+          </a:p>
+        </p:txBody>
+      </p:sp>
+      <p:sp>
+        <p:nvSpPr>
+          <p:cNvPr id="39" name="TextBox 38"/>
+          <p:cNvSpPr txBox="1"/>
+          <p:nvPr/>
+        </p:nvSpPr>
+        <p:spPr>
+          <a:xfrm>
+            <a:off x="411480" y="3675888"/>
+            <a:ext cx="292608" cy="274320"/>
+          </a:xfrm>
+          <a:prstGeom prst="rect">
+            <a:avLst/>
+          </a:prstGeom>
+          <a:noFill/>
+        </p:spPr>
+        <p:txBody>
+          <a:bodyPr wrap="none">
+            <a:spAutoFit/>
+          </a:bodyPr>
           <a:lstStyle/>
           <a:p>
             <a:pPr algn="ctr">
-              <a:defRPr sz="1800" b="1">
+              <a:defRPr sz="1100" b="1">
                 <a:solidFill>
                   <a:srgbClr val="FFFFFF"/>
                 </a:solidFill>
               </a:defRPr>
             </a:pPr>
             <a:r>
-              <a:t>4</a:t>
-            </a:r>
-          </a:p>
-        </p:txBody>
-      </p:sp>
-      <p:sp>
-        <p:nvSpPr>
-          <p:cNvPr id="16" name="Rounded Rectangle 15"/>
-          <p:cNvSpPr/>
-          <p:nvPr/>
-        </p:nvSpPr>
-        <p:spPr>
-          <a:xfrm>
-            <a:off x="6858000" y="1234440"/>
-            <a:ext cx="4754880" cy="1371600"/>
+              <a:t>3</a:t>
+            </a:r>
+          </a:p>
+        </p:txBody>
+      </p:sp>
+      <p:sp>
+        <p:nvSpPr>
+          <p:cNvPr id="40" name="Right Arrow 39"/>
+          <p:cNvSpPr/>
+          <p:nvPr/>
+        </p:nvSpPr>
+        <p:spPr>
+          <a:xfrm>
+            <a:off x="2651760" y="3703320"/>
+            <a:ext cx="457200" cy="201168"/>
+          </a:xfrm>
+          <a:prstGeom prst="rightArrow">
+            <a:avLst/>
+          </a:prstGeom>
+          <a:solidFill>
+            <a:srgbClr val="00D4AA"/>
+          </a:solidFill>
+          <a:ln>
+            <a:noFill/>
+          </a:ln>
+        </p:spPr>
+        <p:style>
+          <a:lnRef idx="1">
+            <a:schemeClr val="accent1"/>
+          </a:lnRef>
+          <a:fillRef idx="3">
+            <a:schemeClr val="accent1"/>
+          </a:fillRef>
+          <a:effectRef idx="2">
+            <a:schemeClr val="accent1"/>
+          </a:effectRef>
+          <a:fontRef idx="minor">
+            <a:schemeClr val="lt1"/>
+          </a:fontRef>
+        </p:style>
+        <p:txBody>
+          <a:bodyPr rtlCol="0" anchor="ctr"/>
+          <a:lstStyle/>
+          <a:p>
+            <a:pPr algn="ctr"/>
+          </a:p>
+        </p:txBody>
+      </p:sp>
+      <p:sp>
+        <p:nvSpPr>
+          <p:cNvPr id="41" name="TextBox 40"/>
+          <p:cNvSpPr txBox="1"/>
+          <p:nvPr/>
+        </p:nvSpPr>
+        <p:spPr>
+          <a:xfrm>
+            <a:off x="2697480" y="3493008"/>
+            <a:ext cx="365760" cy="228600"/>
+          </a:xfrm>
+          <a:prstGeom prst="rect">
+            <a:avLst/>
+          </a:prstGeom>
+          <a:noFill/>
+        </p:spPr>
+        <p:txBody>
+          <a:bodyPr wrap="none">
+            <a:spAutoFit/>
+          </a:bodyPr>
+          <a:lstStyle/>
+          <a:p>
+            <a:pPr>
+              <a:defRPr sz="800" b="1">
+                <a:solidFill>
+                  <a:srgbClr val="00D4AA"/>
+                </a:solidFill>
+              </a:defRPr>
+            </a:pPr>
+            <a:r>
+              <a:t>YES</a:t>
+            </a:r>
+          </a:p>
+        </p:txBody>
+      </p:sp>
+      <p:sp>
+        <p:nvSpPr>
+          <p:cNvPr id="42" name="Rounded Rectangle 41"/>
+          <p:cNvSpPr/>
+          <p:nvPr/>
+        </p:nvSpPr>
+        <p:spPr>
+          <a:xfrm>
+            <a:off x="4114800" y="3566160"/>
+            <a:ext cx="2286000" cy="457200"/>
           </a:xfrm>
           <a:prstGeom prst="roundRect">
             <a:avLst/>
           </a:prstGeom>
           <a:solidFill>
-            <a:srgbClr val="FFF5EB"/>
-          </a:solidFill>
-          <a:ln w="25400">
+            <a:srgbClr val="4A69BD"/>
+          </a:solidFill>
+          <a:ln>
+            <a:noFill/>
+          </a:ln>
+        </p:spPr>
+        <p:style>
+          <a:lnRef idx="1">
+            <a:schemeClr val="accent1"/>
+          </a:lnRef>
+          <a:fillRef idx="3">
+            <a:schemeClr val="accent1"/>
+          </a:fillRef>
+          <a:effectRef idx="2">
+            <a:schemeClr val="accent1"/>
+          </a:effectRef>
+          <a:fontRef idx="minor">
+            <a:schemeClr val="lt1"/>
+          </a:fontRef>
+        </p:style>
+        <p:txBody>
+          <a:bodyPr rtlCol="0" anchor="ctr"/>
+          <a:lstStyle/>
+          <a:p>
+            <a:pPr algn="ctr"/>
+          </a:p>
+        </p:txBody>
+      </p:sp>
+      <p:sp>
+        <p:nvSpPr>
+          <p:cNvPr id="43" name="TextBox 42"/>
+          <p:cNvSpPr txBox="1"/>
+          <p:nvPr/>
+        </p:nvSpPr>
+        <p:spPr>
+          <a:xfrm>
+            <a:off x="4206240" y="3639312"/>
+            <a:ext cx="2103120" cy="365760"/>
+          </a:xfrm>
+          <a:prstGeom prst="rect">
+            <a:avLst/>
+          </a:prstGeom>
+          <a:noFill/>
+        </p:spPr>
+        <p:txBody>
+          <a:bodyPr wrap="none">
+            <a:spAutoFit/>
+          </a:bodyPr>
+          <a:lstStyle/>
+          <a:p>
+            <a:pPr algn="ctr">
+              <a:defRPr sz="1000" b="1">
+                <a:solidFill>
+                  <a:srgbClr val="FFFFFF"/>
+                </a:solidFill>
+              </a:defRPr>
+            </a:pPr>
+            <a:r>
+              <a:t>Route → BFS</a:t>
+            </a:r>
+          </a:p>
+        </p:txBody>
+      </p:sp>
+      <p:sp>
+        <p:nvSpPr>
+          <p:cNvPr id="44" name="Right Arrow 43"/>
+          <p:cNvSpPr/>
+          <p:nvPr/>
+        </p:nvSpPr>
+        <p:spPr>
+          <a:xfrm>
+            <a:off x="6492240" y="3703320"/>
+            <a:ext cx="365760" cy="182880"/>
+          </a:xfrm>
+          <a:prstGeom prst="rightArrow">
+            <a:avLst/>
+          </a:prstGeom>
+          <a:solidFill>
+            <a:srgbClr val="00C98D"/>
+          </a:solidFill>
+          <a:ln>
+            <a:noFill/>
+          </a:ln>
+        </p:spPr>
+        <p:style>
+          <a:lnRef idx="1">
+            <a:schemeClr val="accent1"/>
+          </a:lnRef>
+          <a:fillRef idx="3">
+            <a:schemeClr val="accent1"/>
+          </a:fillRef>
+          <a:effectRef idx="2">
+            <a:schemeClr val="accent1"/>
+          </a:effectRef>
+          <a:fontRef idx="minor">
+            <a:schemeClr val="lt1"/>
+          </a:fontRef>
+        </p:style>
+        <p:txBody>
+          <a:bodyPr rtlCol="0" anchor="ctr"/>
+          <a:lstStyle/>
+          <a:p>
+            <a:pPr algn="ctr"/>
+          </a:p>
+        </p:txBody>
+      </p:sp>
+      <p:sp>
+        <p:nvSpPr>
+          <p:cNvPr id="45" name="Rounded Rectangle 44"/>
+          <p:cNvSpPr/>
+          <p:nvPr/>
+        </p:nvSpPr>
+        <p:spPr>
+          <a:xfrm>
+            <a:off x="6583680" y="3584448"/>
+            <a:ext cx="640080" cy="411480"/>
+          </a:xfrm>
+          <a:prstGeom prst="roundRect">
+            <a:avLst/>
+          </a:prstGeom>
+          <a:solidFill>
+            <a:srgbClr val="00C98D"/>
+          </a:solidFill>
+          <a:ln>
+            <a:noFill/>
+          </a:ln>
+        </p:spPr>
+        <p:style>
+          <a:lnRef idx="1">
+            <a:schemeClr val="accent1"/>
+          </a:lnRef>
+          <a:fillRef idx="3">
+            <a:schemeClr val="accent1"/>
+          </a:fillRef>
+          <a:effectRef idx="2">
+            <a:schemeClr val="accent1"/>
+          </a:effectRef>
+          <a:fontRef idx="minor">
+            <a:schemeClr val="lt1"/>
+          </a:fontRef>
+        </p:style>
+        <p:txBody>
+          <a:bodyPr rtlCol="0" anchor="ctr"/>
+          <a:lstStyle/>
+          <a:p>
+            <a:pPr algn="ctr"/>
+          </a:p>
+        </p:txBody>
+      </p:sp>
+      <p:sp>
+        <p:nvSpPr>
+          <p:cNvPr id="46" name="TextBox 45"/>
+          <p:cNvSpPr txBox="1"/>
+          <p:nvPr/>
+        </p:nvSpPr>
+        <p:spPr>
+          <a:xfrm>
+            <a:off x="6583680" y="3657600"/>
+            <a:ext cx="640080" cy="320040"/>
+          </a:xfrm>
+          <a:prstGeom prst="rect">
+            <a:avLst/>
+          </a:prstGeom>
+          <a:noFill/>
+        </p:spPr>
+        <p:txBody>
+          <a:bodyPr wrap="none">
+            <a:spAutoFit/>
+          </a:bodyPr>
+          <a:lstStyle/>
+          <a:p>
+            <a:pPr algn="ctr">
+              <a:defRPr sz="1000" b="1">
+                <a:solidFill>
+                  <a:srgbClr val="FFFFFF"/>
+                </a:solidFill>
+              </a:defRPr>
+            </a:pPr>
+            <a:r>
+              <a:t>END</a:t>
+            </a:r>
+          </a:p>
+        </p:txBody>
+      </p:sp>
+      <p:sp>
+        <p:nvSpPr>
+          <p:cNvPr id="47" name="Down Arrow 46"/>
+          <p:cNvSpPr/>
+          <p:nvPr/>
+        </p:nvSpPr>
+        <p:spPr>
+          <a:xfrm>
+            <a:off x="1508760" y="4133088"/>
+            <a:ext cx="274320" cy="228600"/>
+          </a:xfrm>
+          <a:prstGeom prst="downArrow">
+            <a:avLst/>
+          </a:prstGeom>
+          <a:solidFill>
+            <a:srgbClr val="8E99A4"/>
+          </a:solidFill>
+          <a:ln>
+            <a:noFill/>
+          </a:ln>
+        </p:spPr>
+        <p:style>
+          <a:lnRef idx="1">
+            <a:schemeClr val="accent1"/>
+          </a:lnRef>
+          <a:fillRef idx="3">
+            <a:schemeClr val="accent1"/>
+          </a:fillRef>
+          <a:effectRef idx="2">
+            <a:schemeClr val="accent1"/>
+          </a:effectRef>
+          <a:fontRef idx="minor">
+            <a:schemeClr val="lt1"/>
+          </a:fontRef>
+        </p:style>
+        <p:txBody>
+          <a:bodyPr rtlCol="0" anchor="ctr"/>
+          <a:lstStyle/>
+          <a:p>
+            <a:pPr algn="ctr"/>
+          </a:p>
+        </p:txBody>
+      </p:sp>
+      <p:sp>
+        <p:nvSpPr>
+          <p:cNvPr id="48" name="TextBox 47"/>
+          <p:cNvSpPr txBox="1"/>
+          <p:nvPr/>
+        </p:nvSpPr>
+        <p:spPr>
+          <a:xfrm>
+            <a:off x="1828800" y="4133088"/>
+            <a:ext cx="274320" cy="182880"/>
+          </a:xfrm>
+          <a:prstGeom prst="rect">
+            <a:avLst/>
+          </a:prstGeom>
+          <a:noFill/>
+        </p:spPr>
+        <p:txBody>
+          <a:bodyPr wrap="none">
+            <a:spAutoFit/>
+          </a:bodyPr>
+          <a:lstStyle/>
+          <a:p>
+            <a:pPr>
+              <a:defRPr sz="700">
+                <a:solidFill>
+                  <a:srgbClr val="8E99A4"/>
+                </a:solidFill>
+              </a:defRPr>
+            </a:pPr>
+            <a:r>
+              <a:t>NO</a:t>
+            </a:r>
+          </a:p>
+        </p:txBody>
+      </p:sp>
+      <p:sp>
+        <p:nvSpPr>
+          <p:cNvPr id="49" name="Diamond 48"/>
+          <p:cNvSpPr/>
+          <p:nvPr/>
+        </p:nvSpPr>
+        <p:spPr>
+          <a:xfrm>
+            <a:off x="731520" y="4343400"/>
+            <a:ext cx="1828800" cy="640080"/>
+          </a:xfrm>
+          <a:prstGeom prst="diamond">
+            <a:avLst/>
+          </a:prstGeom>
+          <a:solidFill>
+            <a:srgbClr val="2C3E50"/>
+          </a:solidFill>
+          <a:ln w="12700">
             <a:solidFill>
-              <a:srgbClr val="E67E22"/>
+              <a:srgbClr val="FFFFFF"/>
             </a:solidFill>
           </a:ln>
         </p:spPr>
@@ -8842,14 +10421,14 @@
       </p:sp>
       <p:sp>
         <p:nvSpPr>
-          <p:cNvPr id="17" name="TextBox 16"/>
+          <p:cNvPr id="50" name="TextBox 49"/>
           <p:cNvSpPr txBox="1"/>
           <p:nvPr/>
         </p:nvSpPr>
         <p:spPr>
           <a:xfrm>
-            <a:off x="6995160" y="1307592"/>
-            <a:ext cx="4480560" cy="1280160"/>
+            <a:off x="868680" y="4507992"/>
+            <a:ext cx="1554480" cy="457200"/>
           </a:xfrm>
           <a:prstGeom prst="rect">
             <a:avLst/>
@@ -8862,73 +10441,39 @@
           </a:bodyPr>
           <a:lstStyle/>
           <a:p>
-            <a:pPr>
-              <a:defRPr sz="1400" b="1">
-                <a:solidFill>
-                  <a:srgbClr val="E67E22"/>
+            <a:pPr algn="ctr">
+              <a:defRPr sz="900" b="1">
+                <a:solidFill>
+                  <a:srgbClr val="FFFFFF"/>
                 </a:solidFill>
               </a:defRPr>
             </a:pPr>
             <a:r>
-              <a:t>LINCS Perturbation Signatures</a:t>
-            </a:r>
-          </a:p>
-          <a:p>
-            <a:pPr>
-              <a:defRPr sz="1100">
-                <a:solidFill>
-                  <a:srgbClr val="2D3A4A"/>
-                </a:solidFill>
-              </a:defRPr>
-            </a:pPr>
-            <a:r>
-              <a:t>Gene/neighbor has LINCS signature?</a:t>
-            </a:r>
-          </a:p>
-          <a:p>
-            <a:pPr>
-              <a:defRPr sz="1000">
-                <a:solidFill>
-                  <a:srgbClr val="2EA06A"/>
-                </a:solidFill>
-              </a:defRPr>
-            </a:pPr>
-            <a:r>
-              <a:t>YES → Map downstream → BFS → END</a:t>
-            </a:r>
-          </a:p>
-          <a:p>
-            <a:pPr>
-              <a:defRPr sz="1000">
-                <a:solidFill>
-                  <a:srgbClr val="E86C2C"/>
-                </a:solidFill>
-              </a:defRPr>
-            </a:pPr>
-            <a:r>
-              <a:t>NO → continue to next fallback...</a:t>
-            </a:r>
-          </a:p>
-        </p:txBody>
-      </p:sp>
-      <p:sp>
-        <p:nvSpPr>
-          <p:cNvPr id="18" name="Rounded Rectangle 17"/>
-          <p:cNvSpPr/>
-          <p:nvPr/>
-        </p:nvSpPr>
-        <p:spPr>
-          <a:xfrm>
-            <a:off x="6309360" y="2743200"/>
-            <a:ext cx="457200" cy="457200"/>
-          </a:xfrm>
-          <a:prstGeom prst="roundRect">
-            <a:avLst>
-              <a:gd name="adj" fmla="val 15000"/>
-            </a:avLst>
-          </a:prstGeom>
-          <a:solidFill>
-            <a:srgbClr val="1ABC9C"/>
+              <a:t>LINCS</a:t>
+            </a:r>
+            <a:br/>
+            <a:r>
+              <a:t>signature?</a:t>
+            </a:r>
+          </a:p>
+        </p:txBody>
+      </p:sp>
+      <p:sp>
+        <p:nvSpPr>
+          <p:cNvPr id="51" name="Oval 50"/>
+          <p:cNvSpPr/>
+          <p:nvPr/>
+        </p:nvSpPr>
+        <p:spPr>
+          <a:xfrm>
+            <a:off x="411480" y="4526280"/>
+            <a:ext cx="292608" cy="292608"/>
+          </a:xfrm>
+          <a:prstGeom prst="ellipse">
+            <a:avLst/>
+          </a:prstGeom>
+          <a:solidFill>
+            <a:srgbClr val="00D4AA"/>
           </a:solidFill>
           <a:ln>
             <a:noFill/>
@@ -8949,42 +10494,423 @@
           </a:fontRef>
         </p:style>
         <p:txBody>
-          <a:bodyPr rtlCol="0" anchor="ctr" wrap="square"/>
+          <a:bodyPr rtlCol="0" anchor="ctr"/>
+          <a:lstStyle/>
+          <a:p>
+            <a:pPr algn="ctr"/>
+          </a:p>
+        </p:txBody>
+      </p:sp>
+      <p:sp>
+        <p:nvSpPr>
+          <p:cNvPr id="52" name="TextBox 51"/>
+          <p:cNvSpPr txBox="1"/>
+          <p:nvPr/>
+        </p:nvSpPr>
+        <p:spPr>
+          <a:xfrm>
+            <a:off x="411480" y="4544568"/>
+            <a:ext cx="292608" cy="274320"/>
+          </a:xfrm>
+          <a:prstGeom prst="rect">
+            <a:avLst/>
+          </a:prstGeom>
+          <a:noFill/>
+        </p:spPr>
+        <p:txBody>
+          <a:bodyPr wrap="none">
+            <a:spAutoFit/>
+          </a:bodyPr>
           <a:lstStyle/>
           <a:p>
             <a:pPr algn="ctr">
-              <a:defRPr sz="1800" b="1">
+              <a:defRPr sz="1100" b="1">
                 <a:solidFill>
                   <a:srgbClr val="FFFFFF"/>
                 </a:solidFill>
               </a:defRPr>
             </a:pPr>
             <a:r>
-              <a:t>5</a:t>
-            </a:r>
-          </a:p>
-        </p:txBody>
-      </p:sp>
-      <p:sp>
-        <p:nvSpPr>
-          <p:cNvPr id="19" name="Rounded Rectangle 18"/>
-          <p:cNvSpPr/>
-          <p:nvPr/>
-        </p:nvSpPr>
-        <p:spPr>
-          <a:xfrm>
-            <a:off x="6858000" y="2743200"/>
-            <a:ext cx="4754880" cy="1371600"/>
+              <a:t>4</a:t>
+            </a:r>
+          </a:p>
+        </p:txBody>
+      </p:sp>
+      <p:sp>
+        <p:nvSpPr>
+          <p:cNvPr id="53" name="Right Arrow 52"/>
+          <p:cNvSpPr/>
+          <p:nvPr/>
+        </p:nvSpPr>
+        <p:spPr>
+          <a:xfrm>
+            <a:off x="2651760" y="4572000"/>
+            <a:ext cx="457200" cy="201168"/>
+          </a:xfrm>
+          <a:prstGeom prst="rightArrow">
+            <a:avLst/>
+          </a:prstGeom>
+          <a:solidFill>
+            <a:srgbClr val="00D4AA"/>
+          </a:solidFill>
+          <a:ln>
+            <a:noFill/>
+          </a:ln>
+        </p:spPr>
+        <p:style>
+          <a:lnRef idx="1">
+            <a:schemeClr val="accent1"/>
+          </a:lnRef>
+          <a:fillRef idx="3">
+            <a:schemeClr val="accent1"/>
+          </a:fillRef>
+          <a:effectRef idx="2">
+            <a:schemeClr val="accent1"/>
+          </a:effectRef>
+          <a:fontRef idx="minor">
+            <a:schemeClr val="lt1"/>
+          </a:fontRef>
+        </p:style>
+        <p:txBody>
+          <a:bodyPr rtlCol="0" anchor="ctr"/>
+          <a:lstStyle/>
+          <a:p>
+            <a:pPr algn="ctr"/>
+          </a:p>
+        </p:txBody>
+      </p:sp>
+      <p:sp>
+        <p:nvSpPr>
+          <p:cNvPr id="54" name="TextBox 53"/>
+          <p:cNvSpPr txBox="1"/>
+          <p:nvPr/>
+        </p:nvSpPr>
+        <p:spPr>
+          <a:xfrm>
+            <a:off x="2697480" y="4361688"/>
+            <a:ext cx="365760" cy="228600"/>
+          </a:xfrm>
+          <a:prstGeom prst="rect">
+            <a:avLst/>
+          </a:prstGeom>
+          <a:noFill/>
+        </p:spPr>
+        <p:txBody>
+          <a:bodyPr wrap="none">
+            <a:spAutoFit/>
+          </a:bodyPr>
+          <a:lstStyle/>
+          <a:p>
+            <a:pPr>
+              <a:defRPr sz="800" b="1">
+                <a:solidFill>
+                  <a:srgbClr val="00D4AA"/>
+                </a:solidFill>
+              </a:defRPr>
+            </a:pPr>
+            <a:r>
+              <a:t>YES</a:t>
+            </a:r>
+          </a:p>
+        </p:txBody>
+      </p:sp>
+      <p:sp>
+        <p:nvSpPr>
+          <p:cNvPr id="55" name="Rounded Rectangle 54"/>
+          <p:cNvSpPr/>
+          <p:nvPr/>
+        </p:nvSpPr>
+        <p:spPr>
+          <a:xfrm>
+            <a:off x="4114800" y="4434840"/>
+            <a:ext cx="2286000" cy="457200"/>
           </a:xfrm>
           <a:prstGeom prst="roundRect">
             <a:avLst/>
           </a:prstGeom>
           <a:solidFill>
-            <a:srgbClr val="E8F8F5"/>
-          </a:solidFill>
-          <a:ln w="25400">
+            <a:srgbClr val="4A69BD"/>
+          </a:solidFill>
+          <a:ln>
+            <a:noFill/>
+          </a:ln>
+        </p:spPr>
+        <p:style>
+          <a:lnRef idx="1">
+            <a:schemeClr val="accent1"/>
+          </a:lnRef>
+          <a:fillRef idx="3">
+            <a:schemeClr val="accent1"/>
+          </a:fillRef>
+          <a:effectRef idx="2">
+            <a:schemeClr val="accent1"/>
+          </a:effectRef>
+          <a:fontRef idx="minor">
+            <a:schemeClr val="lt1"/>
+          </a:fontRef>
+        </p:style>
+        <p:txBody>
+          <a:bodyPr rtlCol="0" anchor="ctr"/>
+          <a:lstStyle/>
+          <a:p>
+            <a:pPr algn="ctr"/>
+          </a:p>
+        </p:txBody>
+      </p:sp>
+      <p:sp>
+        <p:nvSpPr>
+          <p:cNvPr id="56" name="TextBox 55"/>
+          <p:cNvSpPr txBox="1"/>
+          <p:nvPr/>
+        </p:nvSpPr>
+        <p:spPr>
+          <a:xfrm>
+            <a:off x="4206240" y="4507992"/>
+            <a:ext cx="2103120" cy="365760"/>
+          </a:xfrm>
+          <a:prstGeom prst="rect">
+            <a:avLst/>
+          </a:prstGeom>
+          <a:noFill/>
+        </p:spPr>
+        <p:txBody>
+          <a:bodyPr wrap="none">
+            <a:spAutoFit/>
+          </a:bodyPr>
+          <a:lstStyle/>
+          <a:p>
+            <a:pPr algn="ctr">
+              <a:defRPr sz="1000" b="1">
+                <a:solidFill>
+                  <a:srgbClr val="FFFFFF"/>
+                </a:solidFill>
+              </a:defRPr>
+            </a:pPr>
+            <a:r>
+              <a:t>Map downstream → BFS</a:t>
+            </a:r>
+          </a:p>
+        </p:txBody>
+      </p:sp>
+      <p:sp>
+        <p:nvSpPr>
+          <p:cNvPr id="57" name="Right Arrow 56"/>
+          <p:cNvSpPr/>
+          <p:nvPr/>
+        </p:nvSpPr>
+        <p:spPr>
+          <a:xfrm>
+            <a:off x="6492240" y="4572000"/>
+            <a:ext cx="365760" cy="182880"/>
+          </a:xfrm>
+          <a:prstGeom prst="rightArrow">
+            <a:avLst/>
+          </a:prstGeom>
+          <a:solidFill>
+            <a:srgbClr val="00C98D"/>
+          </a:solidFill>
+          <a:ln>
+            <a:noFill/>
+          </a:ln>
+        </p:spPr>
+        <p:style>
+          <a:lnRef idx="1">
+            <a:schemeClr val="accent1"/>
+          </a:lnRef>
+          <a:fillRef idx="3">
+            <a:schemeClr val="accent1"/>
+          </a:fillRef>
+          <a:effectRef idx="2">
+            <a:schemeClr val="accent1"/>
+          </a:effectRef>
+          <a:fontRef idx="minor">
+            <a:schemeClr val="lt1"/>
+          </a:fontRef>
+        </p:style>
+        <p:txBody>
+          <a:bodyPr rtlCol="0" anchor="ctr"/>
+          <a:lstStyle/>
+          <a:p>
+            <a:pPr algn="ctr"/>
+          </a:p>
+        </p:txBody>
+      </p:sp>
+      <p:sp>
+        <p:nvSpPr>
+          <p:cNvPr id="58" name="Rounded Rectangle 57"/>
+          <p:cNvSpPr/>
+          <p:nvPr/>
+        </p:nvSpPr>
+        <p:spPr>
+          <a:xfrm>
+            <a:off x="6583680" y="4453128"/>
+            <a:ext cx="640080" cy="411480"/>
+          </a:xfrm>
+          <a:prstGeom prst="roundRect">
+            <a:avLst/>
+          </a:prstGeom>
+          <a:solidFill>
+            <a:srgbClr val="00C98D"/>
+          </a:solidFill>
+          <a:ln>
+            <a:noFill/>
+          </a:ln>
+        </p:spPr>
+        <p:style>
+          <a:lnRef idx="1">
+            <a:schemeClr val="accent1"/>
+          </a:lnRef>
+          <a:fillRef idx="3">
+            <a:schemeClr val="accent1"/>
+          </a:fillRef>
+          <a:effectRef idx="2">
+            <a:schemeClr val="accent1"/>
+          </a:effectRef>
+          <a:fontRef idx="minor">
+            <a:schemeClr val="lt1"/>
+          </a:fontRef>
+        </p:style>
+        <p:txBody>
+          <a:bodyPr rtlCol="0" anchor="ctr"/>
+          <a:lstStyle/>
+          <a:p>
+            <a:pPr algn="ctr"/>
+          </a:p>
+        </p:txBody>
+      </p:sp>
+      <p:sp>
+        <p:nvSpPr>
+          <p:cNvPr id="59" name="TextBox 58"/>
+          <p:cNvSpPr txBox="1"/>
+          <p:nvPr/>
+        </p:nvSpPr>
+        <p:spPr>
+          <a:xfrm>
+            <a:off x="6583680" y="4526280"/>
+            <a:ext cx="640080" cy="320040"/>
+          </a:xfrm>
+          <a:prstGeom prst="rect">
+            <a:avLst/>
+          </a:prstGeom>
+          <a:noFill/>
+        </p:spPr>
+        <p:txBody>
+          <a:bodyPr wrap="none">
+            <a:spAutoFit/>
+          </a:bodyPr>
+          <a:lstStyle/>
+          <a:p>
+            <a:pPr algn="ctr">
+              <a:defRPr sz="1000" b="1">
+                <a:solidFill>
+                  <a:srgbClr val="FFFFFF"/>
+                </a:solidFill>
+              </a:defRPr>
+            </a:pPr>
+            <a:r>
+              <a:t>END</a:t>
+            </a:r>
+          </a:p>
+        </p:txBody>
+      </p:sp>
+      <p:sp>
+        <p:nvSpPr>
+          <p:cNvPr id="60" name="Down Arrow 59"/>
+          <p:cNvSpPr/>
+          <p:nvPr/>
+        </p:nvSpPr>
+        <p:spPr>
+          <a:xfrm>
+            <a:off x="1508760" y="5001768"/>
+            <a:ext cx="274320" cy="228600"/>
+          </a:xfrm>
+          <a:prstGeom prst="downArrow">
+            <a:avLst/>
+          </a:prstGeom>
+          <a:solidFill>
+            <a:srgbClr val="8E99A4"/>
+          </a:solidFill>
+          <a:ln>
+            <a:noFill/>
+          </a:ln>
+        </p:spPr>
+        <p:style>
+          <a:lnRef idx="1">
+            <a:schemeClr val="accent1"/>
+          </a:lnRef>
+          <a:fillRef idx="3">
+            <a:schemeClr val="accent1"/>
+          </a:fillRef>
+          <a:effectRef idx="2">
+            <a:schemeClr val="accent1"/>
+          </a:effectRef>
+          <a:fontRef idx="minor">
+            <a:schemeClr val="lt1"/>
+          </a:fontRef>
+        </p:style>
+        <p:txBody>
+          <a:bodyPr rtlCol="0" anchor="ctr"/>
+          <a:lstStyle/>
+          <a:p>
+            <a:pPr algn="ctr"/>
+          </a:p>
+        </p:txBody>
+      </p:sp>
+      <p:sp>
+        <p:nvSpPr>
+          <p:cNvPr id="61" name="TextBox 60"/>
+          <p:cNvSpPr txBox="1"/>
+          <p:nvPr/>
+        </p:nvSpPr>
+        <p:spPr>
+          <a:xfrm>
+            <a:off x="1828800" y="5001768"/>
+            <a:ext cx="274320" cy="182880"/>
+          </a:xfrm>
+          <a:prstGeom prst="rect">
+            <a:avLst/>
+          </a:prstGeom>
+          <a:noFill/>
+        </p:spPr>
+        <p:txBody>
+          <a:bodyPr wrap="none">
+            <a:spAutoFit/>
+          </a:bodyPr>
+          <a:lstStyle/>
+          <a:p>
+            <a:pPr>
+              <a:defRPr sz="700">
+                <a:solidFill>
+                  <a:srgbClr val="8E99A4"/>
+                </a:solidFill>
+              </a:defRPr>
+            </a:pPr>
+            <a:r>
+              <a:t>NO</a:t>
+            </a:r>
+          </a:p>
+        </p:txBody>
+      </p:sp>
+      <p:sp>
+        <p:nvSpPr>
+          <p:cNvPr id="62" name="Diamond 61"/>
+          <p:cNvSpPr/>
+          <p:nvPr/>
+        </p:nvSpPr>
+        <p:spPr>
+          <a:xfrm>
+            <a:off x="731520" y="5212080"/>
+            <a:ext cx="1828800" cy="640080"/>
+          </a:xfrm>
+          <a:prstGeom prst="diamond">
+            <a:avLst/>
+          </a:prstGeom>
+          <a:solidFill>
+            <a:srgbClr val="2C3E50"/>
+          </a:solidFill>
+          <a:ln w="12700">
             <a:solidFill>
-              <a:srgbClr val="1ABC9C"/>
+              <a:srgbClr val="FFFFFF"/>
             </a:solidFill>
           </a:ln>
         </p:spPr>
@@ -9012,14 +10938,14 @@
       </p:sp>
       <p:sp>
         <p:nvSpPr>
-          <p:cNvPr id="20" name="TextBox 19"/>
+          <p:cNvPr id="63" name="TextBox 62"/>
           <p:cNvSpPr txBox="1"/>
           <p:nvPr/>
         </p:nvSpPr>
         <p:spPr>
           <a:xfrm>
-            <a:off x="6995160" y="2816352"/>
-            <a:ext cx="4480560" cy="1280160"/>
+            <a:off x="868680" y="5376672"/>
+            <a:ext cx="1554480" cy="457200"/>
           </a:xfrm>
           <a:prstGeom prst="rect">
             <a:avLst/>
@@ -9032,73 +10958,39 @@
           </a:bodyPr>
           <a:lstStyle/>
           <a:p>
-            <a:pPr>
-              <a:defRPr sz="1400" b="1">
-                <a:solidFill>
-                  <a:srgbClr val="1ABC9C"/>
+            <a:pPr algn="ctr">
+              <a:defRPr sz="900" b="1">
+                <a:solidFill>
+                  <a:srgbClr val="FFFFFF"/>
                 </a:solidFill>
               </a:defRPr>
             </a:pPr>
             <a:r>
-              <a:t>Super-Enhancer (Chromatin)</a:t>
-            </a:r>
-          </a:p>
-          <a:p>
-            <a:pPr>
-              <a:defRPr sz="1100">
-                <a:solidFill>
-                  <a:srgbClr val="2D3A4A"/>
-                </a:solidFill>
-              </a:defRPr>
-            </a:pPr>
-            <a:r>
-              <a:t>Gene associated with super-enhancer?</a:t>
-            </a:r>
-          </a:p>
-          <a:p>
-            <a:pPr>
-              <a:defRPr sz="1000">
-                <a:solidFill>
-                  <a:srgbClr val="2EA06A"/>
-                </a:solidFill>
-              </a:defRPr>
-            </a:pPr>
-            <a:r>
-              <a:t>YES → Route to SE-bound TFs → BFS → END</a:t>
-            </a:r>
-          </a:p>
-          <a:p>
-            <a:pPr>
-              <a:defRPr sz="1000">
-                <a:solidFill>
-                  <a:srgbClr val="E86C2C"/>
-                </a:solidFill>
-              </a:defRPr>
-            </a:pPr>
-            <a:r>
-              <a:t>NO → continue to final fallback...</a:t>
-            </a:r>
-          </a:p>
-        </p:txBody>
-      </p:sp>
-      <p:sp>
-        <p:nvSpPr>
-          <p:cNvPr id="21" name="Rounded Rectangle 20"/>
-          <p:cNvSpPr/>
-          <p:nvPr/>
-        </p:nvSpPr>
-        <p:spPr>
-          <a:xfrm>
-            <a:off x="6309360" y="4251960"/>
-            <a:ext cx="457200" cy="457200"/>
-          </a:xfrm>
-          <a:prstGeom prst="roundRect">
-            <a:avLst>
-              <a:gd name="adj" fmla="val 15000"/>
-            </a:avLst>
-          </a:prstGeom>
-          <a:solidFill>
-            <a:srgbClr val="95A5A6"/>
+              <a:t>Super-</a:t>
+            </a:r>
+            <a:br/>
+            <a:r>
+              <a:t>enhancer?</a:t>
+            </a:r>
+          </a:p>
+        </p:txBody>
+      </p:sp>
+      <p:sp>
+        <p:nvSpPr>
+          <p:cNvPr id="64" name="Oval 63"/>
+          <p:cNvSpPr/>
+          <p:nvPr/>
+        </p:nvSpPr>
+        <p:spPr>
+          <a:xfrm>
+            <a:off x="411480" y="5394960"/>
+            <a:ext cx="292608" cy="292608"/>
+          </a:xfrm>
+          <a:prstGeom prst="ellipse">
+            <a:avLst/>
+          </a:prstGeom>
+          <a:solidFill>
+            <a:srgbClr val="00D4AA"/>
           </a:solidFill>
           <a:ln>
             <a:noFill/>
@@ -9119,17 +11011,476 @@
           </a:fontRef>
         </p:style>
         <p:txBody>
-          <a:bodyPr rtlCol="0" anchor="ctr" wrap="square"/>
+          <a:bodyPr rtlCol="0" anchor="ctr"/>
+          <a:lstStyle/>
+          <a:p>
+            <a:pPr algn="ctr"/>
+          </a:p>
+        </p:txBody>
+      </p:sp>
+      <p:sp>
+        <p:nvSpPr>
+          <p:cNvPr id="65" name="TextBox 64"/>
+          <p:cNvSpPr txBox="1"/>
+          <p:nvPr/>
+        </p:nvSpPr>
+        <p:spPr>
+          <a:xfrm>
+            <a:off x="411480" y="5413248"/>
+            <a:ext cx="292608" cy="274320"/>
+          </a:xfrm>
+          <a:prstGeom prst="rect">
+            <a:avLst/>
+          </a:prstGeom>
+          <a:noFill/>
+        </p:spPr>
+        <p:txBody>
+          <a:bodyPr wrap="none">
+            <a:spAutoFit/>
+          </a:bodyPr>
           <a:lstStyle/>
           <a:p>
             <a:pPr algn="ctr">
-              <a:defRPr sz="1800" b="1">
+              <a:defRPr sz="1100" b="1">
                 <a:solidFill>
                   <a:srgbClr val="FFFFFF"/>
                 </a:solidFill>
               </a:defRPr>
             </a:pPr>
             <a:r>
+              <a:t>5</a:t>
+            </a:r>
+          </a:p>
+        </p:txBody>
+      </p:sp>
+      <p:sp>
+        <p:nvSpPr>
+          <p:cNvPr id="66" name="Right Arrow 65"/>
+          <p:cNvSpPr/>
+          <p:nvPr/>
+        </p:nvSpPr>
+        <p:spPr>
+          <a:xfrm>
+            <a:off x="2651760" y="5440680"/>
+            <a:ext cx="457200" cy="201168"/>
+          </a:xfrm>
+          <a:prstGeom prst="rightArrow">
+            <a:avLst/>
+          </a:prstGeom>
+          <a:solidFill>
+            <a:srgbClr val="00D4AA"/>
+          </a:solidFill>
+          <a:ln>
+            <a:noFill/>
+          </a:ln>
+        </p:spPr>
+        <p:style>
+          <a:lnRef idx="1">
+            <a:schemeClr val="accent1"/>
+          </a:lnRef>
+          <a:fillRef idx="3">
+            <a:schemeClr val="accent1"/>
+          </a:fillRef>
+          <a:effectRef idx="2">
+            <a:schemeClr val="accent1"/>
+          </a:effectRef>
+          <a:fontRef idx="minor">
+            <a:schemeClr val="lt1"/>
+          </a:fontRef>
+        </p:style>
+        <p:txBody>
+          <a:bodyPr rtlCol="0" anchor="ctr"/>
+          <a:lstStyle/>
+          <a:p>
+            <a:pPr algn="ctr"/>
+          </a:p>
+        </p:txBody>
+      </p:sp>
+      <p:sp>
+        <p:nvSpPr>
+          <p:cNvPr id="67" name="TextBox 66"/>
+          <p:cNvSpPr txBox="1"/>
+          <p:nvPr/>
+        </p:nvSpPr>
+        <p:spPr>
+          <a:xfrm>
+            <a:off x="2697480" y="5230368"/>
+            <a:ext cx="365760" cy="228600"/>
+          </a:xfrm>
+          <a:prstGeom prst="rect">
+            <a:avLst/>
+          </a:prstGeom>
+          <a:noFill/>
+        </p:spPr>
+        <p:txBody>
+          <a:bodyPr wrap="none">
+            <a:spAutoFit/>
+          </a:bodyPr>
+          <a:lstStyle/>
+          <a:p>
+            <a:pPr>
+              <a:defRPr sz="800" b="1">
+                <a:solidFill>
+                  <a:srgbClr val="00D4AA"/>
+                </a:solidFill>
+              </a:defRPr>
+            </a:pPr>
+            <a:r>
+              <a:t>YES</a:t>
+            </a:r>
+          </a:p>
+        </p:txBody>
+      </p:sp>
+      <p:sp>
+        <p:nvSpPr>
+          <p:cNvPr id="68" name="Rounded Rectangle 67"/>
+          <p:cNvSpPr/>
+          <p:nvPr/>
+        </p:nvSpPr>
+        <p:spPr>
+          <a:xfrm>
+            <a:off x="4114800" y="5303520"/>
+            <a:ext cx="2286000" cy="457200"/>
+          </a:xfrm>
+          <a:prstGeom prst="roundRect">
+            <a:avLst/>
+          </a:prstGeom>
+          <a:solidFill>
+            <a:srgbClr val="4A69BD"/>
+          </a:solidFill>
+          <a:ln>
+            <a:noFill/>
+          </a:ln>
+        </p:spPr>
+        <p:style>
+          <a:lnRef idx="1">
+            <a:schemeClr val="accent1"/>
+          </a:lnRef>
+          <a:fillRef idx="3">
+            <a:schemeClr val="accent1"/>
+          </a:fillRef>
+          <a:effectRef idx="2">
+            <a:schemeClr val="accent1"/>
+          </a:effectRef>
+          <a:fontRef idx="minor">
+            <a:schemeClr val="lt1"/>
+          </a:fontRef>
+        </p:style>
+        <p:txBody>
+          <a:bodyPr rtlCol="0" anchor="ctr"/>
+          <a:lstStyle/>
+          <a:p>
+            <a:pPr algn="ctr"/>
+          </a:p>
+        </p:txBody>
+      </p:sp>
+      <p:sp>
+        <p:nvSpPr>
+          <p:cNvPr id="69" name="TextBox 68"/>
+          <p:cNvSpPr txBox="1"/>
+          <p:nvPr/>
+        </p:nvSpPr>
+        <p:spPr>
+          <a:xfrm>
+            <a:off x="4206240" y="5376672"/>
+            <a:ext cx="2103120" cy="365760"/>
+          </a:xfrm>
+          <a:prstGeom prst="rect">
+            <a:avLst/>
+          </a:prstGeom>
+          <a:noFill/>
+        </p:spPr>
+        <p:txBody>
+          <a:bodyPr wrap="none">
+            <a:spAutoFit/>
+          </a:bodyPr>
+          <a:lstStyle/>
+          <a:p>
+            <a:pPr algn="ctr">
+              <a:defRPr sz="1000" b="1">
+                <a:solidFill>
+                  <a:srgbClr val="FFFFFF"/>
+                </a:solidFill>
+              </a:defRPr>
+            </a:pPr>
+            <a:r>
+              <a:t>Route to TFs → BFS</a:t>
+            </a:r>
+          </a:p>
+        </p:txBody>
+      </p:sp>
+      <p:sp>
+        <p:nvSpPr>
+          <p:cNvPr id="70" name="Right Arrow 69"/>
+          <p:cNvSpPr/>
+          <p:nvPr/>
+        </p:nvSpPr>
+        <p:spPr>
+          <a:xfrm>
+            <a:off x="6492240" y="5440680"/>
+            <a:ext cx="365760" cy="182880"/>
+          </a:xfrm>
+          <a:prstGeom prst="rightArrow">
+            <a:avLst/>
+          </a:prstGeom>
+          <a:solidFill>
+            <a:srgbClr val="00C98D"/>
+          </a:solidFill>
+          <a:ln>
+            <a:noFill/>
+          </a:ln>
+        </p:spPr>
+        <p:style>
+          <a:lnRef idx="1">
+            <a:schemeClr val="accent1"/>
+          </a:lnRef>
+          <a:fillRef idx="3">
+            <a:schemeClr val="accent1"/>
+          </a:fillRef>
+          <a:effectRef idx="2">
+            <a:schemeClr val="accent1"/>
+          </a:effectRef>
+          <a:fontRef idx="minor">
+            <a:schemeClr val="lt1"/>
+          </a:fontRef>
+        </p:style>
+        <p:txBody>
+          <a:bodyPr rtlCol="0" anchor="ctr"/>
+          <a:lstStyle/>
+          <a:p>
+            <a:pPr algn="ctr"/>
+          </a:p>
+        </p:txBody>
+      </p:sp>
+      <p:sp>
+        <p:nvSpPr>
+          <p:cNvPr id="71" name="Rounded Rectangle 70"/>
+          <p:cNvSpPr/>
+          <p:nvPr/>
+        </p:nvSpPr>
+        <p:spPr>
+          <a:xfrm>
+            <a:off x="6583680" y="5321808"/>
+            <a:ext cx="640080" cy="411480"/>
+          </a:xfrm>
+          <a:prstGeom prst="roundRect">
+            <a:avLst/>
+          </a:prstGeom>
+          <a:solidFill>
+            <a:srgbClr val="00C98D"/>
+          </a:solidFill>
+          <a:ln>
+            <a:noFill/>
+          </a:ln>
+        </p:spPr>
+        <p:style>
+          <a:lnRef idx="1">
+            <a:schemeClr val="accent1"/>
+          </a:lnRef>
+          <a:fillRef idx="3">
+            <a:schemeClr val="accent1"/>
+          </a:fillRef>
+          <a:effectRef idx="2">
+            <a:schemeClr val="accent1"/>
+          </a:effectRef>
+          <a:fontRef idx="minor">
+            <a:schemeClr val="lt1"/>
+          </a:fontRef>
+        </p:style>
+        <p:txBody>
+          <a:bodyPr rtlCol="0" anchor="ctr"/>
+          <a:lstStyle/>
+          <a:p>
+            <a:pPr algn="ctr"/>
+          </a:p>
+        </p:txBody>
+      </p:sp>
+      <p:sp>
+        <p:nvSpPr>
+          <p:cNvPr id="72" name="TextBox 71"/>
+          <p:cNvSpPr txBox="1"/>
+          <p:nvPr/>
+        </p:nvSpPr>
+        <p:spPr>
+          <a:xfrm>
+            <a:off x="6583680" y="5394960"/>
+            <a:ext cx="640080" cy="320040"/>
+          </a:xfrm>
+          <a:prstGeom prst="rect">
+            <a:avLst/>
+          </a:prstGeom>
+          <a:noFill/>
+        </p:spPr>
+        <p:txBody>
+          <a:bodyPr wrap="none">
+            <a:spAutoFit/>
+          </a:bodyPr>
+          <a:lstStyle/>
+          <a:p>
+            <a:pPr algn="ctr">
+              <a:defRPr sz="1000" b="1">
+                <a:solidFill>
+                  <a:srgbClr val="FFFFFF"/>
+                </a:solidFill>
+              </a:defRPr>
+            </a:pPr>
+            <a:r>
+              <a:t>END</a:t>
+            </a:r>
+          </a:p>
+        </p:txBody>
+      </p:sp>
+      <p:sp>
+        <p:nvSpPr>
+          <p:cNvPr id="73" name="Down Arrow 72"/>
+          <p:cNvSpPr/>
+          <p:nvPr/>
+        </p:nvSpPr>
+        <p:spPr>
+          <a:xfrm>
+            <a:off x="1508760" y="5870448"/>
+            <a:ext cx="274320" cy="228600"/>
+          </a:xfrm>
+          <a:prstGeom prst="downArrow">
+            <a:avLst/>
+          </a:prstGeom>
+          <a:solidFill>
+            <a:srgbClr val="8E99A4"/>
+          </a:solidFill>
+          <a:ln>
+            <a:noFill/>
+          </a:ln>
+        </p:spPr>
+        <p:style>
+          <a:lnRef idx="1">
+            <a:schemeClr val="accent1"/>
+          </a:lnRef>
+          <a:fillRef idx="3">
+            <a:schemeClr val="accent1"/>
+          </a:fillRef>
+          <a:effectRef idx="2">
+            <a:schemeClr val="accent1"/>
+          </a:effectRef>
+          <a:fontRef idx="minor">
+            <a:schemeClr val="lt1"/>
+          </a:fontRef>
+        </p:style>
+        <p:txBody>
+          <a:bodyPr rtlCol="0" anchor="ctr"/>
+          <a:lstStyle/>
+          <a:p>
+            <a:pPr algn="ctr"/>
+          </a:p>
+        </p:txBody>
+      </p:sp>
+      <p:sp>
+        <p:nvSpPr>
+          <p:cNvPr id="74" name="TextBox 73"/>
+          <p:cNvSpPr txBox="1"/>
+          <p:nvPr/>
+        </p:nvSpPr>
+        <p:spPr>
+          <a:xfrm>
+            <a:off x="1828800" y="5870448"/>
+            <a:ext cx="274320" cy="182880"/>
+          </a:xfrm>
+          <a:prstGeom prst="rect">
+            <a:avLst/>
+          </a:prstGeom>
+          <a:noFill/>
+        </p:spPr>
+        <p:txBody>
+          <a:bodyPr wrap="none">
+            <a:spAutoFit/>
+          </a:bodyPr>
+          <a:lstStyle/>
+          <a:p>
+            <a:pPr>
+              <a:defRPr sz="700">
+                <a:solidFill>
+                  <a:srgbClr val="8E99A4"/>
+                </a:solidFill>
+              </a:defRPr>
+            </a:pPr>
+            <a:r>
+              <a:t>NO</a:t>
+            </a:r>
+          </a:p>
+        </p:txBody>
+      </p:sp>
+      <p:sp>
+        <p:nvSpPr>
+          <p:cNvPr id="75" name="Oval 74"/>
+          <p:cNvSpPr/>
+          <p:nvPr/>
+        </p:nvSpPr>
+        <p:spPr>
+          <a:xfrm>
+            <a:off x="411480" y="6172200"/>
+            <a:ext cx="292608" cy="292608"/>
+          </a:xfrm>
+          <a:prstGeom prst="ellipse">
+            <a:avLst/>
+          </a:prstGeom>
+          <a:solidFill>
+            <a:srgbClr val="95A5A6"/>
+          </a:solidFill>
+          <a:ln>
+            <a:noFill/>
+          </a:ln>
+        </p:spPr>
+        <p:style>
+          <a:lnRef idx="1">
+            <a:schemeClr val="accent1"/>
+          </a:lnRef>
+          <a:fillRef idx="3">
+            <a:schemeClr val="accent1"/>
+          </a:fillRef>
+          <a:effectRef idx="2">
+            <a:schemeClr val="accent1"/>
+          </a:effectRef>
+          <a:fontRef idx="minor">
+            <a:schemeClr val="lt1"/>
+          </a:fontRef>
+        </p:style>
+        <p:txBody>
+          <a:bodyPr rtlCol="0" anchor="ctr"/>
+          <a:lstStyle/>
+          <a:p>
+            <a:pPr algn="ctr"/>
+          </a:p>
+        </p:txBody>
+      </p:sp>
+      <p:sp>
+        <p:nvSpPr>
+          <p:cNvPr id="76" name="TextBox 75"/>
+          <p:cNvSpPr txBox="1"/>
+          <p:nvPr/>
+        </p:nvSpPr>
+        <p:spPr>
+          <a:xfrm>
+            <a:off x="411480" y="6190488"/>
+            <a:ext cx="292608" cy="274320"/>
+          </a:xfrm>
+          <a:prstGeom prst="rect">
+            <a:avLst/>
+          </a:prstGeom>
+          <a:noFill/>
+        </p:spPr>
+        <p:txBody>
+          <a:bodyPr wrap="none">
+            <a:spAutoFit/>
+          </a:bodyPr>
+          <a:lstStyle/>
+          <a:p>
+            <a:pPr algn="ctr">
+              <a:defRPr sz="1100" b="1">
+                <a:solidFill>
+                  <a:srgbClr val="FFFFFF"/>
+                </a:solidFill>
+              </a:defRPr>
+            </a:pPr>
+            <a:r>
               <a:t>6</a:t>
             </a:r>
           </a:p>
@@ -9137,24 +11488,223 @@
       </p:sp>
       <p:sp>
         <p:nvSpPr>
-          <p:cNvPr id="22" name="Rounded Rectangle 21"/>
-          <p:cNvSpPr/>
-          <p:nvPr/>
-        </p:nvSpPr>
-        <p:spPr>
-          <a:xfrm>
-            <a:off x="6858000" y="4251960"/>
-            <a:ext cx="4754880" cy="1371600"/>
+          <p:cNvPr id="77" name="Rounded Rectangle 76"/>
+          <p:cNvSpPr/>
+          <p:nvPr/>
+        </p:nvSpPr>
+        <p:spPr>
+          <a:xfrm>
+            <a:off x="731520" y="6126480"/>
+            <a:ext cx="4114800" cy="457200"/>
           </a:xfrm>
           <a:prstGeom prst="roundRect">
             <a:avLst/>
           </a:prstGeom>
           <a:solidFill>
-            <a:srgbClr val="F5F5F5"/>
-          </a:solidFill>
-          <a:ln w="25400">
+            <a:srgbClr val="7F8C8D"/>
+          </a:solidFill>
+          <a:ln>
+            <a:noFill/>
+          </a:ln>
+        </p:spPr>
+        <p:style>
+          <a:lnRef idx="1">
+            <a:schemeClr val="accent1"/>
+          </a:lnRef>
+          <a:fillRef idx="3">
+            <a:schemeClr val="accent1"/>
+          </a:fillRef>
+          <a:effectRef idx="2">
+            <a:schemeClr val="accent1"/>
+          </a:effectRef>
+          <a:fontRef idx="minor">
+            <a:schemeClr val="lt1"/>
+          </a:fontRef>
+        </p:style>
+        <p:txBody>
+          <a:bodyPr rtlCol="0" anchor="ctr"/>
+          <a:lstStyle/>
+          <a:p>
+            <a:pPr algn="ctr"/>
+          </a:p>
+        </p:txBody>
+      </p:sp>
+      <p:sp>
+        <p:nvSpPr>
+          <p:cNvPr id="78" name="TextBox 77"/>
+          <p:cNvSpPr txBox="1"/>
+          <p:nvPr/>
+        </p:nvSpPr>
+        <p:spPr>
+          <a:xfrm>
+            <a:off x="822960" y="6217920"/>
+            <a:ext cx="3931920" cy="365760"/>
+          </a:xfrm>
+          <a:prstGeom prst="rect">
+            <a:avLst/>
+          </a:prstGeom>
+          <a:noFill/>
+        </p:spPr>
+        <p:txBody>
+          <a:bodyPr wrap="none">
+            <a:spAutoFit/>
+          </a:bodyPr>
+          <a:lstStyle/>
+          <a:p>
+            <a:pPr algn="ctr">
+              <a:defRPr sz="1200" b="1">
+                <a:solidFill>
+                  <a:srgbClr val="FFFFFF"/>
+                </a:solidFill>
+              </a:defRPr>
+            </a:pPr>
+            <a:r>
+              <a:t>Embedding-only similarity ranking</a:t>
+            </a:r>
+          </a:p>
+        </p:txBody>
+      </p:sp>
+      <p:sp>
+        <p:nvSpPr>
+          <p:cNvPr id="79" name="Right Arrow 78"/>
+          <p:cNvSpPr/>
+          <p:nvPr/>
+        </p:nvSpPr>
+        <p:spPr>
+          <a:xfrm>
+            <a:off x="4937760" y="6263640"/>
+            <a:ext cx="365760" cy="182880"/>
+          </a:xfrm>
+          <a:prstGeom prst="rightArrow">
+            <a:avLst/>
+          </a:prstGeom>
+          <a:solidFill>
+            <a:srgbClr val="95A5A6"/>
+          </a:solidFill>
+          <a:ln>
+            <a:noFill/>
+          </a:ln>
+        </p:spPr>
+        <p:style>
+          <a:lnRef idx="1">
+            <a:schemeClr val="accent1"/>
+          </a:lnRef>
+          <a:fillRef idx="3">
+            <a:schemeClr val="accent1"/>
+          </a:fillRef>
+          <a:effectRef idx="2">
+            <a:schemeClr val="accent1"/>
+          </a:effectRef>
+          <a:fontRef idx="minor">
+            <a:schemeClr val="lt1"/>
+          </a:fontRef>
+        </p:style>
+        <p:txBody>
+          <a:bodyPr rtlCol="0" anchor="ctr"/>
+          <a:lstStyle/>
+          <a:p>
+            <a:pPr algn="ctr"/>
+          </a:p>
+        </p:txBody>
+      </p:sp>
+      <p:sp>
+        <p:nvSpPr>
+          <p:cNvPr id="80" name="Rounded Rectangle 79"/>
+          <p:cNvSpPr/>
+          <p:nvPr/>
+        </p:nvSpPr>
+        <p:spPr>
+          <a:xfrm>
+            <a:off x="5394960" y="6144768"/>
+            <a:ext cx="1097280" cy="411480"/>
+          </a:xfrm>
+          <a:prstGeom prst="roundRect">
+            <a:avLst/>
+          </a:prstGeom>
+          <a:solidFill>
+            <a:srgbClr val="95A5A6"/>
+          </a:solidFill>
+          <a:ln>
+            <a:noFill/>
+          </a:ln>
+        </p:spPr>
+        <p:style>
+          <a:lnRef idx="1">
+            <a:schemeClr val="accent1"/>
+          </a:lnRef>
+          <a:fillRef idx="3">
+            <a:schemeClr val="accent1"/>
+          </a:fillRef>
+          <a:effectRef idx="2">
+            <a:schemeClr val="accent1"/>
+          </a:effectRef>
+          <a:fontRef idx="minor">
+            <a:schemeClr val="lt1"/>
+          </a:fontRef>
+        </p:style>
+        <p:txBody>
+          <a:bodyPr rtlCol="0" anchor="ctr"/>
+          <a:lstStyle/>
+          <a:p>
+            <a:pPr algn="ctr"/>
+          </a:p>
+        </p:txBody>
+      </p:sp>
+      <p:sp>
+        <p:nvSpPr>
+          <p:cNvPr id="81" name="TextBox 80"/>
+          <p:cNvSpPr txBox="1"/>
+          <p:nvPr/>
+        </p:nvSpPr>
+        <p:spPr>
+          <a:xfrm>
+            <a:off x="5394960" y="6217920"/>
+            <a:ext cx="1097280" cy="320040"/>
+          </a:xfrm>
+          <a:prstGeom prst="rect">
+            <a:avLst/>
+          </a:prstGeom>
+          <a:noFill/>
+        </p:spPr>
+        <p:txBody>
+          <a:bodyPr wrap="none">
+            <a:spAutoFit/>
+          </a:bodyPr>
+          <a:lstStyle/>
+          <a:p>
+            <a:pPr algn="ctr">
+              <a:defRPr sz="1000" b="1">
+                <a:solidFill>
+                  <a:srgbClr val="FFFFFF"/>
+                </a:solidFill>
+              </a:defRPr>
+            </a:pPr>
+            <a:r>
+              <a:t>END</a:t>
+            </a:r>
+          </a:p>
+        </p:txBody>
+      </p:sp>
+      <p:sp>
+        <p:nvSpPr>
+          <p:cNvPr id="82" name="Rounded Rectangle 81"/>
+          <p:cNvSpPr/>
+          <p:nvPr/>
+        </p:nvSpPr>
+        <p:spPr>
+          <a:xfrm>
+            <a:off x="7589520" y="1097280"/>
+            <a:ext cx="4114800" cy="5029200"/>
+          </a:xfrm>
+          <a:prstGeom prst="roundRect">
+            <a:avLst/>
+          </a:prstGeom>
+          <a:solidFill>
+            <a:srgbClr val="FAFAFA"/>
+          </a:solidFill>
+          <a:ln w="12700">
             <a:solidFill>
-              <a:srgbClr val="95A5A6"/>
+              <a:srgbClr val="F8F9FC"/>
             </a:solidFill>
           </a:ln>
         </p:spPr>
@@ -9182,14 +11732,49 @@
       </p:sp>
       <p:sp>
         <p:nvSpPr>
-          <p:cNvPr id="23" name="TextBox 22"/>
+          <p:cNvPr id="83" name="TextBox 82"/>
           <p:cNvSpPr txBox="1"/>
           <p:nvPr/>
         </p:nvSpPr>
         <p:spPr>
           <a:xfrm>
-            <a:off x="6995160" y="4325112"/>
-            <a:ext cx="4480560" cy="1280160"/>
+            <a:off x="7772400" y="1234440"/>
+            <a:ext cx="3749039" cy="365760"/>
+          </a:xfrm>
+          <a:prstGeom prst="rect">
+            <a:avLst/>
+          </a:prstGeom>
+          <a:noFill/>
+        </p:spPr>
+        <p:txBody>
+          <a:bodyPr wrap="none">
+            <a:spAutoFit/>
+          </a:bodyPr>
+          <a:lstStyle/>
+          <a:p>
+            <a:pPr>
+              <a:defRPr sz="1600" b="1">
+                <a:solidFill>
+                  <a:srgbClr val="1A1A2E"/>
+                </a:solidFill>
+              </a:defRPr>
+            </a:pPr>
+            <a:r>
+              <a:t>Fallback Strategy</a:t>
+            </a:r>
+          </a:p>
+        </p:txBody>
+      </p:sp>
+      <p:sp>
+        <p:nvSpPr>
+          <p:cNvPr id="84" name="TextBox 83"/>
+          <p:cNvSpPr txBox="1"/>
+          <p:nvPr/>
+        </p:nvSpPr>
+        <p:spPr>
+          <a:xfrm>
+            <a:off x="7772400" y="1600200"/>
+            <a:ext cx="3749039" cy="4389120"/>
           </a:xfrm>
           <a:prstGeom prst="rect">
             <a:avLst/>
@@ -9203,107 +11788,196 @@
           <a:lstStyle/>
           <a:p>
             <a:pPr>
-              <a:defRPr sz="1400" b="1">
-                <a:solidFill>
-                  <a:srgbClr val="95A5A6"/>
+              <a:spcBef>
+                <a:spcPts val="0"/>
+              </a:spcBef>
+              <a:defRPr sz="1100" b="1">
+                <a:solidFill>
+                  <a:srgbClr val="00D4AA"/>
                 </a:solidFill>
               </a:defRPr>
             </a:pPr>
             <a:r>
-              <a:t>Minimal: Embedding-Only Ranking</a:t>
+              <a:t>1. GRN Edges</a:t>
             </a:r>
           </a:p>
           <a:p>
             <a:pPr>
-              <a:defRPr sz="1100">
-                <a:solidFill>
-                  <a:srgbClr val="2D3A4A"/>
+              <a:spcBef>
+                <a:spcPts val="0"/>
+              </a:spcBef>
+              <a:defRPr sz="1000">
+                <a:solidFill>
+                  <a:srgbClr val="2C3E50"/>
                 </a:solidFill>
               </a:defRPr>
             </a:pPr>
             <a:r>
-              <a:t>No GRN, STRING, LINCS, or SE available</a:t>
+              <a:t>Direct regulatory targets</a:t>
             </a:r>
           </a:p>
           <a:p>
             <a:pPr>
+              <a:spcBef>
+                <a:spcPts val="800"/>
+              </a:spcBef>
+              <a:defRPr sz="1100" b="1">
+                <a:solidFill>
+                  <a:srgbClr val="4A69BD"/>
+                </a:solidFill>
+              </a:defRPr>
+            </a:pPr>
+            <a:r>
+              <a:t>2. STRING</a:t>
+            </a:r>
+          </a:p>
+          <a:p>
+            <a:pPr>
+              <a:spcBef>
+                <a:spcPts val="0"/>
+              </a:spcBef>
               <a:defRPr sz="1000">
                 <a:solidFill>
-                  <a:srgbClr val="1A568C"/>
+                  <a:srgbClr val="2C3E50"/>
                 </a:solidFill>
               </a:defRPr>
             </a:pPr>
             <a:r>
-              <a:t>Return embedding similarity ranking</a:t>
+              <a:t>Protein interaction partners</a:t>
             </a:r>
           </a:p>
           <a:p>
             <a:pPr>
+              <a:spcBef>
+                <a:spcPts val="800"/>
+              </a:spcBef>
+              <a:defRPr sz="1100" b="1">
+                <a:solidFill>
+                  <a:srgbClr val="9D4EDD"/>
+                </a:solidFill>
+              </a:defRPr>
+            </a:pPr>
+            <a:r>
+              <a:t>3. Embeddings</a:t>
+            </a:r>
+          </a:p>
+          <a:p>
+            <a:pPr>
+              <a:spcBef>
+                <a:spcPts val="0"/>
+              </a:spcBef>
               <a:defRPr sz="1000">
                 <a:solidFill>
-                  <a:srgbClr val="647487"/>
+                  <a:srgbClr val="2C3E50"/>
                 </a:solidFill>
               </a:defRPr>
             </a:pPr>
             <a:r>
-              <a:t>→ END (lowest confidence)</a:t>
-            </a:r>
-          </a:p>
-        </p:txBody>
-      </p:sp>
-      <p:sp>
-        <p:nvSpPr>
-          <p:cNvPr id="24" name="Right Arrow 23"/>
-          <p:cNvSpPr/>
-          <p:nvPr/>
-        </p:nvSpPr>
-        <p:spPr>
-          <a:xfrm>
-            <a:off x="5486400" y="1828800"/>
-            <a:ext cx="731520" cy="274320"/>
-          </a:xfrm>
-          <a:prstGeom prst="rightArrow">
-            <a:avLst/>
-          </a:prstGeom>
-          <a:solidFill>
-            <a:srgbClr val="647487"/>
-          </a:solidFill>
-          <a:ln>
-            <a:noFill/>
-          </a:ln>
-        </p:spPr>
-        <p:style>
-          <a:lnRef idx="1">
-            <a:schemeClr val="accent1"/>
-          </a:lnRef>
-          <a:fillRef idx="3">
-            <a:schemeClr val="accent1"/>
-          </a:fillRef>
-          <a:effectRef idx="2">
-            <a:schemeClr val="accent1"/>
-          </a:effectRef>
-          <a:fontRef idx="minor">
-            <a:schemeClr val="lt1"/>
-          </a:fontRef>
-        </p:style>
-        <p:txBody>
-          <a:bodyPr rtlCol="0" anchor="ctr"/>
-          <a:lstStyle/>
-          <a:p>
-            <a:pPr algn="ctr"/>
-          </a:p>
-        </p:txBody>
-      </p:sp>
-      <p:sp>
-        <p:nvSpPr>
-          <p:cNvPr id="25" name="TextBox 24"/>
+              <a:t>Functionally similar genes</a:t>
+            </a:r>
+          </a:p>
+          <a:p>
+            <a:pPr>
+              <a:spcBef>
+                <a:spcPts val="800"/>
+              </a:spcBef>
+              <a:defRPr sz="1100" b="1">
+                <a:solidFill>
+                  <a:srgbClr val="FF6B6B"/>
+                </a:solidFill>
+              </a:defRPr>
+            </a:pPr>
+            <a:r>
+              <a:t>4. LINCS</a:t>
+            </a:r>
+          </a:p>
+          <a:p>
+            <a:pPr>
+              <a:spcBef>
+                <a:spcPts val="0"/>
+              </a:spcBef>
+              <a:defRPr sz="1000">
+                <a:solidFill>
+                  <a:srgbClr val="2C3E50"/>
+                </a:solidFill>
+              </a:defRPr>
+            </a:pPr>
+            <a:r>
+              <a:t>Perturbation signatures</a:t>
+            </a:r>
+          </a:p>
+          <a:p>
+            <a:pPr>
+              <a:spcBef>
+                <a:spcPts val="800"/>
+              </a:spcBef>
+              <a:defRPr sz="1100" b="1">
+                <a:solidFill>
+                  <a:srgbClr val="00C98D"/>
+                </a:solidFill>
+              </a:defRPr>
+            </a:pPr>
+            <a:r>
+              <a:t>5. Super-enhancer</a:t>
+            </a:r>
+          </a:p>
+          <a:p>
+            <a:pPr>
+              <a:spcBef>
+                <a:spcPts val="0"/>
+              </a:spcBef>
+              <a:defRPr sz="1000">
+                <a:solidFill>
+                  <a:srgbClr val="2C3E50"/>
+                </a:solidFill>
+              </a:defRPr>
+            </a:pPr>
+            <a:r>
+              <a:t>Chromatin-linked TFs</a:t>
+            </a:r>
+          </a:p>
+          <a:p>
+            <a:pPr>
+              <a:spcBef>
+                <a:spcPts val="800"/>
+              </a:spcBef>
+              <a:defRPr sz="1100" b="1">
+                <a:solidFill>
+                  <a:srgbClr val="6C757D"/>
+                </a:solidFill>
+              </a:defRPr>
+            </a:pPr>
+            <a:r>
+              <a:t>6. Embed-only</a:t>
+            </a:r>
+          </a:p>
+          <a:p>
+            <a:pPr>
+              <a:spcBef>
+                <a:spcPts val="0"/>
+              </a:spcBef>
+              <a:defRPr sz="1000">
+                <a:solidFill>
+                  <a:srgbClr val="2C3E50"/>
+                </a:solidFill>
+              </a:defRPr>
+            </a:pPr>
+            <a:r>
+              <a:t>Lowest confidence fallback</a:t>
+            </a:r>
+          </a:p>
+        </p:txBody>
+      </p:sp>
+      <p:sp>
+        <p:nvSpPr>
+          <p:cNvPr id="85" name="TextBox 84"/>
           <p:cNvSpPr txBox="1"/>
           <p:nvPr/>
         </p:nvSpPr>
         <p:spPr>
           <a:xfrm>
-            <a:off x="365760" y="5852160"/>
-            <a:ext cx="11430000" cy="457200"/>
+            <a:off x="7772400" y="5120640"/>
+            <a:ext cx="3749039" cy="914400"/>
           </a:xfrm>
           <a:prstGeom prst="rect">
             <a:avLst/>
@@ -9316,15 +11990,15 @@
           </a:bodyPr>
           <a:lstStyle/>
           <a:p>
-            <a:pPr algn="ctr">
-              <a:defRPr sz="1300" i="1">
-                <a:solidFill>
-                  <a:srgbClr val="647487"/>
+            <a:pPr>
+              <a:defRPr sz="1000" i="1">
+                <a:solidFill>
+                  <a:srgbClr val="6C757D"/>
                 </a:solidFill>
               </a:defRPr>
             </a:pPr>
             <a:r>
-              <a:t>Each step tries to route the perturbation to GRN-active nodes. Falls through only if no valid route found.</a:t>
+              <a:t>Goal: Route every perturbation to GRN-active nodes for BFS propagation</a:t>
             </a:r>
           </a:p>
         </p:txBody>
@@ -9362,7 +12036,7 @@
             <a:avLst/>
           </a:prstGeom>
           <a:solidFill>
-            <a:srgbClr val="FFFFFF"/>
+            <a:srgbClr val="F8F9FC"/>
           </a:solidFill>
           <a:ln>
             <a:noFill/>
@@ -9399,13 +12073,13 @@
         <p:spPr>
           <a:xfrm>
             <a:off x="0" y="0"/>
-            <a:ext cx="12191695" cy="73152"/>
-          </a:xfrm>
-          <a:prstGeom prst="rect">
-            <a:avLst/>
-          </a:prstGeom>
-          <a:solidFill>
-            <a:srgbClr val="009B9E"/>
+            <a:ext cx="109728" cy="6858000"/>
+          </a:xfrm>
+          <a:prstGeom prst="rect">
+            <a:avLst/>
+          </a:prstGeom>
+          <a:solidFill>
+            <a:srgbClr val="00D4AA"/>
           </a:solidFill>
           <a:ln>
             <a:noFill/>
@@ -9435,7 +12109,50 @@
       </p:sp>
       <p:sp>
         <p:nvSpPr>
-          <p:cNvPr id="4" name="Rectangle 3"/>
+          <p:cNvPr id="4" name="Right Triangle 3"/>
+          <p:cNvSpPr/>
+          <p:nvPr/>
+        </p:nvSpPr>
+        <p:spPr>
+          <a:xfrm rot="10800000">
+            <a:off x="10515600" y="5760720"/>
+            <a:ext cx="1676095" cy="1097280"/>
+          </a:xfrm>
+          <a:prstGeom prst="rtTriangle">
+            <a:avLst/>
+          </a:prstGeom>
+          <a:solidFill>
+            <a:srgbClr val="E8F4F8"/>
+          </a:solidFill>
+          <a:ln>
+            <a:noFill/>
+          </a:ln>
+        </p:spPr>
+        <p:style>
+          <a:lnRef idx="1">
+            <a:schemeClr val="accent1"/>
+          </a:lnRef>
+          <a:fillRef idx="3">
+            <a:schemeClr val="accent1"/>
+          </a:fillRef>
+          <a:effectRef idx="2">
+            <a:schemeClr val="accent1"/>
+          </a:effectRef>
+          <a:fontRef idx="minor">
+            <a:schemeClr val="lt1"/>
+          </a:fontRef>
+        </p:style>
+        <p:txBody>
+          <a:bodyPr rtlCol="0" anchor="ctr"/>
+          <a:lstStyle/>
+          <a:p>
+            <a:pPr algn="ctr"/>
+          </a:p>
+        </p:txBody>
+      </p:sp>
+      <p:sp>
+        <p:nvSpPr>
+          <p:cNvPr id="5" name="Rectangle 4"/>
           <p:cNvSpPr/>
           <p:nvPr/>
         </p:nvSpPr>
@@ -9448,7 +12165,7 @@
             <a:avLst/>
           </a:prstGeom>
           <a:solidFill>
-            <a:srgbClr val="0D2B4A"/>
+            <a:srgbClr val="1A1A2E"/>
           </a:solidFill>
           <a:ln>
             <a:noFill/>
@@ -9478,7 +12195,7 @@
       </p:sp>
       <p:sp>
         <p:nvSpPr>
-          <p:cNvPr id="5" name="TextBox 4"/>
+          <p:cNvPr id="6" name="TextBox 5"/>
           <p:cNvSpPr txBox="1"/>
           <p:nvPr/>
         </p:nvSpPr>
@@ -9513,7 +12230,7 @@
       </p:sp>
       <p:sp>
         <p:nvSpPr>
-          <p:cNvPr id="6" name="Rounded Rectangle 5"/>
+          <p:cNvPr id="7" name="Rounded Rectangle 6"/>
           <p:cNvSpPr/>
           <p:nvPr/>
         </p:nvSpPr>
@@ -9526,7 +12243,7 @@
             <a:avLst/>
           </a:prstGeom>
           <a:solidFill>
-            <a:srgbClr val="009B9E"/>
+            <a:srgbClr val="00D4AA"/>
           </a:solidFill>
           <a:ln>
             <a:noFill/>
@@ -9556,7 +12273,7 @@
       </p:sp>
       <p:sp>
         <p:nvSpPr>
-          <p:cNvPr id="7" name="TextBox 6"/>
+          <p:cNvPr id="8" name="TextBox 7"/>
           <p:cNvSpPr txBox="1"/>
           <p:nvPr/>
         </p:nvSpPr>
@@ -9591,7 +12308,7 @@
       </p:sp>
       <p:sp>
         <p:nvSpPr>
-          <p:cNvPr id="8" name="Rounded Rectangle 7"/>
+          <p:cNvPr id="9" name="Rounded Rectangle 8"/>
           <p:cNvSpPr/>
           <p:nvPr/>
         </p:nvSpPr>
@@ -9604,7 +12321,7 @@
             <a:avLst/>
           </a:prstGeom>
           <a:solidFill>
-            <a:srgbClr val="009B9E"/>
+            <a:srgbClr val="00D4AA"/>
           </a:solidFill>
           <a:ln>
             <a:noFill/>
@@ -9634,7 +12351,7 @@
       </p:sp>
       <p:sp>
         <p:nvSpPr>
-          <p:cNvPr id="9" name="TextBox 8"/>
+          <p:cNvPr id="10" name="TextBox 9"/>
           <p:cNvSpPr txBox="1"/>
           <p:nvPr/>
         </p:nvSpPr>
@@ -9669,7 +12386,7 @@
       </p:sp>
       <p:sp>
         <p:nvSpPr>
-          <p:cNvPr id="10" name="Rounded Rectangle 9"/>
+          <p:cNvPr id="11" name="Rounded Rectangle 10"/>
           <p:cNvSpPr/>
           <p:nvPr/>
         </p:nvSpPr>
@@ -9682,7 +12399,7 @@
             <a:avLst/>
           </a:prstGeom>
           <a:solidFill>
-            <a:srgbClr val="009B9E"/>
+            <a:srgbClr val="00D4AA"/>
           </a:solidFill>
           <a:ln>
             <a:noFill/>
@@ -9712,7 +12429,7 @@
       </p:sp>
       <p:sp>
         <p:nvSpPr>
-          <p:cNvPr id="11" name="TextBox 10"/>
+          <p:cNvPr id="12" name="TextBox 11"/>
           <p:cNvSpPr txBox="1"/>
           <p:nvPr/>
         </p:nvSpPr>
@@ -9747,7 +12464,7 @@
       </p:sp>
       <p:sp>
         <p:nvSpPr>
-          <p:cNvPr id="12" name="Rounded Rectangle 11"/>
+          <p:cNvPr id="13" name="Rounded Rectangle 12"/>
           <p:cNvSpPr/>
           <p:nvPr/>
         </p:nvSpPr>
@@ -9760,7 +12477,7 @@
             <a:avLst/>
           </a:prstGeom>
           <a:solidFill>
-            <a:srgbClr val="009B9E"/>
+            <a:srgbClr val="00D4AA"/>
           </a:solidFill>
           <a:ln>
             <a:noFill/>
@@ -9790,7 +12507,7 @@
       </p:sp>
       <p:sp>
         <p:nvSpPr>
-          <p:cNvPr id="13" name="TextBox 12"/>
+          <p:cNvPr id="14" name="TextBox 13"/>
           <p:cNvSpPr txBox="1"/>
           <p:nvPr/>
         </p:nvSpPr>
@@ -9825,7 +12542,7 @@
       </p:sp>
       <p:sp>
         <p:nvSpPr>
-          <p:cNvPr id="14" name="Rounded Rectangle 13"/>
+          <p:cNvPr id="15" name="Rounded Rectangle 14"/>
           <p:cNvSpPr/>
           <p:nvPr/>
         </p:nvSpPr>
@@ -9838,7 +12555,7 @@
             <a:avLst/>
           </a:prstGeom>
           <a:solidFill>
-            <a:srgbClr val="1A568C"/>
+            <a:srgbClr val="16213E"/>
           </a:solidFill>
           <a:ln>
             <a:noFill/>
@@ -9868,7 +12585,7 @@
       </p:sp>
       <p:sp>
         <p:nvSpPr>
-          <p:cNvPr id="15" name="TextBox 14"/>
+          <p:cNvPr id="16" name="TextBox 15"/>
           <p:cNvSpPr txBox="1"/>
           <p:nvPr/>
         </p:nvSpPr>
@@ -9903,7 +12620,7 @@
       </p:sp>
       <p:sp>
         <p:nvSpPr>
-          <p:cNvPr id="16" name="Rounded Rectangle 15"/>
+          <p:cNvPr id="17" name="Rounded Rectangle 16"/>
           <p:cNvSpPr/>
           <p:nvPr/>
         </p:nvSpPr>
@@ -9916,7 +12633,7 @@
             <a:avLst/>
           </a:prstGeom>
           <a:solidFill>
-            <a:srgbClr val="1A568C"/>
+            <a:srgbClr val="16213E"/>
           </a:solidFill>
           <a:ln>
             <a:noFill/>
@@ -9946,7 +12663,7 @@
       </p:sp>
       <p:sp>
         <p:nvSpPr>
-          <p:cNvPr id="17" name="TextBox 16"/>
+          <p:cNvPr id="18" name="TextBox 17"/>
           <p:cNvSpPr txBox="1"/>
           <p:nvPr/>
         </p:nvSpPr>
@@ -9981,7 +12698,7 @@
       </p:sp>
       <p:sp>
         <p:nvSpPr>
-          <p:cNvPr id="18" name="Rounded Rectangle 17"/>
+          <p:cNvPr id="19" name="Rounded Rectangle 18"/>
           <p:cNvSpPr/>
           <p:nvPr/>
         </p:nvSpPr>
@@ -9994,7 +12711,7 @@
             <a:avLst/>
           </a:prstGeom>
           <a:solidFill>
-            <a:srgbClr val="1A568C"/>
+            <a:srgbClr val="16213E"/>
           </a:solidFill>
           <a:ln>
             <a:noFill/>
@@ -10024,7 +12741,7 @@
       </p:sp>
       <p:sp>
         <p:nvSpPr>
-          <p:cNvPr id="19" name="TextBox 18"/>
+          <p:cNvPr id="20" name="TextBox 19"/>
           <p:cNvSpPr txBox="1"/>
           <p:nvPr/>
         </p:nvSpPr>
@@ -10059,7 +12776,7 @@
       </p:sp>
       <p:sp>
         <p:nvSpPr>
-          <p:cNvPr id="20" name="Rounded Rectangle 19"/>
+          <p:cNvPr id="21" name="Rounded Rectangle 20"/>
           <p:cNvSpPr/>
           <p:nvPr/>
         </p:nvSpPr>
@@ -10072,7 +12789,7 @@
             <a:avLst/>
           </a:prstGeom>
           <a:solidFill>
-            <a:srgbClr val="1A568C"/>
+            <a:srgbClr val="16213E"/>
           </a:solidFill>
           <a:ln>
             <a:noFill/>
@@ -10102,7 +12819,7 @@
       </p:sp>
       <p:sp>
         <p:nvSpPr>
-          <p:cNvPr id="21" name="TextBox 20"/>
+          <p:cNvPr id="22" name="TextBox 21"/>
           <p:cNvSpPr txBox="1"/>
           <p:nvPr/>
         </p:nvSpPr>
@@ -10137,7 +12854,7 @@
       </p:sp>
       <p:sp>
         <p:nvSpPr>
-          <p:cNvPr id="22" name="Rounded Rectangle 21"/>
+          <p:cNvPr id="23" name="Rounded Rectangle 22"/>
           <p:cNvSpPr/>
           <p:nvPr/>
         </p:nvSpPr>
@@ -10150,7 +12867,7 @@
             <a:avLst/>
           </a:prstGeom>
           <a:solidFill>
-            <a:srgbClr val="2EA06A"/>
+            <a:srgbClr val="00C98D"/>
           </a:solidFill>
           <a:ln>
             <a:noFill/>
@@ -10180,7 +12897,7 @@
       </p:sp>
       <p:sp>
         <p:nvSpPr>
-          <p:cNvPr id="23" name="TextBox 22"/>
+          <p:cNvPr id="24" name="TextBox 23"/>
           <p:cNvSpPr txBox="1"/>
           <p:nvPr/>
         </p:nvSpPr>
@@ -10215,7 +12932,7 @@
       </p:sp>
       <p:sp>
         <p:nvSpPr>
-          <p:cNvPr id="24" name="Rounded Rectangle 23"/>
+          <p:cNvPr id="25" name="Rounded Rectangle 24"/>
           <p:cNvSpPr/>
           <p:nvPr/>
         </p:nvSpPr>
@@ -10228,7 +12945,7 @@
             <a:avLst/>
           </a:prstGeom>
           <a:solidFill>
-            <a:srgbClr val="2EA06A"/>
+            <a:srgbClr val="00C98D"/>
           </a:solidFill>
           <a:ln>
             <a:noFill/>
@@ -10258,7 +12975,7 @@
       </p:sp>
       <p:sp>
         <p:nvSpPr>
-          <p:cNvPr id="25" name="TextBox 24"/>
+          <p:cNvPr id="26" name="TextBox 25"/>
           <p:cNvSpPr txBox="1"/>
           <p:nvPr/>
         </p:nvSpPr>
@@ -10293,7 +13010,7 @@
       </p:sp>
       <p:sp>
         <p:nvSpPr>
-          <p:cNvPr id="26" name="TextBox 25"/>
+          <p:cNvPr id="27" name="TextBox 26"/>
           <p:cNvSpPr txBox="1"/>
           <p:nvPr/>
         </p:nvSpPr>
@@ -10316,7 +13033,7 @@
             <a:pPr algn="ctr">
               <a:defRPr sz="1600" i="1">
                 <a:solidFill>
-                  <a:srgbClr val="647487"/>
+                  <a:srgbClr val="6C757D"/>
                 </a:solidFill>
               </a:defRPr>
             </a:pPr>
@@ -10359,7 +13076,7 @@
             <a:avLst/>
           </a:prstGeom>
           <a:solidFill>
-            <a:srgbClr val="FFFFFF"/>
+            <a:srgbClr val="F8F9FC"/>
           </a:solidFill>
           <a:ln>
             <a:noFill/>
@@ -10396,13 +13113,13 @@
         <p:spPr>
           <a:xfrm>
             <a:off x="0" y="0"/>
-            <a:ext cx="12191695" cy="73152"/>
-          </a:xfrm>
-          <a:prstGeom prst="rect">
-            <a:avLst/>
-          </a:prstGeom>
-          <a:solidFill>
-            <a:srgbClr val="009B9E"/>
+            <a:ext cx="109728" cy="6858000"/>
+          </a:xfrm>
+          <a:prstGeom prst="rect">
+            <a:avLst/>
+          </a:prstGeom>
+          <a:solidFill>
+            <a:srgbClr val="00D4AA"/>
           </a:solidFill>
           <a:ln>
             <a:noFill/>
@@ -10432,7 +13149,50 @@
       </p:sp>
       <p:sp>
         <p:nvSpPr>
-          <p:cNvPr id="4" name="Rectangle 3"/>
+          <p:cNvPr id="4" name="Right Triangle 3"/>
+          <p:cNvSpPr/>
+          <p:nvPr/>
+        </p:nvSpPr>
+        <p:spPr>
+          <a:xfrm rot="10800000">
+            <a:off x="10515600" y="5760720"/>
+            <a:ext cx="1676095" cy="1097280"/>
+          </a:xfrm>
+          <a:prstGeom prst="rtTriangle">
+            <a:avLst/>
+          </a:prstGeom>
+          <a:solidFill>
+            <a:srgbClr val="E8F4F8"/>
+          </a:solidFill>
+          <a:ln>
+            <a:noFill/>
+          </a:ln>
+        </p:spPr>
+        <p:style>
+          <a:lnRef idx="1">
+            <a:schemeClr val="accent1"/>
+          </a:lnRef>
+          <a:fillRef idx="3">
+            <a:schemeClr val="accent1"/>
+          </a:fillRef>
+          <a:effectRef idx="2">
+            <a:schemeClr val="accent1"/>
+          </a:effectRef>
+          <a:fontRef idx="minor">
+            <a:schemeClr val="lt1"/>
+          </a:fontRef>
+        </p:style>
+        <p:txBody>
+          <a:bodyPr rtlCol="0" anchor="ctr"/>
+          <a:lstStyle/>
+          <a:p>
+            <a:pPr algn="ctr"/>
+          </a:p>
+        </p:txBody>
+      </p:sp>
+      <p:sp>
+        <p:nvSpPr>
+          <p:cNvPr id="5" name="Rectangle 4"/>
           <p:cNvSpPr/>
           <p:nvPr/>
         </p:nvSpPr>
@@ -10445,7 +13205,7 @@
             <a:avLst/>
           </a:prstGeom>
           <a:solidFill>
-            <a:srgbClr val="0D2B4A"/>
+            <a:srgbClr val="1A1A2E"/>
           </a:solidFill>
           <a:ln>
             <a:noFill/>
@@ -10475,7 +13235,7 @@
       </p:sp>
       <p:sp>
         <p:nvSpPr>
-          <p:cNvPr id="5" name="TextBox 4"/>
+          <p:cNvPr id="6" name="TextBox 5"/>
           <p:cNvSpPr txBox="1"/>
           <p:nvPr/>
         </p:nvSpPr>
@@ -10510,7 +13270,7 @@
       </p:sp>
       <p:sp>
         <p:nvSpPr>
-          <p:cNvPr id="6" name="Rounded Rectangle 5"/>
+          <p:cNvPr id="7" name="Rounded Rectangle 6"/>
           <p:cNvSpPr/>
           <p:nvPr/>
         </p:nvSpPr>
@@ -10523,11 +13283,11 @@
             <a:avLst/>
           </a:prstGeom>
           <a:solidFill>
-            <a:srgbClr val="F5F7FA"/>
+            <a:srgbClr val="F8F9FC"/>
           </a:solidFill>
           <a:ln w="38100">
             <a:solidFill>
-              <a:srgbClr val="009B9E"/>
+              <a:srgbClr val="00D4AA"/>
             </a:solidFill>
           </a:ln>
         </p:spPr>
@@ -10555,7 +13315,7 @@
       </p:sp>
       <p:sp>
         <p:nvSpPr>
-          <p:cNvPr id="7" name="Rectangle 6"/>
+          <p:cNvPr id="8" name="Rectangle 7"/>
           <p:cNvSpPr/>
           <p:nvPr/>
         </p:nvSpPr>
@@ -10568,7 +13328,7 @@
             <a:avLst/>
           </a:prstGeom>
           <a:solidFill>
-            <a:srgbClr val="009B9E"/>
+            <a:srgbClr val="00D4AA"/>
           </a:solidFill>
           <a:ln>
             <a:noFill/>
@@ -10598,7 +13358,7 @@
       </p:sp>
       <p:sp>
         <p:nvSpPr>
-          <p:cNvPr id="8" name="TextBox 7"/>
+          <p:cNvPr id="9" name="TextBox 8"/>
           <p:cNvSpPr txBox="1"/>
           <p:nvPr/>
         </p:nvSpPr>
@@ -10621,7 +13381,7 @@
             <a:pPr algn="ctr">
               <a:defRPr sz="2200" b="1">
                 <a:solidFill>
-                  <a:srgbClr val="2D3A4A"/>
+                  <a:srgbClr val="2C3E50"/>
                 </a:solidFill>
               </a:defRPr>
             </a:pPr>
@@ -10633,7 +13393,7 @@
       </p:sp>
       <p:sp>
         <p:nvSpPr>
-          <p:cNvPr id="9" name="TextBox 8"/>
+          <p:cNvPr id="10" name="TextBox 9"/>
           <p:cNvSpPr txBox="1"/>
           <p:nvPr/>
         </p:nvSpPr>
@@ -10656,7 +13416,7 @@
             <a:pPr algn="ctr">
               <a:defRPr sz="1500">
                 <a:solidFill>
-                  <a:srgbClr val="647487"/>
+                  <a:srgbClr val="6C757D"/>
                 </a:solidFill>
               </a:defRPr>
             </a:pPr>
@@ -10672,7 +13432,7 @@
       </p:sp>
       <p:sp>
         <p:nvSpPr>
-          <p:cNvPr id="10" name="Rounded Rectangle 9"/>
+          <p:cNvPr id="11" name="Rounded Rectangle 10"/>
           <p:cNvSpPr/>
           <p:nvPr/>
         </p:nvSpPr>
@@ -10685,11 +13445,11 @@
             <a:avLst/>
           </a:prstGeom>
           <a:solidFill>
-            <a:srgbClr val="F5F7FA"/>
+            <a:srgbClr val="F8F9FC"/>
           </a:solidFill>
           <a:ln w="38100">
             <a:solidFill>
-              <a:srgbClr val="1A568C"/>
+              <a:srgbClr val="16213E"/>
             </a:solidFill>
           </a:ln>
         </p:spPr>
@@ -10717,7 +13477,7 @@
       </p:sp>
       <p:sp>
         <p:nvSpPr>
-          <p:cNvPr id="11" name="Rectangle 10"/>
+          <p:cNvPr id="12" name="Rectangle 11"/>
           <p:cNvSpPr/>
           <p:nvPr/>
         </p:nvSpPr>
@@ -10730,7 +13490,7 @@
             <a:avLst/>
           </a:prstGeom>
           <a:solidFill>
-            <a:srgbClr val="1A568C"/>
+            <a:srgbClr val="16213E"/>
           </a:solidFill>
           <a:ln>
             <a:noFill/>
@@ -10760,7 +13520,7 @@
       </p:sp>
       <p:sp>
         <p:nvSpPr>
-          <p:cNvPr id="12" name="TextBox 11"/>
+          <p:cNvPr id="13" name="TextBox 12"/>
           <p:cNvSpPr txBox="1"/>
           <p:nvPr/>
         </p:nvSpPr>
@@ -10783,7 +13543,7 @@
             <a:pPr algn="ctr">
               <a:defRPr sz="2200" b="1">
                 <a:solidFill>
-                  <a:srgbClr val="2D3A4A"/>
+                  <a:srgbClr val="2C3E50"/>
                 </a:solidFill>
               </a:defRPr>
             </a:pPr>
@@ -10795,7 +13555,7 @@
       </p:sp>
       <p:sp>
         <p:nvSpPr>
-          <p:cNvPr id="13" name="TextBox 12"/>
+          <p:cNvPr id="14" name="TextBox 13"/>
           <p:cNvSpPr txBox="1"/>
           <p:nvPr/>
         </p:nvSpPr>
@@ -10818,7 +13578,7 @@
             <a:pPr algn="ctr">
               <a:defRPr sz="1500">
                 <a:solidFill>
-                  <a:srgbClr val="647487"/>
+                  <a:srgbClr val="6C757D"/>
                 </a:solidFill>
               </a:defRPr>
             </a:pPr>
@@ -10834,7 +13594,7 @@
       </p:sp>
       <p:sp>
         <p:nvSpPr>
-          <p:cNvPr id="14" name="Rounded Rectangle 13"/>
+          <p:cNvPr id="15" name="Rounded Rectangle 14"/>
           <p:cNvSpPr/>
           <p:nvPr/>
         </p:nvSpPr>
@@ -10847,11 +13607,11 @@
             <a:avLst/>
           </a:prstGeom>
           <a:solidFill>
-            <a:srgbClr val="F5F7FA"/>
+            <a:srgbClr val="F8F9FC"/>
           </a:solidFill>
           <a:ln w="38100">
             <a:solidFill>
-              <a:srgbClr val="2EA06A"/>
+              <a:srgbClr val="00C98D"/>
             </a:solidFill>
           </a:ln>
         </p:spPr>
@@ -10879,7 +13639,7 @@
       </p:sp>
       <p:sp>
         <p:nvSpPr>
-          <p:cNvPr id="15" name="Rectangle 14"/>
+          <p:cNvPr id="16" name="Rectangle 15"/>
           <p:cNvSpPr/>
           <p:nvPr/>
         </p:nvSpPr>
@@ -10892,7 +13652,7 @@
             <a:avLst/>
           </a:prstGeom>
           <a:solidFill>
-            <a:srgbClr val="2EA06A"/>
+            <a:srgbClr val="00C98D"/>
           </a:solidFill>
           <a:ln>
             <a:noFill/>
@@ -10922,7 +13682,7 @@
       </p:sp>
       <p:sp>
         <p:nvSpPr>
-          <p:cNvPr id="16" name="TextBox 15"/>
+          <p:cNvPr id="17" name="TextBox 16"/>
           <p:cNvSpPr txBox="1"/>
           <p:nvPr/>
         </p:nvSpPr>
@@ -10945,7 +13705,7 @@
             <a:pPr algn="ctr">
               <a:defRPr sz="2200" b="1">
                 <a:solidFill>
-                  <a:srgbClr val="2D3A4A"/>
+                  <a:srgbClr val="2C3E50"/>
                 </a:solidFill>
               </a:defRPr>
             </a:pPr>
@@ -10957,7 +13717,7 @@
       </p:sp>
       <p:sp>
         <p:nvSpPr>
-          <p:cNvPr id="17" name="TextBox 16"/>
+          <p:cNvPr id="18" name="TextBox 17"/>
           <p:cNvSpPr txBox="1"/>
           <p:nvPr/>
         </p:nvSpPr>
@@ -10980,7 +13740,7 @@
             <a:pPr algn="ctr">
               <a:defRPr sz="1500">
                 <a:solidFill>
-                  <a:srgbClr val="647487"/>
+                  <a:srgbClr val="6C757D"/>
                 </a:solidFill>
               </a:defRPr>
             </a:pPr>
@@ -10996,7 +13756,7 @@
       </p:sp>
       <p:sp>
         <p:nvSpPr>
-          <p:cNvPr id="18" name="Rounded Rectangle 17"/>
+          <p:cNvPr id="19" name="Rounded Rectangle 18"/>
           <p:cNvSpPr/>
           <p:nvPr/>
         </p:nvSpPr>
@@ -11009,11 +13769,11 @@
             <a:avLst/>
           </a:prstGeom>
           <a:solidFill>
-            <a:srgbClr val="F5F7FA"/>
+            <a:srgbClr val="F8F9FC"/>
           </a:solidFill>
           <a:ln w="38100">
             <a:solidFill>
-              <a:srgbClr val="E86C2C"/>
+              <a:srgbClr val="FF6B6B"/>
             </a:solidFill>
           </a:ln>
         </p:spPr>
@@ -11041,7 +13801,7 @@
       </p:sp>
       <p:sp>
         <p:nvSpPr>
-          <p:cNvPr id="19" name="Rectangle 18"/>
+          <p:cNvPr id="20" name="Rectangle 19"/>
           <p:cNvSpPr/>
           <p:nvPr/>
         </p:nvSpPr>
@@ -11054,7 +13814,7 @@
             <a:avLst/>
           </a:prstGeom>
           <a:solidFill>
-            <a:srgbClr val="E86C2C"/>
+            <a:srgbClr val="FF6B6B"/>
           </a:solidFill>
           <a:ln>
             <a:noFill/>
@@ -11084,7 +13844,7 @@
       </p:sp>
       <p:sp>
         <p:nvSpPr>
-          <p:cNvPr id="20" name="TextBox 19"/>
+          <p:cNvPr id="21" name="TextBox 20"/>
           <p:cNvSpPr txBox="1"/>
           <p:nvPr/>
         </p:nvSpPr>
@@ -11107,7 +13867,7 @@
             <a:pPr algn="ctr">
               <a:defRPr sz="2200" b="1">
                 <a:solidFill>
-                  <a:srgbClr val="2D3A4A"/>
+                  <a:srgbClr val="2C3E50"/>
                 </a:solidFill>
               </a:defRPr>
             </a:pPr>
@@ -11119,7 +13879,7 @@
       </p:sp>
       <p:sp>
         <p:nvSpPr>
-          <p:cNvPr id="21" name="TextBox 20"/>
+          <p:cNvPr id="22" name="TextBox 21"/>
           <p:cNvSpPr txBox="1"/>
           <p:nvPr/>
         </p:nvSpPr>
@@ -11142,7 +13902,7 @@
             <a:pPr algn="ctr">
               <a:defRPr sz="1500">
                 <a:solidFill>
-                  <a:srgbClr val="647487"/>
+                  <a:srgbClr val="6C757D"/>
                 </a:solidFill>
               </a:defRPr>
             </a:pPr>
@@ -11158,7 +13918,7 @@
       </p:sp>
       <p:sp>
         <p:nvSpPr>
-          <p:cNvPr id="22" name="Rounded Rectangle 21"/>
+          <p:cNvPr id="23" name="Rounded Rectangle 22"/>
           <p:cNvSpPr/>
           <p:nvPr/>
         </p:nvSpPr>
@@ -11171,11 +13931,11 @@
             <a:avLst/>
           </a:prstGeom>
           <a:solidFill>
-            <a:srgbClr val="F5F7FA"/>
+            <a:srgbClr val="F8F9FC"/>
           </a:solidFill>
           <a:ln w="38100">
             <a:solidFill>
-              <a:srgbClr val="1A568C"/>
+              <a:srgbClr val="16213E"/>
             </a:solidFill>
           </a:ln>
         </p:spPr>
@@ -11203,7 +13963,7 @@
       </p:sp>
       <p:sp>
         <p:nvSpPr>
-          <p:cNvPr id="23" name="Rectangle 22"/>
+          <p:cNvPr id="24" name="Rectangle 23"/>
           <p:cNvSpPr/>
           <p:nvPr/>
         </p:nvSpPr>
@@ -11216,7 +13976,7 @@
             <a:avLst/>
           </a:prstGeom>
           <a:solidFill>
-            <a:srgbClr val="1A568C"/>
+            <a:srgbClr val="16213E"/>
           </a:solidFill>
           <a:ln>
             <a:noFill/>
@@ -11246,7 +14006,7 @@
       </p:sp>
       <p:sp>
         <p:nvSpPr>
-          <p:cNvPr id="24" name="TextBox 23"/>
+          <p:cNvPr id="25" name="TextBox 24"/>
           <p:cNvSpPr txBox="1"/>
           <p:nvPr/>
         </p:nvSpPr>
@@ -11269,7 +14029,7 @@
             <a:pPr algn="ctr">
               <a:defRPr sz="2200" b="1">
                 <a:solidFill>
-                  <a:srgbClr val="2D3A4A"/>
+                  <a:srgbClr val="2C3E50"/>
                 </a:solidFill>
               </a:defRPr>
             </a:pPr>
@@ -11281,7 +14041,7 @@
       </p:sp>
       <p:sp>
         <p:nvSpPr>
-          <p:cNvPr id="25" name="TextBox 24"/>
+          <p:cNvPr id="26" name="TextBox 25"/>
           <p:cNvSpPr txBox="1"/>
           <p:nvPr/>
         </p:nvSpPr>
@@ -11304,7 +14064,7 @@
             <a:pPr algn="ctr">
               <a:defRPr sz="1500">
                 <a:solidFill>
-                  <a:srgbClr val="647487"/>
+                  <a:srgbClr val="6C757D"/>
                 </a:solidFill>
               </a:defRPr>
             </a:pPr>
@@ -11320,7 +14080,7 @@
       </p:sp>
       <p:sp>
         <p:nvSpPr>
-          <p:cNvPr id="26" name="Rounded Rectangle 25"/>
+          <p:cNvPr id="27" name="Rounded Rectangle 26"/>
           <p:cNvSpPr/>
           <p:nvPr/>
         </p:nvSpPr>
@@ -11333,11 +14093,11 @@
             <a:avLst/>
           </a:prstGeom>
           <a:solidFill>
-            <a:srgbClr val="F5F7FA"/>
+            <a:srgbClr val="F8F9FC"/>
           </a:solidFill>
           <a:ln w="38100">
             <a:solidFill>
-              <a:srgbClr val="009B9E"/>
+              <a:srgbClr val="00D4AA"/>
             </a:solidFill>
           </a:ln>
         </p:spPr>
@@ -11365,7 +14125,7 @@
       </p:sp>
       <p:sp>
         <p:nvSpPr>
-          <p:cNvPr id="27" name="Rectangle 26"/>
+          <p:cNvPr id="28" name="Rectangle 27"/>
           <p:cNvSpPr/>
           <p:nvPr/>
         </p:nvSpPr>
@@ -11378,7 +14138,7 @@
             <a:avLst/>
           </a:prstGeom>
           <a:solidFill>
-            <a:srgbClr val="009B9E"/>
+            <a:srgbClr val="00D4AA"/>
           </a:solidFill>
           <a:ln>
             <a:noFill/>
@@ -11408,7 +14168,7 @@
       </p:sp>
       <p:sp>
         <p:nvSpPr>
-          <p:cNvPr id="28" name="TextBox 27"/>
+          <p:cNvPr id="29" name="TextBox 28"/>
           <p:cNvSpPr txBox="1"/>
           <p:nvPr/>
         </p:nvSpPr>
@@ -11431,7 +14191,7 @@
             <a:pPr algn="ctr">
               <a:defRPr sz="2200" b="1">
                 <a:solidFill>
-                  <a:srgbClr val="2D3A4A"/>
+                  <a:srgbClr val="2C3E50"/>
                 </a:solidFill>
               </a:defRPr>
             </a:pPr>
@@ -11443,7 +14203,7 @@
       </p:sp>
       <p:sp>
         <p:nvSpPr>
-          <p:cNvPr id="29" name="TextBox 28"/>
+          <p:cNvPr id="30" name="TextBox 29"/>
           <p:cNvSpPr txBox="1"/>
           <p:nvPr/>
         </p:nvSpPr>
@@ -11466,7 +14226,7 @@
             <a:pPr algn="ctr">
               <a:defRPr sz="1500">
                 <a:solidFill>
-                  <a:srgbClr val="647487"/>
+                  <a:srgbClr val="6C757D"/>
                 </a:solidFill>
               </a:defRPr>
             </a:pPr>
@@ -11513,7 +14273,7 @@
             <a:avLst/>
           </a:prstGeom>
           <a:solidFill>
-            <a:srgbClr val="FFFFFF"/>
+            <a:srgbClr val="F8F9FC"/>
           </a:solidFill>
           <a:ln>
             <a:noFill/>
@@ -11550,13 +14310,13 @@
         <p:spPr>
           <a:xfrm>
             <a:off x="0" y="0"/>
-            <a:ext cx="12191695" cy="73152"/>
-          </a:xfrm>
-          <a:prstGeom prst="rect">
-            <a:avLst/>
-          </a:prstGeom>
-          <a:solidFill>
-            <a:srgbClr val="009B9E"/>
+            <a:ext cx="109728" cy="6858000"/>
+          </a:xfrm>
+          <a:prstGeom prst="rect">
+            <a:avLst/>
+          </a:prstGeom>
+          <a:solidFill>
+            <a:srgbClr val="00D4AA"/>
           </a:solidFill>
           <a:ln>
             <a:noFill/>
@@ -11586,7 +14346,50 @@
       </p:sp>
       <p:sp>
         <p:nvSpPr>
-          <p:cNvPr id="4" name="Rectangle 3"/>
+          <p:cNvPr id="4" name="Right Triangle 3"/>
+          <p:cNvSpPr/>
+          <p:nvPr/>
+        </p:nvSpPr>
+        <p:spPr>
+          <a:xfrm rot="10800000">
+            <a:off x="10515600" y="5760720"/>
+            <a:ext cx="1676095" cy="1097280"/>
+          </a:xfrm>
+          <a:prstGeom prst="rtTriangle">
+            <a:avLst/>
+          </a:prstGeom>
+          <a:solidFill>
+            <a:srgbClr val="E8F4F8"/>
+          </a:solidFill>
+          <a:ln>
+            <a:noFill/>
+          </a:ln>
+        </p:spPr>
+        <p:style>
+          <a:lnRef idx="1">
+            <a:schemeClr val="accent1"/>
+          </a:lnRef>
+          <a:fillRef idx="3">
+            <a:schemeClr val="accent1"/>
+          </a:fillRef>
+          <a:effectRef idx="2">
+            <a:schemeClr val="accent1"/>
+          </a:effectRef>
+          <a:fontRef idx="minor">
+            <a:schemeClr val="lt1"/>
+          </a:fontRef>
+        </p:style>
+        <p:txBody>
+          <a:bodyPr rtlCol="0" anchor="ctr"/>
+          <a:lstStyle/>
+          <a:p>
+            <a:pPr algn="ctr"/>
+          </a:p>
+        </p:txBody>
+      </p:sp>
+      <p:sp>
+        <p:nvSpPr>
+          <p:cNvPr id="5" name="Rectangle 4"/>
           <p:cNvSpPr/>
           <p:nvPr/>
         </p:nvSpPr>
@@ -11599,7 +14402,7 @@
             <a:avLst/>
           </a:prstGeom>
           <a:solidFill>
-            <a:srgbClr val="0D2B4A"/>
+            <a:srgbClr val="1A1A2E"/>
           </a:solidFill>
           <a:ln>
             <a:noFill/>
@@ -11629,7 +14432,7 @@
       </p:sp>
       <p:sp>
         <p:nvSpPr>
-          <p:cNvPr id="5" name="TextBox 4"/>
+          <p:cNvPr id="6" name="TextBox 5"/>
           <p:cNvSpPr txBox="1"/>
           <p:nvPr/>
         </p:nvSpPr>
@@ -11664,7 +14467,7 @@
       </p:sp>
       <p:sp>
         <p:nvSpPr>
-          <p:cNvPr id="6" name="Rounded Rectangle 5"/>
+          <p:cNvPr id="7" name="Rounded Rectangle 6"/>
           <p:cNvSpPr/>
           <p:nvPr/>
         </p:nvSpPr>
@@ -11677,7 +14480,7 @@
             <a:avLst/>
           </a:prstGeom>
           <a:solidFill>
-            <a:srgbClr val="2D3A4A"/>
+            <a:srgbClr val="2C3E50"/>
           </a:solidFill>
           <a:ln>
             <a:noFill/>
@@ -11707,7 +14510,7 @@
       </p:sp>
       <p:sp>
         <p:nvSpPr>
-          <p:cNvPr id="7" name="Oval 6"/>
+          <p:cNvPr id="8" name="Oval 7"/>
           <p:cNvSpPr/>
           <p:nvPr/>
         </p:nvSpPr>
@@ -11750,7 +14553,7 @@
       </p:sp>
       <p:sp>
         <p:nvSpPr>
-          <p:cNvPr id="8" name="TextBox 7"/>
+          <p:cNvPr id="9" name="TextBox 8"/>
           <p:cNvSpPr txBox="1"/>
           <p:nvPr/>
         </p:nvSpPr>
@@ -11773,7 +14576,7 @@
             <a:pPr algn="ctr">
               <a:defRPr sz="2200" b="1">
                 <a:solidFill>
-                  <a:srgbClr val="2D3A4A"/>
+                  <a:srgbClr val="2C3E50"/>
                 </a:solidFill>
               </a:defRPr>
             </a:pPr>
@@ -11785,7 +14588,7 @@
       </p:sp>
       <p:sp>
         <p:nvSpPr>
-          <p:cNvPr id="9" name="TextBox 8"/>
+          <p:cNvPr id="10" name="TextBox 9"/>
           <p:cNvSpPr txBox="1"/>
           <p:nvPr/>
         </p:nvSpPr>
@@ -11820,7 +14623,7 @@
       </p:sp>
       <p:sp>
         <p:nvSpPr>
-          <p:cNvPr id="10" name="TextBox 9"/>
+          <p:cNvPr id="11" name="TextBox 10"/>
           <p:cNvSpPr txBox="1"/>
           <p:nvPr/>
         </p:nvSpPr>
@@ -11859,7 +14662,7 @@
       </p:sp>
       <p:sp>
         <p:nvSpPr>
-          <p:cNvPr id="11" name="Right Arrow 10"/>
+          <p:cNvPr id="12" name="Right Arrow 11"/>
           <p:cNvSpPr/>
           <p:nvPr/>
         </p:nvSpPr>
@@ -11872,7 +14675,7 @@
             <a:avLst/>
           </a:prstGeom>
           <a:solidFill>
-            <a:srgbClr val="647487"/>
+            <a:srgbClr val="6C757D"/>
           </a:solidFill>
           <a:ln>
             <a:noFill/>
@@ -11902,7 +14705,7 @@
       </p:sp>
       <p:sp>
         <p:nvSpPr>
-          <p:cNvPr id="12" name="Rounded Rectangle 11"/>
+          <p:cNvPr id="13" name="Rounded Rectangle 12"/>
           <p:cNvSpPr/>
           <p:nvPr/>
         </p:nvSpPr>
@@ -11915,7 +14718,7 @@
             <a:avLst/>
           </a:prstGeom>
           <a:solidFill>
-            <a:srgbClr val="1A568C"/>
+            <a:srgbClr val="16213E"/>
           </a:solidFill>
           <a:ln>
             <a:noFill/>
@@ -11945,7 +14748,7 @@
       </p:sp>
       <p:sp>
         <p:nvSpPr>
-          <p:cNvPr id="13" name="Oval 12"/>
+          <p:cNvPr id="14" name="Oval 13"/>
           <p:cNvSpPr/>
           <p:nvPr/>
         </p:nvSpPr>
@@ -11988,7 +14791,7 @@
       </p:sp>
       <p:sp>
         <p:nvSpPr>
-          <p:cNvPr id="14" name="TextBox 13"/>
+          <p:cNvPr id="15" name="TextBox 14"/>
           <p:cNvSpPr txBox="1"/>
           <p:nvPr/>
         </p:nvSpPr>
@@ -12011,7 +14814,7 @@
             <a:pPr algn="ctr">
               <a:defRPr sz="2200" b="1">
                 <a:solidFill>
-                  <a:srgbClr val="1A568C"/>
+                  <a:srgbClr val="16213E"/>
                 </a:solidFill>
               </a:defRPr>
             </a:pPr>
@@ -12023,7 +14826,7 @@
       </p:sp>
       <p:sp>
         <p:nvSpPr>
-          <p:cNvPr id="15" name="TextBox 14"/>
+          <p:cNvPr id="16" name="TextBox 15"/>
           <p:cNvSpPr txBox="1"/>
           <p:nvPr/>
         </p:nvSpPr>
@@ -12058,7 +14861,7 @@
       </p:sp>
       <p:sp>
         <p:nvSpPr>
-          <p:cNvPr id="16" name="TextBox 15"/>
+          <p:cNvPr id="17" name="TextBox 16"/>
           <p:cNvSpPr txBox="1"/>
           <p:nvPr/>
         </p:nvSpPr>
@@ -12097,7 +14900,7 @@
       </p:sp>
       <p:sp>
         <p:nvSpPr>
-          <p:cNvPr id="17" name="Right Arrow 16"/>
+          <p:cNvPr id="18" name="Right Arrow 17"/>
           <p:cNvSpPr/>
           <p:nvPr/>
         </p:nvSpPr>
@@ -12110,7 +14913,7 @@
             <a:avLst/>
           </a:prstGeom>
           <a:solidFill>
-            <a:srgbClr val="647487"/>
+            <a:srgbClr val="6C757D"/>
           </a:solidFill>
           <a:ln>
             <a:noFill/>
@@ -12140,7 +14943,7 @@
       </p:sp>
       <p:sp>
         <p:nvSpPr>
-          <p:cNvPr id="18" name="Rounded Rectangle 17"/>
+          <p:cNvPr id="19" name="Rounded Rectangle 18"/>
           <p:cNvSpPr/>
           <p:nvPr/>
         </p:nvSpPr>
@@ -12153,7 +14956,7 @@
             <a:avLst/>
           </a:prstGeom>
           <a:solidFill>
-            <a:srgbClr val="009B9E"/>
+            <a:srgbClr val="00D4AA"/>
           </a:solidFill>
           <a:ln>
             <a:noFill/>
@@ -12183,7 +14986,7 @@
       </p:sp>
       <p:sp>
         <p:nvSpPr>
-          <p:cNvPr id="19" name="Oval 18"/>
+          <p:cNvPr id="20" name="Oval 19"/>
           <p:cNvSpPr/>
           <p:nvPr/>
         </p:nvSpPr>
@@ -12226,7 +15029,7 @@
       </p:sp>
       <p:sp>
         <p:nvSpPr>
-          <p:cNvPr id="20" name="TextBox 19"/>
+          <p:cNvPr id="21" name="TextBox 20"/>
           <p:cNvSpPr txBox="1"/>
           <p:nvPr/>
         </p:nvSpPr>
@@ -12249,7 +15052,7 @@
             <a:pPr algn="ctr">
               <a:defRPr sz="2200" b="1">
                 <a:solidFill>
-                  <a:srgbClr val="009B9E"/>
+                  <a:srgbClr val="00D4AA"/>
                 </a:solidFill>
               </a:defRPr>
             </a:pPr>
@@ -12261,7 +15064,7 @@
       </p:sp>
       <p:sp>
         <p:nvSpPr>
-          <p:cNvPr id="21" name="TextBox 20"/>
+          <p:cNvPr id="22" name="TextBox 21"/>
           <p:cNvSpPr txBox="1"/>
           <p:nvPr/>
         </p:nvSpPr>
@@ -12296,7 +15099,7 @@
       </p:sp>
       <p:sp>
         <p:nvSpPr>
-          <p:cNvPr id="22" name="TextBox 21"/>
+          <p:cNvPr id="23" name="TextBox 22"/>
           <p:cNvSpPr txBox="1"/>
           <p:nvPr/>
         </p:nvSpPr>
@@ -12335,7 +15138,7 @@
       </p:sp>
       <p:sp>
         <p:nvSpPr>
-          <p:cNvPr id="23" name="Right Arrow 22"/>
+          <p:cNvPr id="24" name="Right Arrow 23"/>
           <p:cNvSpPr/>
           <p:nvPr/>
         </p:nvSpPr>
@@ -12348,7 +15151,7 @@
             <a:avLst/>
           </a:prstGeom>
           <a:solidFill>
-            <a:srgbClr val="647487"/>
+            <a:srgbClr val="6C757D"/>
           </a:solidFill>
           <a:ln>
             <a:noFill/>
@@ -12378,7 +15181,7 @@
       </p:sp>
       <p:sp>
         <p:nvSpPr>
-          <p:cNvPr id="24" name="Rounded Rectangle 23"/>
+          <p:cNvPr id="25" name="Rounded Rectangle 24"/>
           <p:cNvSpPr/>
           <p:nvPr/>
         </p:nvSpPr>
@@ -12391,7 +15194,7 @@
             <a:avLst/>
           </a:prstGeom>
           <a:solidFill>
-            <a:srgbClr val="2EA06A"/>
+            <a:srgbClr val="00C98D"/>
           </a:solidFill>
           <a:ln>
             <a:noFill/>
@@ -12421,7 +15224,7 @@
       </p:sp>
       <p:sp>
         <p:nvSpPr>
-          <p:cNvPr id="25" name="Oval 24"/>
+          <p:cNvPr id="26" name="Oval 25"/>
           <p:cNvSpPr/>
           <p:nvPr/>
         </p:nvSpPr>
@@ -12464,7 +15267,7 @@
       </p:sp>
       <p:sp>
         <p:nvSpPr>
-          <p:cNvPr id="26" name="TextBox 25"/>
+          <p:cNvPr id="27" name="TextBox 26"/>
           <p:cNvSpPr txBox="1"/>
           <p:nvPr/>
         </p:nvSpPr>
@@ -12487,7 +15290,7 @@
             <a:pPr algn="ctr">
               <a:defRPr sz="2200" b="1">
                 <a:solidFill>
-                  <a:srgbClr val="2EA06A"/>
+                  <a:srgbClr val="00C98D"/>
                 </a:solidFill>
               </a:defRPr>
             </a:pPr>
@@ -12499,7 +15302,7 @@
       </p:sp>
       <p:sp>
         <p:nvSpPr>
-          <p:cNvPr id="27" name="TextBox 26"/>
+          <p:cNvPr id="28" name="TextBox 27"/>
           <p:cNvSpPr txBox="1"/>
           <p:nvPr/>
         </p:nvSpPr>
@@ -12534,7 +15337,7 @@
       </p:sp>
       <p:sp>
         <p:nvSpPr>
-          <p:cNvPr id="28" name="TextBox 27"/>
+          <p:cNvPr id="29" name="TextBox 28"/>
           <p:cNvSpPr txBox="1"/>
           <p:nvPr/>
         </p:nvSpPr>
@@ -12573,7 +15376,7 @@
       </p:sp>
       <p:sp>
         <p:nvSpPr>
-          <p:cNvPr id="29" name="Right Arrow 28"/>
+          <p:cNvPr id="30" name="Right Arrow 29"/>
           <p:cNvSpPr/>
           <p:nvPr/>
         </p:nvSpPr>
@@ -12586,7 +15389,7 @@
             <a:avLst/>
           </a:prstGeom>
           <a:solidFill>
-            <a:srgbClr val="647487"/>
+            <a:srgbClr val="6C757D"/>
           </a:solidFill>
           <a:ln>
             <a:noFill/>
@@ -12616,7 +15419,7 @@
       </p:sp>
       <p:sp>
         <p:nvSpPr>
-          <p:cNvPr id="30" name="Rounded Rectangle 29"/>
+          <p:cNvPr id="31" name="Rounded Rectangle 30"/>
           <p:cNvSpPr/>
           <p:nvPr/>
         </p:nvSpPr>
@@ -12629,7 +15432,7 @@
             <a:avLst/>
           </a:prstGeom>
           <a:solidFill>
-            <a:srgbClr val="E86C2C"/>
+            <a:srgbClr val="FF6B6B"/>
           </a:solidFill>
           <a:ln>
             <a:noFill/>
@@ -12659,7 +15462,7 @@
       </p:sp>
       <p:sp>
         <p:nvSpPr>
-          <p:cNvPr id="31" name="Oval 30"/>
+          <p:cNvPr id="32" name="Oval 31"/>
           <p:cNvSpPr/>
           <p:nvPr/>
         </p:nvSpPr>
@@ -12702,7 +15505,7 @@
       </p:sp>
       <p:sp>
         <p:nvSpPr>
-          <p:cNvPr id="32" name="TextBox 31"/>
+          <p:cNvPr id="33" name="TextBox 32"/>
           <p:cNvSpPr txBox="1"/>
           <p:nvPr/>
         </p:nvSpPr>
@@ -12725,7 +15528,7 @@
             <a:pPr algn="ctr">
               <a:defRPr sz="2200" b="1">
                 <a:solidFill>
-                  <a:srgbClr val="E86C2C"/>
+                  <a:srgbClr val="FF6B6B"/>
                 </a:solidFill>
               </a:defRPr>
             </a:pPr>
@@ -12737,7 +15540,7 @@
       </p:sp>
       <p:sp>
         <p:nvSpPr>
-          <p:cNvPr id="33" name="TextBox 32"/>
+          <p:cNvPr id="34" name="TextBox 33"/>
           <p:cNvSpPr txBox="1"/>
           <p:nvPr/>
         </p:nvSpPr>
@@ -12772,7 +15575,7 @@
       </p:sp>
       <p:sp>
         <p:nvSpPr>
-          <p:cNvPr id="34" name="TextBox 33"/>
+          <p:cNvPr id="35" name="TextBox 34"/>
           <p:cNvSpPr txBox="1"/>
           <p:nvPr/>
         </p:nvSpPr>
@@ -12811,7 +15614,7 @@
       </p:sp>
       <p:sp>
         <p:nvSpPr>
-          <p:cNvPr id="35" name="TextBox 34"/>
+          <p:cNvPr id="36" name="TextBox 35"/>
           <p:cNvSpPr txBox="1"/>
           <p:nvPr/>
         </p:nvSpPr>
@@ -12834,7 +15637,7 @@
             <a:pPr algn="ctr">
               <a:defRPr sz="2000" i="1">
                 <a:solidFill>
-                  <a:srgbClr val="1A568C"/>
+                  <a:srgbClr val="16213E"/>
                 </a:solidFill>
               </a:defRPr>
             </a:pPr>
@@ -12877,7 +15680,7 @@
             <a:avLst/>
           </a:prstGeom>
           <a:solidFill>
-            <a:srgbClr val="FFFFFF"/>
+            <a:srgbClr val="F8F9FC"/>
           </a:solidFill>
           <a:ln>
             <a:noFill/>
@@ -12914,13 +15717,13 @@
         <p:spPr>
           <a:xfrm>
             <a:off x="0" y="0"/>
-            <a:ext cx="12191695" cy="73152"/>
-          </a:xfrm>
-          <a:prstGeom prst="rect">
-            <a:avLst/>
-          </a:prstGeom>
-          <a:solidFill>
-            <a:srgbClr val="009B9E"/>
+            <a:ext cx="109728" cy="6858000"/>
+          </a:xfrm>
+          <a:prstGeom prst="rect">
+            <a:avLst/>
+          </a:prstGeom>
+          <a:solidFill>
+            <a:srgbClr val="00D4AA"/>
           </a:solidFill>
           <a:ln>
             <a:noFill/>
@@ -12950,7 +15753,50 @@
       </p:sp>
       <p:sp>
         <p:nvSpPr>
-          <p:cNvPr id="4" name="Rectangle 3"/>
+          <p:cNvPr id="4" name="Right Triangle 3"/>
+          <p:cNvSpPr/>
+          <p:nvPr/>
+        </p:nvSpPr>
+        <p:spPr>
+          <a:xfrm rot="10800000">
+            <a:off x="10515600" y="5760720"/>
+            <a:ext cx="1676095" cy="1097280"/>
+          </a:xfrm>
+          <a:prstGeom prst="rtTriangle">
+            <a:avLst/>
+          </a:prstGeom>
+          <a:solidFill>
+            <a:srgbClr val="E8F4F8"/>
+          </a:solidFill>
+          <a:ln>
+            <a:noFill/>
+          </a:ln>
+        </p:spPr>
+        <p:style>
+          <a:lnRef idx="1">
+            <a:schemeClr val="accent1"/>
+          </a:lnRef>
+          <a:fillRef idx="3">
+            <a:schemeClr val="accent1"/>
+          </a:fillRef>
+          <a:effectRef idx="2">
+            <a:schemeClr val="accent1"/>
+          </a:effectRef>
+          <a:fontRef idx="minor">
+            <a:schemeClr val="lt1"/>
+          </a:fontRef>
+        </p:style>
+        <p:txBody>
+          <a:bodyPr rtlCol="0" anchor="ctr"/>
+          <a:lstStyle/>
+          <a:p>
+            <a:pPr algn="ctr"/>
+          </a:p>
+        </p:txBody>
+      </p:sp>
+      <p:sp>
+        <p:nvSpPr>
+          <p:cNvPr id="5" name="Rectangle 4"/>
           <p:cNvSpPr/>
           <p:nvPr/>
         </p:nvSpPr>
@@ -12963,7 +15809,7 @@
             <a:avLst/>
           </a:prstGeom>
           <a:solidFill>
-            <a:srgbClr val="0D2B4A"/>
+            <a:srgbClr val="1A1A2E"/>
           </a:solidFill>
           <a:ln>
             <a:noFill/>
@@ -12993,7 +15839,7 @@
       </p:sp>
       <p:sp>
         <p:nvSpPr>
-          <p:cNvPr id="5" name="TextBox 4"/>
+          <p:cNvPr id="6" name="TextBox 5"/>
           <p:cNvSpPr txBox="1"/>
           <p:nvPr/>
         </p:nvSpPr>
@@ -13028,7 +15874,7 @@
       </p:sp>
       <p:sp>
         <p:nvSpPr>
-          <p:cNvPr id="6" name="Rounded Rectangle 5"/>
+          <p:cNvPr id="7" name="Rounded Rectangle 6"/>
           <p:cNvSpPr/>
           <p:nvPr/>
         </p:nvSpPr>
@@ -13041,7 +15887,7 @@
             <a:avLst/>
           </a:prstGeom>
           <a:solidFill>
-            <a:srgbClr val="009B9E"/>
+            <a:srgbClr val="00D4AA"/>
           </a:solidFill>
           <a:ln>
             <a:noFill/>
@@ -13071,7 +15917,7 @@
       </p:sp>
       <p:sp>
         <p:nvSpPr>
-          <p:cNvPr id="7" name="TextBox 6"/>
+          <p:cNvPr id="8" name="TextBox 7"/>
           <p:cNvSpPr txBox="1"/>
           <p:nvPr/>
         </p:nvSpPr>
@@ -13106,7 +15952,7 @@
       </p:sp>
       <p:sp>
         <p:nvSpPr>
-          <p:cNvPr id="8" name="Rectangle 7"/>
+          <p:cNvPr id="9" name="Rectangle 8"/>
           <p:cNvSpPr/>
           <p:nvPr/>
         </p:nvSpPr>
@@ -13149,7 +15995,7 @@
       </p:sp>
       <p:sp>
         <p:nvSpPr>
-          <p:cNvPr id="9" name="TextBox 8"/>
+          <p:cNvPr id="10" name="TextBox 9"/>
           <p:cNvSpPr txBox="1"/>
           <p:nvPr/>
         </p:nvSpPr>
@@ -13192,7 +16038,7 @@
       </p:sp>
       <p:sp>
         <p:nvSpPr>
-          <p:cNvPr id="10" name="Rounded Rectangle 9"/>
+          <p:cNvPr id="11" name="Rounded Rectangle 10"/>
           <p:cNvSpPr/>
           <p:nvPr/>
         </p:nvSpPr>
@@ -13205,7 +16051,7 @@
             <a:avLst/>
           </a:prstGeom>
           <a:solidFill>
-            <a:srgbClr val="1A568C"/>
+            <a:srgbClr val="16213E"/>
           </a:solidFill>
           <a:ln>
             <a:noFill/>
@@ -13235,7 +16081,7 @@
       </p:sp>
       <p:sp>
         <p:nvSpPr>
-          <p:cNvPr id="11" name="TextBox 10"/>
+          <p:cNvPr id="12" name="TextBox 11"/>
           <p:cNvSpPr txBox="1"/>
           <p:nvPr/>
         </p:nvSpPr>
@@ -13270,7 +16116,7 @@
       </p:sp>
       <p:sp>
         <p:nvSpPr>
-          <p:cNvPr id="12" name="Rectangle 11"/>
+          <p:cNvPr id="13" name="Rectangle 12"/>
           <p:cNvSpPr/>
           <p:nvPr/>
         </p:nvSpPr>
@@ -13313,7 +16159,7 @@
       </p:sp>
       <p:sp>
         <p:nvSpPr>
-          <p:cNvPr id="13" name="TextBox 12"/>
+          <p:cNvPr id="14" name="TextBox 13"/>
           <p:cNvSpPr txBox="1"/>
           <p:nvPr/>
         </p:nvSpPr>
@@ -13356,7 +16202,7 @@
       </p:sp>
       <p:sp>
         <p:nvSpPr>
-          <p:cNvPr id="14" name="Rounded Rectangle 13"/>
+          <p:cNvPr id="15" name="Rounded Rectangle 14"/>
           <p:cNvSpPr/>
           <p:nvPr/>
         </p:nvSpPr>
@@ -13369,7 +16215,7 @@
             <a:avLst/>
           </a:prstGeom>
           <a:solidFill>
-            <a:srgbClr val="2EA06A"/>
+            <a:srgbClr val="00C98D"/>
           </a:solidFill>
           <a:ln>
             <a:noFill/>
@@ -13399,7 +16245,7 @@
       </p:sp>
       <p:sp>
         <p:nvSpPr>
-          <p:cNvPr id="15" name="TextBox 14"/>
+          <p:cNvPr id="16" name="TextBox 15"/>
           <p:cNvSpPr txBox="1"/>
           <p:nvPr/>
         </p:nvSpPr>
@@ -13434,7 +16280,7 @@
       </p:sp>
       <p:sp>
         <p:nvSpPr>
-          <p:cNvPr id="16" name="Rectangle 15"/>
+          <p:cNvPr id="17" name="Rectangle 16"/>
           <p:cNvSpPr/>
           <p:nvPr/>
         </p:nvSpPr>
@@ -13477,7 +16323,7 @@
       </p:sp>
       <p:sp>
         <p:nvSpPr>
-          <p:cNvPr id="17" name="TextBox 16"/>
+          <p:cNvPr id="18" name="TextBox 17"/>
           <p:cNvSpPr txBox="1"/>
           <p:nvPr/>
         </p:nvSpPr>
@@ -13520,7 +16366,7 @@
       </p:sp>
       <p:sp>
         <p:nvSpPr>
-          <p:cNvPr id="18" name="Rounded Rectangle 17"/>
+          <p:cNvPr id="19" name="Rounded Rectangle 18"/>
           <p:cNvSpPr/>
           <p:nvPr/>
         </p:nvSpPr>
@@ -13533,7 +16379,7 @@
             <a:avLst/>
           </a:prstGeom>
           <a:solidFill>
-            <a:srgbClr val="E86C2C"/>
+            <a:srgbClr val="FF6B6B"/>
           </a:solidFill>
           <a:ln>
             <a:noFill/>
@@ -13563,7 +16409,7 @@
       </p:sp>
       <p:sp>
         <p:nvSpPr>
-          <p:cNvPr id="19" name="TextBox 18"/>
+          <p:cNvPr id="20" name="TextBox 19"/>
           <p:cNvSpPr txBox="1"/>
           <p:nvPr/>
         </p:nvSpPr>
@@ -13598,7 +16444,7 @@
       </p:sp>
       <p:sp>
         <p:nvSpPr>
-          <p:cNvPr id="20" name="Rectangle 19"/>
+          <p:cNvPr id="21" name="Rectangle 20"/>
           <p:cNvSpPr/>
           <p:nvPr/>
         </p:nvSpPr>
@@ -13641,7 +16487,7 @@
       </p:sp>
       <p:sp>
         <p:nvSpPr>
-          <p:cNvPr id="21" name="TextBox 20"/>
+          <p:cNvPr id="22" name="TextBox 21"/>
           <p:cNvSpPr txBox="1"/>
           <p:nvPr/>
         </p:nvSpPr>

--- a/GREmLN_MCP_Server_Presentation.pptx
+++ b/GREmLN_MCP_Server_Presentation.pptx
@@ -11694,7 +11694,7 @@
         <p:spPr>
           <a:xfrm>
             <a:off x="7589520" y="1097280"/>
-            <a:ext cx="4114800" cy="5029200"/>
+            <a:ext cx="4114800" cy="1737360"/>
           </a:xfrm>
           <a:prstGeom prst="roundRect">
             <a:avLst/>
@@ -11773,8 +11773,8 @@
         </p:nvSpPr>
         <p:spPr>
           <a:xfrm>
-            <a:off x="7772400" y="1600200"/>
-            <a:ext cx="3749039" cy="4389120"/>
+            <a:off x="7772400" y="1508760"/>
+            <a:ext cx="3749039" cy="1280160"/>
           </a:xfrm>
           <a:prstGeom prst="rect">
             <a:avLst/>
@@ -11791,193 +11791,429 @@
               <a:spcBef>
                 <a:spcPts val="0"/>
               </a:spcBef>
-              <a:defRPr sz="1100" b="1">
+              <a:defRPr sz="900" b="0">
                 <a:solidFill>
                   <a:srgbClr val="00D4AA"/>
                 </a:solidFill>
               </a:defRPr>
             </a:pPr>
             <a:r>
-              <a:t>1. GRN Edges</a:t>
+              <a:t>1. GRN Edges: Direct regulatory targets</a:t>
             </a:r>
           </a:p>
           <a:p>
             <a:pPr>
               <a:spcBef>
-                <a:spcPts val="0"/>
+                <a:spcPts val="200"/>
               </a:spcBef>
-              <a:defRPr sz="1000">
-                <a:solidFill>
-                  <a:srgbClr val="2C3E50"/>
+              <a:defRPr sz="900" b="0">
+                <a:solidFill>
+                  <a:srgbClr val="4A69BD"/>
                 </a:solidFill>
               </a:defRPr>
             </a:pPr>
             <a:r>
-              <a:t>Direct regulatory targets</a:t>
+              <a:t>2. STRING: Protein interaction partners</a:t>
             </a:r>
           </a:p>
           <a:p>
             <a:pPr>
               <a:spcBef>
-                <a:spcPts val="800"/>
+                <a:spcPts val="200"/>
               </a:spcBef>
-              <a:defRPr sz="1100" b="1">
-                <a:solidFill>
-                  <a:srgbClr val="4A69BD"/>
+              <a:defRPr sz="900" b="0">
+                <a:solidFill>
+                  <a:srgbClr val="9D4EDD"/>
                 </a:solidFill>
               </a:defRPr>
             </a:pPr>
             <a:r>
-              <a:t>2. STRING</a:t>
+              <a:t>3. Embeddings: Functionally similar genes</a:t>
             </a:r>
           </a:p>
           <a:p>
             <a:pPr>
               <a:spcBef>
-                <a:spcPts val="0"/>
+                <a:spcPts val="200"/>
               </a:spcBef>
-              <a:defRPr sz="1000">
-                <a:solidFill>
-                  <a:srgbClr val="2C3E50"/>
+              <a:defRPr sz="900" b="0">
+                <a:solidFill>
+                  <a:srgbClr val="FF6B6B"/>
                 </a:solidFill>
               </a:defRPr>
             </a:pPr>
             <a:r>
-              <a:t>Protein interaction partners</a:t>
+              <a:t>4. LINCS: Perturbation signatures</a:t>
             </a:r>
           </a:p>
           <a:p>
             <a:pPr>
               <a:spcBef>
-                <a:spcPts val="800"/>
+                <a:spcPts val="200"/>
               </a:spcBef>
-              <a:defRPr sz="1100" b="1">
-                <a:solidFill>
-                  <a:srgbClr val="9D4EDD"/>
+              <a:defRPr sz="900" b="0">
+                <a:solidFill>
+                  <a:srgbClr val="00C98D"/>
                 </a:solidFill>
               </a:defRPr>
             </a:pPr>
             <a:r>
-              <a:t>3. Embeddings</a:t>
+              <a:t>5. Super-enhancer: Chromatin-linked TFs</a:t>
             </a:r>
           </a:p>
           <a:p>
             <a:pPr>
               <a:spcBef>
-                <a:spcPts val="0"/>
+                <a:spcPts val="200"/>
               </a:spcBef>
-              <a:defRPr sz="1000">
-                <a:solidFill>
-                  <a:srgbClr val="2C3E50"/>
+              <a:defRPr sz="900" b="0">
+                <a:solidFill>
+                  <a:srgbClr val="6C757D"/>
                 </a:solidFill>
               </a:defRPr>
             </a:pPr>
             <a:r>
-              <a:t>Functionally similar genes</a:t>
-            </a:r>
-          </a:p>
+              <a:t>6. Embed-only: Lowest confidence fallback</a:t>
+            </a:r>
+          </a:p>
+        </p:txBody>
+      </p:sp>
+      <p:sp>
+        <p:nvSpPr>
+          <p:cNvPr id="85" name="Rounded Rectangle 84"/>
+          <p:cNvSpPr/>
+          <p:nvPr/>
+        </p:nvSpPr>
+        <p:spPr>
+          <a:xfrm>
+            <a:off x="7680960" y="3931920"/>
+            <a:ext cx="3931920" cy="3200400"/>
+          </a:xfrm>
+          <a:prstGeom prst="roundRect">
+            <a:avLst/>
+          </a:prstGeom>
+          <a:solidFill>
+            <a:srgbClr val="1A1A2E"/>
+          </a:solidFill>
+          <a:ln>
+            <a:noFill/>
+          </a:ln>
+        </p:spPr>
+        <p:style>
+          <a:lnRef idx="1">
+            <a:schemeClr val="accent1"/>
+          </a:lnRef>
+          <a:fillRef idx="3">
+            <a:schemeClr val="accent1"/>
+          </a:fillRef>
+          <a:effectRef idx="2">
+            <a:schemeClr val="accent1"/>
+          </a:effectRef>
+          <a:fontRef idx="minor">
+            <a:schemeClr val="lt1"/>
+          </a:fontRef>
+        </p:style>
+        <p:txBody>
+          <a:bodyPr rtlCol="0" anchor="ctr"/>
+          <a:lstStyle/>
+          <a:p>
+            <a:pPr algn="ctr"/>
+          </a:p>
+        </p:txBody>
+      </p:sp>
+      <p:sp>
+        <p:nvSpPr>
+          <p:cNvPr id="86" name="TextBox 85"/>
+          <p:cNvSpPr txBox="1"/>
+          <p:nvPr/>
+        </p:nvSpPr>
+        <p:spPr>
+          <a:xfrm>
+            <a:off x="7772400" y="4005072"/>
+            <a:ext cx="3749039" cy="274320"/>
+          </a:xfrm>
+          <a:prstGeom prst="rect">
+            <a:avLst/>
+          </a:prstGeom>
+          <a:noFill/>
+        </p:spPr>
+        <p:txBody>
+          <a:bodyPr wrap="none">
+            <a:spAutoFit/>
+          </a:bodyPr>
+          <a:lstStyle/>
           <a:p>
             <a:pPr>
-              <a:spcBef>
-                <a:spcPts val="800"/>
-              </a:spcBef>
               <a:defRPr sz="1100" b="1">
                 <a:solidFill>
-                  <a:srgbClr val="FF6B6B"/>
+                  <a:srgbClr val="00D4AA"/>
                 </a:solidFill>
               </a:defRPr>
             </a:pPr>
             <a:r>
-              <a:t>4. LINCS</a:t>
-            </a:r>
-          </a:p>
+              <a:t>Perturbation Scoring</a:t>
+            </a:r>
+          </a:p>
+        </p:txBody>
+      </p:sp>
+      <p:sp>
+        <p:nvSpPr>
+          <p:cNvPr id="87" name="TextBox 86"/>
+          <p:cNvSpPr txBox="1"/>
+          <p:nvPr/>
+        </p:nvSpPr>
+        <p:spPr>
+          <a:xfrm>
+            <a:off x="7772400" y="4251960"/>
+            <a:ext cx="3749039" cy="228600"/>
+          </a:xfrm>
+          <a:prstGeom prst="rect">
+            <a:avLst/>
+          </a:prstGeom>
+          <a:noFill/>
+        </p:spPr>
+        <p:txBody>
+          <a:bodyPr wrap="none">
+            <a:spAutoFit/>
+          </a:bodyPr>
+          <a:lstStyle/>
           <a:p>
             <a:pPr>
-              <a:spcBef>
-                <a:spcPts val="0"/>
-              </a:spcBef>
-              <a:defRPr sz="1000">
-                <a:solidFill>
-                  <a:srgbClr val="2C3E50"/>
+              <a:defRPr sz="900">
+                <a:solidFill>
+                  <a:srgbClr val="88CCBB"/>
                 </a:solidFill>
               </a:defRPr>
             </a:pPr>
             <a:r>
-              <a:t>Perturbation signatures</a:t>
-            </a:r>
-          </a:p>
+              <a:t>Network Effect (BFS propagation):</a:t>
+            </a:r>
+          </a:p>
+        </p:txBody>
+      </p:sp>
+      <p:sp>
+        <p:nvSpPr>
+          <p:cNvPr id="88" name="TextBox 87"/>
+          <p:cNvSpPr txBox="1"/>
+          <p:nvPr/>
+        </p:nvSpPr>
+        <p:spPr>
+          <a:xfrm>
+            <a:off x="7772400" y="4434840"/>
+            <a:ext cx="3749039" cy="320040"/>
+          </a:xfrm>
+          <a:prstGeom prst="rect">
+            <a:avLst/>
+          </a:prstGeom>
+          <a:noFill/>
+        </p:spPr>
+        <p:txBody>
+          <a:bodyPr wrap="none">
+            <a:spAutoFit/>
+          </a:bodyPr>
+          <a:lstStyle/>
           <a:p>
             <a:pPr>
-              <a:spcBef>
-                <a:spcPts val="800"/>
-              </a:spcBef>
-              <a:defRPr sz="1100" b="1">
-                <a:solidFill>
-                  <a:srgbClr val="00C98D"/>
-                </a:solidFill>
+              <a:defRPr sz="1200" b="1">
+                <a:solidFill>
+                  <a:srgbClr val="FFFFFF"/>
+                </a:solidFill>
+                <a:latin typeface="Consolas"/>
               </a:defRPr>
             </a:pPr>
             <a:r>
-              <a:t>5. Super-enhancer</a:t>
-            </a:r>
-          </a:p>
+              <a:t>E_net(t) = ∏ MI(e)  for edges r→t</a:t>
+            </a:r>
+          </a:p>
+        </p:txBody>
+      </p:sp>
+      <p:sp>
+        <p:nvSpPr>
+          <p:cNvPr id="89" name="TextBox 88"/>
+          <p:cNvSpPr txBox="1"/>
+          <p:nvPr/>
+        </p:nvSpPr>
+        <p:spPr>
+          <a:xfrm>
+            <a:off x="7772400" y="4754880"/>
+            <a:ext cx="3749039" cy="228600"/>
+          </a:xfrm>
+          <a:prstGeom prst="rect">
+            <a:avLst/>
+          </a:prstGeom>
+          <a:noFill/>
+        </p:spPr>
+        <p:txBody>
+          <a:bodyPr wrap="none">
+            <a:spAutoFit/>
+          </a:bodyPr>
+          <a:lstStyle/>
           <a:p>
             <a:pPr>
-              <a:spcBef>
-                <a:spcPts val="0"/>
-              </a:spcBef>
-              <a:defRPr sz="1000">
-                <a:solidFill>
-                  <a:srgbClr val="2C3E50"/>
+              <a:defRPr sz="900">
+                <a:solidFill>
+                  <a:srgbClr val="BB88DD"/>
                 </a:solidFill>
               </a:defRPr>
             </a:pPr>
             <a:r>
-              <a:t>Chromatin-linked TFs</a:t>
-            </a:r>
-          </a:p>
+              <a:t>Embedding Similarity:</a:t>
+            </a:r>
+          </a:p>
+        </p:txBody>
+      </p:sp>
+      <p:sp>
+        <p:nvSpPr>
+          <p:cNvPr id="90" name="TextBox 89"/>
+          <p:cNvSpPr txBox="1"/>
+          <p:nvPr/>
+        </p:nvSpPr>
+        <p:spPr>
+          <a:xfrm>
+            <a:off x="7772400" y="4937760"/>
+            <a:ext cx="3749039" cy="320040"/>
+          </a:xfrm>
+          <a:prstGeom prst="rect">
+            <a:avLst/>
+          </a:prstGeom>
+          <a:noFill/>
+        </p:spPr>
+        <p:txBody>
+          <a:bodyPr wrap="none">
+            <a:spAutoFit/>
+          </a:bodyPr>
+          <a:lstStyle/>
           <a:p>
             <a:pPr>
-              <a:spcBef>
-                <a:spcPts val="800"/>
-              </a:spcBef>
-              <a:defRPr sz="1100" b="1">
-                <a:solidFill>
-                  <a:srgbClr val="6C757D"/>
-                </a:solidFill>
+              <a:defRPr sz="1200" b="1">
+                <a:solidFill>
+                  <a:srgbClr val="FFFFFF"/>
+                </a:solidFill>
+                <a:latin typeface="Consolas"/>
               </a:defRPr>
             </a:pPr>
             <a:r>
-              <a:t>6. Embed-only</a:t>
-            </a:r>
-          </a:p>
+              <a:t>E_emb(t) = cos(v_g, v_t)</a:t>
+            </a:r>
+          </a:p>
+        </p:txBody>
+      </p:sp>
+      <p:sp>
+        <p:nvSpPr>
+          <p:cNvPr id="91" name="TextBox 90"/>
+          <p:cNvSpPr txBox="1"/>
+          <p:nvPr/>
+        </p:nvSpPr>
+        <p:spPr>
+          <a:xfrm>
+            <a:off x="7772400" y="5257800"/>
+            <a:ext cx="3749039" cy="228600"/>
+          </a:xfrm>
+          <a:prstGeom prst="rect">
+            <a:avLst/>
+          </a:prstGeom>
+          <a:noFill/>
+        </p:spPr>
+        <p:txBody>
+          <a:bodyPr wrap="none">
+            <a:spAutoFit/>
+          </a:bodyPr>
+          <a:lstStyle/>
           <a:p>
             <a:pPr>
-              <a:spcBef>
-                <a:spcPts val="0"/>
-              </a:spcBef>
-              <a:defRPr sz="1000">
-                <a:solidFill>
-                  <a:srgbClr val="2C3E50"/>
+              <a:defRPr sz="900">
+                <a:solidFill>
+                  <a:srgbClr val="FFCC66"/>
                 </a:solidFill>
               </a:defRPr>
             </a:pPr>
             <a:r>
-              <a:t>Lowest confidence fallback</a:t>
-            </a:r>
-          </a:p>
-        </p:txBody>
-      </p:sp>
-      <p:sp>
-        <p:nvSpPr>
-          <p:cNvPr id="85" name="TextBox 84"/>
+              <a:t>Combined Effect:</a:t>
+            </a:r>
+          </a:p>
+        </p:txBody>
+      </p:sp>
+      <p:sp>
+        <p:nvSpPr>
+          <p:cNvPr id="92" name="TextBox 91"/>
           <p:cNvSpPr txBox="1"/>
           <p:nvPr/>
         </p:nvSpPr>
         <p:spPr>
           <a:xfrm>
-            <a:off x="7772400" y="5120640"/>
-            <a:ext cx="3749039" cy="914400"/>
+            <a:off x="7772400" y="5440680"/>
+            <a:ext cx="3749039" cy="457200"/>
+          </a:xfrm>
+          <a:prstGeom prst="rect">
+            <a:avLst/>
+          </a:prstGeom>
+          <a:noFill/>
+        </p:spPr>
+        <p:txBody>
+          <a:bodyPr wrap="none">
+            <a:spAutoFit/>
+          </a:bodyPr>
+          <a:lstStyle/>
+          <a:p>
+            <a:pPr>
+              <a:defRPr sz="1200" b="1">
+                <a:solidFill>
+                  <a:srgbClr val="FFFFFF"/>
+                </a:solidFill>
+                <a:latin typeface="Consolas"/>
+              </a:defRPr>
+            </a:pPr>
+            <a:r>
+              <a:t>E(t) = E_net × (α + (1-α) × E_emb)</a:t>
+            </a:r>
+          </a:p>
+        </p:txBody>
+      </p:sp>
+      <p:sp>
+        <p:nvSpPr>
+          <p:cNvPr id="93" name="TextBox 92"/>
+          <p:cNvSpPr txBox="1"/>
+          <p:nvPr/>
+        </p:nvSpPr>
+        <p:spPr>
+          <a:xfrm>
+            <a:off x="7772400" y="5806440"/>
+            <a:ext cx="3749039" cy="228600"/>
+          </a:xfrm>
+          <a:prstGeom prst="rect">
+            <a:avLst/>
+          </a:prstGeom>
+          <a:noFill/>
+        </p:spPr>
+        <p:txBody>
+          <a:bodyPr wrap="none">
+            <a:spAutoFit/>
+          </a:bodyPr>
+          <a:lstStyle/>
+          <a:p>
+            <a:pPr>
+              <a:defRPr sz="900" i="1">
+                <a:solidFill>
+                  <a:srgbClr val="AABBCC"/>
+                </a:solidFill>
+              </a:defRPr>
+            </a:pPr>
+            <a:r>
+              <a:t>where α = 0.7 (network weight)</a:t>
+            </a:r>
+          </a:p>
+        </p:txBody>
+      </p:sp>
+      <p:sp>
+        <p:nvSpPr>
+          <p:cNvPr id="94" name="TextBox 93"/>
+          <p:cNvSpPr txBox="1"/>
+          <p:nvPr/>
+        </p:nvSpPr>
+        <p:spPr>
+          <a:xfrm>
+            <a:off x="7772400" y="6080760"/>
+            <a:ext cx="3749039" cy="1005840"/>
           </a:xfrm>
           <a:prstGeom prst="rect">
             <a:avLst/>
@@ -11991,14 +12227,38 @@
           <a:lstStyle/>
           <a:p>
             <a:pPr>
-              <a:defRPr sz="1000" i="1">
-                <a:solidFill>
-                  <a:srgbClr val="6C757D"/>
+              <a:defRPr sz="800">
+                <a:solidFill>
+                  <a:srgbClr val="00D4AA"/>
                 </a:solidFill>
               </a:defRPr>
             </a:pPr>
             <a:r>
-              <a:t>Goal: Route every perturbation to GRN-active nodes for BFS propagation</a:t>
+              <a:t>r = Route(g) → GRN-active node</a:t>
+            </a:r>
+          </a:p>
+          <a:p>
+            <a:pPr>
+              <a:defRPr sz="800">
+                <a:solidFill>
+                  <a:srgbClr val="99AABB"/>
+                </a:solidFill>
+              </a:defRPr>
+            </a:pPr>
+            <a:r>
+              <a:t>v_g, v_t = 256-dim gene embeddings</a:t>
+            </a:r>
+          </a:p>
+          <a:p>
+            <a:pPr>
+              <a:defRPr sz="800">
+                <a:solidFill>
+                  <a:srgbClr val="99AABB"/>
+                </a:solidFill>
+              </a:defRPr>
+            </a:pPr>
+            <a:r>
+              <a:t>MI(e) = mutual information edge weight</a:t>
             </a:r>
           </a:p>
         </p:txBody>
